--- a/BusinessAdjectives4.pptx
+++ b/BusinessAdjectives4.pptx
@@ -255,7 +255,7 @@
             <a:spLocks noGrp="1" noChangeArrowheads="1"/>
             <a:extLst>
               <a:ext uri="smNativeData">
-                <pr:smNativeData xmlns:pr="smNativeData" val="SMDATA_13_m5rdZRMAAAAlAAAAZAAAAA8BAAAAkAAAAEgAAACQAAAASAAAAAAAAAABAAAAAAAAAAEAAABQAAAAAAAAAAAA4D8AAAAAAADgPwAAAAAAAOA/AAAAAAAA4D8AAAAAAADgPwAAAAAAAOA/AAAAAAAA4D8AAAAAAADgPwAAAAAAAOA/AAAAAAAA4D8CAAAAjAAAAAAAAAAAAAAAu+DjDP///wgAAAAAAAAAAAAAAAAAAAAAAAAAAAAAAAAAAAAAZAAAAAEAAABAAAAAAAAAAAAAAAAAAAAAAAAAAAAAAAAAAAAAAAAAAAAAAAAAAAAAAAAAAAAAAAAAAAAAAAAAAAAAAAAAAAAAAAAAAAAAAAAAAAAAAAAAAAAAAAAAAAAAFAAAADwAAAAAAAAAAAAAAAAAAAkUAAAAAQAAABQAAAAUAAAAFAAAAAEAAAAAAAAAZAAAAGQAAAAAAAAAZAAAAGQAAAAVAAAAYAAAAAAAAAAAAAAADwAAACADAAAAAAAAAAAAAAEAAACgMgAAVgcAAKr4//8BAAAAf39/AAEAAABkAAAAAAAAABQAAABAHwAAAAAAACYAAAAAAAAAwOD//wAAAAAmAAAAZAAAABYAAABMAAAAAAAAAAAAAAAEAAAAAAAAAAEAAACAgIAKAAAAACgAAAAoAAAAZAAAAGQAAAAAAAAAzMzMAAAAAABQAAAAUAAAAGQAAABkAAAAAAAAABcAAAAUAAAAAAAAAAAAAAD/fwAA/38AAAAAAAAJAAAABAAAAAAAAAAMAAAAEAAAAAAAAAAAAAAAAAAAAAAAAAAeAAAAaAAAAAAAAAAAAAAAAAAAAAAAAAAAAAAAECcAABAnAAAAAAAAAAAAAAAAAAAAAAAAAAAAAAAAAAAAAAAAAAAAABQAAAAAAAAAwMD/AAAAAABkAAAAMgAAAAAAAABkAAAAAAAAAH9/fwAKAAAAHwAAAFQAAAAAAAAFAAAAAQAAAAAAAAAAAAAAAAAAAAAAAAAAAAAAAAAAAAAAAAAAAAAAAn9/fwAAAAADzMzMAMDA/wB/f38AAAAAAAAAAAAAAAAAAAAAAAAAAAAhAAAAGAAAABQAAAA4BAAAGg0AAAg0AAAmFgAAEAAAACYAAAAIAAAAAQAAAAAAAAA="/>
+                <pr:smNativeData xmlns:pr="smNativeData" val="SMDATA_13_HSHgZRMAAAAlAAAAZAAAAA8BAAAAkAAAAEgAAACQAAAASAAAAAAAAAABAAAAAAAAAAEAAABQAAAAAAAAAAAA4D8AAAAAAADgPwAAAAAAAOA/AAAAAAAA4D8AAAAAAADgPwAAAAAAAOA/AAAAAAAA4D8AAAAAAADgPwAAAAAAAOA/AAAAAAAA4D8CAAAAjAAAAAAAAAAAAAAAu+DjDP///wgAAAAAAAAAAAAAAAAAAAAAAAAAAAAAAAAAAAAAZAAAAAEAAABAAAAAAAAAAAAAAAAAAAAAAAAAAAAAAAAAAAAAAAAAAAAAAAAAAAAAAAAAAAAAAAAAAAAAAAAAAAAAAAAAAAAAAAAAAAAAAAAAAAAAAAAAAAAAAAAAAAAAFAAAADwAAAAAAAAAAAAAAAAAAAkUAAAAAQAAABQAAAAUAAAAFAAAAAEAAAAAAAAAZAAAAGQAAAAAAAAAZAAAAGQAAAAVAAAAYAAAAAAAAAAAAAAADwAAACADAAAAAAAAAAAAAAEAAACgMgAAVgcAAKr4//8BAAAAf39/AAEAAABkAAAAAAAAABQAAABAHwAAAAAAACYAAAAAAAAAwOD//wAAAAAmAAAAZAAAABYAAABMAAAAAAAAAAAAAAAEAAAAAAAAAAEAAACAgIAKAAAAACgAAAAoAAAAZAAAAGQAAAAAAAAAzMzMAAAAAABQAAAAUAAAAGQAAABkAAAAAAAAABcAAAAUAAAAAAAAAAAAAAD/fwAA/38AAAAAAAAJAAAABAAAAAAAAAAMAAAAEAAAAAAAAAAAAAAAAAAAAAAAAAAeAAAAaAAAAAAAAAAAAAAAAAAAAAAAAAAAAAAAECcAABAnAAAAAAAAAAAAAAAAAAAAAAAAAAAAAAAAAAAAAAAAAAAAABQAAAAAAAAAwMD/AAAAAABkAAAAMgAAAAAAAABkAAAAAAAAAH9/fwAKAAAAHwAAAFQAAAAAAAAFAAAAAQAAAAAAAAAAAAAAAAAAAAAAAAAAAAAAAAAAAAAAAAAAAAAAAn9/fwAAAAADzMzMAMDA/wB/f38AAAAAAAAAAAAAAAAAAAAAAAAAAAAhAAAAGAAAABQAAAA4BAAAGg0AAAg0AAAmFgAAEAAAACYAAAAIAAAAAQAAAAAAAAA="/>
               </a:ext>
             </a:extLst>
           </p:cNvSpPr>
@@ -287,7 +287,7 @@
             <a:spLocks noGrp="1" noChangeArrowheads="1"/>
             <a:extLst>
               <a:ext uri="smNativeData">
-                <pr:smNativeData xmlns:pr="smNativeData" val="SMDATA_13_m5rdZRMAAAAlAAAAZAAAAA8BAAAAkAAAAEgAAACQAAAASAAAAAAAAAAAAAAAAAAAAAEAAABQAAAAAAAAAAAA4D8AAAAAAADgPwAAAAAAAOA/AAAAAAAA4D8AAAAAAADgPwAAAAAAAOA/AAAAAAAA4D8AAAAAAADgPwAAAAAAAOA/AAAAAAAA4D8CAAAAjAAAAAAAAAAAAAAAu+DjDP///wgAAAAAAAAAAAAAAAAAAAAAAAAAAAAAAAAAAAAAZAAAAAEAAABAAAAAAAAAAAAAAAAAAAAAAAAAAAAAAAAAAAAAAAAAAAAAAAAAAAAAAAAAAAAAAAAAAAAAAAAAAAAAAAAAAAAAAAAAAAAAAAAAAAAAAAAAAAAAAAAAAAAAFAAAADwAAAAAAAAAAAAAAAAAAAkUAAAAAQAAABQAAAAUAAAAFAAAAAEAAAAAAAAAZAAAAGQAAAAAAAAAZAAAAGQAAAAVAAAAYAAAAAAAAAAAAAAADwAAACADAAAAAAAAAAAAAAEAAACgMgAAVgcAAKr4//8BAAAAf39/AAEAAABkAAAAAAAAABQAAABAHwAAAAAAACYAAAAAAAAAwOD//wAAAAAmAAAAZAAAABYAAABMAAAAAAAAAAAAAAAEAAAAAAAAAAEAAACAgIAKAAAAACgAAAAoAAAAZAAAAGQAAAAAAAAAzMzMAAAAAABQAAAAUAAAAGQAAABkAAAAAAAAABcAAAAUAAAAAAAAAAAAAAD/fwAA/38AAAAAAAAJAAAABAAAAAAAAAAMAAAAEAAAAAAAAAAAAAAAAAAAAAAAAAAeAAAAaAAAAAAAAAAAAAAAAAAAAAAAAAAAAAAAECcAABAnAAAAAAAAAAAAAAAAAAAAAAAAAAAAAAAAAAAAAAAAAAAAABQAAAAAAAAAwMD/AAAAAABkAAAAMgAAAAAAAABkAAAAAAAAAH9/fwAKAAAAHwAAAFQAAAAAAAAFAAAAAQAAAAAAAAAAAAAAAAAAAAAAAAAAAAAAAAAAAAAAAAAAAAAAAn9/fwAAAAADzMzMAMDA/wB/f38AAAAAAAAAAAAAAAAAAAAAAAAAAAAhAAAAGAAAABQAAABwCAAA6BcAANAvAACwIgAAEAAAACYAAAAIAAAAAYAAAAAAAAA="/>
+                <pr:smNativeData xmlns:pr="smNativeData" val="SMDATA_13_HSHgZRMAAAAlAAAAZAAAAA8BAAAAkAAAAEgAAACQAAAASAAAAAAAAAAAAAAAAAAAAAEAAABQAAAAAAAAAAAA4D8AAAAAAADgPwAAAAAAAOA/AAAAAAAA4D8AAAAAAADgPwAAAAAAAOA/AAAAAAAA4D8AAAAAAADgPwAAAAAAAOA/AAAAAAAA4D8CAAAAjAAAAAAAAAAAAAAAu+DjDP///wgAAAAAAAAAAAAAAAAAAAAAAAAAAAAAAAAAAAAAZAAAAAEAAABAAAAAAAAAAAAAAAAAAAAAAAAAAAAAAAAAAAAAAAAAAAAAAAAAAAAAAAAAAAAAAAAAAAAAAAAAAAAAAAAAAAAAAAAAAAAAAAAAAAAAAAAAAAAAAAAAAAAAFAAAADwAAAAAAAAAAAAAAAAAAAkUAAAAAQAAABQAAAAUAAAAFAAAAAEAAAAAAAAAZAAAAGQAAAAAAAAAZAAAAGQAAAAVAAAAYAAAAAAAAAAAAAAADwAAACADAAAAAAAAAAAAAAEAAACgMgAAVgcAAKr4//8BAAAAf39/AAEAAABkAAAAAAAAABQAAABAHwAAAAAAACYAAAAAAAAAwOD//wAAAAAmAAAAZAAAABYAAABMAAAAAAAAAAAAAAAEAAAAAAAAAAEAAACAgIAKAAAAACgAAAAoAAAAZAAAAGQAAAAAAAAAzMzMAAAAAABQAAAAUAAAAGQAAABkAAAAAAAAABcAAAAUAAAAAAAAAAAAAAD/fwAA/38AAAAAAAAJAAAABAAAAAAAAAAMAAAAEAAAAAAAAAAAAAAAAAAAAAAAAAAeAAAAaAAAAAAAAAAAAAAAAAAAAAAAAAAAAAAAECcAABAnAAAAAAAAAAAAAAAAAAAAAAAAAAAAAAAAAAAAAAAAAAAAABQAAAAAAAAAwMD/AAAAAABkAAAAMgAAAAAAAABkAAAAAAAAAH9/fwAKAAAAHwAAAFQAAAAAAAAFAAAAAQAAAAAAAAAAAAAAAAAAAAAAAAAAAAAAAAAAAAAAAAAAAAAAAn9/fwAAAAADzMzMAMDA/wB/f38AAAAAAAAAAAAAAAAAAAAAAAAAAAAhAAAAGAAAABQAAABwCAAA6BcAANAvAACwIgAAEAAAACYAAAAIAAAAAYAAAAAAAAA="/>
               </a:ext>
             </a:extLst>
           </p:cNvSpPr>
@@ -347,7 +347,7 @@
             <a:spLocks noGrp="1" noChangeArrowheads="1"/>
             <a:extLst>
               <a:ext uri="smNativeData">
-                <pr:smNativeData xmlns:pr="smNativeData" val="SMDATA_13_m5rdZRMAAAAlAAAAZAAAAA8BAAAAkAAAAEgAAACQAAAASAAAAAAAAAABAAAAAAAAAAEAAABQAAAAAAAAAAAA4D8AAAAAAADgPwAAAAAAAOA/AAAAAAAA4D8AAAAAAADgPwAAAAAAAOA/AAAAAAAA4D8AAAAAAADgPwAAAAAAAOA/AAAAAAAA4D8CAAAAjAAAAAAAAAAAAAAAu+DjDP///wgAAAAAAAAAAAAAAAAAAAAAAAAAAAAAAAAAAAAAZAAAAAEAAABAAAAAAAAAAAAAAAAAAAAAAAAAAAAAAAAAAAAAAAAAAAAAAAAAAAAAAAAAAAAAAAAAAAAAAAAAAAAAAAAAAAAAAAAAAAAAAAAAAAAAAAAAAAAAAAAAAAAAFAAAADwAAAAAAAAAAAAAAAAAAAkUAAAAAQAAABQAAAAUAAAAFAAAAAEAAAAAAAAAZAAAAGQAAAAAAAAAZAAAAGQAAAAVAAAAYAAAAAAAAAAAAAAADwAAACADAAAAAAAAAAAAAAEAAACgMgAAVgcAAKr4//8BAAAAf39/AAEAAABkAAAAAAAAABQAAABAHwAAAAAAACYAAAAAAAAAwOD//wAAAAAmAAAAZAAAABYAAABMAAAAAAAAAAAAAAAEAAAAAAAAAAEAAACAgIAKAAAAACgAAAAoAAAAZAAAAGQAAAAAAAAAzMzMAAAAAABQAAAAUAAAAGQAAABkAAAAAAAAABcAAAAUAAAAAAAAAAAAAAD/fwAA/38AAAAAAAAJAAAABAAAAAAAAAAMAAAAEAAAAAAAAAAAAAAAAAAAAAAAAAAeAAAAaAAAAAAAAAAAAAAAAAAAAAAAAAAAAAAAECcAABAnAAAAAAAAAAAAAAAAAAAAAAAAAAAAAAAAAAAAAAAAAAAAABQAAAAAAAAAwMD/AAAAAABkAAAAMgAAAAAAAABkAAAAAAAAAH9/fwAKAAAAHwAAAFQAAAAAAAAFAAAAAQAAAAAAAAAAAAAAAAAAAAAAAAAAAAAAAAAAAAAAAAAAAAAAAn9/fwAAAAADzMzMAMDA/wB/f38AAAAAAAAAAAAAAAAAAAAAAAAAAAAhAAAAGAAAABQAAADQAgAAGycAAPAPAABZKQAAEAAAACYAAAAIAAAAAAAAAAAAAAA="/>
+                <pr:smNativeData xmlns:pr="smNativeData" val="SMDATA_13_HSHgZRMAAAAlAAAAZAAAAA8BAAAAkAAAAEgAAACQAAAASAAAAAAAAAABAAAAAAAAAAEAAABQAAAAAAAAAAAA4D8AAAAAAADgPwAAAAAAAOA/AAAAAAAA4D8AAAAAAADgPwAAAAAAAOA/AAAAAAAA4D8AAAAAAADgPwAAAAAAAOA/AAAAAAAA4D8CAAAAjAAAAAAAAAAAAAAAu+DjDP///wgAAAAAAAAAAAAAAAAAAAAAAAAAAAAAAAAAAAAAZAAAAAEAAABAAAAAAAAAAAAAAAAAAAAAAAAAAAAAAAAAAAAAAAAAAAAAAAAAAAAAAAAAAAAAAAAAAAAAAAAAAAAAAAAAAAAAAAAAAAAAAAAAAAAAAAAAAAAAAAAAAAAAFAAAADwAAAAAAAAAAAAAAAAAAAkUAAAAAQAAABQAAAAUAAAAFAAAAAEAAAAAAAAAZAAAAGQAAAAAAAAAZAAAAGQAAAAVAAAAYAAAAAAAAAAAAAAADwAAACADAAAAAAAAAAAAAAEAAACgMgAAVgcAAKr4//8BAAAAf39/AAEAAABkAAAAAAAAABQAAABAHwAAAAAAACYAAAAAAAAAwOD//wAAAAAmAAAAZAAAABYAAABMAAAAAAAAAAAAAAAEAAAAAAAAAAEAAACAgIAKAAAAACgAAAAoAAAAZAAAAGQAAAAAAAAAzMzMAAAAAABQAAAAUAAAAGQAAABkAAAAAAAAABcAAAAUAAAAAAAAAAAAAAD/fwAA/38AAAAAAAAJAAAABAAAAAAAAAAMAAAAEAAAAAAAAAAAAAAAAAAAAAAAAAAeAAAAaAAAAAAAAAAAAAAAAAAAAAAAAAAAAAAAECcAABAnAAAAAAAAAAAAAAAAAAAAAAAAAAAAAAAAAAAAAAAAAAAAABQAAAAAAAAAwMD/AAAAAABkAAAAMgAAAAAAAABkAAAAAAAAAH9/fwAKAAAAHwAAAFQAAAAAAAAFAAAAAQAAAAAAAAAAAAAAAAAAAAAAAAAAAAAAAAAAAAAAAAAAAAAAAn9/fwAAAAADzMzMAMDA/wB/f38AAAAAAAAAAAAAAAAAAAAAAAAAAAAhAAAAGAAAABQAAADQAgAAGycAAPAPAABZKQAAEAAAACYAAAAIAAAAAAAAAAAAAAA="/>
               </a:ext>
             </a:extLst>
           </p:cNvSpPr>
@@ -361,7 +361,7 @@
           <a:lstStyle/>
           <a:p>
             <a:pPr/>
-            <a:fld id="{3E45C3B8-F6D3-1035-9DFD-00608DB36B55}" type="datetime1">
+            <a:fld id="{3E6999C3-8DD3-3C6F-9DD1-7B3AD79F6B2E}" type="datetime1">
               <a:t/>
             </a:fld>
           </a:p>
@@ -374,7 +374,7 @@
             <a:spLocks noGrp="1" noChangeArrowheads="1"/>
             <a:extLst>
               <a:ext uri="smNativeData">
-                <pr:smNativeData xmlns:pr="smNativeData" val="SMDATA_13_m5rdZRMAAAAlAAAAZAAAAA8BAAAAkAAAAEgAAACQAAAASAAAAAAAAAABAAAAAAAAAAEAAABQAAAAAAAAAAAA4D8AAAAAAADgPwAAAAAAAOA/AAAAAAAA4D8AAAAAAADgPwAAAAAAAOA/AAAAAAAA4D8AAAAAAADgPwAAAAAAAOA/AAAAAAAA4D8CAAAAjAAAAAAAAAAAAAAAu+DjDP///wgAAAAAAAAAAAAAAAAAAAAAAAAAAAAAAAAAAAAAZAAAAAEAAABAAAAAAAAAAAAAAAAAAAAAAAAAAAAAAAAAAAAAAAAAAAAAAAAAAAAAAAAAAAAAAAAAAAAAAAAAAAAAAAAAAAAAAAAAAAAAAAAAAAAAAAAAAAAAAAAAAAAAFAAAADwAAAAAAAAAAAAAAAAAAAkUAAAAAQAAABQAAAAUAAAAFAAAAAEAAAAAAAAAZAAAAGQAAAAAAAAAZAAAAGQAAAAVAAAAYAAAAAAAAAAAAAAADwAAACADAAAAAAAAAAAAAAEAAACgMgAAVgcAAKr4//8BAAAAf39/AAEAAABkAAAAAAAAABQAAABAHwAAAAAAACYAAAAAAAAAwOD//wAAAAAmAAAAZAAAABYAAABMAAAAAAAAAAAAAAAEAAAAAAAAAAEAAACAgIAKAAAAACgAAAAoAAAAZAAAAGQAAAAAAAAAzMzMAAAAAABQAAAAUAAAAGQAAABkAAAAAAAAABcAAAAUAAAAAAAAAAAAAAD/fwAA/38AAAAAAAAJAAAABAAAAAAAAAAMAAAAEAAAAAAAAAAAAAAAAAAAAAAAAAAeAAAAaAAAAAAAAAAAAAAAAAAAAAAAAAAAAAAAECcAABAnAAAAAAAAAAAAAAAAAAAAAAAAAAAAAAAAAAAAAAAAAAAAABQAAAAAAAAAwMD/AAAAAABkAAAAMgAAAAAAAABkAAAAAAAAAH9/fwAKAAAAHwAAAFQAAAAAAAAFAAAAAQAAAAAAAAAAAAAAAAAAAAAAAAAAAAAAAAAAAAAAAAAAAAAAAn9/fwAAAAADzMzMAMDA/wB/f38AAAAAAAAAAAAAAAAAAAAAAAAAAAAhAAAAGAAAABQAAAA4EwAAGycAAAglAABZKQAAEAAAACYAAAAIAAAAAAAAAAAAAAA="/>
+                <pr:smNativeData xmlns:pr="smNativeData" val="SMDATA_13_HSHgZRMAAAAlAAAAZAAAAA8BAAAAkAAAAEgAAACQAAAASAAAAAAAAAABAAAAAAAAAAEAAABQAAAAAAAAAAAA4D8AAAAAAADgPwAAAAAAAOA/AAAAAAAA4D8AAAAAAADgPwAAAAAAAOA/AAAAAAAA4D8AAAAAAADgPwAAAAAAAOA/AAAAAAAA4D8CAAAAjAAAAAAAAAAAAAAAu+DjDP///wgAAAAAAAAAAAAAAAAAAAAAAAAAAAAAAAAAAAAAZAAAAAEAAABAAAAAAAAAAAAAAAAAAAAAAAAAAAAAAAAAAAAAAAAAAAAAAAAAAAAAAAAAAAAAAAAAAAAAAAAAAAAAAAAAAAAAAAAAAAAAAAAAAAAAAAAAAAAAAAAAAAAAFAAAADwAAAAAAAAAAAAAAAAAAAkUAAAAAQAAABQAAAAUAAAAFAAAAAEAAAAAAAAAZAAAAGQAAAAAAAAAZAAAAGQAAAAVAAAAYAAAAAAAAAAAAAAADwAAACADAAAAAAAAAAAAAAEAAACgMgAAVgcAAKr4//8BAAAAf39/AAEAAABkAAAAAAAAABQAAABAHwAAAAAAACYAAAAAAAAAwOD//wAAAAAmAAAAZAAAABYAAABMAAAAAAAAAAAAAAAEAAAAAAAAAAEAAACAgIAKAAAAACgAAAAoAAAAZAAAAGQAAAAAAAAAzMzMAAAAAABQAAAAUAAAAGQAAABkAAAAAAAAABcAAAAUAAAAAAAAAAAAAAD/fwAA/38AAAAAAAAJAAAABAAAAAAAAAAMAAAAEAAAAAAAAAAAAAAAAAAAAAAAAAAeAAAAaAAAAAAAAAAAAAAAAAAAAAAAAAAAAAAAECcAABAnAAAAAAAAAAAAAAAAAAAAAAAAAAAAAAAAAAAAAAAAAAAAABQAAAAAAAAAwMD/AAAAAABkAAAAMgAAAAAAAABkAAAAAAAAAH9/fwAKAAAAHwAAAFQAAAAAAAAFAAAAAQAAAAAAAAAAAAAAAAAAAAAAAAAAAAAAAAAAAAAAAAAAAAAAAn9/fwAAAAADzMzMAMDA/wB/f38AAAAAAAAAAAAAAAAAAAAAAAAAAAAhAAAAGAAAABQAAAA4EwAAGycAAAglAABZKQAAEAAAACYAAAAIAAAAAAAAAAAAAAA="/>
               </a:ext>
             </a:extLst>
           </p:cNvSpPr>
@@ -398,7 +398,7 @@
             <a:spLocks noGrp="1" noChangeArrowheads="1"/>
             <a:extLst>
               <a:ext uri="smNativeData">
-                <pr:smNativeData xmlns:pr="smNativeData" val="SMDATA_13_m5rdZRMAAAAlAAAAZAAAAA8BAAAAkAAAAEgAAACQAAAASAAAAAAAAAABAAAAAAAAAAEAAABQAAAAAAAAAAAA4D8AAAAAAADgPwAAAAAAAOA/AAAAAAAA4D8AAAAAAADgPwAAAAAAAOA/AAAAAAAA4D8AAAAAAADgPwAAAAAAAOA/AAAAAAAA4D8CAAAAjAAAAAAAAAAAAAAAu+DjDP///wgAAAAAAAAAAAAAAAAAAAAAAAAAAAAAAAAAAAAAZAAAAAEAAABAAAAAAAAAAAAAAAAAAAAAAAAAAAAAAAAAAAAAAAAAAAAAAAAAAAAAAAAAAAAAAAAAAAAAAAAAAAAAAAAAAAAAAAAAAAAAAAAAAAAAAAAAAAAAAAAAAAAAFAAAADwAAAAAAAAAAAAAAAAAAAkUAAAAAQAAABQAAAAUAAAAFAAAAAEAAAAAAAAAZAAAAGQAAAAAAAAAZAAAAGQAAAAVAAAAYAAAAAAAAAAAAAAADwAAACADAAAAAAAAAAAAAAEAAACgMgAAVgcAAKr4//8BAAAAf39/AAEAAABkAAAAAAAAABQAAABAHwAAAAAAACYAAAAAAAAAwOD//wAAAAAmAAAAZAAAABYAAABMAAAAAAAAAAAAAAAEAAAAAAAAAAEAAACAgIAKAAAAACgAAAAoAAAAZAAAAGQAAAAAAAAAzMzMAAAAAABQAAAAUAAAAGQAAABkAAAAAAAAABcAAAAUAAAAAAAAAAAAAAD/fwAA/38AAAAAAAAJAAAABAAAAAAAAAAMAAAAEAAAAAAAAAAAAAAAAAAAAAAAAAAeAAAAaAAAAAAAAAAAAAAAAAAAAAAAAAAAAAAAECcAABAnAAAAAAAAAAAAAAAAAAAAAAAAAAAAAAAAAAAAAAAAAAAAABQAAAAAAAAAwMD/AAAAAABkAAAAMgAAAAAAAABkAAAAAAAAAH9/fwAKAAAAHwAAAFQAAAAAAAAFAAAAAQAAAAAAAAAAAAAAAAAAAAAAAAAAAAAAAAAAAAAAAAAAAAAAAn9/fwAAAAADzMzMAMDA/wB/f38AAAAAAAAAAAAAAAAAAAAAAAAAAAAhAAAAGAAAABQAAABQKAAAGycAAHA1AABZKQAAEAAAACYAAAAIAAAAAAAAAAAAAAA="/>
+                <pr:smNativeData xmlns:pr="smNativeData" val="SMDATA_13_HSHgZRMAAAAlAAAAZAAAAA8BAAAAkAAAAEgAAACQAAAASAAAAAAAAAABAAAAAAAAAAEAAABQAAAAAAAAAAAA4D8AAAAAAADgPwAAAAAAAOA/AAAAAAAA4D8AAAAAAADgPwAAAAAAAOA/AAAAAAAA4D8AAAAAAADgPwAAAAAAAOA/AAAAAAAA4D8CAAAAjAAAAAAAAAAAAAAAu+DjDP///wgAAAAAAAAAAAAAAAAAAAAAAAAAAAAAAAAAAAAAZAAAAAEAAABAAAAAAAAAAAAAAAAAAAAAAAAAAAAAAAAAAAAAAAAAAAAAAAAAAAAAAAAAAAAAAAAAAAAAAAAAAAAAAAAAAAAAAAAAAAAAAAAAAAAAAAAAAAAAAAAAAAAAFAAAADwAAAAAAAAAAAAAAAAAAAkUAAAAAQAAABQAAAAUAAAAFAAAAAEAAAAAAAAAZAAAAGQAAAAAAAAAZAAAAGQAAAAVAAAAYAAAAAAAAAAAAAAADwAAACADAAAAAAAAAAAAAAEAAACgMgAAVgcAAKr4//8BAAAAf39/AAEAAABkAAAAAAAAABQAAABAHwAAAAAAACYAAAAAAAAAwOD//wAAAAAmAAAAZAAAABYAAABMAAAAAAAAAAAAAAAEAAAAAAAAAAEAAACAgIAKAAAAACgAAAAoAAAAZAAAAGQAAAAAAAAAzMzMAAAAAABQAAAAUAAAAGQAAABkAAAAAAAAABcAAAAUAAAAAAAAAAAAAAD/fwAA/38AAAAAAAAJAAAABAAAAAAAAAAMAAAAEAAAAAAAAAAAAAAAAAAAAAAAAAAeAAAAaAAAAAAAAAAAAAAAAAAAAAAAAAAAAAAAECcAABAnAAAAAAAAAAAAAAAAAAAAAAAAAAAAAAAAAAAAAAAAAAAAABQAAAAAAAAAwMD/AAAAAABkAAAAMgAAAAAAAABkAAAAAAAAAH9/fwAKAAAAHwAAAFQAAAAAAAAFAAAAAQAAAAAAAAAAAAAAAAAAAAAAAAAAAAAAAAAAAAAAAAAAAAAAAn9/fwAAAAADzMzMAMDA/wB/f38AAAAAAAAAAAAAAAAAAAAAAAAAAAAhAAAAGAAAABQAAABQKAAAGycAAHA1AABZKQAAEAAAACYAAAAIAAAAAAAAAAAAAAA="/>
               </a:ext>
             </a:extLst>
           </p:cNvSpPr>
@@ -412,7 +412,7 @@
           <a:lstStyle/>
           <a:p>
             <a:pPr/>
-            <a:fld id="{3E45CCF3-BDD3-103A-9DFD-4B6F82B36B1E}" type="slidenum">
+            <a:fld id="{3E6993F1-BFD3-3C65-9DD1-4930DD9F6B1C}" type="slidenum">
               <a:t/>
             </a:fld>
           </a:p>
@@ -450,7 +450,7 @@
             <a:spLocks noGrp="1" noChangeArrowheads="1"/>
             <a:extLst>
               <a:ext uri="smNativeData">
-                <pr:smNativeData xmlns:pr="smNativeData" val="SMDATA_13_m5rdZRMAAAAlAAAAZAAAAA8BAAAAkAAAAEgAAACQAAAASAAAAAAAAAABAAAAAAAAAAEAAABQAAAAAAAAAAAA4D8AAAAAAADgPwAAAAAAAOA/AAAAAAAA4D8AAAAAAADgPwAAAAAAAOA/AAAAAAAA4D8AAAAAAADgPwAAAAAAAOA/AAAAAAAA4D8CAAAAjAAAAAAAAAAAAAAAu+DjDP///wgAAAAAAAAAAAAAAAAAAAAAAAAAAAAAAAAAAAAAZAAAAAEAAABAAAAAAAAAAAAAAAAAAAAAAAAAAAAAAAAAAAAAAAAAAAAAAAAAAAAAAAAAAAAAAAAAAAAAAAAAAAAAAAAAAAAAAAAAAAAAAAAAAAAAAAAAAAAAAAAAAAAAFAAAADwAAAAAAAAAAAAAAAAAAAkUAAAAAQAAABQAAAAUAAAAFAAAAAEAAAAAAAAAZAAAAGQAAAAAAAAAZAAAAGQAAAAVAAAAYAAAAAAAAAAAAAAADwAAACADAAAAAAAAAAAAAAEAAACgMgAAVgcAAKr4//8BAAAAf39/AAEAAABkAAAAAAAAABQAAABAHwAAAAAAACYAAAAAAAAAwOD//wAAAAAmAAAAZAAAABYAAABMAAAAAAAAAAAAAAAEAAAAAAAAAAEAAACAgIAKAAAAACgAAAAoAAAAZAAAAGQAAAAAAAAAzMzMAAAAAABQAAAAUAAAAGQAAABkAAAAAAAAABcAAAAUAAAAAAAAAAAAAAD/fwAA/38AAAAAAAAJAAAABAAAAAAAAAAMAAAAEAAAAAAAAAAAAAAAAAAAAAAAAAAeAAAAaAAAAAAAAAAAAAAAAAAAAAAAAAAAAAAAECcAABAnAAAAAAAAAAAAAAAAAAAAAAAAAAAAAAAAAAAAAAAAAAAAABQAAAAAAAAAwMD/AAAAAABkAAAAMgAAAAAAAABkAAAAAAAAAH9/fwAKAAAAHwAAAFQAAAAAAAAFAAAAAQAAAAAAAAAAAAAAAAAAAAAAAAAAAAAAAAAAAAAAAAAAAAAAAn9/fwAAAAADzMzMAMDA/wB/f38AAAAAAAAAAAAAAAAAAAAAAAAAAAAhAAAAGAAAABQAAADQAgAAsAEAAHA1AAC4CAAAEAAAACYAAAAIAAAAAAAAAAAAAAA="/>
+                <pr:smNativeData xmlns:pr="smNativeData" val="SMDATA_13_HSHgZRMAAAAlAAAAZAAAAA8BAAAAkAAAAEgAAACQAAAASAAAAAAAAAABAAAAAAAAAAEAAABQAAAAAAAAAAAA4D8AAAAAAADgPwAAAAAAAOA/AAAAAAAA4D8AAAAAAADgPwAAAAAAAOA/AAAAAAAA4D8AAAAAAADgPwAAAAAAAOA/AAAAAAAA4D8CAAAAjAAAAAAAAAAAAAAAu+DjDP///wgAAAAAAAAAAAAAAAAAAAAAAAAAAAAAAAAAAAAAZAAAAAEAAABAAAAAAAAAAAAAAAAAAAAAAAAAAAAAAAAAAAAAAAAAAAAAAAAAAAAAAAAAAAAAAAAAAAAAAAAAAAAAAAAAAAAAAAAAAAAAAAAAAAAAAAAAAAAAAAAAAAAAFAAAADwAAAAAAAAAAAAAAAAAAAkUAAAAAQAAABQAAAAUAAAAFAAAAAEAAAAAAAAAZAAAAGQAAAAAAAAAZAAAAGQAAAAVAAAAYAAAAAAAAAAAAAAADwAAACADAAAAAAAAAAAAAAEAAACgMgAAVgcAAKr4//8BAAAAf39/AAEAAABkAAAAAAAAABQAAABAHwAAAAAAACYAAAAAAAAAwOD//wAAAAAmAAAAZAAAABYAAABMAAAAAAAAAAAAAAAEAAAAAAAAAAEAAACAgIAKAAAAACgAAAAoAAAAZAAAAGQAAAAAAAAAzMzMAAAAAABQAAAAUAAAAGQAAABkAAAAAAAAABcAAAAUAAAAAAAAAAAAAAD/fwAA/38AAAAAAAAJAAAABAAAAAAAAAAMAAAAEAAAAAAAAAAAAAAAAAAAAAAAAAAeAAAAaAAAAAAAAAAAAAAAAAAAAAAAAAAAAAAAECcAABAnAAAAAAAAAAAAAAAAAAAAAAAAAAAAAAAAAAAAAAAAAAAAABQAAAAAAAAAwMD/AAAAAABkAAAAMgAAAAAAAABkAAAAAAAAAH9/fwAKAAAAHwAAAFQAAAAAAAAFAAAAAQAAAAAAAAAAAAAAAAAAAAAAAAAAAAAAAAAAAAAAAAAAAAAAAn9/fwAAAAADzMzMAMDA/wB/f38AAAAAAAAAAAAAAAAAAAAAAAAAAAAhAAAAGAAAABQAAADQAgAAsAEAAHA1AAC4CAAAEAAAACYAAAAIAAAAAAAAAAAAAAA="/>
               </a:ext>
             </a:extLst>
           </p:cNvSpPr>
@@ -477,7 +477,7 @@
             <a:spLocks noGrp="1" noChangeArrowheads="1"/>
             <a:extLst>
               <a:ext uri="smNativeData">
-                <pr:smNativeData xmlns:pr="smNativeData" val="SMDATA_13_m5rdZRMAAAAlAAAAZAAAAA8BAAAAkAAAAEgAAACQAAAASAAAAAAAAAAAAAAAAQAAAAEAAABQAAAAAAAAAAAA4D8AAAAAAADgPwAAAAAAAOA/AAAAAAAA4D8AAAAAAADgPwAAAAAAAOA/AAAAAAAA4D8AAAAAAADgPwAAAAAAAOA/AAAAAAAA4D8CAAAAjAAAAAAAAAAAAAAAu+DjDP///wgAAAAAAAAAAAAAAAAAAAAAAAAAAAAAAAAAAAAAZAAAAAEAAABAAAAAAAAAAAAAAAAAAAAAAAAAAAAAAAAAAAAAAAAAAAAAAAAAAAAAAAAAAAAAAAAAAAAAAAAAAAAAAAAAAAAAAAAAAAAAAAAAAAAAAAAAAAAAAAAAAAAAFAAAADwAAAAAAAAAAAAAAAAAAAkUAAAAAQAAABQAAAAUAAAAFAAAAAEAAAAAAAAAZAAAAGQAAAAAAAAAZAAAAGQAAAAVAAAAYAAAAAAAAAAAAAAADwAAACADAAAAAAAAAAAAAAEAAACgMgAAVgcAAKr4//8BAAAAf39/AAEAAABkAAAAAAAAABQAAABAHwAAAAAAACYAAAAAAAAAwOD//wAAAAAmAAAAZAAAABYAAABMAAAAAAAAAAAAAAAEAAAAAAAAAAEAAACAgIAKAAAAACgAAAAoAAAAZAAAAGQAAAAAAAAAzMzMAAAAAABQAAAAUAAAAGQAAABkAAAAAAAAABcAAAAUAAAAAAAAAAAAAAD/fwAA/38AAAAAAAAJAAAABAAAAAAAAAAMAAAAEAAAAAAAAAAAAAAAAAAAAAAAAAAeAAAAaAAAAAAAAAAAAAAAAAAAAAAAAAAAAAAAECcAABAnAAAAAAAAAAAAAAAAAAAAAAAAAAAAAAAAAAAAAAAAAAAAABQAAAAAAAAAwMD/AAAAAABkAAAAMgAAAAAAAABkAAAAAAAAAH9/fwAKAAAAHwAAAFQAAAAAAAAFAAAAAQAAAAAAAAAAAAAAAAAAAAAAAAAAAAAAAAAAAAAAAAAAAAAAAn9/fwAAAAADzMzMAMDA/wB/f38AAAAAAAAAAAAAAAAAAAAAAAAAAAAhAAAAGAAAABQAAADQAgAA2AkAAHA1AACwJQAAEAAAACYAAAAIAAAAAgAAAAAAAAA="/>
+                <pr:smNativeData xmlns:pr="smNativeData" val="SMDATA_13_HSHgZRMAAAAlAAAAZAAAAA8BAAAAkAAAAEgAAACQAAAASAAAAAAAAAAAAAAAAQAAAAEAAABQAAAAAAAAAAAA4D8AAAAAAADgPwAAAAAAAOA/AAAAAAAA4D8AAAAAAADgPwAAAAAAAOA/AAAAAAAA4D8AAAAAAADgPwAAAAAAAOA/AAAAAAAA4D8CAAAAjAAAAAAAAAAAAAAAu+DjDP///wgAAAAAAAAAAAAAAAAAAAAAAAAAAAAAAAAAAAAAZAAAAAEAAABAAAAAAAAAAAAAAAAAAAAAAAAAAAAAAAAAAAAAAAAAAAAAAAAAAAAAAAAAAAAAAAAAAAAAAAAAAAAAAAAAAAAAAAAAAAAAAAAAAAAAAAAAAAAAAAAAAAAAFAAAADwAAAAAAAAAAAAAAAAAAAkUAAAAAQAAABQAAAAUAAAAFAAAAAEAAAAAAAAAZAAAAGQAAAAAAAAAZAAAAGQAAAAVAAAAYAAAAAAAAAAAAAAADwAAACADAAAAAAAAAAAAAAEAAACgMgAAVgcAAKr4//8BAAAAf39/AAEAAABkAAAAAAAAABQAAABAHwAAAAAAACYAAAAAAAAAwOD//wAAAAAmAAAAZAAAABYAAABMAAAAAAAAAAAAAAAEAAAAAAAAAAEAAACAgIAKAAAAACgAAAAoAAAAZAAAAGQAAAAAAAAAzMzMAAAAAABQAAAAUAAAAGQAAABkAAAAAAAAABcAAAAUAAAAAAAAAAAAAAD/fwAA/38AAAAAAAAJAAAABAAAAAAAAAAMAAAAEAAAAAAAAAAAAAAAAAAAAAAAAAAeAAAAaAAAAAAAAAAAAAAAAAAAAAAAAAAAAAAAECcAABAnAAAAAAAAAAAAAAAAAAAAAAAAAAAAAAAAAAAAAAAAAAAAABQAAAAAAAAAwMD/AAAAAABkAAAAMgAAAAAAAABkAAAAAAAAAH9/fwAKAAAAHwAAAFQAAAAAAAAFAAAAAQAAAAAAAAAAAAAAAAAAAAAAAAAAAAAAAAAAAAAAAAAAAAAAAn9/fwAAAAADzMzMAMDA/wB/f38AAAAAAAAAAAAAAAAAAAAAAAAAAAAhAAAAGAAAABQAAADQAgAA2AkAAHA1AACwJQAAEAAAACYAAAAIAAAAAgAAAAAAAAA="/>
               </a:ext>
             </a:extLst>
           </p:cNvSpPr>
@@ -532,7 +532,7 @@
             <a:spLocks noGrp="1" noChangeArrowheads="1"/>
             <a:extLst>
               <a:ext uri="smNativeData">
-                <pr:smNativeData xmlns:pr="smNativeData" val="SMDATA_13_m5rdZRMAAAAlAAAAZAAAAA8BAAAAkAAAAEgAAACQAAAASAAAAAAAAAABAAAAAAAAAAEAAABQAAAAAAAAAAAA4D8AAAAAAADgPwAAAAAAAOA/AAAAAAAA4D8AAAAAAADgPwAAAAAAAOA/AAAAAAAA4D8AAAAAAADgPwAAAAAAAOA/AAAAAAAA4D8CAAAAjAAAAAAAAAAAAAAAu+DjDP///wgAAAAAAAAAAAAAAAAAAAAAAAAAAAAAAAAAAAAAZAAAAAEAAABAAAAAAAAAAAAAAAAAAAAAAAAAAAAAAAAAAAAAAAAAAAAAAAAAAAAAAAAAAAAAAAAAAAAAAAAAAAAAAAAAAAAAAAAAAAAAAAAAAAAAAAAAAAAAAAAAAAAAFAAAADwAAAAAAAAAAAAAAAAAAAkUAAAAAQAAABQAAAAUAAAAFAAAAAEAAAAAAAAAZAAAAGQAAAAAAAAAZAAAAGQAAAAVAAAAYAAAAAAAAAAAAAAADwAAACADAAAAAAAAAAAAAAEAAACgMgAAVgcAAKr4//8BAAAAf39/AAEAAABkAAAAAAAAABQAAABAHwAAAAAAACYAAAAAAAAAwOD//wAAAAAmAAAAZAAAABYAAABMAAAAAAAAAAAAAAAEAAAAAAAAAAEAAACAgIAKAAAAACgAAAAoAAAAZAAAAGQAAAAAAAAAzMzMAAAAAABQAAAAUAAAAGQAAABkAAAAAAAAABcAAAAUAAAAAAAAAAAAAAD/fwAA/38AAAAAAAAJAAAABAAAAAAAAAAMAAAAEAAAAAAAAAAAAAAAAAAAAAAAAAAeAAAAaAAAAAAAAAAAAAAAAAAAAAAAAAAAAAAAECcAABAnAAAAAAAAAAAAAAAAAAAAAAAAAAAAAAAAAAAAAAAAAAAAABQAAAAAAAAAwMD/AAAAAABkAAAAMgAAAAAAAABkAAAAAAAAAH9/fwAKAAAAHwAAAFQAAAAAAAAFAAAAAQAAAAAAAAAAAAAAAAAAAAAAAAAAAAAAAAAAAAAAAAAAAAAAAn9/fwAAAAADzMzMAMDA/wB/f38AAAAAAAAAAAAAAAAAAAAAAAAAAAAhAAAAGAAAABQAAADQAgAAGycAAPAPAABZKQAAEAAAACYAAAAIAAAAAAAAAAAAAAA="/>
+                <pr:smNativeData xmlns:pr="smNativeData" val="SMDATA_13_HSHgZRMAAAAlAAAAZAAAAA8BAAAAkAAAAEgAAACQAAAASAAAAAAAAAABAAAAAAAAAAEAAABQAAAAAAAAAAAA4D8AAAAAAADgPwAAAAAAAOA/AAAAAAAA4D8AAAAAAADgPwAAAAAAAOA/AAAAAAAA4D8AAAAAAADgPwAAAAAAAOA/AAAAAAAA4D8CAAAAjAAAAAAAAAAAAAAAu+DjDP///wgAAAAAAAAAAAAAAAAAAAAAAAAAAAAAAAAAAAAAZAAAAAEAAABAAAAAAAAAAAAAAAAAAAAAAAAAAAAAAAAAAAAAAAAAAAAAAAAAAAAAAAAAAAAAAAAAAAAAAAAAAAAAAAAAAAAAAAAAAAAAAAAAAAAAAAAAAAAAAAAAAAAAFAAAADwAAAAAAAAAAAAAAAAAAAkUAAAAAQAAABQAAAAUAAAAFAAAAAEAAAAAAAAAZAAAAGQAAAAAAAAAZAAAAGQAAAAVAAAAYAAAAAAAAAAAAAAADwAAACADAAAAAAAAAAAAAAEAAACgMgAAVgcAAKr4//8BAAAAf39/AAEAAABkAAAAAAAAABQAAABAHwAAAAAAACYAAAAAAAAAwOD//wAAAAAmAAAAZAAAABYAAABMAAAAAAAAAAAAAAAEAAAAAAAAAAEAAACAgIAKAAAAACgAAAAoAAAAZAAAAGQAAAAAAAAAzMzMAAAAAABQAAAAUAAAAGQAAABkAAAAAAAAABcAAAAUAAAAAAAAAAAAAAD/fwAA/38AAAAAAAAJAAAABAAAAAAAAAAMAAAAEAAAAAAAAAAAAAAAAAAAAAAAAAAeAAAAaAAAAAAAAAAAAAAAAAAAAAAAAAAAAAAAECcAABAnAAAAAAAAAAAAAAAAAAAAAAAAAAAAAAAAAAAAAAAAAAAAABQAAAAAAAAAwMD/AAAAAABkAAAAMgAAAAAAAABkAAAAAAAAAH9/fwAKAAAAHwAAAFQAAAAAAAAFAAAAAQAAAAAAAAAAAAAAAAAAAAAAAAAAAAAAAAAAAAAAAAAAAAAAAn9/fwAAAAADzMzMAMDA/wB/f38AAAAAAAAAAAAAAAAAAAAAAAAAAAAhAAAAGAAAABQAAADQAgAAGycAAPAPAABZKQAAEAAAACYAAAAIAAAAAAAAAAAAAAA="/>
               </a:ext>
             </a:extLst>
           </p:cNvSpPr>
@@ -546,7 +546,7 @@
           <a:lstStyle/>
           <a:p>
             <a:pPr/>
-            <a:fld id="{3E4581BC-F2D3-1077-9DFD-0422CFB36B51}" type="datetime1">
+            <a:fld id="{3E69C3CD-83D3-3C35-9DD1-75608D9F6B20}" type="datetime1">
               <a:t/>
             </a:fld>
           </a:p>
@@ -559,7 +559,7 @@
             <a:spLocks noGrp="1" noChangeArrowheads="1"/>
             <a:extLst>
               <a:ext uri="smNativeData">
-                <pr:smNativeData xmlns:pr="smNativeData" val="SMDATA_13_m5rdZRMAAAAlAAAAZAAAAA8BAAAAkAAAAEgAAACQAAAASAAAAAAAAAABAAAAAAAAAAEAAABQAAAAAAAAAAAA4D8AAAAAAADgPwAAAAAAAOA/AAAAAAAA4D8AAAAAAADgPwAAAAAAAOA/AAAAAAAA4D8AAAAAAADgPwAAAAAAAOA/AAAAAAAA4D8CAAAAjAAAAAAAAAAAAAAAu+DjDP///wgAAAAAAAAAAAAAAAAAAAAAAAAAAAAAAAAAAAAAZAAAAAEAAABAAAAAAAAAAAAAAAAAAAAAAAAAAAAAAAAAAAAAAAAAAAAAAAAAAAAAAAAAAAAAAAAAAAAAAAAAAAAAAAAAAAAAAAAAAAAAAAAAAAAAAAAAAAAAAAAAAAAAFAAAADwAAAAAAAAAAAAAAAAAAAkUAAAAAQAAABQAAAAUAAAAFAAAAAEAAAAAAAAAZAAAAGQAAAAAAAAAZAAAAGQAAAAVAAAAYAAAAAAAAAAAAAAADwAAACADAAAAAAAAAAAAAAEAAACgMgAAVgcAAKr4//8BAAAAf39/AAEAAABkAAAAAAAAABQAAABAHwAAAAAAACYAAAAAAAAAwOD//wAAAAAmAAAAZAAAABYAAABMAAAAAAAAAAAAAAAEAAAAAAAAAAEAAACAgIAKAAAAACgAAAAoAAAAZAAAAGQAAAAAAAAAzMzMAAAAAABQAAAAUAAAAGQAAABkAAAAAAAAABcAAAAUAAAAAAAAAAAAAAD/fwAA/38AAAAAAAAJAAAABAAAAAAAAAAMAAAAEAAAAAAAAAAAAAAAAAAAAAAAAAAeAAAAaAAAAAAAAAAAAAAAAAAAAAAAAAAAAAAAECcAABAnAAAAAAAAAAAAAAAAAAAAAAAAAAAAAAAAAAAAAAAAAAAAABQAAAAAAAAAwMD/AAAAAABkAAAAMgAAAAAAAABkAAAAAAAAAH9/fwAKAAAAHwAAAFQAAAAAAAAFAAAAAQAAAAAAAAAAAAAAAAAAAAAAAAAAAAAAAAAAAAAAAAAAAAAAAn9/fwAAAAADzMzMAMDA/wB/f38AAAAAAAAAAAAAAAAAAAAAAAAAAAAhAAAAGAAAABQAAAA4EwAAGycAAAglAABZKQAAEAAAACYAAAAIAAAAAAAAAAAAAAA="/>
+                <pr:smNativeData xmlns:pr="smNativeData" val="SMDATA_13_HSHgZRMAAAAlAAAAZAAAAA8BAAAAkAAAAEgAAACQAAAASAAAAAAAAAABAAAAAAAAAAEAAABQAAAAAAAAAAAA4D8AAAAAAADgPwAAAAAAAOA/AAAAAAAA4D8AAAAAAADgPwAAAAAAAOA/AAAAAAAA4D8AAAAAAADgPwAAAAAAAOA/AAAAAAAA4D8CAAAAjAAAAAAAAAAAAAAAu+DjDP///wgAAAAAAAAAAAAAAAAAAAAAAAAAAAAAAAAAAAAAZAAAAAEAAABAAAAAAAAAAAAAAAAAAAAAAAAAAAAAAAAAAAAAAAAAAAAAAAAAAAAAAAAAAAAAAAAAAAAAAAAAAAAAAAAAAAAAAAAAAAAAAAAAAAAAAAAAAAAAAAAAAAAAFAAAADwAAAAAAAAAAAAAAAAAAAkUAAAAAQAAABQAAAAUAAAAFAAAAAEAAAAAAAAAZAAAAGQAAAAAAAAAZAAAAGQAAAAVAAAAYAAAAAAAAAAAAAAADwAAACADAAAAAAAAAAAAAAEAAACgMgAAVgcAAKr4//8BAAAAf39/AAEAAABkAAAAAAAAABQAAABAHwAAAAAAACYAAAAAAAAAwOD//wAAAAAmAAAAZAAAABYAAABMAAAAAAAAAAAAAAAEAAAAAAAAAAEAAACAgIAKAAAAACgAAAAoAAAAZAAAAGQAAAAAAAAAzMzMAAAAAABQAAAAUAAAAGQAAABkAAAAAAAAABcAAAAUAAAAAAAAAAAAAAD/fwAA/38AAAAAAAAJAAAABAAAAAAAAAAMAAAAEAAAAAAAAAAAAAAAAAAAAAAAAAAeAAAAaAAAAAAAAAAAAAAAAAAAAAAAAAAAAAAAECcAABAnAAAAAAAAAAAAAAAAAAAAAAAAAAAAAAAAAAAAAAAAAAAAABQAAAAAAAAAwMD/AAAAAABkAAAAMgAAAAAAAABkAAAAAAAAAH9/fwAKAAAAHwAAAFQAAAAAAAAFAAAAAQAAAAAAAAAAAAAAAAAAAAAAAAAAAAAAAAAAAAAAAAAAAAAAAn9/fwAAAAADzMzMAMDA/wB/f38AAAAAAAAAAAAAAAAAAAAAAAAAAAAhAAAAGAAAABQAAAA4EwAAGycAAAglAABZKQAAEAAAACYAAAAIAAAAAAAAAAAAAAA="/>
               </a:ext>
             </a:extLst>
           </p:cNvSpPr>
@@ -583,7 +583,7 @@
             <a:spLocks noGrp="1" noChangeArrowheads="1"/>
             <a:extLst>
               <a:ext uri="smNativeData">
-                <pr:smNativeData xmlns:pr="smNativeData" val="SMDATA_13_m5rdZRMAAAAlAAAAZAAAAA8BAAAAkAAAAEgAAACQAAAASAAAAAAAAAABAAAAAAAAAAEAAABQAAAAAAAAAAAA4D8AAAAAAADgPwAAAAAAAOA/AAAAAAAA4D8AAAAAAADgPwAAAAAAAOA/AAAAAAAA4D8AAAAAAADgPwAAAAAAAOA/AAAAAAAA4D8CAAAAjAAAAAAAAAAAAAAAu+DjDP///wgAAAAAAAAAAAAAAAAAAAAAAAAAAAAAAAAAAAAAZAAAAAEAAABAAAAAAAAAAAAAAAAAAAAAAAAAAAAAAAAAAAAAAAAAAAAAAAAAAAAAAAAAAAAAAAAAAAAAAAAAAAAAAAAAAAAAAAAAAAAAAAAAAAAAAAAAAAAAAAAAAAAAFAAAADwAAAAAAAAAAAAAAAAAAAkUAAAAAQAAABQAAAAUAAAAFAAAAAEAAAAAAAAAZAAAAGQAAAAAAAAAZAAAAGQAAAAVAAAAYAAAAAAAAAAAAAAADwAAACADAAAAAAAAAAAAAAEAAACgMgAAVgcAAKr4//8BAAAAf39/AAEAAABkAAAAAAAAABQAAABAHwAAAAAAACYAAAAAAAAAwOD//wAAAAAmAAAAZAAAABYAAABMAAAAAAAAAAAAAAAEAAAAAAAAAAEAAACAgIAKAAAAACgAAAAoAAAAZAAAAGQAAAAAAAAAzMzMAAAAAABQAAAAUAAAAGQAAABkAAAAAAAAABcAAAAUAAAAAAAAAAAAAAD/fwAA/38AAAAAAAAJAAAABAAAAAAAAAAMAAAAEAAAAAAAAAAAAAAAAAAAAAAAAAAeAAAAaAAAAAAAAAAAAAAAAAAAAAAAAAAAAAAAECcAABAnAAAAAAAAAAAAAAAAAAAAAAAAAAAAAAAAAAAAAAAAAAAAABQAAAAAAAAAwMD/AAAAAABkAAAAMgAAAAAAAABkAAAAAAAAAH9/fwAKAAAAHwAAAFQAAAAAAAAFAAAAAQAAAAAAAAAAAAAAAAAAAAAAAAAAAAAAAAAAAAAAAAAAAAAAAn9/fwAAAAADzMzMAMDA/wB/f38AAAAAAAAAAAAAAAAAAAAAAAAAAAAhAAAAGAAAABQAAABQKAAAGycAAHA1AABZKQAAEAAAACYAAAAIAAAAAAAAAAAAAAA="/>
+                <pr:smNativeData xmlns:pr="smNativeData" val="SMDATA_13_HSHgZRMAAAAlAAAAZAAAAA8BAAAAkAAAAEgAAACQAAAASAAAAAAAAAABAAAAAAAAAAEAAABQAAAAAAAAAAAA4D8AAAAAAADgPwAAAAAAAOA/AAAAAAAA4D8AAAAAAADgPwAAAAAAAOA/AAAAAAAA4D8AAAAAAADgPwAAAAAAAOA/AAAAAAAA4D8CAAAAjAAAAAAAAAAAAAAAu+DjDP///wgAAAAAAAAAAAAAAAAAAAAAAAAAAAAAAAAAAAAAZAAAAAEAAABAAAAAAAAAAAAAAAAAAAAAAAAAAAAAAAAAAAAAAAAAAAAAAAAAAAAAAAAAAAAAAAAAAAAAAAAAAAAAAAAAAAAAAAAAAAAAAAAAAAAAAAAAAAAAAAAAAAAAFAAAADwAAAAAAAAAAAAAAAAAAAkUAAAAAQAAABQAAAAUAAAAFAAAAAEAAAAAAAAAZAAAAGQAAAAAAAAAZAAAAGQAAAAVAAAAYAAAAAAAAAAAAAAADwAAACADAAAAAAAAAAAAAAEAAACgMgAAVgcAAKr4//8BAAAAf39/AAEAAABkAAAAAAAAABQAAABAHwAAAAAAACYAAAAAAAAAwOD//wAAAAAmAAAAZAAAABYAAABMAAAAAAAAAAAAAAAEAAAAAAAAAAEAAACAgIAKAAAAACgAAAAoAAAAZAAAAGQAAAAAAAAAzMzMAAAAAABQAAAAUAAAAGQAAABkAAAAAAAAABcAAAAUAAAAAAAAAAAAAAD/fwAA/38AAAAAAAAJAAAABAAAAAAAAAAMAAAAEAAAAAAAAAAAAAAAAAAAAAAAAAAeAAAAaAAAAAAAAAAAAAAAAAAAAAAAAAAAAAAAECcAABAnAAAAAAAAAAAAAAAAAAAAAAAAAAAAAAAAAAAAAAAAAAAAABQAAAAAAAAAwMD/AAAAAABkAAAAMgAAAAAAAABkAAAAAAAAAH9/fwAKAAAAHwAAAFQAAAAAAAAFAAAAAQAAAAAAAAAAAAAAAAAAAAAAAAAAAAAAAAAAAAAAAAAAAAAAAn9/fwAAAAADzMzMAMDA/wB/f38AAAAAAAAAAAAAAAAAAAAAAAAAAAAhAAAAGAAAABQAAABQKAAAGycAAHA1AABZKQAAEAAAACYAAAAIAAAAAAAAAAAAAAA="/>
               </a:ext>
             </a:extLst>
           </p:cNvSpPr>
@@ -597,7 +597,7 @@
           <a:lstStyle/>
           <a:p>
             <a:pPr/>
-            <a:fld id="{3E45E39D-D3D3-1015-9DFD-2540ADB36B70}" type="slidenum">
+            <a:fld id="{3E69E875-3BD3-3C1E-9DD1-CD4BA69F6B98}" type="slidenum">
               <a:t/>
             </a:fld>
           </a:p>
@@ -635,7 +635,7 @@
             <a:spLocks noGrp="1" noChangeArrowheads="1"/>
             <a:extLst>
               <a:ext uri="smNativeData">
-                <pr:smNativeData xmlns:pr="smNativeData" val="SMDATA_13_m5rdZRMAAAAlAAAAZAAAAA8BAAAAkAAAAEgAAACQAAAASAAAAAAAAAACAAAAAQAAAAEAAABQAAAAAAAAAAAA4D8AAAAAAADgPwAAAAAAAOA/AAAAAAAA4D8AAAAAAADgPwAAAAAAAOA/AAAAAAAA4D8AAAAAAADgPwAAAAAAAOA/AAAAAAAA4D8CAAAAjAAAAAAAAAAAAAAAu+DjDP///wgAAAAAAAAAAAAAAAAAAAAAAAAAAAAAAAAAAAAAZAAAAAEAAABAAAAAAAAAAAAAAAAAAAAAAAAAAAAAAAAAAAAAAAAAAAAAAAAAAAAAAAAAAAAAAAAAAAAAAAAAAAAAAAAAAAAAAAAAAAAAAAAAAAAAAAAAAAAAAAAAAAAAFAAAADwAAAAAAAAAAAAAAAAAAAkUAAAAAQAAABQAAAAUAAAAFAAAAAEAAAAAAAAAZAAAAGQAAAAAAAAAZAAAAGQAAAAVAAAAYAAAAAAAAAAAAAAADwAAACADAAAAAAAAAAAAAAEAAACgMgAAVgcAAKr4//8BAAAAf39/AAEAAABkAAAAAAAAABQAAABAHwAAAAAAACYAAAAAAAAAwOD//wAAAAAmAAAAZAAAABYAAABMAAAAAAAAAAAAAAAEAAAAAAAAAAEAAACAgIAKAAAAACgAAAAoAAAAZAAAAGQAAAAAAAAAzMzMAAAAAABQAAAAUAAAAGQAAABkAAAAAAAAABcAAAAUAAAAAAAAAAAAAAD/fwAA/38AAAAAAAAJAAAABAAAAAAAAAAMAAAAEAAAAAAAAAAAAAAAAAAAAAAAAAAeAAAAaAAAAAAAAAAAAAAAAAAAAAAAAAAAAAAAECcAABAnAAAAAAAAAAAAAAAAAAAAAAAAAAAAAAAAAAAAAAAAAAAAABQAAAAAAAAAwMD/AAAAAABkAAAAMgAAAAAAAABkAAAAAAAAAH9/fwAKAAAAHwAAAFQAAAAAAAAFAAAAAQAAAAAAAAAAAAAAAAAAAAAAAAAAAAAAAAAAAAAAAAAAAAAAAn9/fwAAAAADzMzMAMDA/wB/f38AAAAAAAAAAAAAAAAAAAAAAAAAAAAhAAAAGAAAABQAAADIKAAAsAEAAHA1AACwJQAAEAAAACYAAAAIAAAAgwAAAAAAAAA="/>
+                <pr:smNativeData xmlns:pr="smNativeData" val="SMDATA_13_HSHgZRMAAAAlAAAAZAAAAA8BAAAAkAAAAEgAAACQAAAASAAAAAAAAAACAAAAAQAAAAEAAABQAAAAAAAAAAAA4D8AAAAAAADgPwAAAAAAAOA/AAAAAAAA4D8AAAAAAADgPwAAAAAAAOA/AAAAAAAA4D8AAAAAAADgPwAAAAAAAOA/AAAAAAAA4D8CAAAAjAAAAAAAAAAAAAAAu+DjDP///wgAAAAAAAAAAAAAAAAAAAAAAAAAAAAAAAAAAAAAZAAAAAEAAABAAAAAAAAAAAAAAAAAAAAAAAAAAAAAAAAAAAAAAAAAAAAAAAAAAAAAAAAAAAAAAAAAAAAAAAAAAAAAAAAAAAAAAAAAAAAAAAAAAAAAAAAAAAAAAAAAAAAAFAAAADwAAAAAAAAAAAAAAAAAAAkUAAAAAQAAABQAAAAUAAAAFAAAAAEAAAAAAAAAZAAAAGQAAAAAAAAAZAAAAGQAAAAVAAAAYAAAAAAAAAAAAAAADwAAACADAAAAAAAAAAAAAAEAAACgMgAAVgcAAKr4//8BAAAAf39/AAEAAABkAAAAAAAAABQAAABAHwAAAAAAACYAAAAAAAAAwOD//wAAAAAmAAAAZAAAABYAAABMAAAAAAAAAAAAAAAEAAAAAAAAAAEAAACAgIAKAAAAACgAAAAoAAAAZAAAAGQAAAAAAAAAzMzMAAAAAABQAAAAUAAAAGQAAABkAAAAAAAAABcAAAAUAAAAAAAAAAAAAAD/fwAA/38AAAAAAAAJAAAABAAAAAAAAAAMAAAAEAAAAAAAAAAAAAAAAAAAAAAAAAAeAAAAaAAAAAAAAAAAAAAAAAAAAAAAAAAAAAAAECcAABAnAAAAAAAAAAAAAAAAAAAAAAAAAAAAAAAAAAAAAAAAAAAAABQAAAAAAAAAwMD/AAAAAABkAAAAMgAAAAAAAABkAAAAAAAAAH9/fwAKAAAAHwAAAFQAAAAAAAAFAAAAAQAAAAAAAAAAAAAAAAAAAAAAAAAAAAAAAAAAAAAAAAAAAAAAAn9/fwAAAAADzMzMAMDA/wB/f38AAAAAAAAAAAAAAAAAAAAAAAAAAAAhAAAAGAAAABQAAADIKAAAsAEAAHA1AACwJQAAEAAAACYAAAAIAAAAgwAAAAAAAAA="/>
               </a:ext>
             </a:extLst>
           </p:cNvSpPr>
@@ -671,7 +671,7 @@
             <a:spLocks noGrp="1" noChangeArrowheads="1"/>
             <a:extLst>
               <a:ext uri="smNativeData">
-                <pr:smNativeData xmlns:pr="smNativeData" val="SMDATA_13_m5rdZRMAAAAlAAAAZAAAAA8BAAAAkAAAAEgAAACQAAAASAAAAAAAAAAAAAAAAQAAAAEAAABQAAAAAAAAAAAA4D8AAAAAAADgPwAAAAAAAOA/AAAAAAAA4D8AAAAAAADgPwAAAAAAAOA/AAAAAAAA4D8AAAAAAADgPwAAAAAAAOA/AAAAAAAA4D8CAAAAjAAAAAAAAAAAAAAAu+DjDP///wgAAAAAAAAAAAAAAAAAAAAAAAAAAAAAAAAAAAAAZAAAAAEAAABAAAAAAAAAAAAAAAAAAAAAAAAAAAAAAAAAAAAAAAAAAAAAAAAAAAAAAAAAAAAAAAAAAAAAAAAAAAAAAAAAAAAAAAAAAAAAAAAAAAAAAAAAAAAAAAAAAAAAFAAAADwAAAAAAAAAAAAAAAAAAAkUAAAAAQAAABQAAAAUAAAAFAAAAAEAAAAAAAAAZAAAAGQAAAAAAAAAZAAAAGQAAAAVAAAAYAAAAAAAAAAAAAAADwAAACADAAAAAAAAAAAAAAEAAACgMgAAVgcAAKr4//8BAAAAf39/AAEAAABkAAAAAAAAABQAAABAHwAAAAAAACYAAAAAAAAAwOD//wAAAAAmAAAAZAAAABYAAABMAAAAAAAAAAAAAAAEAAAAAAAAAAEAAACAgIAKAAAAACgAAAAoAAAAZAAAAGQAAAAAAAAAzMzMAAAAAABQAAAAUAAAAGQAAABkAAAAAAAAABcAAAAUAAAAAAAAAAAAAAD/fwAA/38AAAAAAAAJAAAABAAAAAAAAAAMAAAAEAAAAAAAAAAAAAAAAAAAAAAAAAAeAAAAaAAAAAAAAAAAAAAAAAAAAAAAAAAAAAAAECcAABAnAAAAAAAAAAAAAAAAAAAAAAAAAAAAAAAAAAAAAAAAAAAAABQAAAAAAAAAwMD/AAAAAABkAAAAMgAAAAAAAABkAAAAAAAAAH9/fwAKAAAAHwAAAFQAAAAAAAAFAAAAAQAAAAAAAAAAAAAAAAAAAAAAAAAAAAAAAAAAAAAAAAAAAAAAAn9/fwAAAAADzMzMAMDA/wB/f38AAAAAAAAAAAAAAAAAAAAAAAAAAAAhAAAAGAAAABQAAADQAgAAsAEAANgnAACwJQAAEAAAACYAAAAIAAAAAwAAAAAAAAA="/>
+                <pr:smNativeData xmlns:pr="smNativeData" val="SMDATA_13_HSHgZRMAAAAlAAAAZAAAAA8BAAAAkAAAAEgAAACQAAAASAAAAAAAAAAAAAAAAQAAAAEAAABQAAAAAAAAAAAA4D8AAAAAAADgPwAAAAAAAOA/AAAAAAAA4D8AAAAAAADgPwAAAAAAAOA/AAAAAAAA4D8AAAAAAADgPwAAAAAAAOA/AAAAAAAA4D8CAAAAjAAAAAAAAAAAAAAAu+DjDP///wgAAAAAAAAAAAAAAAAAAAAAAAAAAAAAAAAAAAAAZAAAAAEAAABAAAAAAAAAAAAAAAAAAAAAAAAAAAAAAAAAAAAAAAAAAAAAAAAAAAAAAAAAAAAAAAAAAAAAAAAAAAAAAAAAAAAAAAAAAAAAAAAAAAAAAAAAAAAAAAAAAAAAFAAAADwAAAAAAAAAAAAAAAAAAAkUAAAAAQAAABQAAAAUAAAAFAAAAAEAAAAAAAAAZAAAAGQAAAAAAAAAZAAAAGQAAAAVAAAAYAAAAAAAAAAAAAAADwAAACADAAAAAAAAAAAAAAEAAACgMgAAVgcAAKr4//8BAAAAf39/AAEAAABkAAAAAAAAABQAAABAHwAAAAAAACYAAAAAAAAAwOD//wAAAAAmAAAAZAAAABYAAABMAAAAAAAAAAAAAAAEAAAAAAAAAAEAAACAgIAKAAAAACgAAAAoAAAAZAAAAGQAAAAAAAAAzMzMAAAAAABQAAAAUAAAAGQAAABkAAAAAAAAABcAAAAUAAAAAAAAAAAAAAD/fwAA/38AAAAAAAAJAAAABAAAAAAAAAAMAAAAEAAAAAAAAAAAAAAAAAAAAAAAAAAeAAAAaAAAAAAAAAAAAAAAAAAAAAAAAAAAAAAAECcAABAnAAAAAAAAAAAAAAAAAAAAAAAAAAAAAAAAAAAAAAAAAAAAABQAAAAAAAAAwMD/AAAAAABkAAAAMgAAAAAAAABkAAAAAAAAAH9/fwAKAAAAHwAAAFQAAAAAAAAFAAAAAQAAAAAAAAAAAAAAAAAAAAAAAAAAAAAAAAAAAAAAAAAAAAAAAn9/fwAAAAADzMzMAMDA/wB/f38AAAAAAAAAAAAAAAAAAAAAAAAAAAAhAAAAGAAAABQAAADQAgAAsAEAANgnAACwJQAAEAAAACYAAAAIAAAAAwAAAAAAAAA="/>
               </a:ext>
             </a:extLst>
           </p:cNvSpPr>
@@ -731,7 +731,7 @@
             <a:spLocks noGrp="1" noChangeArrowheads="1"/>
             <a:extLst>
               <a:ext uri="smNativeData">
-                <pr:smNativeData xmlns:pr="smNativeData" val="SMDATA_13_m5rdZRMAAAAlAAAAZAAAAA8BAAAAkAAAAEgAAACQAAAASAAAAAAAAAABAAAAAAAAAAEAAABQAAAAAAAAAAAA4D8AAAAAAADgPwAAAAAAAOA/AAAAAAAA4D8AAAAAAADgPwAAAAAAAOA/AAAAAAAA4D8AAAAAAADgPwAAAAAAAOA/AAAAAAAA4D8CAAAAjAAAAAAAAAAAAAAAu+DjDP///wgAAAAAAAAAAAAAAAAAAAAAAAAAAAAAAAAAAAAAZAAAAAEAAABAAAAAAAAAAAAAAAAAAAAAAAAAAAAAAAAAAAAAAAAAAAAAAAAAAAAAAAAAAAAAAAAAAAAAAAAAAAAAAAAAAAAAAAAAAAAAAAAAAAAAAAAAAAAAAAAAAAAAFAAAADwAAAAAAAAAAAAAAAAAAAkUAAAAAQAAABQAAAAUAAAAFAAAAAEAAAAAAAAAZAAAAGQAAAAAAAAAZAAAAGQAAAAVAAAAYAAAAAAAAAAAAAAADwAAACADAAAAAAAAAAAAAAEAAACgMgAAVgcAAKr4//8BAAAAf39/AAEAAABkAAAAAAAAABQAAABAHwAAAAAAACYAAAAAAAAAwOD//wAAAAAmAAAAZAAAABYAAABMAAAAAAAAAAAAAAAEAAAAAAAAAAEAAACAgIAKAAAAACgAAAAoAAAAZAAAAGQAAAAAAAAAzMzMAAAAAABQAAAAUAAAAGQAAABkAAAAAAAAABcAAAAUAAAAAAAAAAAAAAD/fwAA/38AAAAAAAAJAAAABAAAAAAAAAAMAAAAEAAAAAAAAAAAAAAAAAAAAAAAAAAeAAAAaAAAAAAAAAAAAAAAAAAAAAAAAAAAAAAAECcAABAnAAAAAAAAAAAAAAAAAAAAAAAAAAAAAAAAAAAAAAAAAAAAABQAAAAAAAAAwMD/AAAAAABkAAAAMgAAAAAAAABkAAAAAAAAAH9/fwAKAAAAHwAAAFQAAAAAAAAFAAAAAQAAAAAAAAAAAAAAAAAAAAAAAAAAAAAAAAAAAAAAAAAAAAAAAn9/fwAAAAADzMzMAMDA/wB/f38AAAAAAAAAAAAAAAAAAAAAAAAAAAAhAAAAGAAAABQAAADQAgAAGycAAPAPAABZKQAAEAAAACYAAAAIAAAAAAAAAAAAAAA="/>
+                <pr:smNativeData xmlns:pr="smNativeData" val="SMDATA_13_HSHgZRMAAAAlAAAAZAAAAA8BAAAAkAAAAEgAAACQAAAASAAAAAAAAAABAAAAAAAAAAEAAABQAAAAAAAAAAAA4D8AAAAAAADgPwAAAAAAAOA/AAAAAAAA4D8AAAAAAADgPwAAAAAAAOA/AAAAAAAA4D8AAAAAAADgPwAAAAAAAOA/AAAAAAAA4D8CAAAAjAAAAAAAAAAAAAAAu+DjDP///wgAAAAAAAAAAAAAAAAAAAAAAAAAAAAAAAAAAAAAZAAAAAEAAABAAAAAAAAAAAAAAAAAAAAAAAAAAAAAAAAAAAAAAAAAAAAAAAAAAAAAAAAAAAAAAAAAAAAAAAAAAAAAAAAAAAAAAAAAAAAAAAAAAAAAAAAAAAAAAAAAAAAAFAAAADwAAAAAAAAAAAAAAAAAAAkUAAAAAQAAABQAAAAUAAAAFAAAAAEAAAAAAAAAZAAAAGQAAAAAAAAAZAAAAGQAAAAVAAAAYAAAAAAAAAAAAAAADwAAACADAAAAAAAAAAAAAAEAAACgMgAAVgcAAKr4//8BAAAAf39/AAEAAABkAAAAAAAAABQAAABAHwAAAAAAACYAAAAAAAAAwOD//wAAAAAmAAAAZAAAABYAAABMAAAAAAAAAAAAAAAEAAAAAAAAAAEAAACAgIAKAAAAACgAAAAoAAAAZAAAAGQAAAAAAAAAzMzMAAAAAABQAAAAUAAAAGQAAABkAAAAAAAAABcAAAAUAAAAAAAAAAAAAAD/fwAA/38AAAAAAAAJAAAABAAAAAAAAAAMAAAAEAAAAAAAAAAAAAAAAAAAAAAAAAAeAAAAaAAAAAAAAAAAAAAAAAAAAAAAAAAAAAAAECcAABAnAAAAAAAAAAAAAAAAAAAAAAAAAAAAAAAAAAAAAAAAAAAAABQAAAAAAAAAwMD/AAAAAABkAAAAMgAAAAAAAABkAAAAAAAAAH9/fwAKAAAAHwAAAFQAAAAAAAAFAAAAAQAAAAAAAAAAAAAAAAAAAAAAAAAAAAAAAAAAAAAAAAAAAAAAAn9/fwAAAAADzMzMAMDA/wB/f38AAAAAAAAAAAAAAAAAAAAAAAAAAAAhAAAAGAAAABQAAADQAgAAGycAAPAPAABZKQAAEAAAACYAAAAIAAAAAAAAAAAAAAA="/>
               </a:ext>
             </a:extLst>
           </p:cNvSpPr>
@@ -745,7 +745,7 @@
           <a:lstStyle/>
           <a:p>
             <a:pPr/>
-            <a:fld id="{3E458D85-CBD3-107B-9DFD-3D2EC3B36B68}" type="datetime1">
+            <a:fld id="{3E69FA09-47D3-3C0C-9DD1-B159B49F6BE4}" type="datetime1">
               <a:t/>
             </a:fld>
           </a:p>
@@ -758,7 +758,7 @@
             <a:spLocks noGrp="1" noChangeArrowheads="1"/>
             <a:extLst>
               <a:ext uri="smNativeData">
-                <pr:smNativeData xmlns:pr="smNativeData" val="SMDATA_13_m5rdZRMAAAAlAAAAZAAAAA8BAAAAkAAAAEgAAACQAAAASAAAAAAAAAABAAAAAAAAAAEAAABQAAAAAAAAAAAA4D8AAAAAAADgPwAAAAAAAOA/AAAAAAAA4D8AAAAAAADgPwAAAAAAAOA/AAAAAAAA4D8AAAAAAADgPwAAAAAAAOA/AAAAAAAA4D8CAAAAjAAAAAAAAAAAAAAAu+DjDP///wgAAAAAAAAAAAAAAAAAAAAAAAAAAAAAAAAAAAAAZAAAAAEAAABAAAAAAAAAAAAAAAAAAAAAAAAAAAAAAAAAAAAAAAAAAAAAAAAAAAAAAAAAAAAAAAAAAAAAAAAAAAAAAAAAAAAAAAAAAAAAAAAAAAAAAAAAAAAAAAAAAAAAFAAAADwAAAAAAAAAAAAAAAAAAAkUAAAAAQAAABQAAAAUAAAAFAAAAAEAAAAAAAAAZAAAAGQAAAAAAAAAZAAAAGQAAAAVAAAAYAAAAAAAAAAAAAAADwAAACADAAAAAAAAAAAAAAEAAACgMgAAVgcAAKr4//8BAAAAf39/AAEAAABkAAAAAAAAABQAAABAHwAAAAAAACYAAAAAAAAAwOD//wAAAAAmAAAAZAAAABYAAABMAAAAAAAAAAAAAAAEAAAAAAAAAAEAAACAgIAKAAAAACgAAAAoAAAAZAAAAGQAAAAAAAAAzMzMAAAAAABQAAAAUAAAAGQAAABkAAAAAAAAABcAAAAUAAAAAAAAAAAAAAD/fwAA/38AAAAAAAAJAAAABAAAAAAAAAAMAAAAEAAAAAAAAAAAAAAAAAAAAAAAAAAeAAAAaAAAAAAAAAAAAAAAAAAAAAAAAAAAAAAAECcAABAnAAAAAAAAAAAAAAAAAAAAAAAAAAAAAAAAAAAAAAAAAAAAABQAAAAAAAAAwMD/AAAAAABkAAAAMgAAAAAAAABkAAAAAAAAAH9/fwAKAAAAHwAAAFQAAAAAAAAFAAAAAQAAAAAAAAAAAAAAAAAAAAAAAAAAAAAAAAAAAAAAAAAAAAAAAn9/fwAAAAADzMzMAMDA/wB/f38AAAAAAAAAAAAAAAAAAAAAAAAAAAAhAAAAGAAAABQAAAA4EwAAGycAAAglAABZKQAAEAAAACYAAAAIAAAAAAAAAAAAAAA="/>
+                <pr:smNativeData xmlns:pr="smNativeData" val="SMDATA_13_HSHgZRMAAAAlAAAAZAAAAA8BAAAAkAAAAEgAAACQAAAASAAAAAAAAAABAAAAAAAAAAEAAABQAAAAAAAAAAAA4D8AAAAAAADgPwAAAAAAAOA/AAAAAAAA4D8AAAAAAADgPwAAAAAAAOA/AAAAAAAA4D8AAAAAAADgPwAAAAAAAOA/AAAAAAAA4D8CAAAAjAAAAAAAAAAAAAAAu+DjDP///wgAAAAAAAAAAAAAAAAAAAAAAAAAAAAAAAAAAAAAZAAAAAEAAABAAAAAAAAAAAAAAAAAAAAAAAAAAAAAAAAAAAAAAAAAAAAAAAAAAAAAAAAAAAAAAAAAAAAAAAAAAAAAAAAAAAAAAAAAAAAAAAAAAAAAAAAAAAAAAAAAAAAAFAAAADwAAAAAAAAAAAAAAAAAAAkUAAAAAQAAABQAAAAUAAAAFAAAAAEAAAAAAAAAZAAAAGQAAAAAAAAAZAAAAGQAAAAVAAAAYAAAAAAAAAAAAAAADwAAACADAAAAAAAAAAAAAAEAAACgMgAAVgcAAKr4//8BAAAAf39/AAEAAABkAAAAAAAAABQAAABAHwAAAAAAACYAAAAAAAAAwOD//wAAAAAmAAAAZAAAABYAAABMAAAAAAAAAAAAAAAEAAAAAAAAAAEAAACAgIAKAAAAACgAAAAoAAAAZAAAAGQAAAAAAAAAzMzMAAAAAABQAAAAUAAAAGQAAABkAAAAAAAAABcAAAAUAAAAAAAAAAAAAAD/fwAA/38AAAAAAAAJAAAABAAAAAAAAAAMAAAAEAAAAAAAAAAAAAAAAAAAAAAAAAAeAAAAaAAAAAAAAAAAAAAAAAAAAAAAAAAAAAAAECcAABAnAAAAAAAAAAAAAAAAAAAAAAAAAAAAAAAAAAAAAAAAAAAAABQAAAAAAAAAwMD/AAAAAABkAAAAMgAAAAAAAABkAAAAAAAAAH9/fwAKAAAAHwAAAFQAAAAAAAAFAAAAAQAAAAAAAAAAAAAAAAAAAAAAAAAAAAAAAAAAAAAAAAAAAAAAAn9/fwAAAAADzMzMAMDA/wB/f38AAAAAAAAAAAAAAAAAAAAAAAAAAAAhAAAAGAAAABQAAAA4EwAAGycAAAglAABZKQAAEAAAACYAAAAIAAAAAAAAAAAAAAA="/>
               </a:ext>
             </a:extLst>
           </p:cNvSpPr>
@@ -782,7 +782,7 @@
             <a:spLocks noGrp="1" noChangeArrowheads="1"/>
             <a:extLst>
               <a:ext uri="smNativeData">
-                <pr:smNativeData xmlns:pr="smNativeData" val="SMDATA_13_m5rdZRMAAAAlAAAAZAAAAA8BAAAAkAAAAEgAAACQAAAASAAAAAAAAAABAAAAAAAAAAEAAABQAAAAAAAAAAAA4D8AAAAAAADgPwAAAAAAAOA/AAAAAAAA4D8AAAAAAADgPwAAAAAAAOA/AAAAAAAA4D8AAAAAAADgPwAAAAAAAOA/AAAAAAAA4D8CAAAAjAAAAAAAAAAAAAAAu+DjDP///wgAAAAAAAAAAAAAAAAAAAAAAAAAAAAAAAAAAAAAZAAAAAEAAABAAAAAAAAAAAAAAAAAAAAAAAAAAAAAAAAAAAAAAAAAAAAAAAAAAAAAAAAAAAAAAAAAAAAAAAAAAAAAAAAAAAAAAAAAAAAAAAAAAAAAAAAAAAAAAAAAAAAAFAAAADwAAAAAAAAAAAAAAAAAAAkUAAAAAQAAABQAAAAUAAAAFAAAAAEAAAAAAAAAZAAAAGQAAAAAAAAAZAAAAGQAAAAVAAAAYAAAAAAAAAAAAAAADwAAACADAAAAAAAAAAAAAAEAAACgMgAAVgcAAKr4//8BAAAAf39/AAEAAABkAAAAAAAAABQAAABAHwAAAAAAACYAAAAAAAAAwOD//wAAAAAmAAAAZAAAABYAAABMAAAAAAAAAAAAAAAEAAAAAAAAAAEAAACAgIAKAAAAACgAAAAoAAAAZAAAAGQAAAAAAAAAzMzMAAAAAABQAAAAUAAAAGQAAABkAAAAAAAAABcAAAAUAAAAAAAAAAAAAAD/fwAA/38AAAAAAAAJAAAABAAAAAAAAAAMAAAAEAAAAAAAAAAAAAAAAAAAAAAAAAAeAAAAaAAAAAAAAAAAAAAAAAAAAAAAAAAAAAAAECcAABAnAAAAAAAAAAAAAAAAAAAAAAAAAAAAAAAAAAAAAAAAAAAAABQAAAAAAAAAwMD/AAAAAABkAAAAMgAAAAAAAABkAAAAAAAAAH9/fwAKAAAAHwAAAFQAAAAAAAAFAAAAAQAAAAAAAAAAAAAAAAAAAAAAAAAAAAAAAAAAAAAAAAAAAAAAAn9/fwAAAAADzMzMAMDA/wB/f38AAAAAAAAAAAAAAAAAAAAAAAAAAAAhAAAAGAAAABQAAABQKAAAGycAAHA1AABZKQAAEAAAACYAAAAIAAAAAAAAAAAAAAA="/>
+                <pr:smNativeData xmlns:pr="smNativeData" val="SMDATA_13_HSHgZRMAAAAlAAAAZAAAAA8BAAAAkAAAAEgAAACQAAAASAAAAAAAAAABAAAAAAAAAAEAAABQAAAAAAAAAAAA4D8AAAAAAADgPwAAAAAAAOA/AAAAAAAA4D8AAAAAAADgPwAAAAAAAOA/AAAAAAAA4D8AAAAAAADgPwAAAAAAAOA/AAAAAAAA4D8CAAAAjAAAAAAAAAAAAAAAu+DjDP///wgAAAAAAAAAAAAAAAAAAAAAAAAAAAAAAAAAAAAAZAAAAAEAAABAAAAAAAAAAAAAAAAAAAAAAAAAAAAAAAAAAAAAAAAAAAAAAAAAAAAAAAAAAAAAAAAAAAAAAAAAAAAAAAAAAAAAAAAAAAAAAAAAAAAAAAAAAAAAAAAAAAAAFAAAADwAAAAAAAAAAAAAAAAAAAkUAAAAAQAAABQAAAAUAAAAFAAAAAEAAAAAAAAAZAAAAGQAAAAAAAAAZAAAAGQAAAAVAAAAYAAAAAAAAAAAAAAADwAAACADAAAAAAAAAAAAAAEAAACgMgAAVgcAAKr4//8BAAAAf39/AAEAAABkAAAAAAAAABQAAABAHwAAAAAAACYAAAAAAAAAwOD//wAAAAAmAAAAZAAAABYAAABMAAAAAAAAAAAAAAAEAAAAAAAAAAEAAACAgIAKAAAAACgAAAAoAAAAZAAAAGQAAAAAAAAAzMzMAAAAAABQAAAAUAAAAGQAAABkAAAAAAAAABcAAAAUAAAAAAAAAAAAAAD/fwAA/38AAAAAAAAJAAAABAAAAAAAAAAMAAAAEAAAAAAAAAAAAAAAAAAAAAAAAAAeAAAAaAAAAAAAAAAAAAAAAAAAAAAAAAAAAAAAECcAABAnAAAAAAAAAAAAAAAAAAAAAAAAAAAAAAAAAAAAAAAAAAAAABQAAAAAAAAAwMD/AAAAAABkAAAAMgAAAAAAAABkAAAAAAAAAH9/fwAKAAAAHwAAAFQAAAAAAAAFAAAAAQAAAAAAAAAAAAAAAAAAAAAAAAAAAAAAAAAAAAAAAAAAAAAAAn9/fwAAAAADzMzMAMDA/wB/f38AAAAAAAAAAAAAAAAAAAAAAAAAAAAhAAAAGAAAABQAAABQKAAAGycAAHA1AABZKQAAEAAAACYAAAAIAAAAAAAAAAAAAAA="/>
               </a:ext>
             </a:extLst>
           </p:cNvSpPr>
@@ -796,7 +796,7 @@
           <a:lstStyle/>
           <a:p>
             <a:pPr/>
-            <a:fld id="{3E45AC72-3CD3-105A-9DFD-CA0FE2B36B9F}" type="slidenum">
+            <a:fld id="{3E69F36B-25D3-3C05-9DD1-D350BD9F6B86}" type="slidenum">
               <a:t/>
             </a:fld>
           </a:p>
@@ -834,7 +834,7 @@
             <a:spLocks noGrp="1" noChangeArrowheads="1"/>
             <a:extLst>
               <a:ext uri="smNativeData">
-                <pr:smNativeData xmlns:pr="smNativeData" val="SMDATA_13_m5rdZRMAAAAlAAAAZAAAAA8BAAAAkAAAAEgAAACQAAAASAAAAAAAAAABAAAAAAAAAAEAAABQAAAAAAAAAAAA4D8AAAAAAADgPwAAAAAAAOA/AAAAAAAA4D8AAAAAAADgPwAAAAAAAOA/AAAAAAAA4D8AAAAAAADgPwAAAAAAAOA/AAAAAAAA4D8CAAAAjAAAAAAAAAAAAAAAu+DjDP///wgAAAAAAAAAAAAAAAAAAAAAAAAAAAAAAAAAAAAAZAAAAAEAAABAAAAAAAAAAAAAAAAAAAAAAAAAAAAAAAAAAAAAAAAAAAAAAAAAAAAAAAAAAAAAAAAAAAAAAAAAAAAAAAAAAAAAAAAAAAAAAAAAAAAAAAAAAAAAAAAAAAAAFAAAADwAAAAAAAAAAAAAAAAAAAkUAAAAAQAAABQAAAAUAAAAFAAAAAEAAAAAAAAAZAAAAGQAAAAAAAAAZAAAAGQAAAAVAAAAYAAAAAAAAAAAAAAADwAAACADAAAAAAAAAAAAAAEAAACgMgAAVgcAAKr4//8BAAAAf39/AAEAAABkAAAAAAAAABQAAABAHwAAAAAAACYAAAAAAAAAwOD//wAAAAAmAAAAZAAAABYAAABMAAAAAAAAAAAAAAAEAAAAAAAAAAEAAACAgIAKAAAAACgAAAAoAAAAZAAAAGQAAAAAAAAAzMzMAAAAAABQAAAAUAAAAGQAAABkAAAAAAAAABcAAAAUAAAAAAAAAAAAAAD/fwAA/38AAAAAAAAJAAAABAAAAAAAAAAMAAAAEAAAAAAAAAAAAAAAAAAAAAAAAAAeAAAAaAAAAAAAAAAAAAAAAAAAAAAAAAAAAAAAECcAABAnAAAAAAAAAAAAAAAAAAAAAAAAAAAAAAAAAAAAAAAAAAAAABQAAAAAAAAAwMD/AAAAAABkAAAAMgAAAAAAAABkAAAAAAAAAH9/fwAKAAAAHwAAAFQAAAAAAAAFAAAAAQAAAAAAAAAAAAAAAAAAAAAAAAAAAAAAAAAAAAAAAAAAAAAAAn9/fwAAAAADzMzMAMDA/wB/f38AAAAAAAAAAAAAAAAAAAAAAAAAAAAhAAAAGAAAABQAAADQAgAAsAEAAHA1AAC4CAAAEAAAACYAAAAIAAAAAAAAAAAAAAA="/>
+                <pr:smNativeData xmlns:pr="smNativeData" val="SMDATA_13_HSHgZRMAAAAlAAAAZAAAAA8BAAAAkAAAAEgAAACQAAAASAAAAAAAAAABAAAAAAAAAAEAAABQAAAAAAAAAAAA4D8AAAAAAADgPwAAAAAAAOA/AAAAAAAA4D8AAAAAAADgPwAAAAAAAOA/AAAAAAAA4D8AAAAAAADgPwAAAAAAAOA/AAAAAAAA4D8CAAAAjAAAAAAAAAAAAAAAu+DjDP///wgAAAAAAAAAAAAAAAAAAAAAAAAAAAAAAAAAAAAAZAAAAAEAAABAAAAAAAAAAAAAAAAAAAAAAAAAAAAAAAAAAAAAAAAAAAAAAAAAAAAAAAAAAAAAAAAAAAAAAAAAAAAAAAAAAAAAAAAAAAAAAAAAAAAAAAAAAAAAAAAAAAAAFAAAADwAAAAAAAAAAAAAAAAAAAkUAAAAAQAAABQAAAAUAAAAFAAAAAEAAAAAAAAAZAAAAGQAAAAAAAAAZAAAAGQAAAAVAAAAYAAAAAAAAAAAAAAADwAAACADAAAAAAAAAAAAAAEAAACgMgAAVgcAAKr4//8BAAAAf39/AAEAAABkAAAAAAAAABQAAABAHwAAAAAAACYAAAAAAAAAwOD//wAAAAAmAAAAZAAAABYAAABMAAAAAAAAAAAAAAAEAAAAAAAAAAEAAACAgIAKAAAAACgAAAAoAAAAZAAAAGQAAAAAAAAAzMzMAAAAAABQAAAAUAAAAGQAAABkAAAAAAAAABcAAAAUAAAAAAAAAAAAAAD/fwAA/38AAAAAAAAJAAAABAAAAAAAAAAMAAAAEAAAAAAAAAAAAAAAAAAAAAAAAAAeAAAAaAAAAAAAAAAAAAAAAAAAAAAAAAAAAAAAECcAABAnAAAAAAAAAAAAAAAAAAAAAAAAAAAAAAAAAAAAAAAAAAAAABQAAAAAAAAAwMD/AAAAAABkAAAAMgAAAAAAAABkAAAAAAAAAH9/fwAKAAAAHwAAAFQAAAAAAAAFAAAAAQAAAAAAAAAAAAAAAAAAAAAAAAAAAAAAAAAAAAAAAAAAAAAAAn9/fwAAAAADzMzMAMDA/wB/f38AAAAAAAAAAAAAAAAAAAAAAAAAAAAhAAAAGAAAABQAAADQAgAAsAEAAHA1AAC4CAAAEAAAACYAAAAIAAAAAAAAAAAAAAA="/>
               </a:ext>
             </a:extLst>
           </p:cNvSpPr>
@@ -861,7 +861,7 @@
             <a:spLocks noGrp="1" noChangeArrowheads="1"/>
             <a:extLst>
               <a:ext uri="smNativeData">
-                <pr:smNativeData xmlns:pr="smNativeData" val="SMDATA_13_m5rdZRMAAAAlAAAAZAAAAA8BAAAAkAAAAEgAAACQAAAASAAAAAAAAAAAAAAAAAAAAAEAAABQAAAAAAAAAAAA4D8AAAAAAADgPwAAAAAAAOA/AAAAAAAA4D8AAAAAAADgPwAAAAAAAOA/AAAAAAAA4D8AAAAAAADgPwAAAAAAAOA/AAAAAAAA4D8CAAAAjAAAAAAAAAAAAAAAu+DjDP///wgAAAAAAAAAAAAAAAAAAAAAAAAAAAAAAAAAAAAAZAAAAAEAAABAAAAAAAAAAAAAAAAAAAAAAAAAAAAAAAAAAAAAAAAAAAAAAAAAAAAAAAAAAAAAAAAAAAAAAAAAAAAAAAAAAAAAAAAAAAAAAAAAAAAAAAAAAAAAAAAAAAAAFAAAADwAAAAAAAAAAAAAAAAAAAkUAAAAAQAAABQAAAAUAAAAFAAAAAEAAAAAAAAAZAAAAGQAAAAAAAAAZAAAAGQAAAAVAAAAYAAAAAAAAAAAAAAADwAAACADAAAAAAAAAAAAAAEAAACgMgAAVgcAAKr4//8BAAAAf39/AAEAAABkAAAAAAAAABQAAABAHwAAAAAAACYAAAAAAAAAwOD//wAAAAAmAAAAZAAAABYAAABMAAAAAAAAAAAAAAAEAAAAAAAAAAEAAACAgIAKAAAAACgAAAAoAAAAZAAAAGQAAAAAAAAAzMzMAAAAAABQAAAAUAAAAGQAAABkAAAAAAAAABcAAAAUAAAAAAAAAAAAAAD/fwAA/38AAAAAAAAJAAAABAAAAAAAAAAMAAAAEAAAAAAAAAAAAAAAAAAAAAAAAAAeAAAAaAAAAAAAAAAAAAAAAAAAAAAAAAAAAAAAECcAABAnAAAAAAAAAAAAAAAAAAAAAAAAAAAAAAAAAAAAAAAAAAAAABQAAAAAAAAAwMD/AAAAAABkAAAAMgAAAAAAAABkAAAAAAAAAH9/fwAKAAAAHwAAAFQAAAAAAAAFAAAAAQAAAAAAAAAAAAAAAAAAAAAAAAAAAAAAAAAAAAAAAAAAAAAAAn9/fwAAAAADzMzMAMDA/wB/f38AAAAAAAAAAAAAAAAAAAAAAAAAAAAhAAAAGAAAABQAAADQAgAA2AkAAHA1AACwJQAAEAAAACYAAAAIAAAAAAAAAAAAAAA="/>
+                <pr:smNativeData xmlns:pr="smNativeData" val="SMDATA_13_HSHgZRMAAAAlAAAAZAAAAA8BAAAAkAAAAEgAAACQAAAASAAAAAAAAAAAAAAAAAAAAAEAAABQAAAAAAAAAAAA4D8AAAAAAADgPwAAAAAAAOA/AAAAAAAA4D8AAAAAAADgPwAAAAAAAOA/AAAAAAAA4D8AAAAAAADgPwAAAAAAAOA/AAAAAAAA4D8CAAAAjAAAAAAAAAAAAAAAu+DjDP///wgAAAAAAAAAAAAAAAAAAAAAAAAAAAAAAAAAAAAAZAAAAAEAAABAAAAAAAAAAAAAAAAAAAAAAAAAAAAAAAAAAAAAAAAAAAAAAAAAAAAAAAAAAAAAAAAAAAAAAAAAAAAAAAAAAAAAAAAAAAAAAAAAAAAAAAAAAAAAAAAAAAAAFAAAADwAAAAAAAAAAAAAAAAAAAkUAAAAAQAAABQAAAAUAAAAFAAAAAEAAAAAAAAAZAAAAGQAAAAAAAAAZAAAAGQAAAAVAAAAYAAAAAAAAAAAAAAADwAAACADAAAAAAAAAAAAAAEAAACgMgAAVgcAAKr4//8BAAAAf39/AAEAAABkAAAAAAAAABQAAABAHwAAAAAAACYAAAAAAAAAwOD//wAAAAAmAAAAZAAAABYAAABMAAAAAAAAAAAAAAAEAAAAAAAAAAEAAACAgIAKAAAAACgAAAAoAAAAZAAAAGQAAAAAAAAAzMzMAAAAAABQAAAAUAAAAGQAAABkAAAAAAAAABcAAAAUAAAAAAAAAAAAAAD/fwAA/38AAAAAAAAJAAAABAAAAAAAAAAMAAAAEAAAAAAAAAAAAAAAAAAAAAAAAAAeAAAAaAAAAAAAAAAAAAAAAAAAAAAAAAAAAAAAECcAABAnAAAAAAAAAAAAAAAAAAAAAAAAAAAAAAAAAAAAAAAAAAAAABQAAAAAAAAAwMD/AAAAAABkAAAAMgAAAAAAAABkAAAAAAAAAH9/fwAKAAAAHwAAAFQAAAAAAAAFAAAAAQAAAAAAAAAAAAAAAAAAAAAAAAAAAAAAAAAAAAAAAAAAAAAAAn9/fwAAAAADzMzMAMDA/wB/f38AAAAAAAAAAAAAAAAAAAAAAAAAAAAhAAAAGAAAABQAAADQAgAA2AkAAHA1AACwJQAAEAAAACYAAAAIAAAAAAAAAAAAAAA="/>
               </a:ext>
             </a:extLst>
           </p:cNvSpPr>
@@ -912,7 +912,7 @@
             <a:spLocks noGrp="1" noChangeArrowheads="1"/>
             <a:extLst>
               <a:ext uri="smNativeData">
-                <pr:smNativeData xmlns:pr="smNativeData" val="SMDATA_13_m5rdZRMAAAAlAAAAZAAAAA8BAAAAkAAAAEgAAACQAAAASAAAAAAAAAABAAAAAAAAAAEAAABQAAAAAAAAAAAA4D8AAAAAAADgPwAAAAAAAOA/AAAAAAAA4D8AAAAAAADgPwAAAAAAAOA/AAAAAAAA4D8AAAAAAADgPwAAAAAAAOA/AAAAAAAA4D8CAAAAjAAAAAAAAAAAAAAAu+DjDP///wgAAAAAAAAAAAAAAAAAAAAAAAAAAAAAAAAAAAAAZAAAAAEAAABAAAAAAAAAAAAAAAAAAAAAAAAAAAAAAAAAAAAAAAAAAAAAAAAAAAAAAAAAAAAAAAAAAAAAAAAAAAAAAAAAAAAAAAAAAAAAAAAAAAAAAAAAAAAAAAAAAAAAFAAAADwAAAAAAAAAAAAAAAAAAAkUAAAAAQAAABQAAAAUAAAAFAAAAAEAAAAAAAAAZAAAAGQAAAAAAAAAZAAAAGQAAAAVAAAAYAAAAAAAAAAAAAAADwAAACADAAAAAAAAAAAAAAEAAACgMgAAVgcAAKr4//8BAAAAf39/AAEAAABkAAAAAAAAABQAAABAHwAAAAAAACYAAAAAAAAAwOD//wAAAAAmAAAAZAAAABYAAABMAAAAAAAAAAAAAAAEAAAAAAAAAAEAAACAgIAKAAAAACgAAAAoAAAAZAAAAGQAAAAAAAAAzMzMAAAAAABQAAAAUAAAAGQAAABkAAAAAAAAABcAAAAUAAAAAAAAAAAAAAD/fwAA/38AAAAAAAAJAAAABAAAAAAAAAAMAAAAEAAAAAAAAAAAAAAAAAAAAAAAAAAeAAAAaAAAAAAAAAAAAAAAAAAAAAAAAAAAAAAAECcAABAnAAAAAAAAAAAAAAAAAAAAAAAAAAAAAAAAAAAAAAAAAAAAABQAAAAAAAAAwMD/AAAAAABkAAAAMgAAAAAAAABkAAAAAAAAAH9/fwAKAAAAHwAAAFQAAAAAAAAFAAAAAQAAAAAAAAAAAAAAAAAAAAAAAAAAAAAAAAAAAAAAAAAAAAAAAn9/fwAAAAADzMzMAMDA/wB/f38AAAAAAAAAAAAAAAAAAAAAAAAAAAAhAAAAGAAAABQAAADQAgAAGycAAPAPAABZKQAAEAAAACYAAAAIAAAAAAAAAAAAAAA="/>
+                <pr:smNativeData xmlns:pr="smNativeData" val="SMDATA_13_HSHgZRMAAAAlAAAAZAAAAA8BAAAAkAAAAEgAAACQAAAASAAAAAAAAAABAAAAAAAAAAEAAABQAAAAAAAAAAAA4D8AAAAAAADgPwAAAAAAAOA/AAAAAAAA4D8AAAAAAADgPwAAAAAAAOA/AAAAAAAA4D8AAAAAAADgPwAAAAAAAOA/AAAAAAAA4D8CAAAAjAAAAAAAAAAAAAAAu+DjDP///wgAAAAAAAAAAAAAAAAAAAAAAAAAAAAAAAAAAAAAZAAAAAEAAABAAAAAAAAAAAAAAAAAAAAAAAAAAAAAAAAAAAAAAAAAAAAAAAAAAAAAAAAAAAAAAAAAAAAAAAAAAAAAAAAAAAAAAAAAAAAAAAAAAAAAAAAAAAAAAAAAAAAAFAAAADwAAAAAAAAAAAAAAAAAAAkUAAAAAQAAABQAAAAUAAAAFAAAAAEAAAAAAAAAZAAAAGQAAAAAAAAAZAAAAGQAAAAVAAAAYAAAAAAAAAAAAAAADwAAACADAAAAAAAAAAAAAAEAAACgMgAAVgcAAKr4//8BAAAAf39/AAEAAABkAAAAAAAAABQAAABAHwAAAAAAACYAAAAAAAAAwOD//wAAAAAmAAAAZAAAABYAAABMAAAAAAAAAAAAAAAEAAAAAAAAAAEAAACAgIAKAAAAACgAAAAoAAAAZAAAAGQAAAAAAAAAzMzMAAAAAABQAAAAUAAAAGQAAABkAAAAAAAAABcAAAAUAAAAAAAAAAAAAAD/fwAA/38AAAAAAAAJAAAABAAAAAAAAAAMAAAAEAAAAAAAAAAAAAAAAAAAAAAAAAAeAAAAaAAAAAAAAAAAAAAAAAAAAAAAAAAAAAAAECcAABAnAAAAAAAAAAAAAAAAAAAAAAAAAAAAAAAAAAAAAAAAAAAAABQAAAAAAAAAwMD/AAAAAABkAAAAMgAAAAAAAABkAAAAAAAAAH9/fwAKAAAAHwAAAFQAAAAAAAAFAAAAAQAAAAAAAAAAAAAAAAAAAAAAAAAAAAAAAAAAAAAAAAAAAAAAAn9/fwAAAAADzMzMAMDA/wB/f38AAAAAAAAAAAAAAAAAAAAAAAAAAAAhAAAAGAAAABQAAADQAgAAGycAAPAPAABZKQAAEAAAACYAAAAIAAAAAAAAAAAAAAA="/>
               </a:ext>
             </a:extLst>
           </p:cNvSpPr>
@@ -926,7 +926,7 @@
           <a:lstStyle/>
           <a:p>
             <a:pPr/>
-            <a:fld id="{3E45CCB0-FED3-103A-9DFD-086F82B36B5D}" type="datetime1">
+            <a:fld id="{3E69E46D-23D3-3C12-9DD1-D547AA9F6B80}" type="datetime1">
               <a:t/>
             </a:fld>
           </a:p>
@@ -939,7 +939,7 @@
             <a:spLocks noGrp="1" noChangeArrowheads="1"/>
             <a:extLst>
               <a:ext uri="smNativeData">
-                <pr:smNativeData xmlns:pr="smNativeData" val="SMDATA_13_m5rdZRMAAAAlAAAAZAAAAA8BAAAAkAAAAEgAAACQAAAASAAAAAAAAAABAAAAAAAAAAEAAABQAAAAAAAAAAAA4D8AAAAAAADgPwAAAAAAAOA/AAAAAAAA4D8AAAAAAADgPwAAAAAAAOA/AAAAAAAA4D8AAAAAAADgPwAAAAAAAOA/AAAAAAAA4D8CAAAAjAAAAAAAAAAAAAAAu+DjDP///wgAAAAAAAAAAAAAAAAAAAAAAAAAAAAAAAAAAAAAZAAAAAEAAABAAAAAAAAAAAAAAAAAAAAAAAAAAAAAAAAAAAAAAAAAAAAAAAAAAAAAAAAAAAAAAAAAAAAAAAAAAAAAAAAAAAAAAAAAAAAAAAAAAAAAAAAAAAAAAAAAAAAAFAAAADwAAAAAAAAAAAAAAAAAAAkUAAAAAQAAABQAAAAUAAAAFAAAAAEAAAAAAAAAZAAAAGQAAAAAAAAAZAAAAGQAAAAVAAAAYAAAAAAAAAAAAAAADwAAACADAAAAAAAAAAAAAAEAAACgMgAAVgcAAKr4//8BAAAAf39/AAEAAABkAAAAAAAAABQAAABAHwAAAAAAACYAAAAAAAAAwOD//wAAAAAmAAAAZAAAABYAAABMAAAAAAAAAAAAAAAEAAAAAAAAAAEAAACAgIAKAAAAACgAAAAoAAAAZAAAAGQAAAAAAAAAzMzMAAAAAABQAAAAUAAAAGQAAABkAAAAAAAAABcAAAAUAAAAAAAAAAAAAAD/fwAA/38AAAAAAAAJAAAABAAAAAAAAAAMAAAAEAAAAAAAAAAAAAAAAAAAAAAAAAAeAAAAaAAAAAAAAAAAAAAAAAAAAAAAAAAAAAAAECcAABAnAAAAAAAAAAAAAAAAAAAAAAAAAAAAAAAAAAAAAAAAAAAAABQAAAAAAAAAwMD/AAAAAABkAAAAMgAAAAAAAABkAAAAAAAAAH9/fwAKAAAAHwAAAFQAAAAAAAAFAAAAAQAAAAAAAAAAAAAAAAAAAAAAAAAAAAAAAAAAAAAAAAAAAAAAAn9/fwAAAAADzMzMAMDA/wB/f38AAAAAAAAAAAAAAAAAAAAAAAAAAAAhAAAAGAAAABQAAAA4EwAAGycAAAglAABZKQAAEAAAACYAAAAIAAAAAAAAAAAAAAA="/>
+                <pr:smNativeData xmlns:pr="smNativeData" val="SMDATA_13_HSHgZRMAAAAlAAAAZAAAAA8BAAAAkAAAAEgAAACQAAAASAAAAAAAAAABAAAAAAAAAAEAAABQAAAAAAAAAAAA4D8AAAAAAADgPwAAAAAAAOA/AAAAAAAA4D8AAAAAAADgPwAAAAAAAOA/AAAAAAAA4D8AAAAAAADgPwAAAAAAAOA/AAAAAAAA4D8CAAAAjAAAAAAAAAAAAAAAu+DjDP///wgAAAAAAAAAAAAAAAAAAAAAAAAAAAAAAAAAAAAAZAAAAAEAAABAAAAAAAAAAAAAAAAAAAAAAAAAAAAAAAAAAAAAAAAAAAAAAAAAAAAAAAAAAAAAAAAAAAAAAAAAAAAAAAAAAAAAAAAAAAAAAAAAAAAAAAAAAAAAAAAAAAAAFAAAADwAAAAAAAAAAAAAAAAAAAkUAAAAAQAAABQAAAAUAAAAFAAAAAEAAAAAAAAAZAAAAGQAAAAAAAAAZAAAAGQAAAAVAAAAYAAAAAAAAAAAAAAADwAAACADAAAAAAAAAAAAAAEAAACgMgAAVgcAAKr4//8BAAAAf39/AAEAAABkAAAAAAAAABQAAABAHwAAAAAAACYAAAAAAAAAwOD//wAAAAAmAAAAZAAAABYAAABMAAAAAAAAAAAAAAAEAAAAAAAAAAEAAACAgIAKAAAAACgAAAAoAAAAZAAAAGQAAAAAAAAAzMzMAAAAAABQAAAAUAAAAGQAAABkAAAAAAAAABcAAAAUAAAAAAAAAAAAAAD/fwAA/38AAAAAAAAJAAAABAAAAAAAAAAMAAAAEAAAAAAAAAAAAAAAAAAAAAAAAAAeAAAAaAAAAAAAAAAAAAAAAAAAAAAAAAAAAAAAECcAABAnAAAAAAAAAAAAAAAAAAAAAAAAAAAAAAAAAAAAAAAAAAAAABQAAAAAAAAAwMD/AAAAAABkAAAAMgAAAAAAAABkAAAAAAAAAH9/fwAKAAAAHwAAAFQAAAAAAAAFAAAAAQAAAAAAAAAAAAAAAAAAAAAAAAAAAAAAAAAAAAAAAAAAAAAAAn9/fwAAAAADzMzMAMDA/wB/f38AAAAAAAAAAAAAAAAAAAAAAAAAAAAhAAAAGAAAABQAAAA4EwAAGycAAAglAABZKQAAEAAAACYAAAAIAAAAAAAAAAAAAAA="/>
               </a:ext>
             </a:extLst>
           </p:cNvSpPr>
@@ -963,7 +963,7 @@
             <a:spLocks noGrp="1" noChangeArrowheads="1"/>
             <a:extLst>
               <a:ext uri="smNativeData">
-                <pr:smNativeData xmlns:pr="smNativeData" val="SMDATA_13_m5rdZRMAAAAlAAAAZAAAAA8BAAAAkAAAAEgAAACQAAAASAAAAAAAAAABAAAAAAAAAAEAAABQAAAAAAAAAAAA4D8AAAAAAADgPwAAAAAAAOA/AAAAAAAA4D8AAAAAAADgPwAAAAAAAOA/AAAAAAAA4D8AAAAAAADgPwAAAAAAAOA/AAAAAAAA4D8CAAAAjAAAAAAAAAAAAAAAu+DjDP///wgAAAAAAAAAAAAAAAAAAAAAAAAAAAAAAAAAAAAAZAAAAAEAAABAAAAAAAAAAAAAAAAAAAAAAAAAAAAAAAAAAAAAAAAAAAAAAAAAAAAAAAAAAAAAAAAAAAAAAAAAAAAAAAAAAAAAAAAAAAAAAAAAAAAAAAAAAAAAAAAAAAAAFAAAADwAAAAAAAAAAAAAAAAAAAkUAAAAAQAAABQAAAAUAAAAFAAAAAEAAAAAAAAAZAAAAGQAAAAAAAAAZAAAAGQAAAAVAAAAYAAAAAAAAAAAAAAADwAAACADAAAAAAAAAAAAAAEAAACgMgAAVgcAAKr4//8BAAAAf39/AAEAAABkAAAAAAAAABQAAABAHwAAAAAAACYAAAAAAAAAwOD//wAAAAAmAAAAZAAAABYAAABMAAAAAAAAAAAAAAAEAAAAAAAAAAEAAACAgIAKAAAAACgAAAAoAAAAZAAAAGQAAAAAAAAAzMzMAAAAAABQAAAAUAAAAGQAAABkAAAAAAAAABcAAAAUAAAAAAAAAAAAAAD/fwAA/38AAAAAAAAJAAAABAAAAAAAAAAMAAAAEAAAAAAAAAAAAAAAAAAAAAAAAAAeAAAAaAAAAAAAAAAAAAAAAAAAAAAAAAAAAAAAECcAABAnAAAAAAAAAAAAAAAAAAAAAAAAAAAAAAAAAAAAAAAAAAAAABQAAAAAAAAAwMD/AAAAAABkAAAAMgAAAAAAAABkAAAAAAAAAH9/fwAKAAAAHwAAAFQAAAAAAAAFAAAAAQAAAAAAAAAAAAAAAAAAAAAAAAAAAAAAAAAAAAAAAAAAAAAAAn9/fwAAAAADzMzMAMDA/wB/f38AAAAAAAAAAAAAAAAAAAAAAAAAAAAhAAAAGAAAABQAAABQKAAAGycAAHA1AABZKQAAEAAAACYAAAAIAAAAAAAAAAAAAAA="/>
+                <pr:smNativeData xmlns:pr="smNativeData" val="SMDATA_13_HSHgZRMAAAAlAAAAZAAAAA8BAAAAkAAAAEgAAACQAAAASAAAAAAAAAABAAAAAAAAAAEAAABQAAAAAAAAAAAA4D8AAAAAAADgPwAAAAAAAOA/AAAAAAAA4D8AAAAAAADgPwAAAAAAAOA/AAAAAAAA4D8AAAAAAADgPwAAAAAAAOA/AAAAAAAA4D8CAAAAjAAAAAAAAAAAAAAAu+DjDP///wgAAAAAAAAAAAAAAAAAAAAAAAAAAAAAAAAAAAAAZAAAAAEAAABAAAAAAAAAAAAAAAAAAAAAAAAAAAAAAAAAAAAAAAAAAAAAAAAAAAAAAAAAAAAAAAAAAAAAAAAAAAAAAAAAAAAAAAAAAAAAAAAAAAAAAAAAAAAAAAAAAAAAFAAAADwAAAAAAAAAAAAAAAAAAAkUAAAAAQAAABQAAAAUAAAAFAAAAAEAAAAAAAAAZAAAAGQAAAAAAAAAZAAAAGQAAAAVAAAAYAAAAAAAAAAAAAAADwAAACADAAAAAAAAAAAAAAEAAACgMgAAVgcAAKr4//8BAAAAf39/AAEAAABkAAAAAAAAABQAAABAHwAAAAAAACYAAAAAAAAAwOD//wAAAAAmAAAAZAAAABYAAABMAAAAAAAAAAAAAAAEAAAAAAAAAAEAAACAgIAKAAAAACgAAAAoAAAAZAAAAGQAAAAAAAAAzMzMAAAAAABQAAAAUAAAAGQAAABkAAAAAAAAABcAAAAUAAAAAAAAAAAAAAD/fwAA/38AAAAAAAAJAAAABAAAAAAAAAAMAAAAEAAAAAAAAAAAAAAAAAAAAAAAAAAeAAAAaAAAAAAAAAAAAAAAAAAAAAAAAAAAAAAAECcAABAnAAAAAAAAAAAAAAAAAAAAAAAAAAAAAAAAAAAAAAAAAAAAABQAAAAAAAAAwMD/AAAAAABkAAAAMgAAAAAAAABkAAAAAAAAAH9/fwAKAAAAHwAAAFQAAAAAAAAFAAAAAQAAAAAAAAAAAAAAAAAAAAAAAAAAAAAAAAAAAAAAAAAAAAAAAn9/fwAAAAADzMzMAMDA/wB/f38AAAAAAAAAAAAAAAAAAAAAAAAAAAAhAAAAGAAAABQAAABQKAAAGycAAHA1AABZKQAAEAAAACYAAAAIAAAAAAAAAAAAAAA="/>
               </a:ext>
             </a:extLst>
           </p:cNvSpPr>
@@ -977,7 +977,7 @@
           <a:lstStyle/>
           <a:p>
             <a:pPr/>
-            <a:fld id="{3E45C7D1-9FD3-1031-9DFD-696489B36B3C}" type="slidenum">
+            <a:fld id="{3E699121-6FD3-3C67-9DD1-9932DF9F6BCC}" type="slidenum">
               <a:t/>
             </a:fld>
           </a:p>
@@ -1015,7 +1015,7 @@
             <a:spLocks noGrp="1" noChangeArrowheads="1"/>
             <a:extLst>
               <a:ext uri="smNativeData">
-                <pr:smNativeData xmlns:pr="smNativeData" val="SMDATA_13_m5rdZRMAAAAlAAAAZAAAAA8BAAAAkAAAAEgAAACQAAAASAAAAAAAAAAAAAAAAAAAAAEAAABQAAAAAAAAAAAA4D8AAAAAAADgPwAAAAAAAOA/AAAAAAAA4D8AAAAAAADgPwAAAAAAAOA/AAAAAAAA4D8AAAAAAADgPwAAAAAAAOA/AAAAAAAA4D8CAAAAjAAAAAAAAAAAAAAAu+DjDP///wgAAAAAAAAAAAAAAAAAAAAAAAAAAAAAAAAAAAAAZAAAAAEAAABAAAAAAAAAAAAAAAAAAAAAAAAAAAAAAAAAAAAAAAAAAAAAAAAAAAAAAAAAAAAAAAAAAAAAAAAAAAAAAAAAAAAAAAAAAAAAAAAAAAAAAAAAAAAAAAAAAAAAFAAAADwAAAAAAAAAAAAAAAAAAAkUAAAAAQAAABQAAAAUAAAAFAAAAAEAAAAAAAAAZAAAAGQAAAAAAAAAZAAAAGQAAAAVAAAAYAAAAAAAAAAAAAAADwAAACADAAAAAAAAAAAAAAEAAACgMgAAVgcAAKr4//8BAAAAf39/AAEAAABkAAAAAAAAABQAAABAHwAAAAAAACYAAAAAAAAAwOD//wAAAAAmAAAAZAAAABYAAABMAAAAAAAAAAAAAAAEAAAAAAAAAAEAAACAgIAKAAAAACgAAAAoAAAAZAAAAGQAAAAAAAAAzMzMAAAAAABQAAAAUAAAAGQAAABkAAAAAAAAABcAAAAUAAAAAAAAAAAAAAD/fwAA/38AAAAAAAAJAAAABAAAAAAAAAAMAAAAEAAAAAAAAAAAAAAAAAAAAAAAAAAeAAAAaAAAAAAAAAAAAAAAAAAAAAAAAAAAAAAAECcAABAnAAAAAAAAAAAAAAAAAAAAAAAAAAAAAAAAAAAAAAAAAAAAABQAAAAAAAAAwMD/AAAAAABkAAAAMgAAAAAAAABkAAAAAAAAAH9/fwAKAAAAHwAAAFQAAAAAAAAFAAAAAQAAAAAAAAAAAAAAAAAAAAAAAAAAAAAAAAAAAAAAAAAAAAAAAn9/fwAAAAADzMzMAMDA/wB/f38AAAAAAAAAAAAAAAAAAAAAAAAAAAAhAAAAGAAAABQAAAByBAAAHBsAAEI0AAB9IwAAEAAAACYAAAAIAAAAgYAAAAAAAAA="/>
+                <pr:smNativeData xmlns:pr="smNativeData" val="SMDATA_13_HSHgZRMAAAAlAAAAZAAAAA8BAAAAkAAAAEgAAACQAAAASAAAAAAAAAAAAAAAAAAAAAEAAABQAAAAAAAAAAAA4D8AAAAAAADgPwAAAAAAAOA/AAAAAAAA4D8AAAAAAADgPwAAAAAAAOA/AAAAAAAA4D8AAAAAAADgPwAAAAAAAOA/AAAAAAAA4D8CAAAAjAAAAAAAAAAAAAAAu+DjDP///wgAAAAAAAAAAAAAAAAAAAAAAAAAAAAAAAAAAAAAZAAAAAEAAABAAAAAAAAAAAAAAAAAAAAAAAAAAAAAAAAAAAAAAAAAAAAAAAAAAAAAAAAAAAAAAAAAAAAAAAAAAAAAAAAAAAAAAAAAAAAAAAAAAAAAAAAAAAAAAAAAAAAAFAAAADwAAAAAAAAAAAAAAAAAAAkUAAAAAQAAABQAAAAUAAAAFAAAAAEAAAAAAAAAZAAAAGQAAAAAAAAAZAAAAGQAAAAVAAAAYAAAAAAAAAAAAAAADwAAACADAAAAAAAAAAAAAAEAAACgMgAAVgcAAKr4//8BAAAAf39/AAEAAABkAAAAAAAAABQAAABAHwAAAAAAACYAAAAAAAAAwOD//wAAAAAmAAAAZAAAABYAAABMAAAAAAAAAAAAAAAEAAAAAAAAAAEAAACAgIAKAAAAACgAAAAoAAAAZAAAAGQAAAAAAAAAzMzMAAAAAABQAAAAUAAAAGQAAABkAAAAAAAAABcAAAAUAAAAAAAAAAAAAAD/fwAA/38AAAAAAAAJAAAABAAAAAAAAAAMAAAAEAAAAAAAAAAAAAAAAAAAAAAAAAAeAAAAaAAAAAAAAAAAAAAAAAAAAAAAAAAAAAAAECcAABAnAAAAAAAAAAAAAAAAAAAAAAAAAAAAAAAAAAAAAAAAAAAAABQAAAAAAAAAwMD/AAAAAABkAAAAMgAAAAAAAABkAAAAAAAAAH9/fwAKAAAAHwAAAFQAAAAAAAAFAAAAAQAAAAAAAAAAAAAAAAAAAAAAAAAAAAAAAAAAAAAAAAAAAAAAAn9/fwAAAAADzMzMAMDA/wB/f38AAAAAAAAAAAAAAAAAAAAAAAAAAAAhAAAAGAAAABQAAAByBAAAHBsAAEI0AAB9IwAAEAAAACYAAAAIAAAAgYAAAAAAAAA="/>
               </a:ext>
             </a:extLst>
           </p:cNvSpPr>
@@ -1057,7 +1057,7 @@
             <a:spLocks noGrp="1" noChangeArrowheads="1"/>
             <a:extLst>
               <a:ext uri="smNativeData">
-                <pr:smNativeData xmlns:pr="smNativeData" val="SMDATA_13_m5rdZRMAAAAlAAAAZAAAAA8BAAAAkAAAAEgAAACQAAAASAAAAAAAAAACAAAAAAAAAAEAAABQAAAAAAAAAAAA4D8AAAAAAADgPwAAAAAAAOA/AAAAAAAA4D8AAAAAAADgPwAAAAAAAOA/AAAAAAAA4D8AAAAAAADgPwAAAAAAAOA/AAAAAAAA4D8CAAAAjAAAAAAAAAAAAAAAu+DjDP///wgAAAAAAAAAAAAAAAAAAAAAAAAAAAAAAAAAAAAAZAAAAAEAAABAAAAAAAAAAAAAAAAAAAAAAAAAAAAAAAAAAAAAAAAAAAAAAAAAAAAAAAAAAAAAAAAAAAAAAAAAAAAAAAAAAAAAAAAAAAAAAAAAAAAAAAAAAAAAAAAAAAAAFAAAADwAAAAAAAAAAAAAAAAAAAkUAAAAAQAAABQAAAAUAAAAFAAAAAEAAAAAAAAAZAAAAGQAAAAAAAAAZAAAAGQAAAAVAAAAYAAAAAAAAAAAAAAADwAAACADAAAAAAAAAAAAAAEAAACgMgAAVgcAAKr4//8BAAAAf39/AAEAAABkAAAAAAAAABQAAABAHwAAAAAAACYAAAAAAAAAwOD//wAAAAAmAAAAZAAAABYAAABMAAAAAAAAAAAAAAAEAAAAAAAAAAEAAACAgIAKAAAAACgAAAAoAAAAZAAAAGQAAAAAAAAAzMzMAAAAAABQAAAAUAAAAGQAAABkAAAAAAAAABcAAAAUAAAAAAAAAAAAAAD/fwAA/38AAAAAAAAJAAAABAAAAAAAAAAMAAAAEAAAAAAAAAAAAAAAAAAAAAAAAAAeAAAAaAAAAAAAAAAAAAAAAAAAAAAAAAAAAAAAECcAABAnAAAAAAAAAAAAAAAAAAAAAAAAAAAAAAAAAAAAAAAAAAAAABQAAAAAAAAAwMD/AAAAAABkAAAAMgAAAAAAAABkAAAAAAAAAH9/fwAKAAAAHwAAAFQAAAAAAAAFAAAAAQAAAAAAAAAAAAAAAAAAAAAAAAAAAAAAAAAAAAAAAAAAAAAAAn9/fwAAAAADzMzMAMDA/wB/f38AAAAAAAAAAAAAAAAAAAAAAAAAAAAhAAAAGAAAABQAAAByBAAA4REAAEI0AAAcGwAAEAAAACYAAAAIAAAAgYAAAAAAAAA="/>
+                <pr:smNativeData xmlns:pr="smNativeData" val="SMDATA_13_HSHgZRMAAAAlAAAAZAAAAA8BAAAAkAAAAEgAAACQAAAASAAAAAAAAAACAAAAAAAAAAEAAABQAAAAAAAAAAAA4D8AAAAAAADgPwAAAAAAAOA/AAAAAAAA4D8AAAAAAADgPwAAAAAAAOA/AAAAAAAA4D8AAAAAAADgPwAAAAAAAOA/AAAAAAAA4D8CAAAAjAAAAAAAAAAAAAAAu+DjDP///wgAAAAAAAAAAAAAAAAAAAAAAAAAAAAAAAAAAAAAZAAAAAEAAABAAAAAAAAAAAAAAAAAAAAAAAAAAAAAAAAAAAAAAAAAAAAAAAAAAAAAAAAAAAAAAAAAAAAAAAAAAAAAAAAAAAAAAAAAAAAAAAAAAAAAAAAAAAAAAAAAAAAAFAAAADwAAAAAAAAAAAAAAAAAAAkUAAAAAQAAABQAAAAUAAAAFAAAAAEAAAAAAAAAZAAAAGQAAAAAAAAAZAAAAGQAAAAVAAAAYAAAAAAAAAAAAAAADwAAACADAAAAAAAAAAAAAAEAAACgMgAAVgcAAKr4//8BAAAAf39/AAEAAABkAAAAAAAAABQAAABAHwAAAAAAACYAAAAAAAAAwOD//wAAAAAmAAAAZAAAABYAAABMAAAAAAAAAAAAAAAEAAAAAAAAAAEAAACAgIAKAAAAACgAAAAoAAAAZAAAAGQAAAAAAAAAzMzMAAAAAABQAAAAUAAAAGQAAABkAAAAAAAAABcAAAAUAAAAAAAAAAAAAAD/fwAA/38AAAAAAAAJAAAABAAAAAAAAAAMAAAAEAAAAAAAAAAAAAAAAAAAAAAAAAAeAAAAaAAAAAAAAAAAAAAAAAAAAAAAAAAAAAAAECcAABAnAAAAAAAAAAAAAAAAAAAAAAAAAAAAAAAAAAAAAAAAAAAAABQAAAAAAAAAwMD/AAAAAABkAAAAMgAAAAAAAABkAAAAAAAAAH9/fwAKAAAAHwAAAFQAAAAAAAAFAAAAAQAAAAAAAAAAAAAAAAAAAAAAAAAAAAAAAAAAAAAAAAAAAAAAAn9/fwAAAAADzMzMAMDA/wB/f38AAAAAAAAAAAAAAAAAAAAAAAAAAAAhAAAAGAAAABQAAAByBAAA4REAAEI0AAAcGwAAEAAAACYAAAAIAAAAgYAAAAAAAAA="/>
               </a:ext>
             </a:extLst>
           </p:cNvSpPr>
@@ -1130,7 +1130,7 @@
             <a:spLocks noGrp="1" noChangeArrowheads="1"/>
             <a:extLst>
               <a:ext uri="smNativeData">
-                <pr:smNativeData xmlns:pr="smNativeData" val="SMDATA_13_m5rdZRMAAAAlAAAAZAAAAA8BAAAAkAAAAEgAAACQAAAASAAAAAAAAAABAAAAAAAAAAEAAABQAAAAAAAAAAAA4D8AAAAAAADgPwAAAAAAAOA/AAAAAAAA4D8AAAAAAADgPwAAAAAAAOA/AAAAAAAA4D8AAAAAAADgPwAAAAAAAOA/AAAAAAAA4D8CAAAAjAAAAAAAAAAAAAAAu+DjDP///wgAAAAAAAAAAAAAAAAAAAAAAAAAAAAAAAAAAAAAZAAAAAEAAABAAAAAAAAAAAAAAAAAAAAAAAAAAAAAAAAAAAAAAAAAAAAAAAAAAAAAAAAAAAAAAAAAAAAAAAAAAAAAAAAAAAAAAAAAAAAAAAAAAAAAAAAAAAAAAAAAAAAAFAAAADwAAAAAAAAAAAAAAAAAAAkUAAAAAQAAABQAAAAUAAAAFAAAAAEAAAAAAAAAZAAAAGQAAAAAAAAAZAAAAGQAAAAVAAAAYAAAAAAAAAAAAAAADwAAACADAAAAAAAAAAAAAAEAAACgMgAAVgcAAKr4//8BAAAAf39/AAEAAABkAAAAAAAAABQAAABAHwAAAAAAACYAAAAAAAAAwOD//wAAAAAmAAAAZAAAABYAAABMAAAAAAAAAAAAAAAEAAAAAAAAAAEAAACAgIAKAAAAACgAAAAoAAAAZAAAAGQAAAAAAAAAzMzMAAAAAABQAAAAUAAAAGQAAABkAAAAAAAAABcAAAAUAAAAAAAAAAAAAAD/fwAA/38AAAAAAAAJAAAABAAAAAAAAAAMAAAAEAAAAAAAAAAAAAAAAAAAAAAAAAAeAAAAaAAAAAAAAAAAAAAAAAAAAAAAAAAAAAAAECcAABAnAAAAAAAAAAAAAAAAAAAAAAAAAAAAAAAAAAAAAAAAAAAAABQAAAAAAAAAwMD/AAAAAABkAAAAMgAAAAAAAABkAAAAAAAAAH9/fwAKAAAAHwAAAFQAAAAAAAAFAAAAAQAAAAAAAAAAAAAAAAAAAAAAAAAAAAAAAAAAAAAAAAAAAAAAAn9/fwAAAAADzMzMAMDA/wB/f38AAAAAAAAAAAAAAAAAAAAAAAAAAAAhAAAAGAAAABQAAADQAgAAGycAAPAPAABZKQAAEAAAACYAAAAIAAAAAAAAAAAAAAA="/>
+                <pr:smNativeData xmlns:pr="smNativeData" val="SMDATA_13_HSHgZRMAAAAlAAAAZAAAAA8BAAAAkAAAAEgAAACQAAAASAAAAAAAAAABAAAAAAAAAAEAAABQAAAAAAAAAAAA4D8AAAAAAADgPwAAAAAAAOA/AAAAAAAA4D8AAAAAAADgPwAAAAAAAOA/AAAAAAAA4D8AAAAAAADgPwAAAAAAAOA/AAAAAAAA4D8CAAAAjAAAAAAAAAAAAAAAu+DjDP///wgAAAAAAAAAAAAAAAAAAAAAAAAAAAAAAAAAAAAAZAAAAAEAAABAAAAAAAAAAAAAAAAAAAAAAAAAAAAAAAAAAAAAAAAAAAAAAAAAAAAAAAAAAAAAAAAAAAAAAAAAAAAAAAAAAAAAAAAAAAAAAAAAAAAAAAAAAAAAAAAAAAAAFAAAADwAAAAAAAAAAAAAAAAAAAkUAAAAAQAAABQAAAAUAAAAFAAAAAEAAAAAAAAAZAAAAGQAAAAAAAAAZAAAAGQAAAAVAAAAYAAAAAAAAAAAAAAADwAAACADAAAAAAAAAAAAAAEAAACgMgAAVgcAAKr4//8BAAAAf39/AAEAAABkAAAAAAAAABQAAABAHwAAAAAAACYAAAAAAAAAwOD//wAAAAAmAAAAZAAAABYAAABMAAAAAAAAAAAAAAAEAAAAAAAAAAEAAACAgIAKAAAAACgAAAAoAAAAZAAAAGQAAAAAAAAAzMzMAAAAAABQAAAAUAAAAGQAAABkAAAAAAAAABcAAAAUAAAAAAAAAAAAAAD/fwAA/38AAAAAAAAJAAAABAAAAAAAAAAMAAAAEAAAAAAAAAAAAAAAAAAAAAAAAAAeAAAAaAAAAAAAAAAAAAAAAAAAAAAAAAAAAAAAECcAABAnAAAAAAAAAAAAAAAAAAAAAAAAAAAAAAAAAAAAAAAAAAAAABQAAAAAAAAAwMD/AAAAAABkAAAAMgAAAAAAAABkAAAAAAAAAH9/fwAKAAAAHwAAAFQAAAAAAAAFAAAAAQAAAAAAAAAAAAAAAAAAAAAAAAAAAAAAAAAAAAAAAAAAAAAAAn9/fwAAAAADzMzMAMDA/wB/f38AAAAAAAAAAAAAAAAAAAAAAAAAAAAhAAAAGAAAABQAAADQAgAAGycAAPAPAABZKQAAEAAAACYAAAAIAAAAAAAAAAAAAAA="/>
               </a:ext>
             </a:extLst>
           </p:cNvSpPr>
@@ -1144,7 +1144,7 @@
           <a:lstStyle/>
           <a:p>
             <a:pPr/>
-            <a:fld id="{3E45CF54-1AD3-1039-9DFD-EC6C81B36BB9}" type="datetime1">
+            <a:fld id="{3E69D468-26D3-3C22-9DD1-D0779A9F6B85}" type="datetime1">
               <a:t/>
             </a:fld>
           </a:p>
@@ -1157,7 +1157,7 @@
             <a:spLocks noGrp="1" noChangeArrowheads="1"/>
             <a:extLst>
               <a:ext uri="smNativeData">
-                <pr:smNativeData xmlns:pr="smNativeData" val="SMDATA_13_m5rdZRMAAAAlAAAAZAAAAA8BAAAAkAAAAEgAAACQAAAASAAAAAAAAAABAAAAAAAAAAEAAABQAAAAAAAAAAAA4D8AAAAAAADgPwAAAAAAAOA/AAAAAAAA4D8AAAAAAADgPwAAAAAAAOA/AAAAAAAA4D8AAAAAAADgPwAAAAAAAOA/AAAAAAAA4D8CAAAAjAAAAAAAAAAAAAAAu+DjDP///wgAAAAAAAAAAAAAAAAAAAAAAAAAAAAAAAAAAAAAZAAAAAEAAABAAAAAAAAAAAAAAAAAAAAAAAAAAAAAAAAAAAAAAAAAAAAAAAAAAAAAAAAAAAAAAAAAAAAAAAAAAAAAAAAAAAAAAAAAAAAAAAAAAAAAAAAAAAAAAAAAAAAAFAAAADwAAAAAAAAAAAAAAAAAAAkUAAAAAQAAABQAAAAUAAAAFAAAAAEAAAAAAAAAZAAAAGQAAAAAAAAAZAAAAGQAAAAVAAAAYAAAAAAAAAAAAAAADwAAACADAAAAAAAAAAAAAAEAAACgMgAAVgcAAKr4//8BAAAAf39/AAEAAABkAAAAAAAAABQAAABAHwAAAAAAACYAAAAAAAAAwOD//wAAAAAmAAAAZAAAABYAAABMAAAAAAAAAAAAAAAEAAAAAAAAAAEAAACAgIAKAAAAACgAAAAoAAAAZAAAAGQAAAAAAAAAzMzMAAAAAABQAAAAUAAAAGQAAABkAAAAAAAAABcAAAAUAAAAAAAAAAAAAAD/fwAA/38AAAAAAAAJAAAABAAAAAAAAAAMAAAAEAAAAAAAAAAAAAAAAAAAAAAAAAAeAAAAaAAAAAAAAAAAAAAAAAAAAAAAAAAAAAAAECcAABAnAAAAAAAAAAAAAAAAAAAAAAAAAAAAAAAAAAAAAAAAAAAAABQAAAAAAAAAwMD/AAAAAABkAAAAMgAAAAAAAABkAAAAAAAAAH9/fwAKAAAAHwAAAFQAAAAAAAAFAAAAAQAAAAAAAAAAAAAAAAAAAAAAAAAAAAAAAAAAAAAAAAAAAAAAAn9/fwAAAAADzMzMAMDA/wB/f38AAAAAAAAAAAAAAAAAAAAAAAAAAAAhAAAAGAAAABQAAAA4EwAAGycAAAglAABZKQAAEAAAACYAAAAIAAAAAAAAAAAAAAA="/>
+                <pr:smNativeData xmlns:pr="smNativeData" val="SMDATA_13_HSHgZRMAAAAlAAAAZAAAAA8BAAAAkAAAAEgAAACQAAAASAAAAAAAAAABAAAAAAAAAAEAAABQAAAAAAAAAAAA4D8AAAAAAADgPwAAAAAAAOA/AAAAAAAA4D8AAAAAAADgPwAAAAAAAOA/AAAAAAAA4D8AAAAAAADgPwAAAAAAAOA/AAAAAAAA4D8CAAAAjAAAAAAAAAAAAAAAu+DjDP///wgAAAAAAAAAAAAAAAAAAAAAAAAAAAAAAAAAAAAAZAAAAAEAAABAAAAAAAAAAAAAAAAAAAAAAAAAAAAAAAAAAAAAAAAAAAAAAAAAAAAAAAAAAAAAAAAAAAAAAAAAAAAAAAAAAAAAAAAAAAAAAAAAAAAAAAAAAAAAAAAAAAAAFAAAADwAAAAAAAAAAAAAAAAAAAkUAAAAAQAAABQAAAAUAAAAFAAAAAEAAAAAAAAAZAAAAGQAAAAAAAAAZAAAAGQAAAAVAAAAYAAAAAAAAAAAAAAADwAAACADAAAAAAAAAAAAAAEAAACgMgAAVgcAAKr4//8BAAAAf39/AAEAAABkAAAAAAAAABQAAABAHwAAAAAAACYAAAAAAAAAwOD//wAAAAAmAAAAZAAAABYAAABMAAAAAAAAAAAAAAAEAAAAAAAAAAEAAACAgIAKAAAAACgAAAAoAAAAZAAAAGQAAAAAAAAAzMzMAAAAAABQAAAAUAAAAGQAAABkAAAAAAAAABcAAAAUAAAAAAAAAAAAAAD/fwAA/38AAAAAAAAJAAAABAAAAAAAAAAMAAAAEAAAAAAAAAAAAAAAAAAAAAAAAAAeAAAAaAAAAAAAAAAAAAAAAAAAAAAAAAAAAAAAECcAABAnAAAAAAAAAAAAAAAAAAAAAAAAAAAAAAAAAAAAAAAAAAAAABQAAAAAAAAAwMD/AAAAAABkAAAAMgAAAAAAAABkAAAAAAAAAH9/fwAKAAAAHwAAAFQAAAAAAAAFAAAAAQAAAAAAAAAAAAAAAAAAAAAAAAAAAAAAAAAAAAAAAAAAAAAAAn9/fwAAAAADzMzMAMDA/wB/f38AAAAAAAAAAAAAAAAAAAAAAAAAAAAhAAAAGAAAABQAAAA4EwAAGycAAAglAABZKQAAEAAAACYAAAAIAAAAAAAAAAAAAAA="/>
               </a:ext>
             </a:extLst>
           </p:cNvSpPr>
@@ -1181,7 +1181,7 @@
             <a:spLocks noGrp="1" noChangeArrowheads="1"/>
             <a:extLst>
               <a:ext uri="smNativeData">
-                <pr:smNativeData xmlns:pr="smNativeData" val="SMDATA_13_m5rdZRMAAAAlAAAAZAAAAA8BAAAAkAAAAEgAAACQAAAASAAAAAAAAAABAAAAAAAAAAEAAABQAAAAAAAAAAAA4D8AAAAAAADgPwAAAAAAAOA/AAAAAAAA4D8AAAAAAADgPwAAAAAAAOA/AAAAAAAA4D8AAAAAAADgPwAAAAAAAOA/AAAAAAAA4D8CAAAAjAAAAAAAAAAAAAAAu+DjDP///wgAAAAAAAAAAAAAAAAAAAAAAAAAAAAAAAAAAAAAZAAAAAEAAABAAAAAAAAAAAAAAAAAAAAAAAAAAAAAAAAAAAAAAAAAAAAAAAAAAAAAAAAAAAAAAAAAAAAAAAAAAAAAAAAAAAAAAAAAAAAAAAAAAAAAAAAAAAAAAAAAAAAAFAAAADwAAAAAAAAAAAAAAAAAAAkUAAAAAQAAABQAAAAUAAAAFAAAAAEAAAAAAAAAZAAAAGQAAAAAAAAAZAAAAGQAAAAVAAAAYAAAAAAAAAAAAAAADwAAACADAAAAAAAAAAAAAAEAAACgMgAAVgcAAKr4//8BAAAAf39/AAEAAABkAAAAAAAAABQAAABAHwAAAAAAACYAAAAAAAAAwOD//wAAAAAmAAAAZAAAABYAAABMAAAAAAAAAAAAAAAEAAAAAAAAAAEAAACAgIAKAAAAACgAAAAoAAAAZAAAAGQAAAAAAAAAzMzMAAAAAABQAAAAUAAAAGQAAABkAAAAAAAAABcAAAAUAAAAAAAAAAAAAAD/fwAA/38AAAAAAAAJAAAABAAAAAAAAAAMAAAAEAAAAAAAAAAAAAAAAAAAAAAAAAAeAAAAaAAAAAAAAAAAAAAAAAAAAAAAAAAAAAAAECcAABAnAAAAAAAAAAAAAAAAAAAAAAAAAAAAAAAAAAAAAAAAAAAAABQAAAAAAAAAwMD/AAAAAABkAAAAMgAAAAAAAABkAAAAAAAAAH9/fwAKAAAAHwAAAFQAAAAAAAAFAAAAAQAAAAAAAAAAAAAAAAAAAAAAAAAAAAAAAAAAAAAAAAAAAAAAAn9/fwAAAAADzMzMAMDA/wB/f38AAAAAAAAAAAAAAAAAAAAAAAAAAAAhAAAAGAAAABQAAABQKAAAGycAAHA1AABZKQAAEAAAACYAAAAIAAAAAAAAAAAAAAA="/>
+                <pr:smNativeData xmlns:pr="smNativeData" val="SMDATA_13_HSHgZRMAAAAlAAAAZAAAAA8BAAAAkAAAAEgAAACQAAAASAAAAAAAAAABAAAAAAAAAAEAAABQAAAAAAAAAAAA4D8AAAAAAADgPwAAAAAAAOA/AAAAAAAA4D8AAAAAAADgPwAAAAAAAOA/AAAAAAAA4D8AAAAAAADgPwAAAAAAAOA/AAAAAAAA4D8CAAAAjAAAAAAAAAAAAAAAu+DjDP///wgAAAAAAAAAAAAAAAAAAAAAAAAAAAAAAAAAAAAAZAAAAAEAAABAAAAAAAAAAAAAAAAAAAAAAAAAAAAAAAAAAAAAAAAAAAAAAAAAAAAAAAAAAAAAAAAAAAAAAAAAAAAAAAAAAAAAAAAAAAAAAAAAAAAAAAAAAAAAAAAAAAAAFAAAADwAAAAAAAAAAAAAAAAAAAkUAAAAAQAAABQAAAAUAAAAFAAAAAEAAAAAAAAAZAAAAGQAAAAAAAAAZAAAAGQAAAAVAAAAYAAAAAAAAAAAAAAADwAAACADAAAAAAAAAAAAAAEAAACgMgAAVgcAAKr4//8BAAAAf39/AAEAAABkAAAAAAAAABQAAABAHwAAAAAAACYAAAAAAAAAwOD//wAAAAAmAAAAZAAAABYAAABMAAAAAAAAAAAAAAAEAAAAAAAAAAEAAACAgIAKAAAAACgAAAAoAAAAZAAAAGQAAAAAAAAAzMzMAAAAAABQAAAAUAAAAGQAAABkAAAAAAAAABcAAAAUAAAAAAAAAAAAAAD/fwAA/38AAAAAAAAJAAAABAAAAAAAAAAMAAAAEAAAAAAAAAAAAAAAAAAAAAAAAAAeAAAAaAAAAAAAAAAAAAAAAAAAAAAAAAAAAAAAECcAABAnAAAAAAAAAAAAAAAAAAAAAAAAAAAAAAAAAAAAAAAAAAAAABQAAAAAAAAAwMD/AAAAAABkAAAAMgAAAAAAAABkAAAAAAAAAH9/fwAKAAAAHwAAAFQAAAAAAAAFAAAAAQAAAAAAAAAAAAAAAAAAAAAAAAAAAAAAAAAAAAAAAAAAAAAAAn9/fwAAAAADzMzMAMDA/wB/f38AAAAAAAAAAAAAAAAAAAAAAAAAAAAhAAAAGAAAABQAAABQKAAAGycAAHA1AABZKQAAEAAAACYAAAAIAAAAAAAAAAAAAAA="/>
               </a:ext>
             </a:extLst>
           </p:cNvSpPr>
@@ -1195,7 +1195,7 @@
           <a:lstStyle/>
           <a:p>
             <a:pPr/>
-            <a:fld id="{3E45B359-17D3-1045-9DFD-E110FDB36BB4}" type="slidenum">
+            <a:fld id="{3E69EF43-0DD3-3C19-9DD1-FB4CA19F6BAE}" type="slidenum">
               <a:t/>
             </a:fld>
           </a:p>
@@ -1233,7 +1233,7 @@
             <a:spLocks noGrp="1" noChangeArrowheads="1"/>
             <a:extLst>
               <a:ext uri="smNativeData">
-                <pr:smNativeData xmlns:pr="smNativeData" val="SMDATA_13_m5rdZRMAAAAlAAAAZAAAAA8BAAAAkAAAAEgAAACQAAAASAAAAAAAAAABAAAAAAAAAAEAAABQAAAAAAAAAAAA4D8AAAAAAADgPwAAAAAAAOA/AAAAAAAA4D8AAAAAAADgPwAAAAAAAOA/AAAAAAAA4D8AAAAAAADgPwAAAAAAAOA/AAAAAAAA4D8CAAAAjAAAAAAAAAAAAAAAu+DjDP///wgAAAAAAAAAAAAAAAAAAAAAAAAAAAAAAAAAAAAAZAAAAAEAAABAAAAAAAAAAAAAAAAAAAAAAAAAAAAAAAAAAAAAAAAAAAAAAAAAAAAAAAAAAAAAAAAAAAAAAAAAAAAAAAAAAAAAAAAAAAAAAAAAAAAAAAAAAAAAAAAAAAAAFAAAADwAAAAAAAAAAAAAAAAAAAkUAAAAAQAAABQAAAAUAAAAFAAAAAEAAAAAAAAAZAAAAGQAAAAAAAAAZAAAAGQAAAAVAAAAYAAAAAAAAAAAAAAADwAAACADAAAAAAAAAAAAAAEAAACgMgAAVgcAAKr4//8BAAAAf39/AAEAAABkAAAAAAAAABQAAABAHwAAAAAAACYAAAAAAAAAwOD//wAAAAAmAAAAZAAAABYAAABMAAAAAAAAAAAAAAAEAAAAAAAAAAEAAACAgIAKAAAAACgAAAAoAAAAZAAAAGQAAAAAAAAAzMzMAAAAAABQAAAAUAAAAGQAAABkAAAAAAAAABcAAAAUAAAAAAAAAAAAAAD/fwAA/38AAAAAAAAJAAAABAAAAAAAAAAMAAAAEAAAAAAAAAAAAAAAAAAAAAAAAAAeAAAAaAAAAAAAAAAAAAAAAAAAAAAAAAAAAAAAECcAABAnAAAAAAAAAAAAAAAAAAAAAAAAAAAAAAAAAAAAAAAAAAAAABQAAAAAAAAAwMD/AAAAAABkAAAAMgAAAAAAAABkAAAAAAAAAH9/fwAKAAAAHwAAAFQAAAAAAAAFAAAAAQAAAAAAAAAAAAAAAAAAAAAAAAAAAAAAAAAAAAAAAAAAAAAAAn9/fwAAAAADzMzMAMDA/wB/f38AAAAAAAAAAAAAAAAAAAAAAAAAAAAhAAAAGAAAABQAAADQAgAAsAEAAHA1AAC4CAAAEAAAACYAAAAIAAAAAAAAAAAAAAA="/>
+                <pr:smNativeData xmlns:pr="smNativeData" val="SMDATA_13_HSHgZRMAAAAlAAAAZAAAAA8BAAAAkAAAAEgAAACQAAAASAAAAAAAAAABAAAAAAAAAAEAAABQAAAAAAAAAAAA4D8AAAAAAADgPwAAAAAAAOA/AAAAAAAA4D8AAAAAAADgPwAAAAAAAOA/AAAAAAAA4D8AAAAAAADgPwAAAAAAAOA/AAAAAAAA4D8CAAAAjAAAAAAAAAAAAAAAu+DjDP///wgAAAAAAAAAAAAAAAAAAAAAAAAAAAAAAAAAAAAAZAAAAAEAAABAAAAAAAAAAAAAAAAAAAAAAAAAAAAAAAAAAAAAAAAAAAAAAAAAAAAAAAAAAAAAAAAAAAAAAAAAAAAAAAAAAAAAAAAAAAAAAAAAAAAAAAAAAAAAAAAAAAAAFAAAADwAAAAAAAAAAAAAAAAAAAkUAAAAAQAAABQAAAAUAAAAFAAAAAEAAAAAAAAAZAAAAGQAAAAAAAAAZAAAAGQAAAAVAAAAYAAAAAAAAAAAAAAADwAAACADAAAAAAAAAAAAAAEAAACgMgAAVgcAAKr4//8BAAAAf39/AAEAAABkAAAAAAAAABQAAABAHwAAAAAAACYAAAAAAAAAwOD//wAAAAAmAAAAZAAAABYAAABMAAAAAAAAAAAAAAAEAAAAAAAAAAEAAACAgIAKAAAAACgAAAAoAAAAZAAAAGQAAAAAAAAAzMzMAAAAAABQAAAAUAAAAGQAAABkAAAAAAAAABcAAAAUAAAAAAAAAAAAAAD/fwAA/38AAAAAAAAJAAAABAAAAAAAAAAMAAAAEAAAAAAAAAAAAAAAAAAAAAAAAAAeAAAAaAAAAAAAAAAAAAAAAAAAAAAAAAAAAAAAECcAABAnAAAAAAAAAAAAAAAAAAAAAAAAAAAAAAAAAAAAAAAAAAAAABQAAAAAAAAAwMD/AAAAAABkAAAAMgAAAAAAAABkAAAAAAAAAH9/fwAKAAAAHwAAAFQAAAAAAAAFAAAAAQAAAAAAAAAAAAAAAAAAAAAAAAAAAAAAAAAAAAAAAAAAAAAAAn9/fwAAAAADzMzMAMDA/wB/f38AAAAAAAAAAAAAAAAAAAAAAAAAAAAhAAAAGAAAABQAAADQAgAAsAEAAHA1AAC4CAAAEAAAACYAAAAIAAAAAAAAAAAAAAA="/>
               </a:ext>
             </a:extLst>
           </p:cNvSpPr>
@@ -1260,7 +1260,7 @@
             <a:spLocks noGrp="1" noChangeArrowheads="1"/>
             <a:extLst>
               <a:ext uri="smNativeData">
-                <pr:smNativeData xmlns:pr="smNativeData" val="SMDATA_13_m5rdZRMAAAAlAAAAZAAAAA8BAAAAkAAAAEgAAACQAAAASAAAAAAAAAAAAAAAAAAAAAEAAABQAAAAAAAAAAAA4D8AAAAAAADgPwAAAAAAAOA/AAAAAAAA4D8AAAAAAADgPwAAAAAAAOA/AAAAAAAA4D8AAAAAAADgPwAAAAAAAOA/AAAAAAAA4D8CAAAAjAAAAAAAAAAAAAAAu+DjDP///wgAAAAAAAAAAAAAAAAAAAAAAAAAAAAAAAAAAAAAZAAAAAEAAABAAAAAAAAAAAAAAAAAAAAAAAAAAAAAAAAAAAAAAAAAAAAAAAAAAAAAAAAAAAAAAAAAAAAAAAAAAAAAAAAAAAAAAAAAAAAAAAAAAAAAAAAAAAAAAAAAAAAAFAAAADwAAAAAAAAAAAAAAAAAAAkUAAAAAQAAABQAAAAUAAAAFAAAAAEAAAAAAAAAZAAAAGQAAAAAAAAAZAAAAGQAAAAVAAAAYAAAAAAAAAAAAAAADwAAACADAAAAAAAAAAAAAAEAAACgMgAAVgcAAKr4//8BAAAAf39/AAEAAABkAAAAAAAAABQAAABAHwAAAAAAACYAAAAAAAAAwOD//wAAAAAmAAAAZAAAABYAAABMAAAAAAAAAAAAAAAEAAAAAAAAAAEAAACAgIAKAAAAACgAAAAoAAAAZAAAAGQAAAAAAAAAzMzMAAAAAABQAAAAUAAAAGQAAABkAAAAAAAAABcAAAAUAAAAAAAAAAAAAAD/fwAA/38AAAAAAAAJAAAABAAAAAAAAAAMAAAAEAAAAAAAAAAAAAAAAAAAAAAAAAAeAAAAaAAAAAAAAAAAAAAAAAAAAAAAAAAAAAAAECcAABAnAAAAAAAAAAAAAAAAAAAAAAAAAAAAAAAAAAAAAAAAAAAAABQAAAAAAAAAwMD/AAAAAABkAAAAMgAAAAAAAABkAAAAAAAAAH9/fwAKAAAAHwAAAFQAAAAAAAAFAAAAAQAAAAAAAAAAAAAAAAAAAAAAAAAAAAAAAAAAAAAAAAAAAAAAAn9/fwAAAAADzMzMAMDA/wB/f38AAAAAAAAAAAAAAAAAAAAAAAAAAAAhAAAAGAAAABQAAADQAgAA2AkAAKgbAACwJQAAEAAAACYAAAAIAAAAAYAAAAAAAAA="/>
+                <pr:smNativeData xmlns:pr="smNativeData" val="SMDATA_13_HSHgZRMAAAAlAAAAZAAAAA8BAAAAkAAAAEgAAACQAAAASAAAAAAAAAAAAAAAAAAAAAEAAABQAAAAAAAAAAAA4D8AAAAAAADgPwAAAAAAAOA/AAAAAAAA4D8AAAAAAADgPwAAAAAAAOA/AAAAAAAA4D8AAAAAAADgPwAAAAAAAOA/AAAAAAAA4D8CAAAAjAAAAAAAAAAAAAAAu+DjDP///wgAAAAAAAAAAAAAAAAAAAAAAAAAAAAAAAAAAAAAZAAAAAEAAABAAAAAAAAAAAAAAAAAAAAAAAAAAAAAAAAAAAAAAAAAAAAAAAAAAAAAAAAAAAAAAAAAAAAAAAAAAAAAAAAAAAAAAAAAAAAAAAAAAAAAAAAAAAAAAAAAAAAAFAAAADwAAAAAAAAAAAAAAAAAAAkUAAAAAQAAABQAAAAUAAAAFAAAAAEAAAAAAAAAZAAAAGQAAAAAAAAAZAAAAGQAAAAVAAAAYAAAAAAAAAAAAAAADwAAACADAAAAAAAAAAAAAAEAAACgMgAAVgcAAKr4//8BAAAAf39/AAEAAABkAAAAAAAAABQAAABAHwAAAAAAACYAAAAAAAAAwOD//wAAAAAmAAAAZAAAABYAAABMAAAAAAAAAAAAAAAEAAAAAAAAAAEAAACAgIAKAAAAACgAAAAoAAAAZAAAAGQAAAAAAAAAzMzMAAAAAABQAAAAUAAAAGQAAABkAAAAAAAAABcAAAAUAAAAAAAAAAAAAAD/fwAA/38AAAAAAAAJAAAABAAAAAAAAAAMAAAAEAAAAAAAAAAAAAAAAAAAAAAAAAAeAAAAaAAAAAAAAAAAAAAAAAAAAAAAAAAAAAAAECcAABAnAAAAAAAAAAAAAAAAAAAAAAAAAAAAAAAAAAAAAAAAAAAAABQAAAAAAAAAwMD/AAAAAABkAAAAMgAAAAAAAABkAAAAAAAAAH9/fwAKAAAAHwAAAFQAAAAAAAAFAAAAAQAAAAAAAAAAAAAAAAAAAAAAAAAAAAAAAAAAAAAAAAAAAAAAAn9/fwAAAAADzMzMAMDA/wB/f38AAAAAAAAAAAAAAAAAAAAAAAAAAAAhAAAAGAAAABQAAADQAgAA2AkAAKgbAACwJQAAEAAAACYAAAAIAAAAAYAAAAAAAAA="/>
               </a:ext>
             </a:extLst>
           </p:cNvSpPr>
@@ -1344,7 +1344,7 @@
             <a:spLocks noGrp="1" noChangeArrowheads="1"/>
             <a:extLst>
               <a:ext uri="smNativeData">
-                <pr:smNativeData xmlns:pr="smNativeData" val="SMDATA_13_m5rdZRMAAAAlAAAAZAAAAA8BAAAAkAAAAEgAAACQAAAASAAAAAAAAAAAAAAAAAAAAAEAAABQAAAAAAAAAAAA4D8AAAAAAADgPwAAAAAAAOA/AAAAAAAA4D8AAAAAAADgPwAAAAAAAOA/AAAAAAAA4D8AAAAAAADgPwAAAAAAAOA/AAAAAAAA4D8CAAAAjAAAAAAAAAAAAAAAu+DjDP///wgAAAAAAAAAAAAAAAAAAAAAAAAAAAAAAAAAAAAAZAAAAAEAAABAAAAAAAAAAAAAAAAAAAAAAAAAAAAAAAAAAAAAAAAAAAAAAAAAAAAAAAAAAAAAAAAAAAAAAAAAAAAAAAAAAAAAAAAAAAAAAAAAAAAAAAAAAAAAAAAAAAAAFAAAADwAAAAAAAAAAAAAAAAAAAkUAAAAAQAAABQAAAAUAAAAFAAAAAEAAAAAAAAAZAAAAGQAAAAAAAAAZAAAAGQAAAAVAAAAYAAAAAAAAAAAAAAADwAAACADAAAAAAAAAAAAAAEAAACgMgAAVgcAAKr4//8BAAAAf39/AAEAAABkAAAAAAAAABQAAABAHwAAAAAAACYAAAAAAAAAwOD//wAAAAAmAAAAZAAAABYAAABMAAAAAAAAAAAAAAAEAAAAAAAAAAEAAACAgIAKAAAAACgAAAAoAAAAZAAAAGQAAAAAAAAAzMzMAAAAAABQAAAAUAAAAGQAAABkAAAAAAAAABcAAAAUAAAAAAAAAAAAAAD/fwAA/38AAAAAAAAJAAAABAAAAAAAAAAMAAAAEAAAAAAAAAAAAAAAAAAAAAAAAAAeAAAAaAAAAAAAAAAAAAAAAAAAAAAAAAAAAAAAECcAABAnAAAAAAAAAAAAAAAAAAAAAAAAAAAAAAAAAAAAAAAAAAAAABQAAAAAAAAAwMD/AAAAAABkAAAAMgAAAAAAAABkAAAAAAAAAH9/fwAKAAAAHwAAAFQAAAAAAAAFAAAAAQAAAAAAAAAAAAAAAAAAAAAAAAAAAAAAAAAAAAAAAAAAAAAAAn9/fwAAAAADzMzMAMDA/wB/f38AAAAAAAAAAAAAAAAAAAAAAAAAAAAhAAAAGAAAABQAAACYHAAA2AkAAHA1AACwJQAAEAAAACYAAAAIAAAAAYAAAAAAAAA="/>
+                <pr:smNativeData xmlns:pr="smNativeData" val="SMDATA_13_HSHgZRMAAAAlAAAAZAAAAA8BAAAAkAAAAEgAAACQAAAASAAAAAAAAAAAAAAAAAAAAAEAAABQAAAAAAAAAAAA4D8AAAAAAADgPwAAAAAAAOA/AAAAAAAA4D8AAAAAAADgPwAAAAAAAOA/AAAAAAAA4D8AAAAAAADgPwAAAAAAAOA/AAAAAAAA4D8CAAAAjAAAAAAAAAAAAAAAu+DjDP///wgAAAAAAAAAAAAAAAAAAAAAAAAAAAAAAAAAAAAAZAAAAAEAAABAAAAAAAAAAAAAAAAAAAAAAAAAAAAAAAAAAAAAAAAAAAAAAAAAAAAAAAAAAAAAAAAAAAAAAAAAAAAAAAAAAAAAAAAAAAAAAAAAAAAAAAAAAAAAAAAAAAAAFAAAADwAAAAAAAAAAAAAAAAAAAkUAAAAAQAAABQAAAAUAAAAFAAAAAEAAAAAAAAAZAAAAGQAAAAAAAAAZAAAAGQAAAAVAAAAYAAAAAAAAAAAAAAADwAAACADAAAAAAAAAAAAAAEAAACgMgAAVgcAAKr4//8BAAAAf39/AAEAAABkAAAAAAAAABQAAABAHwAAAAAAACYAAAAAAAAAwOD//wAAAAAmAAAAZAAAABYAAABMAAAAAAAAAAAAAAAEAAAAAAAAAAEAAACAgIAKAAAAACgAAAAoAAAAZAAAAGQAAAAAAAAAzMzMAAAAAABQAAAAUAAAAGQAAABkAAAAAAAAABcAAAAUAAAAAAAAAAAAAAD/fwAA/38AAAAAAAAJAAAABAAAAAAAAAAMAAAAEAAAAAAAAAAAAAAAAAAAAAAAAAAeAAAAaAAAAAAAAAAAAAAAAAAAAAAAAAAAAAAAECcAABAnAAAAAAAAAAAAAAAAAAAAAAAAAAAAAAAAAAAAAAAAAAAAABQAAAAAAAAAwMD/AAAAAABkAAAAMgAAAAAAAABkAAAAAAAAAH9/fwAKAAAAHwAAAFQAAAAAAAAFAAAAAQAAAAAAAAAAAAAAAAAAAAAAAAAAAAAAAAAAAAAAAAAAAAAAAn9/fwAAAAADzMzMAMDA/wB/f38AAAAAAAAAAAAAAAAAAAAAAAAAAAAhAAAAGAAAABQAAACYHAAA2AkAAHA1AACwJQAAEAAAACYAAAAIAAAAAYAAAAAAAAA="/>
               </a:ext>
             </a:extLst>
           </p:cNvSpPr>
@@ -1428,7 +1428,7 @@
             <a:spLocks noGrp="1" noChangeArrowheads="1"/>
             <a:extLst>
               <a:ext uri="smNativeData">
-                <pr:smNativeData xmlns:pr="smNativeData" val="SMDATA_13_m5rdZRMAAAAlAAAAZAAAAA8BAAAAkAAAAEgAAACQAAAASAAAAAAAAAABAAAAAAAAAAEAAABQAAAAAAAAAAAA4D8AAAAAAADgPwAAAAAAAOA/AAAAAAAA4D8AAAAAAADgPwAAAAAAAOA/AAAAAAAA4D8AAAAAAADgPwAAAAAAAOA/AAAAAAAA4D8CAAAAjAAAAAAAAAAAAAAAu+DjDP///wgAAAAAAAAAAAAAAAAAAAAAAAAAAAAAAAAAAAAAZAAAAAEAAABAAAAAAAAAAAAAAAAAAAAAAAAAAAAAAAAAAAAAAAAAAAAAAAAAAAAAAAAAAAAAAAAAAAAAAAAAAAAAAAAAAAAAAAAAAAAAAAAAAAAAAAAAAAAAAAAAAAAAFAAAADwAAAAAAAAAAAAAAAAAAAkUAAAAAQAAABQAAAAUAAAAFAAAAAEAAAAAAAAAZAAAAGQAAAAAAAAAZAAAAGQAAAAVAAAAYAAAAAAAAAAAAAAADwAAACADAAAAAAAAAAAAAAEAAACgMgAAVgcAAKr4//8BAAAAf39/AAEAAABkAAAAAAAAABQAAABAHwAAAAAAACYAAAAAAAAAwOD//wAAAAAmAAAAZAAAABYAAABMAAAAAAAAAAAAAAAEAAAAAAAAAAEAAACAgIAKAAAAACgAAAAoAAAAZAAAAGQAAAAAAAAAzMzMAAAAAABQAAAAUAAAAGQAAABkAAAAAAAAABcAAAAUAAAAAAAAAAAAAAD/fwAA/38AAAAAAAAJAAAABAAAAAAAAAAMAAAAEAAAAAAAAAAAAAAAAAAAAAAAAAAeAAAAaAAAAAAAAAAAAAAAAAAAAAAAAAAAAAAAECcAABAnAAAAAAAAAAAAAAAAAAAAAAAAAAAAAAAAAAAAAAAAAAAAABQAAAAAAAAAwMD/AAAAAABkAAAAMgAAAAAAAABkAAAAAAAAAH9/fwAKAAAAHwAAAFQAAAAAAAAFAAAAAQAAAAAAAAAAAAAAAAAAAAAAAAAAAAAAAAAAAAAAAAAAAAAAAn9/fwAAAAADzMzMAMDA/wB/f38AAAAAAAAAAAAAAAAAAAAAAAAAAAAhAAAAGAAAABQAAADQAgAAGycAAPAPAABZKQAAEAAAACYAAAAIAAAAAAAAAAAAAAA="/>
+                <pr:smNativeData xmlns:pr="smNativeData" val="SMDATA_13_HSHgZRMAAAAlAAAAZAAAAA8BAAAAkAAAAEgAAACQAAAASAAAAAAAAAABAAAAAAAAAAEAAABQAAAAAAAAAAAA4D8AAAAAAADgPwAAAAAAAOA/AAAAAAAA4D8AAAAAAADgPwAAAAAAAOA/AAAAAAAA4D8AAAAAAADgPwAAAAAAAOA/AAAAAAAA4D8CAAAAjAAAAAAAAAAAAAAAu+DjDP///wgAAAAAAAAAAAAAAAAAAAAAAAAAAAAAAAAAAAAAZAAAAAEAAABAAAAAAAAAAAAAAAAAAAAAAAAAAAAAAAAAAAAAAAAAAAAAAAAAAAAAAAAAAAAAAAAAAAAAAAAAAAAAAAAAAAAAAAAAAAAAAAAAAAAAAAAAAAAAAAAAAAAAFAAAADwAAAAAAAAAAAAAAAAAAAkUAAAAAQAAABQAAAAUAAAAFAAAAAEAAAAAAAAAZAAAAGQAAAAAAAAAZAAAAGQAAAAVAAAAYAAAAAAAAAAAAAAADwAAACADAAAAAAAAAAAAAAEAAACgMgAAVgcAAKr4//8BAAAAf39/AAEAAABkAAAAAAAAABQAAABAHwAAAAAAACYAAAAAAAAAwOD//wAAAAAmAAAAZAAAABYAAABMAAAAAAAAAAAAAAAEAAAAAAAAAAEAAACAgIAKAAAAACgAAAAoAAAAZAAAAGQAAAAAAAAAzMzMAAAAAABQAAAAUAAAAGQAAABkAAAAAAAAABcAAAAUAAAAAAAAAAAAAAD/fwAA/38AAAAAAAAJAAAABAAAAAAAAAAMAAAAEAAAAAAAAAAAAAAAAAAAAAAAAAAeAAAAaAAAAAAAAAAAAAAAAAAAAAAAAAAAAAAAECcAABAnAAAAAAAAAAAAAAAAAAAAAAAAAAAAAAAAAAAAAAAAAAAAABQAAAAAAAAAwMD/AAAAAABkAAAAMgAAAAAAAABkAAAAAAAAAH9/fwAKAAAAHwAAAFQAAAAAAAAFAAAAAQAAAAAAAAAAAAAAAAAAAAAAAAAAAAAAAAAAAAAAAAAAAAAAAn9/fwAAAAADzMzMAMDA/wB/f38AAAAAAAAAAAAAAAAAAAAAAAAAAAAhAAAAGAAAABQAAADQAgAAGycAAPAPAABZKQAAEAAAACYAAAAIAAAAAAAAAAAAAAA="/>
               </a:ext>
             </a:extLst>
           </p:cNvSpPr>
@@ -1442,7 +1442,7 @@
           <a:lstStyle/>
           <a:p>
             <a:pPr/>
-            <a:fld id="{3E45C1EB-A5D3-1037-9DFD-53628FB36B06}" type="datetime1">
+            <a:fld id="{3E69FF79-37D3-3C09-9DD1-C15CB19F6B94}" type="datetime1">
               <a:t/>
             </a:fld>
           </a:p>
@@ -1455,7 +1455,7 @@
             <a:spLocks noGrp="1" noChangeArrowheads="1"/>
             <a:extLst>
               <a:ext uri="smNativeData">
-                <pr:smNativeData xmlns:pr="smNativeData" val="SMDATA_13_m5rdZRMAAAAlAAAAZAAAAA8BAAAAkAAAAEgAAACQAAAASAAAAAAAAAABAAAAAAAAAAEAAABQAAAAAAAAAAAA4D8AAAAAAADgPwAAAAAAAOA/AAAAAAAA4D8AAAAAAADgPwAAAAAAAOA/AAAAAAAA4D8AAAAAAADgPwAAAAAAAOA/AAAAAAAA4D8CAAAAjAAAAAAAAAAAAAAAu+DjDP///wgAAAAAAAAAAAAAAAAAAAAAAAAAAAAAAAAAAAAAZAAAAAEAAABAAAAAAAAAAAAAAAAAAAAAAAAAAAAAAAAAAAAAAAAAAAAAAAAAAAAAAAAAAAAAAAAAAAAAAAAAAAAAAAAAAAAAAAAAAAAAAAAAAAAAAAAAAAAAAAAAAAAAFAAAADwAAAAAAAAAAAAAAAAAAAkUAAAAAQAAABQAAAAUAAAAFAAAAAEAAAAAAAAAZAAAAGQAAAAAAAAAZAAAAGQAAAAVAAAAYAAAAAAAAAAAAAAADwAAACADAAAAAAAAAAAAAAEAAACgMgAAVgcAAKr4//8BAAAAf39/AAEAAABkAAAAAAAAABQAAABAHwAAAAAAACYAAAAAAAAAwOD//wAAAAAmAAAAZAAAABYAAABMAAAAAAAAAAAAAAAEAAAAAAAAAAEAAACAgIAKAAAAACgAAAAoAAAAZAAAAGQAAAAAAAAAzMzMAAAAAABQAAAAUAAAAGQAAABkAAAAAAAAABcAAAAUAAAAAAAAAAAAAAD/fwAA/38AAAAAAAAJAAAABAAAAAAAAAAMAAAAEAAAAAAAAAAAAAAAAAAAAAAAAAAeAAAAaAAAAAAAAAAAAAAAAAAAAAAAAAAAAAAAECcAABAnAAAAAAAAAAAAAAAAAAAAAAAAAAAAAAAAAAAAAAAAAAAAABQAAAAAAAAAwMD/AAAAAABkAAAAMgAAAAAAAABkAAAAAAAAAH9/fwAKAAAAHwAAAFQAAAAAAAAFAAAAAQAAAAAAAAAAAAAAAAAAAAAAAAAAAAAAAAAAAAAAAAAAAAAAAn9/fwAAAAADzMzMAMDA/wB/f38AAAAAAAAAAAAAAAAAAAAAAAAAAAAhAAAAGAAAABQAAAA4EwAAGycAAAglAABZKQAAEAAAACYAAAAIAAAAAAAAAAAAAAA="/>
+                <pr:smNativeData xmlns:pr="smNativeData" val="SMDATA_13_HSHgZRMAAAAlAAAAZAAAAA8BAAAAkAAAAEgAAACQAAAASAAAAAAAAAABAAAAAAAAAAEAAABQAAAAAAAAAAAA4D8AAAAAAADgPwAAAAAAAOA/AAAAAAAA4D8AAAAAAADgPwAAAAAAAOA/AAAAAAAA4D8AAAAAAADgPwAAAAAAAOA/AAAAAAAA4D8CAAAAjAAAAAAAAAAAAAAAu+DjDP///wgAAAAAAAAAAAAAAAAAAAAAAAAAAAAAAAAAAAAAZAAAAAEAAABAAAAAAAAAAAAAAAAAAAAAAAAAAAAAAAAAAAAAAAAAAAAAAAAAAAAAAAAAAAAAAAAAAAAAAAAAAAAAAAAAAAAAAAAAAAAAAAAAAAAAAAAAAAAAAAAAAAAAFAAAADwAAAAAAAAAAAAAAAAAAAkUAAAAAQAAABQAAAAUAAAAFAAAAAEAAAAAAAAAZAAAAGQAAAAAAAAAZAAAAGQAAAAVAAAAYAAAAAAAAAAAAAAADwAAACADAAAAAAAAAAAAAAEAAACgMgAAVgcAAKr4//8BAAAAf39/AAEAAABkAAAAAAAAABQAAABAHwAAAAAAACYAAAAAAAAAwOD//wAAAAAmAAAAZAAAABYAAABMAAAAAAAAAAAAAAAEAAAAAAAAAAEAAACAgIAKAAAAACgAAAAoAAAAZAAAAGQAAAAAAAAAzMzMAAAAAABQAAAAUAAAAGQAAABkAAAAAAAAABcAAAAUAAAAAAAAAAAAAAD/fwAA/38AAAAAAAAJAAAABAAAAAAAAAAMAAAAEAAAAAAAAAAAAAAAAAAAAAAAAAAeAAAAaAAAAAAAAAAAAAAAAAAAAAAAAAAAAAAAECcAABAnAAAAAAAAAAAAAAAAAAAAAAAAAAAAAAAAAAAAAAAAAAAAABQAAAAAAAAAwMD/AAAAAABkAAAAMgAAAAAAAABkAAAAAAAAAH9/fwAKAAAAHwAAAFQAAAAAAAAFAAAAAQAAAAAAAAAAAAAAAAAAAAAAAAAAAAAAAAAAAAAAAAAAAAAAAn9/fwAAAAADzMzMAMDA/wB/f38AAAAAAAAAAAAAAAAAAAAAAAAAAAAhAAAAGAAAABQAAAA4EwAAGycAAAglAABZKQAAEAAAACYAAAAIAAAAAAAAAAAAAAA="/>
               </a:ext>
             </a:extLst>
           </p:cNvSpPr>
@@ -1479,7 +1479,7 @@
             <a:spLocks noGrp="1" noChangeArrowheads="1"/>
             <a:extLst>
               <a:ext uri="smNativeData">
-                <pr:smNativeData xmlns:pr="smNativeData" val="SMDATA_13_m5rdZRMAAAAlAAAAZAAAAA8BAAAAkAAAAEgAAACQAAAASAAAAAAAAAABAAAAAAAAAAEAAABQAAAAAAAAAAAA4D8AAAAAAADgPwAAAAAAAOA/AAAAAAAA4D8AAAAAAADgPwAAAAAAAOA/AAAAAAAA4D8AAAAAAADgPwAAAAAAAOA/AAAAAAAA4D8CAAAAjAAAAAAAAAAAAAAAu+DjDP///wgAAAAAAAAAAAAAAAAAAAAAAAAAAAAAAAAAAAAAZAAAAAEAAABAAAAAAAAAAAAAAAAAAAAAAAAAAAAAAAAAAAAAAAAAAAAAAAAAAAAAAAAAAAAAAAAAAAAAAAAAAAAAAAAAAAAAAAAAAAAAAAAAAAAAAAAAAAAAAAAAAAAAFAAAADwAAAAAAAAAAAAAAAAAAAkUAAAAAQAAABQAAAAUAAAAFAAAAAEAAAAAAAAAZAAAAGQAAAAAAAAAZAAAAGQAAAAVAAAAYAAAAAAAAAAAAAAADwAAACADAAAAAAAAAAAAAAEAAACgMgAAVgcAAKr4//8BAAAAf39/AAEAAABkAAAAAAAAABQAAABAHwAAAAAAACYAAAAAAAAAwOD//wAAAAAmAAAAZAAAABYAAABMAAAAAAAAAAAAAAAEAAAAAAAAAAEAAACAgIAKAAAAACgAAAAoAAAAZAAAAGQAAAAAAAAAzMzMAAAAAABQAAAAUAAAAGQAAABkAAAAAAAAABcAAAAUAAAAAAAAAAAAAAD/fwAA/38AAAAAAAAJAAAABAAAAAAAAAAMAAAAEAAAAAAAAAAAAAAAAAAAAAAAAAAeAAAAaAAAAAAAAAAAAAAAAAAAAAAAAAAAAAAAECcAABAnAAAAAAAAAAAAAAAAAAAAAAAAAAAAAAAAAAAAAAAAAAAAABQAAAAAAAAAwMD/AAAAAABkAAAAMgAAAAAAAABkAAAAAAAAAH9/fwAKAAAAHwAAAFQAAAAAAAAFAAAAAQAAAAAAAAAAAAAAAAAAAAAAAAAAAAAAAAAAAAAAAAAAAAAAAn9/fwAAAAADzMzMAMDA/wB/f38AAAAAAAAAAAAAAAAAAAAAAAAAAAAhAAAAGAAAABQAAABQKAAAGycAAHA1AABZKQAAEAAAACYAAAAIAAAAAAAAAAAAAAA="/>
+                <pr:smNativeData xmlns:pr="smNativeData" val="SMDATA_13_HSHgZRMAAAAlAAAAZAAAAA8BAAAAkAAAAEgAAACQAAAASAAAAAAAAAABAAAAAAAAAAEAAABQAAAAAAAAAAAA4D8AAAAAAADgPwAAAAAAAOA/AAAAAAAA4D8AAAAAAADgPwAAAAAAAOA/AAAAAAAA4D8AAAAAAADgPwAAAAAAAOA/AAAAAAAA4D8CAAAAjAAAAAAAAAAAAAAAu+DjDP///wgAAAAAAAAAAAAAAAAAAAAAAAAAAAAAAAAAAAAAZAAAAAEAAABAAAAAAAAAAAAAAAAAAAAAAAAAAAAAAAAAAAAAAAAAAAAAAAAAAAAAAAAAAAAAAAAAAAAAAAAAAAAAAAAAAAAAAAAAAAAAAAAAAAAAAAAAAAAAAAAAAAAAFAAAADwAAAAAAAAAAAAAAAAAAAkUAAAAAQAAABQAAAAUAAAAFAAAAAEAAAAAAAAAZAAAAGQAAAAAAAAAZAAAAGQAAAAVAAAAYAAAAAAAAAAAAAAADwAAACADAAAAAAAAAAAAAAEAAACgMgAAVgcAAKr4//8BAAAAf39/AAEAAABkAAAAAAAAABQAAABAHwAAAAAAACYAAAAAAAAAwOD//wAAAAAmAAAAZAAAABYAAABMAAAAAAAAAAAAAAAEAAAAAAAAAAEAAACAgIAKAAAAACgAAAAoAAAAZAAAAGQAAAAAAAAAzMzMAAAAAABQAAAAUAAAAGQAAABkAAAAAAAAABcAAAAUAAAAAAAAAAAAAAD/fwAA/38AAAAAAAAJAAAABAAAAAAAAAAMAAAAEAAAAAAAAAAAAAAAAAAAAAAAAAAeAAAAaAAAAAAAAAAAAAAAAAAAAAAAAAAAAAAAECcAABAnAAAAAAAAAAAAAAAAAAAAAAAAAAAAAAAAAAAAAAAAAAAAABQAAAAAAAAAwMD/AAAAAABkAAAAMgAAAAAAAABkAAAAAAAAAH9/fwAKAAAAHwAAAFQAAAAAAAAFAAAAAQAAAAAAAAAAAAAAAAAAAAAAAAAAAAAAAAAAAAAAAAAAAAAAAn9/fwAAAAADzMzMAMDA/wB/f38AAAAAAAAAAAAAAAAAAAAAAAAAAAAhAAAAGAAAABQAAABQKAAAGycAAHA1AABZKQAAEAAAACYAAAAIAAAAAAAAAAAAAAA="/>
               </a:ext>
             </a:extLst>
           </p:cNvSpPr>
@@ -1493,7 +1493,7 @@
           <a:lstStyle/>
           <a:p>
             <a:pPr/>
-            <a:fld id="{3E45B484-CAD3-1042-9DFD-3C17FAB36B69}" type="slidenum">
+            <a:fld id="{3E699B49-07D3-3C6D-9DD1-F138D59F6BA4}" type="slidenum">
               <a:t/>
             </a:fld>
           </a:p>
@@ -1531,7 +1531,7 @@
             <a:spLocks noGrp="1" noChangeArrowheads="1"/>
             <a:extLst>
               <a:ext uri="smNativeData">
-                <pr:smNativeData xmlns:pr="smNativeData" val="SMDATA_13_m5rdZRMAAAAlAAAAZAAAAA8BAAAAkAAAAEgAAACQAAAASAAAAAAAAAABAAAAAAAAAAEAAABQAAAAAAAAAAAA4D8AAAAAAADgPwAAAAAAAOA/AAAAAAAA4D8AAAAAAADgPwAAAAAAAOA/AAAAAAAA4D8AAAAAAADgPwAAAAAAAOA/AAAAAAAA4D8CAAAAjAAAAAAAAAAAAAAAu+DjDP///wgAAAAAAAAAAAAAAAAAAAAAAAAAAAAAAAAAAAAAZAAAAAEAAABAAAAAAAAAAAAAAAAAAAAAAAAAAAAAAAAAAAAAAAAAAAAAAAAAAAAAAAAAAAAAAAAAAAAAAAAAAAAAAAAAAAAAAAAAAAAAAAAAAAAAAAAAAAAAAAAAAAAAFAAAADwAAAAAAAAAAAAAAAAAAAkUAAAAAQAAABQAAAAUAAAAFAAAAAEAAAAAAAAAZAAAAGQAAAAAAAAAZAAAAGQAAAAVAAAAYAAAAAAAAAAAAAAADwAAACADAAAAAAAAAAAAAAEAAACgMgAAVgcAAKr4//8BAAAAf39/AAEAAABkAAAAAAAAABQAAABAHwAAAAAAACYAAAAAAAAAwOD//wAAAAAmAAAAZAAAABYAAABMAAAAAAAAAAAAAAAEAAAAAAAAAAEAAACAgIAKAAAAACgAAAAoAAAAZAAAAGQAAAAAAAAAzMzMAAAAAABQAAAAUAAAAGQAAABkAAAAAAAAABcAAAAUAAAAAAAAAAAAAAD/fwAA/38AAAAAAAAJAAAABAAAAAAAAAAMAAAAEAAAAAAAAAAAAAAAAAAAAAAAAAAeAAAAaAAAAAAAAAAAAAAAAAAAAAAAAAAAAAAAECcAABAnAAAAAAAAAAAAAAAAAAAAAAAAAAAAAAAAAAAAAAAAAAAAABQAAAAAAAAAwMD/AAAAAABkAAAAMgAAAAAAAABkAAAAAAAAAH9/fwAKAAAAHwAAAFQAAAAAAAAFAAAAAQAAAAAAAAAAAAAAAAAAAAAAAAAAAAAAAAAAAAAAAAAAAAAAAn9/fwAAAAADzMzMAMDA/wB/f38AAAAAAAAAAAAAAAAAAAAAAAAAAAAhAAAAGAAAABQAAADQAgAAsAEAAHA1AAC4CAAAEAAAACYAAAAIAAAAAAAAAAAAAAA="/>
+                <pr:smNativeData xmlns:pr="smNativeData" val="SMDATA_13_HSHgZRMAAAAlAAAAZAAAAA8BAAAAkAAAAEgAAACQAAAASAAAAAAAAAABAAAAAAAAAAEAAABQAAAAAAAAAAAA4D8AAAAAAADgPwAAAAAAAOA/AAAAAAAA4D8AAAAAAADgPwAAAAAAAOA/AAAAAAAA4D8AAAAAAADgPwAAAAAAAOA/AAAAAAAA4D8CAAAAjAAAAAAAAAAAAAAAu+DjDP///wgAAAAAAAAAAAAAAAAAAAAAAAAAAAAAAAAAAAAAZAAAAAEAAABAAAAAAAAAAAAAAAAAAAAAAAAAAAAAAAAAAAAAAAAAAAAAAAAAAAAAAAAAAAAAAAAAAAAAAAAAAAAAAAAAAAAAAAAAAAAAAAAAAAAAAAAAAAAAAAAAAAAAFAAAADwAAAAAAAAAAAAAAAAAAAkUAAAAAQAAABQAAAAUAAAAFAAAAAEAAAAAAAAAZAAAAGQAAAAAAAAAZAAAAGQAAAAVAAAAYAAAAAAAAAAAAAAADwAAACADAAAAAAAAAAAAAAEAAACgMgAAVgcAAKr4//8BAAAAf39/AAEAAABkAAAAAAAAABQAAABAHwAAAAAAACYAAAAAAAAAwOD//wAAAAAmAAAAZAAAABYAAABMAAAAAAAAAAAAAAAEAAAAAAAAAAEAAACAgIAKAAAAACgAAAAoAAAAZAAAAGQAAAAAAAAAzMzMAAAAAABQAAAAUAAAAGQAAABkAAAAAAAAABcAAAAUAAAAAAAAAAAAAAD/fwAA/38AAAAAAAAJAAAABAAAAAAAAAAMAAAAEAAAAAAAAAAAAAAAAAAAAAAAAAAeAAAAaAAAAAAAAAAAAAAAAAAAAAAAAAAAAAAAECcAABAnAAAAAAAAAAAAAAAAAAAAAAAAAAAAAAAAAAAAAAAAAAAAABQAAAAAAAAAwMD/AAAAAABkAAAAMgAAAAAAAABkAAAAAAAAAH9/fwAKAAAAHwAAAFQAAAAAAAAFAAAAAQAAAAAAAAAAAAAAAAAAAAAAAAAAAAAAAAAAAAAAAAAAAAAAAn9/fwAAAAADzMzMAMDA/wB/f38AAAAAAAAAAAAAAAAAAAAAAAAAAAAhAAAAGAAAABQAAADQAgAAsAEAAHA1AAC4CAAAEAAAACYAAAAIAAAAAAAAAAAAAAA="/>
               </a:ext>
             </a:extLst>
           </p:cNvSpPr>
@@ -1558,7 +1558,7 @@
             <a:spLocks noGrp="1" noChangeArrowheads="1"/>
             <a:extLst>
               <a:ext uri="smNativeData">
-                <pr:smNativeData xmlns:pr="smNativeData" val="SMDATA_13_m5rdZRMAAAAlAAAAZAAAAA8BAAAAkAAAAEgAAACQAAAASAAAAAAAAAACAAAAAAAAAAEAAABQAAAAAAAAAAAA4D8AAAAAAADgPwAAAAAAAOA/AAAAAAAA4D8AAAAAAADgPwAAAAAAAOA/AAAAAAAA4D8AAAAAAADgPwAAAAAAAOA/AAAAAAAA4D8CAAAAjAAAAAAAAAAAAAAAu+DjDP///wgAAAAAAAAAAAAAAAAAAAAAAAAAAAAAAAAAAAAAZAAAAAEAAABAAAAAAAAAAAAAAAAAAAAAAAAAAAAAAAAAAAAAAAAAAAAAAAAAAAAAAAAAAAAAAAAAAAAAAAAAAAAAAAAAAAAAAAAAAAAAAAAAAAAAAAAAAAAAAAAAAAAAFAAAADwAAAAAAAAAAAAAAAAAAAkUAAAAAQAAABQAAAAUAAAAFAAAAAEAAAAAAAAAZAAAAGQAAAAAAAAAZAAAAGQAAAAVAAAAYAAAAAAAAAAAAAAADwAAACADAAAAAAAAAAAAAAEAAACgMgAAVgcAAKr4//8BAAAAf39/AAEAAABkAAAAAAAAABQAAABAHwAAAAAAACYAAAAAAAAAwOD//wAAAAAmAAAAZAAAABYAAABMAAAAAAAAAAAAAAAEAAAAAAAAAAEAAACAgIAKAAAAACgAAAAoAAAAZAAAAGQAAAAAAAAAzMzMAAAAAABQAAAAUAAAAGQAAABkAAAAAAAAABcAAAAUAAAAAAAAAAAAAAD/fwAA/38AAAAAAAAJAAAABAAAAAAAAAAMAAAAEAAAAAAAAAAAAAAAAAAAAAAAAAAeAAAAaAAAAAAAAAAAAAAAAAAAAAAAAAAAAAAAECcAABAnAAAAAAAAAAAAAAAAAAAAAAAAAAAAAAAAAAAAAAAAAAAAABQAAAAAAAAAwMD/AAAAAABkAAAAMgAAAAAAAABkAAAAAAAAAH9/fwAKAAAAHwAAAFQAAAAAAAAFAAAAAQAAAAAAAAAAAAAAAAAAAAAAAAAAAAAAAAAAAAAAAAAAAAAAAn9/fwAAAAADzMzMAMDA/wB/f38AAAAAAAAAAAAAAAAAAAAAAAAAAAAhAAAAGAAAABQAAADQAgAAcQkAAKobAABhDQAAEAAAACYAAAAIAAAAgYAAAAAAAAA="/>
+                <pr:smNativeData xmlns:pr="smNativeData" val="SMDATA_13_HSHgZRMAAAAlAAAAZAAAAA8BAAAAkAAAAEgAAACQAAAASAAAAAAAAAACAAAAAAAAAAEAAABQAAAAAAAAAAAA4D8AAAAAAADgPwAAAAAAAOA/AAAAAAAA4D8AAAAAAADgPwAAAAAAAOA/AAAAAAAA4D8AAAAAAADgPwAAAAAAAOA/AAAAAAAA4D8CAAAAjAAAAAAAAAAAAAAAu+DjDP///wgAAAAAAAAAAAAAAAAAAAAAAAAAAAAAAAAAAAAAZAAAAAEAAABAAAAAAAAAAAAAAAAAAAAAAAAAAAAAAAAAAAAAAAAAAAAAAAAAAAAAAAAAAAAAAAAAAAAAAAAAAAAAAAAAAAAAAAAAAAAAAAAAAAAAAAAAAAAAAAAAAAAAFAAAADwAAAAAAAAAAAAAAAAAAAkUAAAAAQAAABQAAAAUAAAAFAAAAAEAAAAAAAAAZAAAAGQAAAAAAAAAZAAAAGQAAAAVAAAAYAAAAAAAAAAAAAAADwAAACADAAAAAAAAAAAAAAEAAACgMgAAVgcAAKr4//8BAAAAf39/AAEAAABkAAAAAAAAABQAAABAHwAAAAAAACYAAAAAAAAAwOD//wAAAAAmAAAAZAAAABYAAABMAAAAAAAAAAAAAAAEAAAAAAAAAAEAAACAgIAKAAAAACgAAAAoAAAAZAAAAGQAAAAAAAAAzMzMAAAAAABQAAAAUAAAAGQAAABkAAAAAAAAABcAAAAUAAAAAAAAAAAAAAD/fwAA/38AAAAAAAAJAAAABAAAAAAAAAAMAAAAEAAAAAAAAAAAAAAAAAAAAAAAAAAeAAAAaAAAAAAAAAAAAAAAAAAAAAAAAAAAAAAAECcAABAnAAAAAAAAAAAAAAAAAAAAAAAAAAAAAAAAAAAAAAAAAAAAABQAAAAAAAAAwMD/AAAAAABkAAAAMgAAAAAAAABkAAAAAAAAAH9/fwAKAAAAHwAAAFQAAAAAAAAFAAAAAQAAAAAAAAAAAAAAAAAAAAAAAAAAAAAAAAAAAAAAAAAAAAAAAn9/fwAAAAADzMzMAMDA/wB/f38AAAAAAAAAAAAAAAAAAAAAAAAAAAAhAAAAGAAAABQAAADQAgAAcQkAAKobAABhDQAAEAAAACYAAAAIAAAAgYAAAAAAAAA="/>
               </a:ext>
             </a:extLst>
           </p:cNvSpPr>
@@ -1631,7 +1631,7 @@
             <a:spLocks noGrp="1" noChangeArrowheads="1"/>
             <a:extLst>
               <a:ext uri="smNativeData">
-                <pr:smNativeData xmlns:pr="smNativeData" val="SMDATA_13_m5rdZRMAAAAlAAAAZAAAAA8BAAAAkAAAAEgAAACQAAAASAAAAAAAAAAAAAAAAAAAAAEAAABQAAAAAAAAAAAA4D8AAAAAAADgPwAAAAAAAOA/AAAAAAAA4D8AAAAAAADgPwAAAAAAAOA/AAAAAAAA4D8AAAAAAADgPwAAAAAAAOA/AAAAAAAA4D8CAAAAjAAAAAAAAAAAAAAAu+DjDP///wgAAAAAAAAAAAAAAAAAAAAAAAAAAAAAAAAAAAAAZAAAAAEAAABAAAAAAAAAAAAAAAAAAAAAAAAAAAAAAAAAAAAAAAAAAAAAAAAAAAAAAAAAAAAAAAAAAAAAAAAAAAAAAAAAAAAAAAAAAAAAAAAAAAAAAAAAAAAAAAAAAAAAFAAAADwAAAAAAAAAAAAAAAAAAAkUAAAAAQAAABQAAAAUAAAAFAAAAAEAAAAAAAAAZAAAAGQAAAAAAAAAZAAAAGQAAAAVAAAAYAAAAAAAAAAAAAAADwAAACADAAAAAAAAAAAAAAEAAACgMgAAVgcAAKr4//8BAAAAf39/AAEAAABkAAAAAAAAABQAAABAHwAAAAAAACYAAAAAAAAAwOD//wAAAAAmAAAAZAAAABYAAABMAAAAAAAAAAAAAAAEAAAAAAAAAAEAAACAgIAKAAAAACgAAAAoAAAAZAAAAGQAAAAAAAAAzMzMAAAAAABQAAAAUAAAAGQAAABkAAAAAAAAABcAAAAUAAAAAAAAAAAAAAD/fwAA/38AAAAAAAAJAAAABAAAAAAAAAAMAAAAEAAAAAAAAAAAAAAAAAAAAAAAAAAeAAAAaAAAAAAAAAAAAAAAAAAAAAAAAAAAAAAAECcAABAnAAAAAAAAAAAAAAAAAAAAAAAAAAAAAAAAAAAAAAAAAAAAABQAAAAAAAAAwMD/AAAAAABkAAAAMgAAAAAAAABkAAAAAAAAAH9/fwAKAAAAHwAAAFQAAAAAAAAFAAAAAQAAAAAAAAAAAAAAAAAAAAAAAAAAAAAAAAAAAAAAAAAAAAAAAn9/fwAAAAADzMzMAMDA/wB/f38AAAAAAAAAAAAAAAAAAAAAAAAAAAAhAAAAGAAAABQAAADQAgAAYQ0AAKobAACwJQAAEAAAACYAAAAIAAAAAYAAAAAAAAA="/>
+                <pr:smNativeData xmlns:pr="smNativeData" val="SMDATA_13_HSHgZRMAAAAlAAAAZAAAAA8BAAAAkAAAAEgAAACQAAAASAAAAAAAAAAAAAAAAAAAAAEAAABQAAAAAAAAAAAA4D8AAAAAAADgPwAAAAAAAOA/AAAAAAAA4D8AAAAAAADgPwAAAAAAAOA/AAAAAAAA4D8AAAAAAADgPwAAAAAAAOA/AAAAAAAA4D8CAAAAjAAAAAAAAAAAAAAAu+DjDP///wgAAAAAAAAAAAAAAAAAAAAAAAAAAAAAAAAAAAAAZAAAAAEAAABAAAAAAAAAAAAAAAAAAAAAAAAAAAAAAAAAAAAAAAAAAAAAAAAAAAAAAAAAAAAAAAAAAAAAAAAAAAAAAAAAAAAAAAAAAAAAAAAAAAAAAAAAAAAAAAAAAAAAFAAAADwAAAAAAAAAAAAAAAAAAAkUAAAAAQAAABQAAAAUAAAAFAAAAAEAAAAAAAAAZAAAAGQAAAAAAAAAZAAAAGQAAAAVAAAAYAAAAAAAAAAAAAAADwAAACADAAAAAAAAAAAAAAEAAACgMgAAVgcAAKr4//8BAAAAf39/AAEAAABkAAAAAAAAABQAAABAHwAAAAAAACYAAAAAAAAAwOD//wAAAAAmAAAAZAAAABYAAABMAAAAAAAAAAAAAAAEAAAAAAAAAAEAAACAgIAKAAAAACgAAAAoAAAAZAAAAGQAAAAAAAAAzMzMAAAAAABQAAAAUAAAAGQAAABkAAAAAAAAABcAAAAUAAAAAAAAAAAAAAD/fwAA/38AAAAAAAAJAAAABAAAAAAAAAAMAAAAEAAAAAAAAAAAAAAAAAAAAAAAAAAeAAAAaAAAAAAAAAAAAAAAAAAAAAAAAAAAAAAAECcAABAnAAAAAAAAAAAAAAAAAAAAAAAAAAAAAAAAAAAAAAAAAAAAABQAAAAAAAAAwMD/AAAAAABkAAAAMgAAAAAAAABkAAAAAAAAAH9/fwAKAAAAHwAAAFQAAAAAAAAFAAAAAQAAAAAAAAAAAAAAAAAAAAAAAAAAAAAAAAAAAAAAAAAAAAAAAn9/fwAAAAADzMzMAMDA/wB/f38AAAAAAAAAAAAAAAAAAAAAAAAAAAAhAAAAGAAAABQAAADQAgAAYQ0AAKobAACwJQAAEAAAACYAAAAIAAAAAYAAAAAAAAA="/>
               </a:ext>
             </a:extLst>
           </p:cNvSpPr>
@@ -1715,7 +1715,7 @@
             <a:spLocks noGrp="1" noChangeArrowheads="1"/>
             <a:extLst>
               <a:ext uri="smNativeData">
-                <pr:smNativeData xmlns:pr="smNativeData" val="SMDATA_13_m5rdZRMAAAAlAAAAZAAAAA8BAAAAkAAAAEgAAACQAAAASAAAAAAAAAACAAAAAAAAAAEAAABQAAAAAAAAAAAA4D8AAAAAAADgPwAAAAAAAOA/AAAAAAAA4D8AAAAAAADgPwAAAAAAAOA/AAAAAAAA4D8AAAAAAADgPwAAAAAAAOA/AAAAAAAA4D8CAAAAjAAAAAAAAAAAAAAAu+DjDP///wgAAAAAAAAAAAAAAAAAAAAAAAAAAAAAAAAAAAAAZAAAAAEAAABAAAAAAAAAAAAAAAAAAAAAAAAAAAAAAAAAAAAAAAAAAAAAAAAAAAAAAAAAAAAAAAAAAAAAAAAAAAAAAAAAAAAAAAAAAAAAAAAAAAAAAAAAAAAAAAAAAAAAFAAAADwAAAAAAAAAAAAAAAAAAAkUAAAAAQAAABQAAAAUAAAAFAAAAAEAAAAAAAAAZAAAAGQAAAAAAAAAZAAAAGQAAAAVAAAAYAAAAAAAAAAAAAAADwAAACADAAAAAAAAAAAAAAEAAACgMgAAVgcAAKr4//8BAAAAf39/AAEAAABkAAAAAAAAABQAAABAHwAAAAAAACYAAAAAAAAAwOD//wAAAAAmAAAAZAAAABYAAABMAAAAAAAAAAAAAAAEAAAAAAAAAAEAAACAgIAKAAAAACgAAAAoAAAAZAAAAGQAAAAAAAAAzMzMAAAAAABQAAAAUAAAAGQAAABkAAAAAAAAABcAAAAUAAAAAAAAAAAAAAD/fwAA/38AAAAAAAAJAAAABAAAAEFsQUEMAAAAEAAAAAAAAAAAAAAAAAAAAAAAAAAeAAAAaAAAAAAAAAAAAAAAAAAAAAAAAAAAAAAAECcAABAnAAAAAAAAAAAAAAAAAAAAAAAAAAAAAAAAAAAAAAAAAAAAABQAAAAAAAAAwMD/AAAAAABkAAAAMgAAAAAAAABkAAAAAAAAAH9/fwAKAAAAHwAAAFQAAAAAAAAFAAAAAQAAAAAAAAAAAAAAAAAAAAAAAAAAAAAAAAAAAAAAAAAAAAAAAn9/fwAAAAADzMzMAMDA/wB/f38AAAAAAAAAAAAAAAAAAAAAAAAAAAAhAAAAGAAAABQAAACWHAAAcQkAAHA1AABhDQAAEAAAACYAAAAIAAAAgYAAAAAAAAA="/>
+                <pr:smNativeData xmlns:pr="smNativeData" val="SMDATA_13_HSHgZRMAAAAlAAAAZAAAAA8BAAAAkAAAAEgAAACQAAAASAAAAAAAAAACAAAAAAAAAAEAAABQAAAAAAAAAAAA4D8AAAAAAADgPwAAAAAAAOA/AAAAAAAA4D8AAAAAAADgPwAAAAAAAOA/AAAAAAAA4D8AAAAAAADgPwAAAAAAAOA/AAAAAAAA4D8CAAAAjAAAAAAAAAAAAAAAu+DjDP///wgAAAAAAAAAAAAAAAAAAAAAAAAAAAAAAAAAAAAAZAAAAAEAAABAAAAAAAAAAAAAAAAAAAAAAAAAAAAAAAAAAAAAAAAAAAAAAAAAAAAAAAAAAAAAAAAAAAAAAAAAAAAAAAAAAAAAAAAAAAAAAAAAAAAAAAAAAAAAAAAAAAAAFAAAADwAAAAAAAAAAAAAAAAAAAkUAAAAAQAAABQAAAAUAAAAFAAAAAEAAAAAAAAAZAAAAGQAAAAAAAAAZAAAAGQAAAAVAAAAYAAAAAAAAAAAAAAADwAAACADAAAAAAAAAAAAAAEAAACgMgAAVgcAAKr4//8BAAAAf39/AAEAAABkAAAAAAAAABQAAABAHwAAAAAAACYAAAAAAAAAwOD//wAAAAAmAAAAZAAAABYAAABMAAAAAAAAAAAAAAAEAAAAAAAAAAEAAACAgIAKAAAAACgAAAAoAAAAZAAAAGQAAAAAAAAAzMzMAAAAAABQAAAAUAAAAGQAAABkAAAAAAAAABcAAAAUAAAAAAAAAAAAAAD/fwAA/38AAAAAAAAJAAAABAAAAEFsQUEMAAAAEAAAAAAAAAAAAAAAAAAAAAAAAAAeAAAAaAAAAAAAAAAAAAAAAAAAAAAAAAAAAAAAECcAABAnAAAAAAAAAAAAAAAAAAAAAAAAAAAAAAAAAAAAAAAAAAAAABQAAAAAAAAAwMD/AAAAAABkAAAAMgAAAAAAAABkAAAAAAAAAH9/fwAKAAAAHwAAAFQAAAAAAAAFAAAAAQAAAAAAAAAAAAAAAAAAAAAAAAAAAAAAAAAAAAAAAAAAAAAAAn9/fwAAAAADzMzMAMDA/wB/f38AAAAAAAAAAAAAAAAAAAAAAAAAAAAhAAAAGAAAABQAAACWHAAAcQkAAHA1AABhDQAAEAAAACYAAAAIAAAAgYAAAAAAAAA="/>
               </a:ext>
             </a:extLst>
           </p:cNvSpPr>
@@ -1788,7 +1788,7 @@
             <a:spLocks noGrp="1" noChangeArrowheads="1"/>
             <a:extLst>
               <a:ext uri="smNativeData">
-                <pr:smNativeData xmlns:pr="smNativeData" val="SMDATA_13_m5rdZRMAAAAlAAAAZAAAAA8BAAAAkAAAAEgAAACQAAAASAAAAAAAAAAAAAAAAAAAAAEAAABQAAAAAAAAAAAA4D8AAAAAAADgPwAAAAAAAOA/AAAAAAAA4D8AAAAAAADgPwAAAAAAAOA/AAAAAAAA4D8AAAAAAADgPwAAAAAAAOA/AAAAAAAA4D8CAAAAjAAAAAAAAAAAAAAAu+DjDP///wgAAAAAAAAAAAAAAAAAAAAAAAAAAAAAAAAAAAAAZAAAAAEAAABAAAAAAAAAAAAAAAAAAAAAAAAAAAAAAAAAAAAAAAAAAAAAAAAAAAAAAAAAAAAAAAAAAAAAAAAAAAAAAAAAAAAAAAAAAAAAAAAAAAAAAAAAAAAAAAAAAAAAFAAAADwAAAAAAAAAAAAAAAAAAAkUAAAAAQAAABQAAAAUAAAAFAAAAAEAAAAAAAAAZAAAAGQAAAAAAAAAZAAAAGQAAAAVAAAAYAAAAAAAAAAAAAAADwAAACADAAAAAAAAAAAAAAEAAACgMgAAVgcAAKr4//8BAAAAf39/AAEAAABkAAAAAAAAABQAAABAHwAAAAAAACYAAAAAAAAAwOD//wAAAAAmAAAAZAAAABYAAABMAAAAAAAAAAAAAAAEAAAAAAAAAAEAAACAgIAKAAAAACgAAAAoAAAAZAAAAGQAAAAAAAAAzMzMAAAAAABQAAAAUAAAAGQAAABkAAAAAAAAABcAAAAUAAAAAAAAAAAAAAD/fwAA/38AAAAAAAAJAAAABAAAAEFBQUEMAAAAEAAAAAAAAAAAAAAAAAAAAAAAAAAeAAAAaAAAAAAAAAAAAAAAAAAAAAAAAAAAAAAAECcAABAnAAAAAAAAAAAAAAAAAAAAAAAAAAAAAAAAAAAAAAAAAAAAABQAAAAAAAAAwMD/AAAAAABkAAAAMgAAAAAAAABkAAAAAAAAAH9/fwAKAAAAHwAAAFQAAAAAAAAFAAAAAQAAAAAAAAAAAAAAAAAAAAAAAAAAAAAAAAAAAAAAAAAAAAAAAn9/fwAAAAADzMzMAMDA/wB/f38AAAAAAAAAAAAAAAAAAAAAAAAAAAAhAAAAGAAAABQAAACWHAAAYQ0AAHA1AACwJQAAEAAAACYAAAAIAAAAAYAAAAAAAAA="/>
+                <pr:smNativeData xmlns:pr="smNativeData" val="SMDATA_13_HSHgZRMAAAAlAAAAZAAAAA8BAAAAkAAAAEgAAACQAAAASAAAAAAAAAAAAAAAAAAAAAEAAABQAAAAAAAAAAAA4D8AAAAAAADgPwAAAAAAAOA/AAAAAAAA4D8AAAAAAADgPwAAAAAAAOA/AAAAAAAA4D8AAAAAAADgPwAAAAAAAOA/AAAAAAAA4D8CAAAAjAAAAAAAAAAAAAAAu+DjDP///wgAAAAAAAAAAAAAAAAAAAAAAAAAAAAAAAAAAAAAZAAAAAEAAABAAAAAAAAAAAAAAAAAAAAAAAAAAAAAAAAAAAAAAAAAAAAAAAAAAAAAAAAAAAAAAAAAAAAAAAAAAAAAAAAAAAAAAAAAAAAAAAAAAAAAAAAAAAAAAAAAAAAAFAAAADwAAAAAAAAAAAAAAAAAAAkUAAAAAQAAABQAAAAUAAAAFAAAAAEAAAAAAAAAZAAAAGQAAAAAAAAAZAAAAGQAAAAVAAAAYAAAAAAAAAAAAAAADwAAACADAAAAAAAAAAAAAAEAAACgMgAAVgcAAKr4//8BAAAAf39/AAEAAABkAAAAAAAAABQAAABAHwAAAAAAACYAAAAAAAAAwOD//wAAAAAmAAAAZAAAABYAAABMAAAAAAAAAAAAAAAEAAAAAAAAAAEAAACAgIAKAAAAACgAAAAoAAAAZAAAAGQAAAAAAAAAzMzMAAAAAABQAAAAUAAAAGQAAABkAAAAAAAAABcAAAAUAAAAAAAAAAAAAAD/fwAA/38AAAAAAAAJAAAABAAAAEFBQUEMAAAAEAAAAAAAAAAAAAAAAAAAAAAAAAAeAAAAaAAAAAAAAAAAAAAAAAAAAAAAAAAAAAAAECcAABAnAAAAAAAAAAAAAAAAAAAAAAAAAAAAAAAAAAAAAAAAAAAAABQAAAAAAAAAwMD/AAAAAABkAAAAMgAAAAAAAABkAAAAAAAAAH9/fwAKAAAAHwAAAFQAAAAAAAAFAAAAAQAAAAAAAAAAAAAAAAAAAAAAAAAAAAAAAAAAAAAAAAAAAAAAAn9/fwAAAAADzMzMAMDA/wB/f38AAAAAAAAAAAAAAAAAAAAAAAAAAAAhAAAAGAAAABQAAACWHAAAYQ0AAHA1AACwJQAAEAAAACYAAAAIAAAAAYAAAAAAAAA="/>
               </a:ext>
             </a:extLst>
           </p:cNvSpPr>
@@ -1872,7 +1872,7 @@
             <a:spLocks noGrp="1" noChangeArrowheads="1"/>
             <a:extLst>
               <a:ext uri="smNativeData">
-                <pr:smNativeData xmlns:pr="smNativeData" val="SMDATA_13_m5rdZRMAAAAlAAAAZAAAAA8BAAAAkAAAAEgAAACQAAAASAAAAAAAAAABAAAAAAAAAAEAAABQAAAAAAAAAAAA4D8AAAAAAADgPwAAAAAAAOA/AAAAAAAA4D8AAAAAAADgPwAAAAAAAOA/AAAAAAAA4D8AAAAAAADgPwAAAAAAAOA/AAAAAAAA4D8CAAAAjAAAAAAAAAAAAAAAu+DjDP///wgAAAAAAAAAAAAAAAAAAAAAAAAAAAAAAAAAAAAAZAAAAAEAAABAAAAAAAAAAAAAAAAAAAAAAAAAAAAAAAAAAAAAAAAAAAAAAAAAAAAAAAAAAAAAAAAAAAAAAAAAAAAAAAAAAAAAAAAAAAAAAAAAAAAAAAAAAAAAAAAAAAAAFAAAADwAAAAAAAAAAAAAAAAAAAkUAAAAAQAAABQAAAAUAAAAFAAAAAEAAAAAAAAAZAAAAGQAAAAAAAAAZAAAAGQAAAAVAAAAYAAAAAAAAAAAAAAADwAAACADAAAAAAAAAAAAAAEAAACgMgAAVgcAAKr4//8BAAAAf39/AAEAAABkAAAAAAAAABQAAABAHwAAAAAAACYAAAAAAAAAwOD//wAAAAAmAAAAZAAAABYAAABMAAAAAAAAAAAAAAAEAAAAAAAAAAEAAACAgIAKAAAAACgAAAAoAAAAZAAAAGQAAAAAAAAAzMzMAAAAAABQAAAAUAAAAGQAAABkAAAAAAAAABcAAAAUAAAAAAAAAAAAAAD/fwAA/38AAAAAAAAJAAAABAAAAEh3QUEMAAAAEAAAAAAAAAAAAAAAAAAAAAAAAAAeAAAAaAAAAAAAAAAAAAAAAAAAAAAAAAAAAAAAECcAABAnAAAAAAAAAAAAAAAAAAAAAAAAAAAAAAAAAAAAAAAAAAAAABQAAAAAAAAAwMD/AAAAAABkAAAAMgAAAAAAAABkAAAAAAAAAH9/fwAKAAAAHwAAAFQAAAAAAAAFAAAAAQAAAAAAAAAAAAAAAAAAAAAAAAAAAAAAAAAAAAAAAAAAAAAAAn9/fwAAAAADzMzMAMDA/wB/f38AAAAAAAAAAAAAAAAAAAAAAAAAAAAhAAAAGAAAABQAAADQAgAAGycAAPAPAABZKQAAEAAAACYAAAAIAAAAAAAAAAAAAAA="/>
+                <pr:smNativeData xmlns:pr="smNativeData" val="SMDATA_13_HSHgZRMAAAAlAAAAZAAAAA8BAAAAkAAAAEgAAACQAAAASAAAAAAAAAABAAAAAAAAAAEAAABQAAAAAAAAAAAA4D8AAAAAAADgPwAAAAAAAOA/AAAAAAAA4D8AAAAAAADgPwAAAAAAAOA/AAAAAAAA4D8AAAAAAADgPwAAAAAAAOA/AAAAAAAA4D8CAAAAjAAAAAAAAAAAAAAAu+DjDP///wgAAAAAAAAAAAAAAAAAAAAAAAAAAAAAAAAAAAAAZAAAAAEAAABAAAAAAAAAAAAAAAAAAAAAAAAAAAAAAAAAAAAAAAAAAAAAAAAAAAAAAAAAAAAAAAAAAAAAAAAAAAAAAAAAAAAAAAAAAAAAAAAAAAAAAAAAAAAAAAAAAAAAFAAAADwAAAAAAAAAAAAAAAAAAAkUAAAAAQAAABQAAAAUAAAAFAAAAAEAAAAAAAAAZAAAAGQAAAAAAAAAZAAAAGQAAAAVAAAAYAAAAAAAAAAAAAAADwAAACADAAAAAAAAAAAAAAEAAACgMgAAVgcAAKr4//8BAAAAf39/AAEAAABkAAAAAAAAABQAAABAHwAAAAAAACYAAAAAAAAAwOD//wAAAAAmAAAAZAAAABYAAABMAAAAAAAAAAAAAAAEAAAAAAAAAAEAAACAgIAKAAAAACgAAAAoAAAAZAAAAGQAAAAAAAAAzMzMAAAAAABQAAAAUAAAAGQAAABkAAAAAAAAABcAAAAUAAAAAAAAAAAAAAD/fwAA/38AAAAAAAAJAAAABAAAAEh3QUEMAAAAEAAAAAAAAAAAAAAAAAAAAAAAAAAeAAAAaAAAAAAAAAAAAAAAAAAAAAAAAAAAAAAAECcAABAnAAAAAAAAAAAAAAAAAAAAAAAAAAAAAAAAAAAAAAAAAAAAABQAAAAAAAAAwMD/AAAAAABkAAAAMgAAAAAAAABkAAAAAAAAAH9/fwAKAAAAHwAAAFQAAAAAAAAFAAAAAQAAAAAAAAAAAAAAAAAAAAAAAAAAAAAAAAAAAAAAAAAAAAAAAn9/fwAAAAADzMzMAMDA/wB/f38AAAAAAAAAAAAAAAAAAAAAAAAAAAAhAAAAGAAAABQAAADQAgAAGycAAPAPAABZKQAAEAAAACYAAAAIAAAAAAAAAAAAAAA="/>
               </a:ext>
             </a:extLst>
           </p:cNvSpPr>
@@ -1886,7 +1886,7 @@
           <a:lstStyle/>
           <a:p>
             <a:pPr/>
-            <a:fld id="{3E45DC6E-20D3-102A-9DFD-D67F92B36B83}" type="datetime1">
+            <a:fld id="{3E69C1D1-9FD3-3C37-9DD1-69628F9F6B3C}" type="datetime1">
               <a:t/>
             </a:fld>
           </a:p>
@@ -1899,7 +1899,7 @@
             <a:spLocks noGrp="1" noChangeArrowheads="1"/>
             <a:extLst>
               <a:ext uri="smNativeData">
-                <pr:smNativeData xmlns:pr="smNativeData" val="SMDATA_13_m5rdZRMAAAAlAAAAZAAAAA8BAAAAkAAAAEgAAACQAAAASAAAAAAAAAABAAAAAAAAAAEAAABQAAAAAAAAAAAA4D8AAAAAAADgPwAAAAAAAOA/AAAAAAAA4D8AAAAAAADgPwAAAAAAAOA/AAAAAAAA4D8AAAAAAADgPwAAAAAAAOA/AAAAAAAA4D8CAAAAjAAAAAAAAAAAAAAAu+DjDP///wgAAAAAAAAAAAAAAAAAAAAAAAAAAAAAAAAAAAAAZAAAAAEAAABAAAAAAAAAAAAAAAAAAAAAAAAAAAAAAAAAAAAAAAAAAAAAAAAAAAAAAAAAAAAAAAAAAAAAAAAAAAAAAAAAAAAAAAAAAAAAAAAAAAAAAAAAAAAAAAAAAAAAFAAAADwAAAAAAAAAAAAAAAAAAAkUAAAAAQAAABQAAAAUAAAAFAAAAAEAAAAAAAAAZAAAAGQAAAAAAAAAZAAAAGQAAAAVAAAAYAAAAAAAAAAAAAAADwAAACADAAAAAAAAAAAAAAEAAACgMgAAVgcAAKr4//8BAAAAf39/AAEAAABkAAAAAAAAABQAAABAHwAAAAAAACYAAAAAAAAAwOD//wAAAAAmAAAAZAAAABYAAABMAAAAAAAAAAAAAAAEAAAAAAAAAAEAAACAgIAKAAAAACgAAAAoAAAAZAAAAGQAAAAAAAAAzMzMAAAAAABQAAAAUAAAAGQAAABkAAAAAAAAABcAAAAUAAAAAAAAAAAAAAD/fwAA/38AAAAAAAAJAAAABAAAAEFBQUEMAAAAEAAAAAAAAAAAAAAAAAAAAAAAAAAeAAAAaAAAAAAAAAAAAAAAAAAAAAAAAAAAAAAAECcAABAnAAAAAAAAAAAAAAAAAAAAAAAAAAAAAAAAAAAAAAAAAAAAABQAAAAAAAAAwMD/AAAAAABkAAAAMgAAAAAAAABkAAAAAAAAAH9/fwAKAAAAHwAAAFQAAAAAAAAFAAAAAQAAAAAAAAAAAAAAAAAAAAAAAAAAAAAAAAAAAAAAAAAAAAAAAn9/fwAAAAADzMzMAMDA/wB/f38AAAAAAAAAAAAAAAAAAAAAAAAAAAAhAAAAGAAAABQAAAA4EwAAGycAAAglAABZKQAAEAAAACYAAAAIAAAAAAAAAAAAAAA="/>
+                <pr:smNativeData xmlns:pr="smNativeData" val="SMDATA_13_HSHgZRMAAAAlAAAAZAAAAA8BAAAAkAAAAEgAAACQAAAASAAAAAAAAAABAAAAAAAAAAEAAABQAAAAAAAAAAAA4D8AAAAAAADgPwAAAAAAAOA/AAAAAAAA4D8AAAAAAADgPwAAAAAAAOA/AAAAAAAA4D8AAAAAAADgPwAAAAAAAOA/AAAAAAAA4D8CAAAAjAAAAAAAAAAAAAAAu+DjDP///wgAAAAAAAAAAAAAAAAAAAAAAAAAAAAAAAAAAAAAZAAAAAEAAABAAAAAAAAAAAAAAAAAAAAAAAAAAAAAAAAAAAAAAAAAAAAAAAAAAAAAAAAAAAAAAAAAAAAAAAAAAAAAAAAAAAAAAAAAAAAAAAAAAAAAAAAAAAAAAAAAAAAAFAAAADwAAAAAAAAAAAAAAAAAAAkUAAAAAQAAABQAAAAUAAAAFAAAAAEAAAAAAAAAZAAAAGQAAAAAAAAAZAAAAGQAAAAVAAAAYAAAAAAAAAAAAAAADwAAACADAAAAAAAAAAAAAAEAAACgMgAAVgcAAKr4//8BAAAAf39/AAEAAABkAAAAAAAAABQAAABAHwAAAAAAACYAAAAAAAAAwOD//wAAAAAmAAAAZAAAABYAAABMAAAAAAAAAAAAAAAEAAAAAAAAAAEAAACAgIAKAAAAACgAAAAoAAAAZAAAAGQAAAAAAAAAzMzMAAAAAABQAAAAUAAAAGQAAABkAAAAAAAAABcAAAAUAAAAAAAAAAAAAAD/fwAA/38AAAAAAAAJAAAABAAAAEFBQUEMAAAAEAAAAAAAAAAAAAAAAAAAAAAAAAAeAAAAaAAAAAAAAAAAAAAAAAAAAAAAAAAAAAAAECcAABAnAAAAAAAAAAAAAAAAAAAAAAAAAAAAAAAAAAAAAAAAAAAAABQAAAAAAAAAwMD/AAAAAABkAAAAMgAAAAAAAABkAAAAAAAAAH9/fwAKAAAAHwAAAFQAAAAAAAAFAAAAAQAAAAAAAAAAAAAAAAAAAAAAAAAAAAAAAAAAAAAAAAAAAAAAAn9/fwAAAAADzMzMAMDA/wB/f38AAAAAAAAAAAAAAAAAAAAAAAAAAAAhAAAAGAAAABQAAAA4EwAAGycAAAglAABZKQAAEAAAACYAAAAIAAAAAAAAAAAAAAA="/>
               </a:ext>
             </a:extLst>
           </p:cNvSpPr>
@@ -1923,7 +1923,7 @@
             <a:spLocks noGrp="1" noChangeArrowheads="1"/>
             <a:extLst>
               <a:ext uri="smNativeData">
-                <pr:smNativeData xmlns:pr="smNativeData" val="SMDATA_13_m5rdZRMAAAAlAAAAZAAAAA8BAAAAkAAAAEgAAACQAAAASAAAAAAAAAABAAAAAAAAAAEAAABQAAAAAAAAAAAA4D8AAAAAAADgPwAAAAAAAOA/AAAAAAAA4D8AAAAAAADgPwAAAAAAAOA/AAAAAAAA4D8AAAAAAADgPwAAAAAAAOA/AAAAAAAA4D8CAAAAjAAAAAAAAAAAAAAAu+DjDP///wgAAAAAAAAAAAAAAAAAAAAAAAAAAAAAAAAAAAAAZAAAAAEAAABAAAAAAAAAAAAAAAAAAAAAAAAAAAAAAAAAAAAAAAAAAAAAAAAAAAAAAAAAAAAAAAAAAAAAAAAAAAAAAAAAAAAAAAAAAAAAAAAAAAAAAAAAAAAAAAAAAAAAFAAAADwAAAAAAAAAAAAAAAAAAAkUAAAAAQAAABQAAAAUAAAAFAAAAAEAAAAAAAAAZAAAAGQAAAAAAAAAZAAAAGQAAAAVAAAAYAAAAAAAAAAAAAAADwAAACADAAAAAAAAAAAAAAEAAACgMgAAVgcAAKr4//8BAAAAf39/AAEAAABkAAAAAAAAABQAAABAHwAAAAAAACYAAAAAAAAAwOD//wAAAAAmAAAAZAAAABYAAABMAAAAAAAAAAAAAAAEAAAAAAAAAAEAAACAgIAKAAAAACgAAAAoAAAAZAAAAGQAAAAAAAAAzMzMAAAAAABQAAAAUAAAAGQAAABkAAAAAAAAABcAAAAUAAAAAAAAAAAAAAD/fwAA/38AAAAAAAAJAAAABAAAACIvPjwMAAAAEAAAAAAAAAAAAAAAAAAAAAAAAAAeAAAAaAAAAAAAAAAAAAAAAAAAAAAAAAAAAAAAECcAABAnAAAAAAAAAAAAAAAAAAAAAAAAAAAAAAAAAAAAAAAAAAAAABQAAAAAAAAAwMD/AAAAAABkAAAAMgAAAAAAAABkAAAAAAAAAH9/fwAKAAAAHwAAAFQAAAAAAAAFAAAAAQAAAAAAAAAAAAAAAAAAAAAAAAAAAAAAAAAAAAAAAAAAAAAAAn9/fwAAAAADzMzMAMDA/wB/f38AAAAAAAAAAAAAAAAAAAAAAAAAAAAhAAAAGAAAABQAAABQKAAAGycAAHA1AABZKQAAEAAAACYAAAAIAAAAAAAAAAAAAAA="/>
+                <pr:smNativeData xmlns:pr="smNativeData" val="SMDATA_13_HSHgZRMAAAAlAAAAZAAAAA8BAAAAkAAAAEgAAACQAAAASAAAAAAAAAABAAAAAAAAAAEAAABQAAAAAAAAAAAA4D8AAAAAAADgPwAAAAAAAOA/AAAAAAAA4D8AAAAAAADgPwAAAAAAAOA/AAAAAAAA4D8AAAAAAADgPwAAAAAAAOA/AAAAAAAA4D8CAAAAjAAAAAAAAAAAAAAAu+DjDP///wgAAAAAAAAAAAAAAAAAAAAAAAAAAAAAAAAAAAAAZAAAAAEAAABAAAAAAAAAAAAAAAAAAAAAAAAAAAAAAAAAAAAAAAAAAAAAAAAAAAAAAAAAAAAAAAAAAAAAAAAAAAAAAAAAAAAAAAAAAAAAAAAAAAAAAAAAAAAAAAAAAAAAFAAAADwAAAAAAAAAAAAAAAAAAAkUAAAAAQAAABQAAAAUAAAAFAAAAAEAAAAAAAAAZAAAAGQAAAAAAAAAZAAAAGQAAAAVAAAAYAAAAAAAAAAAAAAADwAAACADAAAAAAAAAAAAAAEAAACgMgAAVgcAAKr4//8BAAAAf39/AAEAAABkAAAAAAAAABQAAABAHwAAAAAAACYAAAAAAAAAwOD//wAAAAAmAAAAZAAAABYAAABMAAAAAAAAAAAAAAAEAAAAAAAAAAEAAACAgIAKAAAAACgAAAAoAAAAZAAAAGQAAAAAAAAAzMzMAAAAAABQAAAAUAAAAGQAAABkAAAAAAAAABcAAAAUAAAAAAAAAAAAAAD/fwAA/38AAAAAAAAJAAAABAAAACIvPjwMAAAAEAAAAAAAAAAAAAAAAAAAAAAAAAAeAAAAaAAAAAAAAAAAAAAAAAAAAAAAAAAAAAAAECcAABAnAAAAAAAAAAAAAAAAAAAAAAAAAAAAAAAAAAAAAAAAAAAAABQAAAAAAAAAwMD/AAAAAABkAAAAMgAAAAAAAABkAAAAAAAAAH9/fwAKAAAAHwAAAFQAAAAAAAAFAAAAAQAAAAAAAAAAAAAAAAAAAAAAAAAAAAAAAAAAAAAAAAAAAAAAAn9/fwAAAAADzMzMAMDA/wB/f38AAAAAAAAAAAAAAAAAAAAAAAAAAAAhAAAAGAAAABQAAABQKAAAGycAAHA1AABZKQAAEAAAACYAAAAIAAAAAAAAAAAAAAA="/>
               </a:ext>
             </a:extLst>
           </p:cNvSpPr>
@@ -1937,7 +1937,7 @@
           <a:lstStyle/>
           <a:p>
             <a:pPr/>
-            <a:fld id="{3E45F90B-45D3-100F-9DFD-B35AB7B36BE6}" type="slidenum">
+            <a:fld id="{3E69AB64-2AD3-3C5D-9DD1-DC08E59F6B89}" type="slidenum">
               <a:t/>
             </a:fld>
           </a:p>
@@ -1975,7 +1975,7 @@
             <a:spLocks noGrp="1" noChangeArrowheads="1"/>
             <a:extLst>
               <a:ext uri="smNativeData">
-                <pr:smNativeData xmlns:pr="smNativeData" val="SMDATA_13_m5rdZRMAAAAlAAAAZAAAAA8BAAAAkAAAAEgAAACQAAAASAAAAAAAAAABAAAAAAAAAAEAAABQAAAAAAAAAAAA4D8AAAAAAADgPwAAAAAAAOA/AAAAAAAA4D8AAAAAAADgPwAAAAAAAOA/AAAAAAAA4D8AAAAAAADgPwAAAAAAAOA/AAAAAAAA4D8CAAAAjAAAAAAAAAAAAAAAu+DjDP///wgAAAAAAAAAAAAAAAAAAAAAAAAAAAAAAAAAAAAAZAAAAAEAAABAAAAAAAAAAAAAAAAAAAAAAAAAAAAAAAAAAAAAAAAAAAAAAAAAAAAAAAAAAAAAAAAAAAAAAAAAAAAAAAAAAAAAAAAAAAAAAAAAAAAAAAAAAAAAAAAAAAAAFAAAADwAAAAAAAAAAAAAAAAAAAkUAAAAAQAAABQAAAAUAAAAFAAAAAEAAAAAAAAAZAAAAGQAAAAAAAAAZAAAAGQAAAAVAAAAYAAAAAAAAAAAAAAADwAAACADAAAAAAAAAAAAAAEAAACgMgAAVgcAAKr4//8BAAAAf39/AAEAAABkAAAAAAAAABQAAABAHwAAAAAAACYAAAAAAAAAwOD//wAAAAAmAAAAZAAAABYAAABMAAAAAAAAAAAAAAAEAAAAAAAAAAEAAACAgIAKAAAAACgAAAAoAAAAZAAAAGQAAAAAAAAAzMzMAAAAAABQAAAAUAAAAGQAAABkAAAAAAAAABcAAAAUAAAAAAAAAAAAAAD/fwAA/38AAAAAAAAJAAAABAAAABUAAgAMAAAAEAAAAAAAAAAAAAAAAAAAAAAAAAAeAAAAaAAAAAAAAAAAAAAAAAAAAAAAAAAAAAAAECcAABAnAAAAAAAAAAAAAAAAAAAAAAAAAAAAAAAAAAAAAAAAAAAAABQAAAAAAAAAwMD/AAAAAABkAAAAMgAAAAAAAABkAAAAAAAAAH9/fwAKAAAAHwAAAFQAAAAAAAAFAAAAAQAAAAAAAAAAAAAAAAAAAAAAAAAAAAAAAAAAAAAAAAAAAAAAAn9/fwAAAAADzMzMAMDA/wB/f38AAAAAAAAAAAAAAAAAAAAAAAAAAAAhAAAAGAAAABQAAADQAgAAsAEAAHA1AAC4CAAAEAAAACYAAAAIAAAAAAAAAAAAAAA="/>
+                <pr:smNativeData xmlns:pr="smNativeData" val="SMDATA_13_HSHgZRMAAAAlAAAAZAAAAA8BAAAAkAAAAEgAAACQAAAASAAAAAAAAAABAAAAAAAAAAEAAABQAAAAAAAAAAAA4D8AAAAAAADgPwAAAAAAAOA/AAAAAAAA4D8AAAAAAADgPwAAAAAAAOA/AAAAAAAA4D8AAAAAAADgPwAAAAAAAOA/AAAAAAAA4D8CAAAAjAAAAAAAAAAAAAAAu+DjDP///wgAAAAAAAAAAAAAAAAAAAAAAAAAAAAAAAAAAAAAZAAAAAEAAABAAAAAAAAAAAAAAAAAAAAAAAAAAAAAAAAAAAAAAAAAAAAAAAAAAAAAAAAAAAAAAAAAAAAAAAAAAAAAAAAAAAAAAAAAAAAAAAAAAAAAAAAAAAAAAAAAAAAAFAAAADwAAAAAAAAAAAAAAAAAAAkUAAAAAQAAABQAAAAUAAAAFAAAAAEAAAAAAAAAZAAAAGQAAAAAAAAAZAAAAGQAAAAVAAAAYAAAAAAAAAAAAAAADwAAACADAAAAAAAAAAAAAAEAAACgMgAAVgcAAKr4//8BAAAAf39/AAEAAABkAAAAAAAAABQAAABAHwAAAAAAACYAAAAAAAAAwOD//wAAAAAmAAAAZAAAABYAAABMAAAAAAAAAAAAAAAEAAAAAAAAAAEAAACAgIAKAAAAACgAAAAoAAAAZAAAAGQAAAAAAAAAzMzMAAAAAABQAAAAUAAAAGQAAABkAAAAAAAAABcAAAAUAAAAAAAAAAAAAAD/fwAA/38AAAAAAAAJAAAABAAAABUAAgAMAAAAEAAAAAAAAAAAAAAAAAAAAAAAAAAeAAAAaAAAAAAAAAAAAAAAAAAAAAAAAAAAAAAAECcAABAnAAAAAAAAAAAAAAAAAAAAAAAAAAAAAAAAAAAAAAAAAAAAABQAAAAAAAAAwMD/AAAAAABkAAAAMgAAAAAAAABkAAAAAAAAAH9/fwAKAAAAHwAAAFQAAAAAAAAFAAAAAQAAAAAAAAAAAAAAAAAAAAAAAAAAAAAAAAAAAAAAAAAAAAAAAn9/fwAAAAADzMzMAMDA/wB/f38AAAAAAAAAAAAAAAAAAAAAAAAAAAAhAAAAGAAAABQAAADQAgAAsAEAAHA1AAC4CAAAEAAAACYAAAAIAAAAAAAAAAAAAAA="/>
               </a:ext>
             </a:extLst>
           </p:cNvSpPr>
@@ -2002,7 +2002,7 @@
             <a:spLocks noGrp="1" noChangeArrowheads="1"/>
             <a:extLst>
               <a:ext uri="smNativeData">
-                <pr:smNativeData xmlns:pr="smNativeData" val="SMDATA_13_m5rdZRMAAAAlAAAAZAAAAA8BAAAAkAAAAEgAAACQAAAASAAAAAAAAAABAAAAAAAAAAEAAABQAAAAAAAAAAAA4D8AAAAAAADgPwAAAAAAAOA/AAAAAAAA4D8AAAAAAADgPwAAAAAAAOA/AAAAAAAA4D8AAAAAAADgPwAAAAAAAOA/AAAAAAAA4D8CAAAAjAAAAAAAAAAAAAAAu+DjDP///wgAAAAAAAAAAAAAAAAAAAAAAAAAAAAAAAAAAAAAZAAAAAEAAABAAAAAAAAAAAAAAAAAAAAAAAAAAAAAAAAAAAAAAAAAAAAAAAAAAAAAAAAAAAAAAAAAAAAAAAAAAAAAAAAAAAAAAAAAAAAAAAAAAAAAAAAAAAAAAAAAAAAAFAAAADwAAAAAAAAAAAAAAAAAAAkUAAAAAQAAABQAAAAUAAAAFAAAAAEAAAAAAAAAZAAAAGQAAAAAAAAAZAAAAGQAAAAVAAAAYAAAAAAAAAAAAAAADwAAACADAAAAAAAAAAAAAAEAAACgMgAAVgcAAKr4//8BAAAAf39/AAEAAABkAAAAAAAAABQAAABAHwAAAAAAACYAAAAAAAAAwOD//wAAAAAmAAAAZAAAABYAAABMAAAAAAAAAAAAAAAEAAAAAAAAAAEAAACAgIAKAAAAACgAAAAoAAAAZAAAAGQAAAAAAAAAzMzMAAAAAABQAAAAUAAAAGQAAABkAAAAAAAAABcAAAAUAAAAAAAAAAAAAAD/fwAA/38AAAAAAAAJAAAABAAAAG9uaWMMAAAAEAAAAAAAAAAAAAAAAAAAAAAAAAAeAAAAaAAAAAAAAAAAAAAAAAAAAAAAAAAAAAAAECcAABAnAAAAAAAAAAAAAAAAAAAAAAAAAAAAAAAAAAAAAAAAAAAAABQAAAAAAAAAwMD/AAAAAABkAAAAMgAAAAAAAABkAAAAAAAAAH9/fwAKAAAAHwAAAFQAAAAAAAAFAAAAAQAAAAAAAAAAAAAAAAAAAAAAAAAAAAAAAAAAAAAAAAAAAAAAAn9/fwAAAAADzMzMAMDA/wB/f38AAAAAAAAAAAAAAAAAAAAAAAAAAAAhAAAAGAAAABQAAADQAgAAGycAAPAPAABZKQAAEAAAACYAAAAIAAAAAAAAAAAAAAA="/>
+                <pr:smNativeData xmlns:pr="smNativeData" val="SMDATA_13_HSHgZRMAAAAlAAAAZAAAAA8BAAAAkAAAAEgAAACQAAAASAAAAAAAAAABAAAAAAAAAAEAAABQAAAAAAAAAAAA4D8AAAAAAADgPwAAAAAAAOA/AAAAAAAA4D8AAAAAAADgPwAAAAAAAOA/AAAAAAAA4D8AAAAAAADgPwAAAAAAAOA/AAAAAAAA4D8CAAAAjAAAAAAAAAAAAAAAu+DjDP///wgAAAAAAAAAAAAAAAAAAAAAAAAAAAAAAAAAAAAAZAAAAAEAAABAAAAAAAAAAAAAAAAAAAAAAAAAAAAAAAAAAAAAAAAAAAAAAAAAAAAAAAAAAAAAAAAAAAAAAAAAAAAAAAAAAAAAAAAAAAAAAAAAAAAAAAAAAAAAAAAAAAAAFAAAADwAAAAAAAAAAAAAAAAAAAkUAAAAAQAAABQAAAAUAAAAFAAAAAEAAAAAAAAAZAAAAGQAAAAAAAAAZAAAAGQAAAAVAAAAYAAAAAAAAAAAAAAADwAAACADAAAAAAAAAAAAAAEAAACgMgAAVgcAAKr4//8BAAAAf39/AAEAAABkAAAAAAAAABQAAABAHwAAAAAAACYAAAAAAAAAwOD//wAAAAAmAAAAZAAAABYAAABMAAAAAAAAAAAAAAAEAAAAAAAAAAEAAACAgIAKAAAAACgAAAAoAAAAZAAAAGQAAAAAAAAAzMzMAAAAAABQAAAAUAAAAGQAAABkAAAAAAAAABcAAAAUAAAAAAAAAAAAAAD/fwAA/38AAAAAAAAJAAAABAAAAG9uaWMMAAAAEAAAAAAAAAAAAAAAAAAAAAAAAAAeAAAAaAAAAAAAAAAAAAAAAAAAAAAAAAAAAAAAECcAABAnAAAAAAAAAAAAAAAAAAAAAAAAAAAAAAAAAAAAAAAAAAAAABQAAAAAAAAAwMD/AAAAAABkAAAAMgAAAAAAAABkAAAAAAAAAH9/fwAKAAAAHwAAAFQAAAAAAAAFAAAAAQAAAAAAAAAAAAAAAAAAAAAAAAAAAAAAAAAAAAAAAAAAAAAAAn9/fwAAAAADzMzMAMDA/wB/f38AAAAAAAAAAAAAAAAAAAAAAAAAAAAhAAAAGAAAABQAAADQAgAAGycAAPAPAABZKQAAEAAAACYAAAAIAAAAAAAAAAAAAAA="/>
               </a:ext>
             </a:extLst>
           </p:cNvSpPr>
@@ -2016,7 +2016,7 @@
           <a:lstStyle/>
           <a:p>
             <a:pPr/>
-            <a:fld id="{3E458614-5AD3-1070-9DFD-AC25C8B36BF9}" type="datetime1">
+            <a:fld id="{3E699F1A-54D3-3C69-9DD1-A23CD19F6BF7}" type="datetime1">
               <a:t/>
             </a:fld>
           </a:p>
@@ -2029,7 +2029,7 @@
             <a:spLocks noGrp="1" noChangeArrowheads="1"/>
             <a:extLst>
               <a:ext uri="smNativeData">
-                <pr:smNativeData xmlns:pr="smNativeData" val="SMDATA_13_m5rdZRMAAAAlAAAAZAAAAA8BAAAAkAAAAEgAAACQAAAASAAAAAAAAAABAAAAAAAAAAEAAABQAAAAAAAAAAAA4D8AAAAAAADgPwAAAAAAAOA/AAAAAAAA4D8AAAAAAADgPwAAAAAAAOA/AAAAAAAA4D8AAAAAAADgPwAAAAAAAOA/AAAAAAAA4D8CAAAAjAAAAAAAAAAAAAAAu+DjDP///wgAAAAAAAAAAAAAAAAAAAAAAAAAAAAAAAAAAAAAZAAAAAEAAABAAAAAAAAAAAAAAAAAAAAAAAAAAAAAAAAAAAAAAAAAAAAAAAAAAAAAAAAAAAAAAAAAAAAAAAAAAAAAAAAAAAAAAAAAAAAAAAAAAAAAAAAAAAAAAAAAAAAAFAAAADwAAAAAAAAAAAAAAAAAAAkUAAAAAQAAABQAAAAUAAAAFAAAAAEAAAAAAAAAZAAAAGQAAAAAAAAAZAAAAGQAAAAVAAAAYAAAAAAAAAAAAAAADwAAACADAAAAAAAAAAAAAAEAAACgMgAAVgcAAKr4//8BAAAAf39/AAEAAABkAAAAAAAAABQAAABAHwAAAAAAACYAAAAAAAAAwOD//wAAAAAmAAAAZAAAABYAAABMAAAAAAAAAAAAAAAEAAAAAAAAAAEAAACAgIAKAAAAACgAAAAoAAAAZAAAAGQAAAAAAAAAzMzMAAAAAABQAAAAUAAAAGQAAABkAAAAAAAAABcAAAAUAAAAAAAAAAAAAAD/fwAA/38AAAAAAAAJAAAABAAAAG9uaWMMAAAAEAAAAAAAAAAAAAAAAAAAAAAAAAAeAAAAaAAAAAAAAAAAAAAAAAAAAAAAAAAAAAAAECcAABAnAAAAAAAAAAAAAAAAAAAAAAAAAAAAAAAAAAAAAAAAAAAAABQAAAAAAAAAwMD/AAAAAABkAAAAMgAAAAAAAABkAAAAAAAAAH9/fwAKAAAAHwAAAFQAAAAAAAAFAAAAAQAAAAAAAAAAAAAAAAAAAAAAAAAAAAAAAAAAAAAAAAAAAAAAAn9/fwAAAAADzMzMAMDA/wB/f38AAAAAAAAAAAAAAAAAAAAAAAAAAAAhAAAAGAAAABQAAAA4EwAAGycAAAglAABZKQAAEAAAACYAAAAIAAAAAAAAAAAAAAA="/>
+                <pr:smNativeData xmlns:pr="smNativeData" val="SMDATA_13_HSHgZRMAAAAlAAAAZAAAAA8BAAAAkAAAAEgAAACQAAAASAAAAAAAAAABAAAAAAAAAAEAAABQAAAAAAAAAAAA4D8AAAAAAADgPwAAAAAAAOA/AAAAAAAA4D8AAAAAAADgPwAAAAAAAOA/AAAAAAAA4D8AAAAAAADgPwAAAAAAAOA/AAAAAAAA4D8CAAAAjAAAAAAAAAAAAAAAu+DjDP///wgAAAAAAAAAAAAAAAAAAAAAAAAAAAAAAAAAAAAAZAAAAAEAAABAAAAAAAAAAAAAAAAAAAAAAAAAAAAAAAAAAAAAAAAAAAAAAAAAAAAAAAAAAAAAAAAAAAAAAAAAAAAAAAAAAAAAAAAAAAAAAAAAAAAAAAAAAAAAAAAAAAAAFAAAADwAAAAAAAAAAAAAAAAAAAkUAAAAAQAAABQAAAAUAAAAFAAAAAEAAAAAAAAAZAAAAGQAAAAAAAAAZAAAAGQAAAAVAAAAYAAAAAAAAAAAAAAADwAAACADAAAAAAAAAAAAAAEAAACgMgAAVgcAAKr4//8BAAAAf39/AAEAAABkAAAAAAAAABQAAABAHwAAAAAAACYAAAAAAAAAwOD//wAAAAAmAAAAZAAAABYAAABMAAAAAAAAAAAAAAAEAAAAAAAAAAEAAACAgIAKAAAAACgAAAAoAAAAZAAAAGQAAAAAAAAAzMzMAAAAAABQAAAAUAAAAGQAAABkAAAAAAAAABcAAAAUAAAAAAAAAAAAAAD/fwAA/38AAAAAAAAJAAAABAAAAG9uaWMMAAAAEAAAAAAAAAAAAAAAAAAAAAAAAAAeAAAAaAAAAAAAAAAAAAAAAAAAAAAAAAAAAAAAECcAABAnAAAAAAAAAAAAAAAAAAAAAAAAAAAAAAAAAAAAAAAAAAAAABQAAAAAAAAAwMD/AAAAAABkAAAAMgAAAAAAAABkAAAAAAAAAH9/fwAKAAAAHwAAAFQAAAAAAAAFAAAAAQAAAAAAAAAAAAAAAAAAAAAAAAAAAAAAAAAAAAAAAAAAAAAAAn9/fwAAAAADzMzMAMDA/wB/f38AAAAAAAAAAAAAAAAAAAAAAAAAAAAhAAAAGAAAABQAAAA4EwAAGycAAAglAABZKQAAEAAAACYAAAAIAAAAAAAAAAAAAAA="/>
               </a:ext>
             </a:extLst>
           </p:cNvSpPr>
@@ -2053,7 +2053,7 @@
             <a:spLocks noGrp="1" noChangeArrowheads="1"/>
             <a:extLst>
               <a:ext uri="smNativeData">
-                <pr:smNativeData xmlns:pr="smNativeData" val="SMDATA_13_m5rdZRMAAAAlAAAAZAAAAA8BAAAAkAAAAEgAAACQAAAASAAAAAAAAAABAAAAAAAAAAEAAABQAAAAAAAAAAAA4D8AAAAAAADgPwAAAAAAAOA/AAAAAAAA4D8AAAAAAADgPwAAAAAAAOA/AAAAAAAA4D8AAAAAAADgPwAAAAAAAOA/AAAAAAAA4D8CAAAAjAAAAAAAAAAAAAAAu+DjDP///wgAAAAAAAAAAAAAAAAAAAAAAAAAAAAAAAAAAAAAZAAAAAEAAABAAAAAAAAAAAAAAAAAAAAAAAAAAAAAAAAAAAAAAAAAAAAAAAAAAAAAAAAAAAAAAAAAAAAAAAAAAAAAAAAAAAAAAAAAAAAAAAAAAAAAAAAAAAAAAAAAAAAAFAAAADwAAAAAAAAAAAAAAAAAAAkUAAAAAQAAABQAAAAUAAAAFAAAAAEAAAAAAAAAZAAAAGQAAAAAAAAAZAAAAGQAAAAVAAAAYAAAAAAAAAAAAAAADwAAACADAAAAAAAAAAAAAAEAAACgMgAAVgcAAKr4//8BAAAAf39/AAEAAABkAAAAAAAAABQAAABAHwAAAAAAACYAAAAAAAAAwOD//wAAAAAmAAAAZAAAABYAAABMAAAAAAAAAAAAAAAEAAAAAAAAAAEAAACAgIAKAAAAACgAAAAoAAAAZAAAAGQAAAAAAAAAzMzMAAAAAABQAAAAUAAAAGQAAABkAAAAAAAAABcAAAAUAAAAAAAAAAAAAAD/fwAA/38AAAAAAAAJAAAABAAAAAAAAAAMAAAAEAAAAAAAAAAAAAAAAAAAAAAAAAAeAAAAaAAAAAAAAAAAAAAAAAAAAAAAAAAAAAAAECcAABAnAAAAAAAAAAAAAAAAAAAAAAAAAAAAAAAAAAAAAAAAAAAAABQAAAAAAAAAwMD/AAAAAABkAAAAMgAAAAAAAABkAAAAAAAAAH9/fwAKAAAAHwAAAFQAAAAAAAAFAAAAAQAAAAAAAAAAAAAAAAAAAAAAAAAAAAAAAAAAAAAAAAAAAAAAAn9/fwAAAAADzMzMAMDA/wB/f38AAAAAAAAAAAAAAAAAAAAAAAAAAAAhAAAAGAAAABQAAABQKAAAGycAAHA1AABZKQAAEAAAACYAAAAIAAAAAAAAAAAAAAA="/>
+                <pr:smNativeData xmlns:pr="smNativeData" val="SMDATA_13_HSHgZRMAAAAlAAAAZAAAAA8BAAAAkAAAAEgAAACQAAAASAAAAAAAAAABAAAAAAAAAAEAAABQAAAAAAAAAAAA4D8AAAAAAADgPwAAAAAAAOA/AAAAAAAA4D8AAAAAAADgPwAAAAAAAOA/AAAAAAAA4D8AAAAAAADgPwAAAAAAAOA/AAAAAAAA4D8CAAAAjAAAAAAAAAAAAAAAu+DjDP///wgAAAAAAAAAAAAAAAAAAAAAAAAAAAAAAAAAAAAAZAAAAAEAAABAAAAAAAAAAAAAAAAAAAAAAAAAAAAAAAAAAAAAAAAAAAAAAAAAAAAAAAAAAAAAAAAAAAAAAAAAAAAAAAAAAAAAAAAAAAAAAAAAAAAAAAAAAAAAAAAAAAAAFAAAADwAAAAAAAAAAAAAAAAAAAkUAAAAAQAAABQAAAAUAAAAFAAAAAEAAAAAAAAAZAAAAGQAAAAAAAAAZAAAAGQAAAAVAAAAYAAAAAAAAAAAAAAADwAAACADAAAAAAAAAAAAAAEAAACgMgAAVgcAAKr4//8BAAAAf39/AAEAAABkAAAAAAAAABQAAABAHwAAAAAAACYAAAAAAAAAwOD//wAAAAAmAAAAZAAAABYAAABMAAAAAAAAAAAAAAAEAAAAAAAAAAEAAACAgIAKAAAAACgAAAAoAAAAZAAAAGQAAAAAAAAAzMzMAAAAAABQAAAAUAAAAGQAAABkAAAAAAAAABcAAAAUAAAAAAAAAAAAAAD/fwAA/38AAAAAAAAJAAAABAAAAAAAAAAMAAAAEAAAAAAAAAAAAAAAAAAAAAAAAAAeAAAAaAAAAAAAAAAAAAAAAAAAAAAAAAAAAAAAECcAABAnAAAAAAAAAAAAAAAAAAAAAAAAAAAAAAAAAAAAAAAAAAAAABQAAAAAAAAAwMD/AAAAAABkAAAAMgAAAAAAAABkAAAAAAAAAH9/fwAKAAAAHwAAAFQAAAAAAAAFAAAAAQAAAAAAAAAAAAAAAAAAAAAAAAAAAAAAAAAAAAAAAAAAAAAAAn9/fwAAAAADzMzMAMDA/wB/f38AAAAAAAAAAAAAAAAAAAAAAAAAAAAhAAAAGAAAABQAAABQKAAAGycAAHA1AABZKQAAEAAAACYAAAAIAAAAAAAAAAAAAAA="/>
               </a:ext>
             </a:extLst>
           </p:cNvSpPr>
@@ -2067,7 +2067,7 @@
           <a:lstStyle/>
           <a:p>
             <a:pPr/>
-            <a:fld id="{3E45A3B9-F7D3-1055-9DFD-0100EDB36B54}" type="slidenum">
+            <a:fld id="{3E69D84D-03D3-3C2E-9DD1-F57B969F6BA0}" type="slidenum">
               <a:t/>
             </a:fld>
           </a:p>
@@ -2105,7 +2105,7 @@
             <a:spLocks noGrp="1" noChangeArrowheads="1"/>
             <a:extLst>
               <a:ext uri="smNativeData">
-                <pr:smNativeData xmlns:pr="smNativeData" val="SMDATA_13_m5rdZRMAAAAlAAAAZAAAAA8BAAAAkAAAAEgAAACQAAAASAAAAAAAAAABAAAAAAAAAAEAAABQAAAAAAAAAAAA4D8AAAAAAADgPwAAAAAAAOA/AAAAAAAA4D8AAAAAAADgPwAAAAAAAOA/AAAAAAAA4D8AAAAAAADgPwAAAAAAAOA/AAAAAAAA4D8CAAAAjAAAAAAAAAAAAAAAu+DjDP///wgAAAAAAAAAAAAAAAAAAAAAAAAAAAAAAAAAAAAAZAAAAAEAAABAAAAAAAAAAAAAAAAAAAAAAAAAAAAAAAAAAAAAAAAAAAAAAAAAAAAAAAAAAAAAAAAAAAAAAAAAAAAAAAAAAAAAAAAAAAAAAAAAAAAAAAAAAAAAAAAAAAAAFAAAADwAAAAAAAAAAAAAAAAAAAkUAAAAAQAAABQAAAAUAAAAFAAAAAEAAAAAAAAAZAAAAGQAAAAAAAAAZAAAAGQAAAAVAAAAYAAAAAAAAAAAAAAADwAAACADAAAAAAAAAAAAAAEAAACgMgAAVgcAAKr4//8BAAAAf39/AAEAAABkAAAAAAAAABQAAABAHwAAAAAAACYAAAAAAAAAwOD//wAAAAAmAAAAZAAAABYAAABMAAAAAAAAAAAAAAAEAAAAAAAAAAEAAACAgIAKAAAAACgAAAAoAAAAZAAAAGQAAAAAAAAAzMzMAAAAAABQAAAAUAAAAGQAAABkAAAAAAAAABcAAAAUAAAAAAAAAAAAAAD/fwAA/38AAAAAAAAJAAAABAAAAAAAAAAMAAAAEAAAAAAAAAAAAAAAAAAAAAAAAAAeAAAAaAAAAAAAAAAAAAAAAAAAAAAAAAAAAAAAECcAABAnAAAAAAAAAAAAAAAAAAAAAAAAAAAAAAAAAAAAAAAAAAAAABQAAAAAAAAAwMD/AAAAAABkAAAAMgAAAAAAAABkAAAAAAAAAH9/fwAKAAAAHwAAAFQAAAAAAAAFAAAAAQAAAAAAAAAAAAAAAAAAAAAAAAAAAAAAAAAAAAAAAAAAAAAAAn9/fwAAAAADzMzMAMDA/wB/f38AAAAAAAAAAAAAAAAAAAAAAAAAAAAhAAAAGAAAABQAAADQAgAAGycAAPAPAABZKQAAEAAAACYAAAAIAAAAAAAAAAAAAAA="/>
+                <pr:smNativeData xmlns:pr="smNativeData" val="SMDATA_13_HSHgZRMAAAAlAAAAZAAAAA8BAAAAkAAAAEgAAACQAAAASAAAAAAAAAABAAAAAAAAAAEAAABQAAAAAAAAAAAA4D8AAAAAAADgPwAAAAAAAOA/AAAAAAAA4D8AAAAAAADgPwAAAAAAAOA/AAAAAAAA4D8AAAAAAADgPwAAAAAAAOA/AAAAAAAA4D8CAAAAjAAAAAAAAAAAAAAAu+DjDP///wgAAAAAAAAAAAAAAAAAAAAAAAAAAAAAAAAAAAAAZAAAAAEAAABAAAAAAAAAAAAAAAAAAAAAAAAAAAAAAAAAAAAAAAAAAAAAAAAAAAAAAAAAAAAAAAAAAAAAAAAAAAAAAAAAAAAAAAAAAAAAAAAAAAAAAAAAAAAAAAAAAAAAFAAAADwAAAAAAAAAAAAAAAAAAAkUAAAAAQAAABQAAAAUAAAAFAAAAAEAAAAAAAAAZAAAAGQAAAAAAAAAZAAAAGQAAAAVAAAAYAAAAAAAAAAAAAAADwAAACADAAAAAAAAAAAAAAEAAACgMgAAVgcAAKr4//8BAAAAf39/AAEAAABkAAAAAAAAABQAAABAHwAAAAAAACYAAAAAAAAAwOD//wAAAAAmAAAAZAAAABYAAABMAAAAAAAAAAAAAAAEAAAAAAAAAAEAAACAgIAKAAAAACgAAAAoAAAAZAAAAGQAAAAAAAAAzMzMAAAAAABQAAAAUAAAAGQAAABkAAAAAAAAABcAAAAUAAAAAAAAAAAAAAD/fwAA/38AAAAAAAAJAAAABAAAAAAAAAAMAAAAEAAAAAAAAAAAAAAAAAAAAAAAAAAeAAAAaAAAAAAAAAAAAAAAAAAAAAAAAAAAAAAAECcAABAnAAAAAAAAAAAAAAAAAAAAAAAAAAAAAAAAAAAAAAAAAAAAABQAAAAAAAAAwMD/AAAAAABkAAAAMgAAAAAAAABkAAAAAAAAAH9/fwAKAAAAHwAAAFQAAAAAAAAFAAAAAQAAAAAAAAAAAAAAAAAAAAAAAAAAAAAAAAAAAAAAAAAAAAAAAn9/fwAAAAADzMzMAMDA/wB/f38AAAAAAAAAAAAAAAAAAAAAAAAAAAAhAAAAGAAAABQAAADQAgAAGycAAPAPAABZKQAAEAAAACYAAAAIAAAAAAAAAAAAAAA="/>
               </a:ext>
             </a:extLst>
           </p:cNvSpPr>
@@ -2119,7 +2119,7 @@
           <a:lstStyle/>
           <a:p>
             <a:pPr/>
-            <a:fld id="{3E459E4E-00D3-1068-9DFD-F63DD0B36BA3}" type="datetime1">
+            <a:fld id="{3E69FFF1-BFD3-3C09-9DD1-495CB19F6B1C}" type="datetime1">
               <a:t/>
             </a:fld>
           </a:p>
@@ -2132,7 +2132,7 @@
             <a:spLocks noGrp="1" noChangeArrowheads="1"/>
             <a:extLst>
               <a:ext uri="smNativeData">
-                <pr:smNativeData xmlns:pr="smNativeData" val="SMDATA_13_m5rdZRMAAAAlAAAAZAAAAA8BAAAAkAAAAEgAAACQAAAASAAAAAAAAAABAAAAAAAAAAEAAABQAAAAAAAAAAAA4D8AAAAAAADgPwAAAAAAAOA/AAAAAAAA4D8AAAAAAADgPwAAAAAAAOA/AAAAAAAA4D8AAAAAAADgPwAAAAAAAOA/AAAAAAAA4D8CAAAAjAAAAAAAAAAAAAAAu+DjDP///wgAAAAAAAAAAAAAAAAAAAAAAAAAAAAAAAAAAAAAZAAAAAEAAABAAAAAAAAAAAAAAAAAAAAAAAAAAAAAAAAAAAAAAAAAAAAAAAAAAAAAAAAAAAAAAAAAAAAAAAAAAAAAAAAAAAAAAAAAAAAAAAAAAAAAAAAAAAAAAAAAAAAAFAAAADwAAAAAAAAAAAAAAAAAAAkUAAAAAQAAABQAAAAUAAAAFAAAAAEAAAAAAAAAZAAAAGQAAAAAAAAAZAAAAGQAAAAVAAAAYAAAAAAAAAAAAAAADwAAACADAAAAAAAAAAAAAAEAAACgMgAAVgcAAKr4//8BAAAAf39/AAEAAABkAAAAAAAAABQAAABAHwAAAAAAACYAAAAAAAAAwOD//wAAAAAmAAAAZAAAABYAAABMAAAAAAAAAAAAAAAEAAAAAAAAAAEAAACAgIAKAAAAACgAAAAoAAAAZAAAAGQAAAAAAAAAzMzMAAAAAABQAAAAUAAAAGQAAABkAAAAAAAAABcAAAAUAAAAAAAAAAAAAAD/fwAA/38AAAAAAAAJAAAABAAAAAAAAAAMAAAAEAAAAAAAAAAAAAAAAAAAAAAAAAAeAAAAaAAAAAAAAAAAAAAAAAAAAAAAAAAAAAAAECcAABAnAAAAAAAAAAAAAAAAAAAAAAAAAAAAAAAAAAAAAAAAAAAAABQAAAAAAAAAwMD/AAAAAABkAAAAMgAAAAAAAABkAAAAAAAAAH9/fwAKAAAAHwAAAFQAAAAAAAAFAAAAAQAAAAAAAAAAAAAAAAAAAAAAAAAAAAAAAAAAAAAAAAAAAAAAAn9/fwAAAAADzMzMAMDA/wB/f38AAAAAAAAAAAAAAAAAAAAAAAAAAAAhAAAAGAAAABQAAAA4EwAAGycAAAglAABZKQAAEAAAACYAAAAIAAAAAAAAAAAAAAA="/>
+                <pr:smNativeData xmlns:pr="smNativeData" val="SMDATA_13_HSHgZRMAAAAlAAAAZAAAAA8BAAAAkAAAAEgAAACQAAAASAAAAAAAAAABAAAAAAAAAAEAAABQAAAAAAAAAAAA4D8AAAAAAADgPwAAAAAAAOA/AAAAAAAA4D8AAAAAAADgPwAAAAAAAOA/AAAAAAAA4D8AAAAAAADgPwAAAAAAAOA/AAAAAAAA4D8CAAAAjAAAAAAAAAAAAAAAu+DjDP///wgAAAAAAAAAAAAAAAAAAAAAAAAAAAAAAAAAAAAAZAAAAAEAAABAAAAAAAAAAAAAAAAAAAAAAAAAAAAAAAAAAAAAAAAAAAAAAAAAAAAAAAAAAAAAAAAAAAAAAAAAAAAAAAAAAAAAAAAAAAAAAAAAAAAAAAAAAAAAAAAAAAAAFAAAADwAAAAAAAAAAAAAAAAAAAkUAAAAAQAAABQAAAAUAAAAFAAAAAEAAAAAAAAAZAAAAGQAAAAAAAAAZAAAAGQAAAAVAAAAYAAAAAAAAAAAAAAADwAAACADAAAAAAAAAAAAAAEAAACgMgAAVgcAAKr4//8BAAAAf39/AAEAAABkAAAAAAAAABQAAABAHwAAAAAAACYAAAAAAAAAwOD//wAAAAAmAAAAZAAAABYAAABMAAAAAAAAAAAAAAAEAAAAAAAAAAEAAACAgIAKAAAAACgAAAAoAAAAZAAAAGQAAAAAAAAAzMzMAAAAAABQAAAAUAAAAGQAAABkAAAAAAAAABcAAAAUAAAAAAAAAAAAAAD/fwAA/38AAAAAAAAJAAAABAAAAAAAAAAMAAAAEAAAAAAAAAAAAAAAAAAAAAAAAAAeAAAAaAAAAAAAAAAAAAAAAAAAAAAAAAAAAAAAECcAABAnAAAAAAAAAAAAAAAAAAAAAAAAAAAAAAAAAAAAAAAAAAAAABQAAAAAAAAAwMD/AAAAAABkAAAAMgAAAAAAAABkAAAAAAAAAH9/fwAKAAAAHwAAAFQAAAAAAAAFAAAAAQAAAAAAAAAAAAAAAAAAAAAAAAAAAAAAAAAAAAAAAAAAAAAAAn9/fwAAAAADzMzMAMDA/wB/f38AAAAAAAAAAAAAAAAAAAAAAAAAAAAhAAAAGAAAABQAAAA4EwAAGycAAAglAABZKQAAEAAAACYAAAAIAAAAAAAAAAAAAAA="/>
               </a:ext>
             </a:extLst>
           </p:cNvSpPr>
@@ -2156,7 +2156,7 @@
             <a:spLocks noGrp="1" noChangeArrowheads="1"/>
             <a:extLst>
               <a:ext uri="smNativeData">
-                <pr:smNativeData xmlns:pr="smNativeData" val="SMDATA_13_m5rdZRMAAAAlAAAAZAAAAA8BAAAAkAAAAEgAAACQAAAASAAAAAAAAAABAAAAAAAAAAEAAABQAAAAAAAAAAAA4D8AAAAAAADgPwAAAAAAAOA/AAAAAAAA4D8AAAAAAADgPwAAAAAAAOA/AAAAAAAA4D8AAAAAAADgPwAAAAAAAOA/AAAAAAAA4D8CAAAAjAAAAAAAAAAAAAAAu+DjDP///wgAAAAAAAAAAAAAAAAAAAAAAAAAAAAAAAAAAAAAZAAAAAEAAABAAAAAAAAAAAAAAAAAAAAAAAAAAAAAAAAAAAAAAAAAAAAAAAAAAAAAAAAAAAAAAAAAAAAAAAAAAAAAAAAAAAAAAAAAAAAAAAAAAAAAAAAAAAAAAAAAAAAAFAAAADwAAAAAAAAAAAAAAAAAAAkUAAAAAQAAABQAAAAUAAAAFAAAAAEAAAAAAAAAZAAAAGQAAAAAAAAAZAAAAGQAAAAVAAAAYAAAAAAAAAAAAAAADwAAACADAAAAAAAAAAAAAAEAAACgMgAAVgcAAKr4//8BAAAAf39/AAEAAABkAAAAAAAAABQAAABAHwAAAAAAACYAAAAAAAAAwOD//wAAAAAmAAAAZAAAABYAAABMAAAAAAAAAAAAAAAEAAAAAAAAAAEAAACAgIAKAAAAACgAAAAoAAAAZAAAAGQAAAAAAAAAzMzMAAAAAABQAAAAUAAAAGQAAABkAAAAAAAAABcAAAAUAAAAAAAAAAAAAAD/fwAA/38AAAAAAAAJAAAABAAAAAAAAAAMAAAAEAAAAAAAAAAAAAAAAAAAAAAAAAAeAAAAaAAAAAAAAAAAAAAAAAAAAAAAAAAAAAAAECcAABAnAAAAAAAAAAAAAAAAAAAAAAAAAAAAAAAAAAAAAAAAAAAAABQAAAAAAAAAwMD/AAAAAABkAAAAMgAAAAAAAABkAAAAAAAAAH9/fwAKAAAAHwAAAFQAAAAAAAAFAAAAAQAAAAAAAAAAAAAAAAAAAAAAAAAAAAAAAAAAAAAAAAAAAAAAAn9/fwAAAAADzMzMAMDA/wB/f38AAAAAAAAAAAAAAAAAAAAAAAAAAAAhAAAAGAAAABQAAABQKAAAGycAAHA1AABZKQAAEAAAACYAAAAIAAAAAAAAAAAAAAA="/>
+                <pr:smNativeData xmlns:pr="smNativeData" val="SMDATA_13_HSHgZRMAAAAlAAAAZAAAAA8BAAAAkAAAAEgAAACQAAAASAAAAAAAAAABAAAAAAAAAAEAAABQAAAAAAAAAAAA4D8AAAAAAADgPwAAAAAAAOA/AAAAAAAA4D8AAAAAAADgPwAAAAAAAOA/AAAAAAAA4D8AAAAAAADgPwAAAAAAAOA/AAAAAAAA4D8CAAAAjAAAAAAAAAAAAAAAu+DjDP///wgAAAAAAAAAAAAAAAAAAAAAAAAAAAAAAAAAAAAAZAAAAAEAAABAAAAAAAAAAAAAAAAAAAAAAAAAAAAAAAAAAAAAAAAAAAAAAAAAAAAAAAAAAAAAAAAAAAAAAAAAAAAAAAAAAAAAAAAAAAAAAAAAAAAAAAAAAAAAAAAAAAAAFAAAADwAAAAAAAAAAAAAAAAAAAkUAAAAAQAAABQAAAAUAAAAFAAAAAEAAAAAAAAAZAAAAGQAAAAAAAAAZAAAAGQAAAAVAAAAYAAAAAAAAAAAAAAADwAAACADAAAAAAAAAAAAAAEAAACgMgAAVgcAAKr4//8BAAAAf39/AAEAAABkAAAAAAAAABQAAABAHwAAAAAAACYAAAAAAAAAwOD//wAAAAAmAAAAZAAAABYAAABMAAAAAAAAAAAAAAAEAAAAAAAAAAEAAACAgIAKAAAAACgAAAAoAAAAZAAAAGQAAAAAAAAAzMzMAAAAAABQAAAAUAAAAGQAAABkAAAAAAAAABcAAAAUAAAAAAAAAAAAAAD/fwAA/38AAAAAAAAJAAAABAAAAAAAAAAMAAAAEAAAAAAAAAAAAAAAAAAAAAAAAAAeAAAAaAAAAAAAAAAAAAAAAAAAAAAAAAAAAAAAECcAABAnAAAAAAAAAAAAAAAAAAAAAAAAAAAAAAAAAAAAAAAAAAAAABQAAAAAAAAAwMD/AAAAAABkAAAAMgAAAAAAAABkAAAAAAAAAH9/fwAKAAAAHwAAAFQAAAAAAAAFAAAAAQAAAAAAAAAAAAAAAAAAAAAAAAAAAAAAAAAAAAAAAAAAAAAAAn9/fwAAAAADzMzMAMDA/wB/f38AAAAAAAAAAAAAAAAAAAAAAAAAAAAhAAAAGAAAABQAAABQKAAAGycAAHA1AABZKQAAEAAAACYAAAAIAAAAAAAAAAAAAAA="/>
               </a:ext>
             </a:extLst>
           </p:cNvSpPr>
@@ -2170,7 +2170,7 @@
           <a:lstStyle/>
           <a:p>
             <a:pPr/>
-            <a:fld id="{3E45C5B1-FFD3-1033-9DFD-09668BB36B5C}" type="slidenum">
+            <a:fld id="{3E69BC82-CCD3-3C4A-9DD1-3A1FF29F6B6F}" type="slidenum">
               <a:t/>
             </a:fld>
           </a:p>
@@ -2208,7 +2208,7 @@
             <a:spLocks noGrp="1" noChangeArrowheads="1"/>
             <a:extLst>
               <a:ext uri="smNativeData">
-                <pr:smNativeData xmlns:pr="smNativeData" val="SMDATA_13_m5rdZRMAAAAlAAAAZAAAAA8BAAAAkAAAAEgAAACQAAAASAAAAAAAAAACAAAAAAAAAAEAAABQAAAAAAAAAAAA4D8AAAAAAADgPwAAAAAAAOA/AAAAAAAA4D8AAAAAAADgPwAAAAAAAOA/AAAAAAAA4D8AAAAAAADgPwAAAAAAAOA/AAAAAAAA4D8CAAAAjAAAAAAAAAAAAAAAu+DjDP///wgAAAAAAAAAAAAAAAAAAAAAAAAAAAAAAAAAAAAAZAAAAAEAAABAAAAAAAAAAAAAAAAAAAAAAAAAAAAAAAAAAAAAAAAAAAAAAAAAAAAAAAAAAAAAAAAAAAAAAAAAAAAAAAAAAAAAAAAAAAAAAAAAAAAAAAAAAAAAAAAAAAAAFAAAADwAAAAAAAAAAAAAAAAAAAkUAAAAAQAAABQAAAAUAAAAFAAAAAEAAAAAAAAAZAAAAGQAAAAAAAAAZAAAAGQAAAAVAAAAYAAAAAAAAAAAAAAADwAAACADAAAAAAAAAAAAAAEAAACgMgAAVgcAAKr4//8BAAAAf39/AAEAAABkAAAAAAAAABQAAABAHwAAAAAAACYAAAAAAAAAwOD//wAAAAAmAAAAZAAAABYAAABMAAAAAAAAAAAAAAAEAAAAAAAAAAEAAACAgIAKAAAAACgAAAAoAAAAZAAAAGQAAAAAAAAAzMzMAAAAAABQAAAAUAAAAGQAAABkAAAAAAAAABcAAAAUAAAAAAAAAAAAAAD/fwAA/38AAAAAAAAJAAAABAAAAAAAAAAMAAAAEAAAAAAAAAAAAAAAAAAAAAAAAAAeAAAAaAAAAAAAAAAAAAAAAAAAAAAAAAAAAAAAECcAABAnAAAAAAAAAAAAAAAAAAAAAAAAAAAAAAAAAAAAAAAAAAAAABQAAAAAAAAAwMD/AAAAAABkAAAAMgAAAAAAAABkAAAAAAAAAH9/fwAKAAAAHwAAAFQAAAAAAAAFAAAAAQAAAAAAAAAAAAAAAAAAAAAAAAAAAAAAAAAAAAAAAAAAAAAAAn9/fwAAAAADzMzMAMDA/wB/f38AAAAAAAAAAAAAAAAAAAAAAAAAAAAhAAAAGAAAABQAAADQAgAArgEAAFIVAADUCAAAEAAAACYAAAAIAAAAgYAAAAAAAAA="/>
+                <pr:smNativeData xmlns:pr="smNativeData" val="SMDATA_13_HSHgZRMAAAAlAAAAZAAAAA8BAAAAkAAAAEgAAACQAAAASAAAAAAAAAACAAAAAAAAAAEAAABQAAAAAAAAAAAA4D8AAAAAAADgPwAAAAAAAOA/AAAAAAAA4D8AAAAAAADgPwAAAAAAAOA/AAAAAAAA4D8AAAAAAADgPwAAAAAAAOA/AAAAAAAA4D8CAAAAjAAAAAAAAAAAAAAAu+DjDP///wgAAAAAAAAAAAAAAAAAAAAAAAAAAAAAAAAAAAAAZAAAAAEAAABAAAAAAAAAAAAAAAAAAAAAAAAAAAAAAAAAAAAAAAAAAAAAAAAAAAAAAAAAAAAAAAAAAAAAAAAAAAAAAAAAAAAAAAAAAAAAAAAAAAAAAAAAAAAAAAAAAAAAFAAAADwAAAAAAAAAAAAAAAAAAAkUAAAAAQAAABQAAAAUAAAAFAAAAAEAAAAAAAAAZAAAAGQAAAAAAAAAZAAAAGQAAAAVAAAAYAAAAAAAAAAAAAAADwAAACADAAAAAAAAAAAAAAEAAACgMgAAVgcAAKr4//8BAAAAf39/AAEAAABkAAAAAAAAABQAAABAHwAAAAAAACYAAAAAAAAAwOD//wAAAAAmAAAAZAAAABYAAABMAAAAAAAAAAAAAAAEAAAAAAAAAAEAAACAgIAKAAAAACgAAAAoAAAAZAAAAGQAAAAAAAAAzMzMAAAAAABQAAAAUAAAAGQAAABkAAAAAAAAABcAAAAUAAAAAAAAAAAAAAD/fwAA/38AAAAAAAAJAAAABAAAAAAAAAAMAAAAEAAAAAAAAAAAAAAAAAAAAAAAAAAeAAAAaAAAAAAAAAAAAAAAAAAAAAAAAAAAAAAAECcAABAnAAAAAAAAAAAAAAAAAAAAAAAAAAAAAAAAAAAAAAAAAAAAABQAAAAAAAAAwMD/AAAAAABkAAAAMgAAAAAAAABkAAAAAAAAAH9/fwAKAAAAHwAAAFQAAAAAAAAFAAAAAQAAAAAAAAAAAAAAAAAAAAAAAAAAAAAAAAAAAAAAAAAAAAAAAn9/fwAAAAADzMzMAMDA/wB/f38AAAAAAAAAAAAAAAAAAAAAAAAAAAAhAAAAGAAAABQAAADQAgAArgEAAFIVAADUCAAAEAAAACYAAAAIAAAAgYAAAAAAAAA="/>
               </a:ext>
             </a:extLst>
           </p:cNvSpPr>
@@ -2248,7 +2248,7 @@
             <a:spLocks noGrp="1" noChangeArrowheads="1"/>
             <a:extLst>
               <a:ext uri="smNativeData">
-                <pr:smNativeData xmlns:pr="smNativeData" val="SMDATA_13_m5rdZRMAAAAlAAAAZAAAAA8BAAAAkAAAAEgAAACQAAAASAAAAAAAAAAAAAAAAAAAAAEAAABQAAAAAAAAAAAA4D8AAAAAAADgPwAAAAAAAOA/AAAAAAAA4D8AAAAAAADgPwAAAAAAAOA/AAAAAAAA4D8AAAAAAADgPwAAAAAAAOA/AAAAAAAA4D8CAAAAjAAAAAAAAAAAAAAAu+DjDP///wgAAAAAAAAAAAAAAAAAAAAAAAAAAAAAAAAAAAAAZAAAAAEAAABAAAAAAAAAAAAAAAAAAAAAAAAAAAAAAAAAAAAAAAAAAAAAAAAAAAAAAAAAAAAAAAAAAAAAAAAAAAAAAAAAAAAAAAAAAAAAAAAAAAAAAAAAAAAAAAAAAAAAFAAAADwAAAAAAAAAAAAAAAAAAAkUAAAAAQAAABQAAAAUAAAAFAAAAAEAAAAAAAAAZAAAAGQAAAAAAAAAZAAAAGQAAAAVAAAAYAAAAAAAAAAAAAAADwAAACADAAAAAAAAAAAAAAEAAACgMgAAVgcAAKr4//8BAAAAf39/AAEAAABkAAAAAAAAABQAAABAHwAAAAAAACYAAAAAAAAAwOD//wAAAAAmAAAAZAAAABYAAABMAAAAAAAAAAAAAAAEAAAAAAAAAAEAAACAgIAKAAAAACgAAAAoAAAAZAAAAGQAAAAAAAAAzMzMAAAAAABQAAAAUAAAAGQAAABkAAAAAAAAABcAAAAUAAAAAAAAAAAAAAD/fwAA/38AAAAAAAAJAAAABAAAAAAAAAAMAAAAEAAAAAAAAAAAAAAAAAAAAAAAAAAeAAAAaAAAAAAAAAAAAAAAAAAAAAAAAAAAAAAAECcAABAnAAAAAAAAAAAAAAAAAAAAAAAAAAAAAAAAAAAAAAAAAAAAABQAAAAAAAAAwMD/AAAAAABkAAAAMgAAAAAAAABkAAAAAAAAAH9/fwAKAAAAHwAAAFQAAAAAAAAFAAAAAQAAAAAAAAAAAAAAAAAAAAAAAAAAAAAAAAAAAAAAAAAAAAAAAn9/fwAAAAADzMzMAMDA/wB/f38AAAAAAAAAAAAAAAAAAAAAAAAAAAAhAAAAGAAAABQAAAD+FQAArgEAAHA1AACwJQAAEAAAACYAAAAIAAAAAYAAAAAAAAA="/>
+                <pr:smNativeData xmlns:pr="smNativeData" val="SMDATA_13_HSHgZRMAAAAlAAAAZAAAAA8BAAAAkAAAAEgAAACQAAAASAAAAAAAAAAAAAAAAAAAAAEAAABQAAAAAAAAAAAA4D8AAAAAAADgPwAAAAAAAOA/AAAAAAAA4D8AAAAAAADgPwAAAAAAAOA/AAAAAAAA4D8AAAAAAADgPwAAAAAAAOA/AAAAAAAA4D8CAAAAjAAAAAAAAAAAAAAAu+DjDP///wgAAAAAAAAAAAAAAAAAAAAAAAAAAAAAAAAAAAAAZAAAAAEAAABAAAAAAAAAAAAAAAAAAAAAAAAAAAAAAAAAAAAAAAAAAAAAAAAAAAAAAAAAAAAAAAAAAAAAAAAAAAAAAAAAAAAAAAAAAAAAAAAAAAAAAAAAAAAAAAAAAAAAFAAAADwAAAAAAAAAAAAAAAAAAAkUAAAAAQAAABQAAAAUAAAAFAAAAAEAAAAAAAAAZAAAAGQAAAAAAAAAZAAAAGQAAAAVAAAAYAAAAAAAAAAAAAAADwAAACADAAAAAAAAAAAAAAEAAACgMgAAVgcAAKr4//8BAAAAf39/AAEAAABkAAAAAAAAABQAAABAHwAAAAAAACYAAAAAAAAAwOD//wAAAAAmAAAAZAAAABYAAABMAAAAAAAAAAAAAAAEAAAAAAAAAAEAAACAgIAKAAAAACgAAAAoAAAAZAAAAGQAAAAAAAAAzMzMAAAAAABQAAAAUAAAAGQAAABkAAAAAAAAABcAAAAUAAAAAAAAAAAAAAD/fwAA/38AAAAAAAAJAAAABAAAAAAAAAAMAAAAEAAAAAAAAAAAAAAAAAAAAAAAAAAeAAAAaAAAAAAAAAAAAAAAAAAAAAAAAAAAAAAAECcAABAnAAAAAAAAAAAAAAAAAAAAAAAAAAAAAAAAAAAAAAAAAAAAABQAAAAAAAAAwMD/AAAAAABkAAAAMgAAAAAAAABkAAAAAAAAAH9/fwAKAAAAHwAAAFQAAAAAAAAFAAAAAQAAAAAAAAAAAAAAAAAAAAAAAAAAAAAAAAAAAAAAAAAAAAAAAn9/fwAAAAADzMzMAMDA/wB/f38AAAAAAAAAAAAAAAAAAAAAAAAAAAAhAAAAGAAAABQAAAD+FQAArgEAAHA1AACwJQAAEAAAACYAAAAIAAAAAYAAAAAAAAA="/>
               </a:ext>
             </a:extLst>
           </p:cNvSpPr>
@@ -2332,7 +2332,7 @@
             <a:spLocks noGrp="1" noChangeArrowheads="1"/>
             <a:extLst>
               <a:ext uri="smNativeData">
-                <pr:smNativeData xmlns:pr="smNativeData" val="SMDATA_13_m5rdZRMAAAAlAAAAZAAAAA8BAAAAkAAAAEgAAACQAAAASAAAAAAAAAAAAAAAAAAAAAEAAABQAAAAAAAAAAAA4D8AAAAAAADgPwAAAAAAAOA/AAAAAAAA4D8AAAAAAADgPwAAAAAAAOA/AAAAAAAA4D8AAAAAAADgPwAAAAAAAOA/AAAAAAAA4D8CAAAAjAAAAAAAAAAAAAAAu+DjDP///wgAAAAAAAAAAAAAAAAAAAAAAAAAAAAAAAAAAAAAZAAAAAEAAABAAAAAAAAAAAAAAAAAAAAAAAAAAAAAAAAAAAAAAAAAAAAAAAAAAAAAAAAAAAAAAAAAAAAAAAAAAAAAAAAAAAAAAAAAAAAAAAAAAAAAAAAAAAAAAAAAAAAAFAAAADwAAAAAAAAAAAAAAAAAAAkUAAAAAQAAABQAAAAUAAAAFAAAAAEAAAAAAAAAZAAAAGQAAAAAAAAAZAAAAGQAAAAVAAAAYAAAAAAAAAAAAAAADwAAACADAAAAAAAAAAAAAAEAAACgMgAAVgcAAKr4//8BAAAAf39/AAEAAABkAAAAAAAAABQAAABAHwAAAAAAACYAAAAAAAAAwOD//wAAAAAmAAAAZAAAABYAAABMAAAAAAAAAAAAAAAEAAAAAAAAAAEAAACAgIAKAAAAACgAAAAoAAAAZAAAAGQAAAAAAAAAzMzMAAAAAABQAAAAUAAAAGQAAABkAAAAAAAAABcAAAAUAAAAAAAAAAAAAAD/fwAA/38AAAAAAAAJAAAABAAAAAAAAAAMAAAAEAAAAAAAAAAAAAAAAAAAAAAAAAAeAAAAaAAAAAAAAAAAAAAAAAAAAAAAAAAAAAAAECcAABAnAAAAAAAAAAAAAAAAAAAAAAAAAAAAAAAAAAAAAAAAAAAAABQAAAAAAAAAwMD/AAAAAABkAAAAMgAAAAAAAABkAAAAAAAAAH9/fwAKAAAAHwAAAFQAAAAAAAAFAAAAAQAAAAAAAAAAAAAAAAAAAAAAAAAAAAAAAAAAAAAAAAAAAAAAAn9/fwAAAAADzMzMAMDA/wB/f38AAAAAAAAAAAAAAAAAAAAAAAAAAAAhAAAAGAAAABQAAADQAgAA1AgAAFIVAACwJQAAEAAAACYAAAAIAAAAAYAAAAAAAAA="/>
+                <pr:smNativeData xmlns:pr="smNativeData" val="SMDATA_13_HSHgZRMAAAAlAAAAZAAAAA8BAAAAkAAAAEgAAACQAAAASAAAAAAAAAAAAAAAAAAAAAEAAABQAAAAAAAAAAAA4D8AAAAAAADgPwAAAAAAAOA/AAAAAAAA4D8AAAAAAADgPwAAAAAAAOA/AAAAAAAA4D8AAAAAAADgPwAAAAAAAOA/AAAAAAAA4D8CAAAAjAAAAAAAAAAAAAAAu+DjDP///wgAAAAAAAAAAAAAAAAAAAAAAAAAAAAAAAAAAAAAZAAAAAEAAABAAAAAAAAAAAAAAAAAAAAAAAAAAAAAAAAAAAAAAAAAAAAAAAAAAAAAAAAAAAAAAAAAAAAAAAAAAAAAAAAAAAAAAAAAAAAAAAAAAAAAAAAAAAAAAAAAAAAAFAAAADwAAAAAAAAAAAAAAAAAAAkUAAAAAQAAABQAAAAUAAAAFAAAAAEAAAAAAAAAZAAAAGQAAAAAAAAAZAAAAGQAAAAVAAAAYAAAAAAAAAAAAAAADwAAACADAAAAAAAAAAAAAAEAAACgMgAAVgcAAKr4//8BAAAAf39/AAEAAABkAAAAAAAAABQAAABAHwAAAAAAACYAAAAAAAAAwOD//wAAAAAmAAAAZAAAABYAAABMAAAAAAAAAAAAAAAEAAAAAAAAAAEAAACAgIAKAAAAACgAAAAoAAAAZAAAAGQAAAAAAAAAzMzMAAAAAABQAAAAUAAAAGQAAABkAAAAAAAAABcAAAAUAAAAAAAAAAAAAAD/fwAA/38AAAAAAAAJAAAABAAAAAAAAAAMAAAAEAAAAAAAAAAAAAAAAAAAAAAAAAAeAAAAaAAAAAAAAAAAAAAAAAAAAAAAAAAAAAAAECcAABAnAAAAAAAAAAAAAAAAAAAAAAAAAAAAAAAAAAAAAAAAAAAAABQAAAAAAAAAwMD/AAAAAABkAAAAMgAAAAAAAABkAAAAAAAAAH9/fwAKAAAAHwAAAFQAAAAAAAAFAAAAAQAAAAAAAAAAAAAAAAAAAAAAAAAAAAAAAAAAAAAAAAAAAAAAAn9/fwAAAAADzMzMAMDA/wB/f38AAAAAAAAAAAAAAAAAAAAAAAAAAAAhAAAAGAAAABQAAADQAgAA1AgAAFIVAACwJQAAEAAAACYAAAAIAAAAAYAAAAAAAAA="/>
               </a:ext>
             </a:extLst>
           </p:cNvSpPr>
@@ -2401,7 +2401,7 @@
             <a:spLocks noGrp="1" noChangeArrowheads="1"/>
             <a:extLst>
               <a:ext uri="smNativeData">
-                <pr:smNativeData xmlns:pr="smNativeData" val="SMDATA_13_m5rdZRMAAAAlAAAAZAAAAA8BAAAAkAAAAEgAAACQAAAASAAAAAAAAAABAAAAAAAAAAEAAABQAAAAAAAAAAAA4D8AAAAAAADgPwAAAAAAAOA/AAAAAAAA4D8AAAAAAADgPwAAAAAAAOA/AAAAAAAA4D8AAAAAAADgPwAAAAAAAOA/AAAAAAAA4D8CAAAAjAAAAAAAAAAAAAAAu+DjDP///wgAAAAAAAAAAAAAAAAAAAAAAAAAAAAAAAAAAAAAZAAAAAEAAABAAAAAAAAAAAAAAAAAAAAAAAAAAAAAAAAAAAAAAAAAAAAAAAAAAAAAAAAAAAAAAAAAAAAAAAAAAAAAAAAAAAAAAAAAAAAAAAAAAAAAAAAAAAAAAAAAAAAAFAAAADwAAAAAAAAAAAAAAAAAAAkUAAAAAQAAABQAAAAUAAAAFAAAAAEAAAAAAAAAZAAAAGQAAAAAAAAAZAAAAGQAAAAVAAAAYAAAAAAAAAAAAAAADwAAACADAAAAAAAAAAAAAAEAAACgMgAAVgcAAKr4//8BAAAAf39/AAEAAABkAAAAAAAAABQAAABAHwAAAAAAACYAAAAAAAAAwOD//wAAAAAmAAAAZAAAABYAAABMAAAAAAAAAAAAAAAEAAAAAAAAAAEAAACAgIAKAAAAACgAAAAoAAAAZAAAAGQAAAAAAAAAzMzMAAAAAABQAAAAUAAAAGQAAABkAAAAAAAAABcAAAAUAAAAAAAAAAAAAAD/fwAA/38AAAAAAAAJAAAABAAAAAAAAAAMAAAAEAAAAAAAAAAAAAAAAAAAAAAAAAAeAAAAaAAAAAAAAAAAAAAAAAAAAAAAAAAAAAAAECcAABAnAAAAAAAAAAAAAAAAAAAAAAAAAAAAAAAAAAAAAAAAAAAAABQAAAAAAAAAwMD/AAAAAABkAAAAMgAAAAAAAABkAAAAAAAAAH9/fwAKAAAAHwAAAFQAAAAAAAAFAAAAAQAAAAAAAAAAAAAAAAAAAAAAAAAAAAAAAAAAAAAAAAAAAAAAAn9/fwAAAAADzMzMAMDA/wB/f38AAAAAAAAAAAAAAAAAAAAAAAAAAAAhAAAAGAAAABQAAADQAgAAGycAAPAPAABZKQAAEAAAACYAAAAIAAAAAAAAAAAAAAA="/>
+                <pr:smNativeData xmlns:pr="smNativeData" val="SMDATA_13_HSHgZRMAAAAlAAAAZAAAAA8BAAAAkAAAAEgAAACQAAAASAAAAAAAAAABAAAAAAAAAAEAAABQAAAAAAAAAAAA4D8AAAAAAADgPwAAAAAAAOA/AAAAAAAA4D8AAAAAAADgPwAAAAAAAOA/AAAAAAAA4D8AAAAAAADgPwAAAAAAAOA/AAAAAAAA4D8CAAAAjAAAAAAAAAAAAAAAu+DjDP///wgAAAAAAAAAAAAAAAAAAAAAAAAAAAAAAAAAAAAAZAAAAAEAAABAAAAAAAAAAAAAAAAAAAAAAAAAAAAAAAAAAAAAAAAAAAAAAAAAAAAAAAAAAAAAAAAAAAAAAAAAAAAAAAAAAAAAAAAAAAAAAAAAAAAAAAAAAAAAAAAAAAAAFAAAADwAAAAAAAAAAAAAAAAAAAkUAAAAAQAAABQAAAAUAAAAFAAAAAEAAAAAAAAAZAAAAGQAAAAAAAAAZAAAAGQAAAAVAAAAYAAAAAAAAAAAAAAADwAAACADAAAAAAAAAAAAAAEAAACgMgAAVgcAAKr4//8BAAAAf39/AAEAAABkAAAAAAAAABQAAABAHwAAAAAAACYAAAAAAAAAwOD//wAAAAAmAAAAZAAAABYAAABMAAAAAAAAAAAAAAAEAAAAAAAAAAEAAACAgIAKAAAAACgAAAAoAAAAZAAAAGQAAAAAAAAAzMzMAAAAAABQAAAAUAAAAGQAAABkAAAAAAAAABcAAAAUAAAAAAAAAAAAAAD/fwAA/38AAAAAAAAJAAAABAAAAAAAAAAMAAAAEAAAAAAAAAAAAAAAAAAAAAAAAAAeAAAAaAAAAAAAAAAAAAAAAAAAAAAAAAAAAAAAECcAABAnAAAAAAAAAAAAAAAAAAAAAAAAAAAAAAAAAAAAAAAAAAAAABQAAAAAAAAAwMD/AAAAAABkAAAAMgAAAAAAAABkAAAAAAAAAH9/fwAKAAAAHwAAAFQAAAAAAAAFAAAAAQAAAAAAAAAAAAAAAAAAAAAAAAAAAAAAAAAAAAAAAAAAAAAAAn9/fwAAAAADzMzMAMDA/wB/f38AAAAAAAAAAAAAAAAAAAAAAAAAAAAhAAAAGAAAABQAAADQAgAAGycAAPAPAABZKQAAEAAAACYAAAAIAAAAAAAAAAAAAAA="/>
               </a:ext>
             </a:extLst>
           </p:cNvSpPr>
@@ -2415,7 +2415,7 @@
           <a:lstStyle/>
           <a:p>
             <a:pPr/>
-            <a:fld id="{3E45E933-7DD3-101F-9DFD-8B4AA7B36BDE}" type="datetime1">
+            <a:fld id="{3E699ED8-96D3-3C68-9DD1-603DD09F6B35}" type="datetime1">
               <a:t/>
             </a:fld>
           </a:p>
@@ -2428,7 +2428,7 @@
             <a:spLocks noGrp="1" noChangeArrowheads="1"/>
             <a:extLst>
               <a:ext uri="smNativeData">
-                <pr:smNativeData xmlns:pr="smNativeData" val="SMDATA_13_m5rdZRMAAAAlAAAAZAAAAA8BAAAAkAAAAEgAAACQAAAASAAAAAAAAAABAAAAAAAAAAEAAABQAAAAAAAAAAAA4D8AAAAAAADgPwAAAAAAAOA/AAAAAAAA4D8AAAAAAADgPwAAAAAAAOA/AAAAAAAA4D8AAAAAAADgPwAAAAAAAOA/AAAAAAAA4D8CAAAAjAAAAAAAAAAAAAAAu+DjDP///wgAAAAAAAAAAAAAAAAAAAAAAAAAAAAAAAAAAAAAZAAAAAEAAABAAAAAAAAAAAAAAAAAAAAAAAAAAAAAAAAAAAAAAAAAAAAAAAAAAAAAAAAAAAAAAAAAAAAAAAAAAAAAAAAAAAAAAAAAAAAAAAAAAAAAAAAAAAAAAAAAAAAAFAAAADwAAAAAAAAAAAAAAAAAAAkUAAAAAQAAABQAAAAUAAAAFAAAAAEAAAAAAAAAZAAAAGQAAAAAAAAAZAAAAGQAAAAVAAAAYAAAAAAAAAAAAAAADwAAACADAAAAAAAAAAAAAAEAAACgMgAAVgcAAKr4//8BAAAAf39/AAEAAABkAAAAAAAAABQAAABAHwAAAAAAACYAAAAAAAAAwOD//wAAAAAmAAAAZAAAABYAAABMAAAAAAAAAAAAAAAEAAAAAAAAAAEAAACAgIAKAAAAACgAAAAoAAAAZAAAAGQAAAAAAAAAzMzMAAAAAABQAAAAUAAAAGQAAABkAAAAAAAAABcAAAAUAAAAAAAAAAAAAAD/fwAA/38AAAAAAAAJAAAABAAAAAAAAAAMAAAAEAAAAAAAAAAAAAAAAAAAAAAAAAAeAAAAaAAAAAAAAAAAAAAAAAAAAAAAAAAAAAAAECcAABAnAAAAAAAAAAAAAAAAAAAAAAAAAAAAAAAAAAAAAAAAAAAAABQAAAAAAAAAwMD/AAAAAABkAAAAMgAAAAAAAABkAAAAAAAAAH9/fwAKAAAAHwAAAFQAAAAAAAAFAAAAAQAAAAAAAAAAAAAAAAAAAAAAAAAAAAAAAAAAAAAAAAAAAAAAAn9/fwAAAAADzMzMAMDA/wB/f38AAAAAAAAAAAAAAAAAAAAAAAAAAAAhAAAAGAAAABQAAAA4EwAAGycAAAglAABZKQAAEAAAACYAAAAIAAAAAAAAAAAAAAA="/>
+                <pr:smNativeData xmlns:pr="smNativeData" val="SMDATA_13_HSHgZRMAAAAlAAAAZAAAAA8BAAAAkAAAAEgAAACQAAAASAAAAAAAAAABAAAAAAAAAAEAAABQAAAAAAAAAAAA4D8AAAAAAADgPwAAAAAAAOA/AAAAAAAA4D8AAAAAAADgPwAAAAAAAOA/AAAAAAAA4D8AAAAAAADgPwAAAAAAAOA/AAAAAAAA4D8CAAAAjAAAAAAAAAAAAAAAu+DjDP///wgAAAAAAAAAAAAAAAAAAAAAAAAAAAAAAAAAAAAAZAAAAAEAAABAAAAAAAAAAAAAAAAAAAAAAAAAAAAAAAAAAAAAAAAAAAAAAAAAAAAAAAAAAAAAAAAAAAAAAAAAAAAAAAAAAAAAAAAAAAAAAAAAAAAAAAAAAAAAAAAAAAAAFAAAADwAAAAAAAAAAAAAAAAAAAkUAAAAAQAAABQAAAAUAAAAFAAAAAEAAAAAAAAAZAAAAGQAAAAAAAAAZAAAAGQAAAAVAAAAYAAAAAAAAAAAAAAADwAAACADAAAAAAAAAAAAAAEAAACgMgAAVgcAAKr4//8BAAAAf39/AAEAAABkAAAAAAAAABQAAABAHwAAAAAAACYAAAAAAAAAwOD//wAAAAAmAAAAZAAAABYAAABMAAAAAAAAAAAAAAAEAAAAAAAAAAEAAACAgIAKAAAAACgAAAAoAAAAZAAAAGQAAAAAAAAAzMzMAAAAAABQAAAAUAAAAGQAAABkAAAAAAAAABcAAAAUAAAAAAAAAAAAAAD/fwAA/38AAAAAAAAJAAAABAAAAAAAAAAMAAAAEAAAAAAAAAAAAAAAAAAAAAAAAAAeAAAAaAAAAAAAAAAAAAAAAAAAAAAAAAAAAAAAECcAABAnAAAAAAAAAAAAAAAAAAAAAAAAAAAAAAAAAAAAAAAAAAAAABQAAAAAAAAAwMD/AAAAAABkAAAAMgAAAAAAAABkAAAAAAAAAH9/fwAKAAAAHwAAAFQAAAAAAAAFAAAAAQAAAAAAAAAAAAAAAAAAAAAAAAAAAAAAAAAAAAAAAAAAAAAAAn9/fwAAAAADzMzMAMDA/wB/f38AAAAAAAAAAAAAAAAAAAAAAAAAAAAhAAAAGAAAABQAAAA4EwAAGycAAAglAABZKQAAEAAAACYAAAAIAAAAAAAAAAAAAAA="/>
               </a:ext>
             </a:extLst>
           </p:cNvSpPr>
@@ -2452,7 +2452,7 @@
             <a:spLocks noGrp="1" noChangeArrowheads="1"/>
             <a:extLst>
               <a:ext uri="smNativeData">
-                <pr:smNativeData xmlns:pr="smNativeData" val="SMDATA_13_m5rdZRMAAAAlAAAAZAAAAA8BAAAAkAAAAEgAAACQAAAASAAAAAAAAAABAAAAAAAAAAEAAABQAAAAAAAAAAAA4D8AAAAAAADgPwAAAAAAAOA/AAAAAAAA4D8AAAAAAADgPwAAAAAAAOA/AAAAAAAA4D8AAAAAAADgPwAAAAAAAOA/AAAAAAAA4D8CAAAAjAAAAAAAAAAAAAAAu+DjDP///wgAAAAAAAAAAAAAAAAAAAAAAAAAAAAAAAAAAAAAZAAAAAEAAABAAAAAAAAAAAAAAAAAAAAAAAAAAAAAAAAAAAAAAAAAAAAAAAAAAAAAAAAAAAAAAAAAAAAAAAAAAAAAAAAAAAAAAAAAAAAAAAAAAAAAAAAAAAAAAAAAAAAAFAAAADwAAAAAAAAAAAAAAAAAAAkUAAAAAQAAABQAAAAUAAAAFAAAAAEAAAAAAAAAZAAAAGQAAAAAAAAAZAAAAGQAAAAVAAAAYAAAAAAAAAAAAAAADwAAACADAAAAAAAAAAAAAAEAAACgMgAAVgcAAKr4//8BAAAAf39/AAEAAABkAAAAAAAAABQAAABAHwAAAAAAACYAAAAAAAAAwOD//wAAAAAmAAAAZAAAABYAAABMAAAAAAAAAAAAAAAEAAAAAAAAAAEAAACAgIAKAAAAACgAAAAoAAAAZAAAAGQAAAAAAAAAzMzMAAAAAABQAAAAUAAAAGQAAABkAAAAAAAAABcAAAAUAAAAAAAAAAAAAAD/fwAA/38AAAAAAAAJAAAABAAAAAAAAAAMAAAAEAAAAAAAAAAAAAAAAAAAAAAAAAAeAAAAaAAAAAAAAAAAAAAAAAAAAAAAAAAAAAAAECcAABAnAAAAAAAAAAAAAAAAAAAAAAAAAAAAAAAAAAAAAAAAAAAAABQAAAAAAAAAwMD/AAAAAABkAAAAMgAAAAAAAABkAAAAAAAAAH9/fwAKAAAAHwAAAFQAAAAAAAAFAAAAAQAAAAAAAAAAAAAAAAAAAAAAAAAAAAAAAAAAAAAAAAAAAAAAAn9/fwAAAAADzMzMAMDA/wB/f38AAAAAAAAAAAAAAAAAAAAAAAAAAAAhAAAAGAAAABQAAABQKAAAGycAAHA1AABZKQAAEAAAACYAAAAIAAAAAAAAAAAAAAA="/>
+                <pr:smNativeData xmlns:pr="smNativeData" val="SMDATA_13_HSHgZRMAAAAlAAAAZAAAAA8BAAAAkAAAAEgAAACQAAAASAAAAAAAAAABAAAAAAAAAAEAAABQAAAAAAAAAAAA4D8AAAAAAADgPwAAAAAAAOA/AAAAAAAA4D8AAAAAAADgPwAAAAAAAOA/AAAAAAAA4D8AAAAAAADgPwAAAAAAAOA/AAAAAAAA4D8CAAAAjAAAAAAAAAAAAAAAu+DjDP///wgAAAAAAAAAAAAAAAAAAAAAAAAAAAAAAAAAAAAAZAAAAAEAAABAAAAAAAAAAAAAAAAAAAAAAAAAAAAAAAAAAAAAAAAAAAAAAAAAAAAAAAAAAAAAAAAAAAAAAAAAAAAAAAAAAAAAAAAAAAAAAAAAAAAAAAAAAAAAAAAAAAAAFAAAADwAAAAAAAAAAAAAAAAAAAkUAAAAAQAAABQAAAAUAAAAFAAAAAEAAAAAAAAAZAAAAGQAAAAAAAAAZAAAAGQAAAAVAAAAYAAAAAAAAAAAAAAADwAAACADAAAAAAAAAAAAAAEAAACgMgAAVgcAAKr4//8BAAAAf39/AAEAAABkAAAAAAAAABQAAABAHwAAAAAAACYAAAAAAAAAwOD//wAAAAAmAAAAZAAAABYAAABMAAAAAAAAAAAAAAAEAAAAAAAAAAEAAACAgIAKAAAAACgAAAAoAAAAZAAAAGQAAAAAAAAAzMzMAAAAAABQAAAAUAAAAGQAAABkAAAAAAAAABcAAAAUAAAAAAAAAAAAAAD/fwAA/38AAAAAAAAJAAAABAAAAAAAAAAMAAAAEAAAAAAAAAAAAAAAAAAAAAAAAAAeAAAAaAAAAAAAAAAAAAAAAAAAAAAAAAAAAAAAECcAABAnAAAAAAAAAAAAAAAAAAAAAAAAAAAAAAAAAAAAAAAAAAAAABQAAAAAAAAAwMD/AAAAAABkAAAAMgAAAAAAAABkAAAAAAAAAH9/fwAKAAAAHwAAAFQAAAAAAAAFAAAAAQAAAAAAAAAAAAAAAAAAAAAAAAAAAAAAAAAAAAAAAAAAAAAAAn9/fwAAAAADzMzMAMDA/wB/f38AAAAAAAAAAAAAAAAAAAAAAAAAAAAhAAAAGAAAABQAAABQKAAAGycAAHA1AABZKQAAEAAAACYAAAAIAAAAAAAAAAAAAAA="/>
               </a:ext>
             </a:extLst>
           </p:cNvSpPr>
@@ -2466,7 +2466,7 @@
           <a:lstStyle/>
           <a:p>
             <a:pPr/>
-            <a:fld id="{3E45F85A-14D3-100E-9DFD-E25BB6B36BB7}" type="slidenum">
+            <a:fld id="{3E69E644-0AD3-3C10-9DD1-FC45A89F6BA9}" type="slidenum">
               <a:t/>
             </a:fld>
           </a:p>
@@ -2504,7 +2504,7 @@
             <a:spLocks noGrp="1" noChangeArrowheads="1"/>
             <a:extLst>
               <a:ext uri="smNativeData">
-                <pr:smNativeData xmlns:pr="smNativeData" val="SMDATA_13_m5rdZRMAAAAlAAAAZAAAAA8BAAAAkAAAAEgAAACQAAAASAAAAAAAAAACAAAAAAAAAAEAAABQAAAAAAAAAAAA4D8AAAAAAADgPwAAAAAAAOA/AAAAAAAA4D8AAAAAAADgPwAAAAAAAOA/AAAAAAAA4D8AAAAAAADgPwAAAAAAAOA/AAAAAAAA4D8CAAAAjAAAAAAAAAAAAAAAu+DjDP///wgAAAAAAAAAAAAAAAAAAAAAAAAAAAAAAAAAAAAAZAAAAAEAAABAAAAAAAAAAAAAAAAAAAAAAAAAAAAAAAAAAAAAAAAAAAAAAAAAAAAAAAAAAAAAAAAAAAAAAAAAAAAAAAAAAAAAAAAAAAAAAAAAAAAAAAAAAAAAAAAAAAAAFAAAADwAAAAAAAAAAAAAAAAAAAkUAAAAAQAAABQAAAAUAAAAFAAAAAEAAAAAAAAAZAAAAGQAAAAAAAAAZAAAAGQAAAAVAAAAYAAAAAAAAAAAAAAADwAAACADAAAAAAAAAAAAAAEAAACgMgAAVgcAAKr4//8BAAAAf39/AAEAAABkAAAAAAAAABQAAABAHwAAAAAAACYAAAAAAAAAwOD//wAAAAAmAAAAZAAAABYAAABMAAAAAAAAAAAAAAAEAAAAAAAAAAEAAACAgIAKAAAAACgAAAAoAAAAZAAAAGQAAAAAAAAAzMzMAAAAAABQAAAAUAAAAGQAAABkAAAAAAAAABcAAAAUAAAAAAAAAAAAAAD/fwAA/38AAAAAAAAJAAAABAAAAAAAAAAMAAAAEAAAAAAAAAAAAAAAAAAAAAAAAAAeAAAAaAAAAAAAAAAAAAAAAAAAAAAAAAAAAAAAECcAABAnAAAAAAAAAAAAAAAAAAAAAAAAAAAAAAAAAAAAAAAAAAAAABQAAAAAAAAAwMD/AAAAAABkAAAAMgAAAAAAAABkAAAAAAAAAH9/fwAKAAAAHwAAAFQAAAAAAAAFAAAAAQAAAAAAAAAAAAAAAAAAAAAAAAAAAAAAAAAAAAAAAAAAAAAAAn9/fwAAAAADzMzMAMDA/wB/f38AAAAAAAAAAAAAAAAAAAAAAAAAAAAhAAAAGAAAABQAAAAGCwAAiB0AAMYsAAAEIQAAEAAAACYAAAAIAAAAgYAAAAAAAAA="/>
+                <pr:smNativeData xmlns:pr="smNativeData" val="SMDATA_13_HSHgZRMAAAAlAAAAZAAAAA8BAAAAkAAAAEgAAACQAAAASAAAAAAAAAACAAAAAAAAAAEAAABQAAAAAAAAAAAA4D8AAAAAAADgPwAAAAAAAOA/AAAAAAAA4D8AAAAAAADgPwAAAAAAAOA/AAAAAAAA4D8AAAAAAADgPwAAAAAAAOA/AAAAAAAA4D8CAAAAjAAAAAAAAAAAAAAAu+DjDP///wgAAAAAAAAAAAAAAAAAAAAAAAAAAAAAAAAAAAAAZAAAAAEAAABAAAAAAAAAAAAAAAAAAAAAAAAAAAAAAAAAAAAAAAAAAAAAAAAAAAAAAAAAAAAAAAAAAAAAAAAAAAAAAAAAAAAAAAAAAAAAAAAAAAAAAAAAAAAAAAAAAAAAFAAAADwAAAAAAAAAAAAAAAAAAAkUAAAAAQAAABQAAAAUAAAAFAAAAAEAAAAAAAAAZAAAAGQAAAAAAAAAZAAAAGQAAAAVAAAAYAAAAAAAAAAAAAAADwAAACADAAAAAAAAAAAAAAEAAACgMgAAVgcAAKr4//8BAAAAf39/AAEAAABkAAAAAAAAABQAAABAHwAAAAAAACYAAAAAAAAAwOD//wAAAAAmAAAAZAAAABYAAABMAAAAAAAAAAAAAAAEAAAAAAAAAAEAAACAgIAKAAAAACgAAAAoAAAAZAAAAGQAAAAAAAAAzMzMAAAAAABQAAAAUAAAAGQAAABkAAAAAAAAABcAAAAUAAAAAAAAAAAAAAD/fwAA/38AAAAAAAAJAAAABAAAAAAAAAAMAAAAEAAAAAAAAAAAAAAAAAAAAAAAAAAeAAAAaAAAAAAAAAAAAAAAAAAAAAAAAAAAAAAAECcAABAnAAAAAAAAAAAAAAAAAAAAAAAAAAAAAAAAAAAAAAAAAAAAABQAAAAAAAAAwMD/AAAAAABkAAAAMgAAAAAAAABkAAAAAAAAAH9/fwAKAAAAHwAAAFQAAAAAAAAFAAAAAQAAAAAAAAAAAAAAAAAAAAAAAAAAAAAAAAAAAAAAAAAAAAAAAn9/fwAAAAADzMzMAMDA/wB/f38AAAAAAAAAAAAAAAAAAAAAAAAAAAAhAAAAGAAAABQAAAAGCwAAiB0AAMYsAAAEIQAAEAAAACYAAAAIAAAAgYAAAAAAAAA="/>
               </a:ext>
             </a:extLst>
           </p:cNvSpPr>
@@ -2544,7 +2544,7 @@
             <a:spLocks noGrp="1" noChangeArrowheads="1"/>
             <a:extLst>
               <a:ext uri="smNativeData">
-                <pr:smNativeData xmlns:pr="smNativeData" val="SMDATA_13_m5rdZRMAAAAlAAAAZAAAAA8BAAAAkAAAAEgAAACQAAAASAAAAAAAAAAAAAAAAAAAAAEAAABQAAAAAAAAAAAA4D8AAAAAAADgPwAAAAAAAOA/AAAAAAAA4D8AAAAAAADgPwAAAAAAAOA/AAAAAAAA4D8AAAAAAADgPwAAAAAAAOA/AAAAAAAA4D8CAAAAjAAAAAAAAAAAAAAAu+DjDP///wgAAAAAAAAAAAAAAAAAAAAAAAAAAAAAAAAAAAAAZAAAAAEAAABAAAAAAAAAAAAAAAAAAAAAAAAAAAAAAAAAAAAAAAAAAAAAAAAAAAAAAAAAAAAAAAAAAAAAAAAAAAAAAAAAAAAAAAAAAAAAAAAAAAAAAAAAAAAAAAAAAAAAFAAAADwAAAAAAAAAAAAAAAAAAAkUAAAAAQAAABQAAAAUAAAAFAAAAAEAAAAAAAAAZAAAAGQAAAAAAAAAZAAAAGQAAAAVAAAAYAAAAAAAAAAAAAAADwAAACADAAAAAAAAAAAAAAEAAACgMgAAVgcAAKr4//8BAAAAf39/AAEAAABkAAAAAAAAABQAAABAHwAAAAAAACYAAAAAAAAAwOD//wAAAAAmAAAAZAAAABYAAABMAAAAAAAAAAAAAAAEAAAAAAAAAAEAAACAgIAKAAAAACgAAAAoAAAAZAAAAGQAAAAAAAAAzMzMAAAAAABQAAAAUAAAAGQAAABkAAAAAAAAABcAAAAUAAAAAAAAAAAAAAD/fwAA/38AAAAAAAAJAAAABAAAAAAAAAAMAAAAEAAAAAAAAAAAAAAAAAAAAAAAAAAeAAAAaAAAAAAAAAAAAAAAAAAAAAAAAAAAAAAAECcAABAnAAAAAAAAAAAAAAAAAAAAAAAAAAAAAAAAAAAAAAAAAAAAABQAAAAAAAAAwMD/AAAAAABkAAAAMgAAAAAAAABkAAAAAAAAAH9/fwAKAAAAHwAAAFQAAAAAAAAFAAAAAQAAAAAAAAAAAAAAAAAAAAAAAAAAAAAAAAAAAAAAAAAAAAAAAn9/fwAAAAADzMzMAMDA/wB/f38AAAAAAAAAAAAAAAAAAAAAAAAAAAAhAAAAGAAAABQAAAAGCwAAxgMAAMYsAAAWHQAAEAAAACYAAAAIAAAAAYAAAAAAAAA="/>
+                <pr:smNativeData xmlns:pr="smNativeData" val="SMDATA_13_HSHgZRMAAAAlAAAAZAAAAA8BAAAAkAAAAEgAAACQAAAASAAAAAAAAAAAAAAAAAAAAAEAAABQAAAAAAAAAAAA4D8AAAAAAADgPwAAAAAAAOA/AAAAAAAA4D8AAAAAAADgPwAAAAAAAOA/AAAAAAAA4D8AAAAAAADgPwAAAAAAAOA/AAAAAAAA4D8CAAAAjAAAAAAAAAAAAAAAu+DjDP///wgAAAAAAAAAAAAAAAAAAAAAAAAAAAAAAAAAAAAAZAAAAAEAAABAAAAAAAAAAAAAAAAAAAAAAAAAAAAAAAAAAAAAAAAAAAAAAAAAAAAAAAAAAAAAAAAAAAAAAAAAAAAAAAAAAAAAAAAAAAAAAAAAAAAAAAAAAAAAAAAAAAAAFAAAADwAAAAAAAAAAAAAAAAAAAkUAAAAAQAAABQAAAAUAAAAFAAAAAEAAAAAAAAAZAAAAGQAAAAAAAAAZAAAAGQAAAAVAAAAYAAAAAAAAAAAAAAADwAAACADAAAAAAAAAAAAAAEAAACgMgAAVgcAAKr4//8BAAAAf39/AAEAAABkAAAAAAAAABQAAABAHwAAAAAAACYAAAAAAAAAwOD//wAAAAAmAAAAZAAAABYAAABMAAAAAAAAAAAAAAAEAAAAAAAAAAEAAACAgIAKAAAAACgAAAAoAAAAZAAAAGQAAAAAAAAAzMzMAAAAAABQAAAAUAAAAGQAAABkAAAAAAAAABcAAAAUAAAAAAAAAAAAAAD/fwAA/38AAAAAAAAJAAAABAAAAAAAAAAMAAAAEAAAAAAAAAAAAAAAAAAAAAAAAAAeAAAAaAAAAAAAAAAAAAAAAAAAAAAAAAAAAAAAECcAABAnAAAAAAAAAAAAAAAAAAAAAAAAAAAAAAAAAAAAAAAAAAAAABQAAAAAAAAAwMD/AAAAAABkAAAAMgAAAAAAAABkAAAAAAAAAH9/fwAKAAAAHwAAAFQAAAAAAAAFAAAAAQAAAAAAAAAAAAAAAAAAAAAAAAAAAAAAAAAAAAAAAAAAAAAAAn9/fwAAAAADzMzMAMDA/wB/f38AAAAAAAAAAAAAAAAAAAAAAAAAAAAhAAAAGAAAABQAAAAGCwAAxgMAAMYsAAAWHQAAEAAAACYAAAAIAAAAAYAAAAAAAAA="/>
               </a:ext>
             </a:extLst>
           </p:cNvSpPr>
@@ -2613,7 +2613,7 @@
             <a:spLocks noGrp="1" noChangeArrowheads="1"/>
             <a:extLst>
               <a:ext uri="smNativeData">
-                <pr:smNativeData xmlns:pr="smNativeData" val="SMDATA_13_m5rdZRMAAAAlAAAAZAAAAA8BAAAAkAAAAEgAAACQAAAASAAAAAAAAAAAAAAAAAAAAAEAAABQAAAAAAAAAAAA4D8AAAAAAADgPwAAAAAAAOA/AAAAAAAA4D8AAAAAAADgPwAAAAAAAOA/AAAAAAAA4D8AAAAAAADgPwAAAAAAAOA/AAAAAAAA4D8CAAAAjAAAAAAAAAAAAAAAu+DjDP///wgAAAAAAAAAAAAAAAAAAAAAAAAAAAAAAAAAAAAAZAAAAAEAAABAAAAAAAAAAAAAAAAAAAAAAAAAAAAAAAAAAAAAAAAAAAAAAAAAAAAAAAAAAAAAAAAAAAAAAAAAAAAAAAAAAAAAAAAAAAAAAAAAAAAAAAAAAAAAAAAAAAAAFAAAADwAAAAAAAAAAAAAAAAAAAkUAAAAAQAAABQAAAAUAAAAFAAAAAEAAAAAAAAAZAAAAGQAAAAAAAAAZAAAAGQAAAAVAAAAYAAAAAAAAAAAAAAADwAAACADAAAAAAAAAAAAAAEAAACgMgAAVgcAAKr4//8BAAAAf39/AAEAAABkAAAAAAAAABQAAABAHwAAAAAAACYAAAAAAAAAwOD//wAAAAAmAAAAZAAAABYAAABMAAAAAAAAAAAAAAAEAAAAAAAAAAEAAACAgIAKAAAAACgAAAAoAAAAZAAAAGQAAAAAAAAAzMzMAAAAAABQAAAAUAAAAGQAAABkAAAAAAAAABcAAAAUAAAAAAAAAAAAAAD/fwAA/38AAAAAAAAJAAAABAAAAAAAAAAMAAAAEAAAAAAAAAAAAAAAAAAAAAAAAAAeAAAAaAAAAAAAAAAAAAAAAAAAAAAAAAAAAAAAECcAABAnAAAAAAAAAAAAAAAAAAAAAAAAAAAAAAAAAAAAAAAAAAAAABQAAAAAAAAAwMD/AAAAAABkAAAAMgAAAAAAAABkAAAAAAAAAH9/fwAKAAAAHwAAAFQAAAAAAAAFAAAAAQAAAAAAAAAAAAAAAAAAAAAAAAAAAAAAAAAAAAAAAAAAAAAAAn9/fwAAAAADzMzMAMDA/wB/f38AAAAAAAAAAAAAAAAAAAAAAAAAAAAhAAAAGAAAABQAAAAGCwAABCEAAMYsAAD4JQAAEAAAACYAAAAIAAAAAYAAAAAAAAA="/>
+                <pr:smNativeData xmlns:pr="smNativeData" val="SMDATA_13_HSHgZRMAAAAlAAAAZAAAAA8BAAAAkAAAAEgAAACQAAAASAAAAAAAAAAAAAAAAAAAAAEAAABQAAAAAAAAAAAA4D8AAAAAAADgPwAAAAAAAOA/AAAAAAAA4D8AAAAAAADgPwAAAAAAAOA/AAAAAAAA4D8AAAAAAADgPwAAAAAAAOA/AAAAAAAA4D8CAAAAjAAAAAAAAAAAAAAAu+DjDP///wgAAAAAAAAAAAAAAAAAAAAAAAAAAAAAAAAAAAAAZAAAAAEAAABAAAAAAAAAAAAAAAAAAAAAAAAAAAAAAAAAAAAAAAAAAAAAAAAAAAAAAAAAAAAAAAAAAAAAAAAAAAAAAAAAAAAAAAAAAAAAAAAAAAAAAAAAAAAAAAAAAAAAFAAAADwAAAAAAAAAAAAAAAAAAAkUAAAAAQAAABQAAAAUAAAAFAAAAAEAAAAAAAAAZAAAAGQAAAAAAAAAZAAAAGQAAAAVAAAAYAAAAAAAAAAAAAAADwAAACADAAAAAAAAAAAAAAEAAACgMgAAVgcAAKr4//8BAAAAf39/AAEAAABkAAAAAAAAABQAAABAHwAAAAAAACYAAAAAAAAAwOD//wAAAAAmAAAAZAAAABYAAABMAAAAAAAAAAAAAAAEAAAAAAAAAAEAAACAgIAKAAAAACgAAAAoAAAAZAAAAGQAAAAAAAAAzMzMAAAAAABQAAAAUAAAAGQAAABkAAAAAAAAABcAAAAUAAAAAAAAAAAAAAD/fwAA/38AAAAAAAAJAAAABAAAAAAAAAAMAAAAEAAAAAAAAAAAAAAAAAAAAAAAAAAeAAAAaAAAAAAAAAAAAAAAAAAAAAAAAAAAAAAAECcAABAnAAAAAAAAAAAAAAAAAAAAAAAAAAAAAAAAAAAAAAAAAAAAABQAAAAAAAAAwMD/AAAAAABkAAAAMgAAAAAAAABkAAAAAAAAAH9/fwAKAAAAHwAAAFQAAAAAAAAFAAAAAQAAAAAAAAAAAAAAAAAAAAAAAAAAAAAAAAAAAAAAAAAAAAAAAn9/fwAAAAADzMzMAMDA/wB/f38AAAAAAAAAAAAAAAAAAAAAAAAAAAAhAAAAGAAAABQAAAAGCwAABCEAAMYsAAD4JQAAEAAAACYAAAAIAAAAAYAAAAAAAAA="/>
               </a:ext>
             </a:extLst>
           </p:cNvSpPr>
@@ -2682,7 +2682,7 @@
             <a:spLocks noGrp="1" noChangeArrowheads="1"/>
             <a:extLst>
               <a:ext uri="smNativeData">
-                <pr:smNativeData xmlns:pr="smNativeData" val="SMDATA_13_m5rdZRMAAAAlAAAAZAAAAA8BAAAAkAAAAEgAAACQAAAASAAAAAAAAAABAAAAAAAAAAEAAABQAAAAAAAAAAAA4D8AAAAAAADgPwAAAAAAAOA/AAAAAAAA4D8AAAAAAADgPwAAAAAAAOA/AAAAAAAA4D8AAAAAAADgPwAAAAAAAOA/AAAAAAAA4D8CAAAAjAAAAAAAAAAAAAAAu+DjDP///wgAAAAAAAAAAAAAAAAAAAAAAAAAAAAAAAAAAAAAZAAAAAEAAABAAAAAAAAAAAAAAAAAAAAAAAAAAAAAAAAAAAAAAAAAAAAAAAAAAAAAAAAAAAAAAAAAAAAAAAAAAAAAAAAAAAAAAAAAAAAAAAAAAAAAAAAAAAAAAAAAAAAAFAAAADwAAAAAAAAAAAAAAAAAAAkUAAAAAQAAABQAAAAUAAAAFAAAAAEAAAAAAAAAZAAAAGQAAAAAAAAAZAAAAGQAAAAVAAAAYAAAAAAAAAAAAAAADwAAACADAAAAAAAAAAAAAAEAAACgMgAAVgcAAKr4//8BAAAAf39/AAEAAABkAAAAAAAAABQAAABAHwAAAAAAACYAAAAAAAAAwOD//wAAAAAmAAAAZAAAABYAAABMAAAAAAAAAAAAAAAEAAAAAAAAAAEAAACAgIAKAAAAACgAAAAoAAAAZAAAAGQAAAAAAAAAzMzMAAAAAABQAAAAUAAAAGQAAABkAAAAAAAAABcAAAAUAAAAAAAAAAAAAAD/fwAA/38AAAAAAAAJAAAABAAAAAAAAAAMAAAAEAAAAAAAAAAAAAAAAAAAAAAAAAAeAAAAaAAAAAAAAAAAAAAAAAAAAAAAAAAAAAAAECcAABAnAAAAAAAAAAAAAAAAAAAAAAAAAAAAAAAAAAAAAAAAAAAAABQAAAAAAAAAwMD/AAAAAABkAAAAMgAAAAAAAABkAAAAAAAAAH9/fwAKAAAAHwAAAFQAAAAAAAAFAAAAAQAAAAAAAAAAAAAAAAAAAAAAAAAAAAAAAAAAAAAAAAAAAAAAAn9/fwAAAAADzMzMAMDA/wB/f38AAAAAAAAAAAAAAAAAAAAAAAAAAAAhAAAAGAAAABQAAADQAgAAGycAAPAPAABZKQAAEAAAACYAAAAIAAAAAAAAAAAAAAA="/>
+                <pr:smNativeData xmlns:pr="smNativeData" val="SMDATA_13_HSHgZRMAAAAlAAAAZAAAAA8BAAAAkAAAAEgAAACQAAAASAAAAAAAAAABAAAAAAAAAAEAAABQAAAAAAAAAAAA4D8AAAAAAADgPwAAAAAAAOA/AAAAAAAA4D8AAAAAAADgPwAAAAAAAOA/AAAAAAAA4D8AAAAAAADgPwAAAAAAAOA/AAAAAAAA4D8CAAAAjAAAAAAAAAAAAAAAu+DjDP///wgAAAAAAAAAAAAAAAAAAAAAAAAAAAAAAAAAAAAAZAAAAAEAAABAAAAAAAAAAAAAAAAAAAAAAAAAAAAAAAAAAAAAAAAAAAAAAAAAAAAAAAAAAAAAAAAAAAAAAAAAAAAAAAAAAAAAAAAAAAAAAAAAAAAAAAAAAAAAAAAAAAAAFAAAADwAAAAAAAAAAAAAAAAAAAkUAAAAAQAAABQAAAAUAAAAFAAAAAEAAAAAAAAAZAAAAGQAAAAAAAAAZAAAAGQAAAAVAAAAYAAAAAAAAAAAAAAADwAAACADAAAAAAAAAAAAAAEAAACgMgAAVgcAAKr4//8BAAAAf39/AAEAAABkAAAAAAAAABQAAABAHwAAAAAAACYAAAAAAAAAwOD//wAAAAAmAAAAZAAAABYAAABMAAAAAAAAAAAAAAAEAAAAAAAAAAEAAACAgIAKAAAAACgAAAAoAAAAZAAAAGQAAAAAAAAAzMzMAAAAAABQAAAAUAAAAGQAAABkAAAAAAAAABcAAAAUAAAAAAAAAAAAAAD/fwAA/38AAAAAAAAJAAAABAAAAAAAAAAMAAAAEAAAAAAAAAAAAAAAAAAAAAAAAAAeAAAAaAAAAAAAAAAAAAAAAAAAAAAAAAAAAAAAECcAABAnAAAAAAAAAAAAAAAAAAAAAAAAAAAAAAAAAAAAAAAAAAAAABQAAAAAAAAAwMD/AAAAAABkAAAAMgAAAAAAAABkAAAAAAAAAH9/fwAKAAAAHwAAAFQAAAAAAAAFAAAAAQAAAAAAAAAAAAAAAAAAAAAAAAAAAAAAAAAAAAAAAAAAAAAAAn9/fwAAAAADzMzMAMDA/wB/f38AAAAAAAAAAAAAAAAAAAAAAAAAAAAhAAAAGAAAABQAAADQAgAAGycAAPAPAABZKQAAEAAAACYAAAAIAAAAAAAAAAAAAAA="/>
               </a:ext>
             </a:extLst>
           </p:cNvSpPr>
@@ -2696,7 +2696,7 @@
           <a:lstStyle/>
           <a:p>
             <a:pPr/>
-            <a:fld id="{3E459522-6CD3-1063-9DFD-9A36DBB36BCF}" type="datetime1">
+            <a:fld id="{3E69A735-7BD3-3C51-9DD1-8D04E99F6BD8}" type="datetime1">
               <a:t/>
             </a:fld>
           </a:p>
@@ -2709,7 +2709,7 @@
             <a:spLocks noGrp="1" noChangeArrowheads="1"/>
             <a:extLst>
               <a:ext uri="smNativeData">
-                <pr:smNativeData xmlns:pr="smNativeData" val="SMDATA_13_m5rdZRMAAAAlAAAAZAAAAA8BAAAAkAAAAEgAAACQAAAASAAAAAAAAAABAAAAAAAAAAEAAABQAAAAAAAAAAAA4D8AAAAAAADgPwAAAAAAAOA/AAAAAAAA4D8AAAAAAADgPwAAAAAAAOA/AAAAAAAA4D8AAAAAAADgPwAAAAAAAOA/AAAAAAAA4D8CAAAAjAAAAAAAAAAAAAAAu+DjDP///wgAAAAAAAAAAAAAAAAAAAAAAAAAAAAAAAAAAAAAZAAAAAEAAABAAAAAAAAAAAAAAAAAAAAAAAAAAAAAAAAAAAAAAAAAAAAAAAAAAAAAAAAAAAAAAAAAAAAAAAAAAAAAAAAAAAAAAAAAAAAAAAAAAAAAAAAAAAAAAAAAAAAAFAAAADwAAAAAAAAAAAAAAAAAAAkUAAAAAQAAABQAAAAUAAAAFAAAAAEAAAAAAAAAZAAAAGQAAAAAAAAAZAAAAGQAAAAVAAAAYAAAAAAAAAAAAAAADwAAACADAAAAAAAAAAAAAAEAAACgMgAAVgcAAKr4//8BAAAAf39/AAEAAABkAAAAAAAAABQAAABAHwAAAAAAACYAAAAAAAAAwOD//wAAAAAmAAAAZAAAABYAAABMAAAAAAAAAAAAAAAEAAAAAAAAAAEAAACAgIAKAAAAACgAAAAoAAAAZAAAAGQAAAAAAAAAzMzMAAAAAABQAAAAUAAAAGQAAABkAAAAAAAAABcAAAAUAAAAAAAAAAAAAAD/fwAA/38AAAAAAAAJAAAABAAAAAAAAAAMAAAAEAAAAAAAAAAAAAAAAAAAAAAAAAAeAAAAaAAAAAAAAAAAAAAAAAAAAAAAAAAAAAAAECcAABAnAAAAAAAAAAAAAAAAAAAAAAAAAAAAAAAAAAAAAAAAAAAAABQAAAAAAAAAwMD/AAAAAABkAAAAMgAAAAAAAABkAAAAAAAAAH9/fwAKAAAAHwAAAFQAAAAAAAAFAAAAAQAAAAAAAAAAAAAAAAAAAAAAAAAAAAAAAAAAAAAAAAAAAAAAAn9/fwAAAAADzMzMAMDA/wB/f38AAAAAAAAAAAAAAAAAAAAAAAAAAAAhAAAAGAAAABQAAAA4EwAAGycAAAglAABZKQAAEAAAACYAAAAIAAAAAAAAAAAAAAA="/>
+                <pr:smNativeData xmlns:pr="smNativeData" val="SMDATA_13_HSHgZRMAAAAlAAAAZAAAAA8BAAAAkAAAAEgAAACQAAAASAAAAAAAAAABAAAAAAAAAAEAAABQAAAAAAAAAAAA4D8AAAAAAADgPwAAAAAAAOA/AAAAAAAA4D8AAAAAAADgPwAAAAAAAOA/AAAAAAAA4D8AAAAAAADgPwAAAAAAAOA/AAAAAAAA4D8CAAAAjAAAAAAAAAAAAAAAu+DjDP///wgAAAAAAAAAAAAAAAAAAAAAAAAAAAAAAAAAAAAAZAAAAAEAAABAAAAAAAAAAAAAAAAAAAAAAAAAAAAAAAAAAAAAAAAAAAAAAAAAAAAAAAAAAAAAAAAAAAAAAAAAAAAAAAAAAAAAAAAAAAAAAAAAAAAAAAAAAAAAAAAAAAAAFAAAADwAAAAAAAAAAAAAAAAAAAkUAAAAAQAAABQAAAAUAAAAFAAAAAEAAAAAAAAAZAAAAGQAAAAAAAAAZAAAAGQAAAAVAAAAYAAAAAAAAAAAAAAADwAAACADAAAAAAAAAAAAAAEAAACgMgAAVgcAAKr4//8BAAAAf39/AAEAAABkAAAAAAAAABQAAABAHwAAAAAAACYAAAAAAAAAwOD//wAAAAAmAAAAZAAAABYAAABMAAAAAAAAAAAAAAAEAAAAAAAAAAEAAACAgIAKAAAAACgAAAAoAAAAZAAAAGQAAAAAAAAAzMzMAAAAAABQAAAAUAAAAGQAAABkAAAAAAAAABcAAAAUAAAAAAAAAAAAAAD/fwAA/38AAAAAAAAJAAAABAAAAAAAAAAMAAAAEAAAAAAAAAAAAAAAAAAAAAAAAAAeAAAAaAAAAAAAAAAAAAAAAAAAAAAAAAAAAAAAECcAABAnAAAAAAAAAAAAAAAAAAAAAAAAAAAAAAAAAAAAAAAAAAAAABQAAAAAAAAAwMD/AAAAAABkAAAAMgAAAAAAAABkAAAAAAAAAH9/fwAKAAAAHwAAAFQAAAAAAAAFAAAAAQAAAAAAAAAAAAAAAAAAAAAAAAAAAAAAAAAAAAAAAAAAAAAAAn9/fwAAAAADzMzMAMDA/wB/f38AAAAAAAAAAAAAAAAAAAAAAAAAAAAhAAAAGAAAABQAAAA4EwAAGycAAAglAABZKQAAEAAAACYAAAAIAAAAAAAAAAAAAAA="/>
               </a:ext>
             </a:extLst>
           </p:cNvSpPr>
@@ -2733,7 +2733,7 @@
             <a:spLocks noGrp="1" noChangeArrowheads="1"/>
             <a:extLst>
               <a:ext uri="smNativeData">
-                <pr:smNativeData xmlns:pr="smNativeData" val="SMDATA_13_m5rdZRMAAAAlAAAAZAAAAA8BAAAAkAAAAEgAAACQAAAASAAAAAAAAAABAAAAAAAAAAEAAABQAAAAAAAAAAAA4D8AAAAAAADgPwAAAAAAAOA/AAAAAAAA4D8AAAAAAADgPwAAAAAAAOA/AAAAAAAA4D8AAAAAAADgPwAAAAAAAOA/AAAAAAAA4D8CAAAAjAAAAAAAAAAAAAAAu+DjDP///wgAAAAAAAAAAAAAAAAAAAAAAAAAAAAAAAAAAAAAZAAAAAEAAABAAAAAAAAAAAAAAAAAAAAAAAAAAAAAAAAAAAAAAAAAAAAAAAAAAAAAAAAAAAAAAAAAAAAAAAAAAAAAAAAAAAAAAAAAAAAAAAAAAAAAAAAAAAAAAAAAAAAAFAAAADwAAAAAAAAAAAAAAAAAAAkUAAAAAQAAABQAAAAUAAAAFAAAAAEAAAAAAAAAZAAAAGQAAAAAAAAAZAAAAGQAAAAVAAAAYAAAAAAAAAAAAAAADwAAACADAAAAAAAAAAAAAAEAAACgMgAAVgcAAKr4//8BAAAAf39/AAEAAABkAAAAAAAAABQAAABAHwAAAAAAACYAAAAAAAAAwOD//wAAAAAmAAAAZAAAABYAAABMAAAAAAAAAAAAAAAEAAAAAAAAAAEAAACAgIAKAAAAACgAAAAoAAAAZAAAAGQAAAAAAAAAzMzMAAAAAABQAAAAUAAAAGQAAABkAAAAAAAAABcAAAAUAAAAAAAAAAAAAAD/fwAA/38AAAAAAAAJAAAABAAAAAAAAAAMAAAAEAAAAAAAAAAAAAAAAAAAAAAAAAAeAAAAaAAAAAAAAAAAAAAAAAAAAAAAAAAAAAAAECcAABAnAAAAAAAAAAAAAAAAAAAAAAAAAAAAAAAAAAAAAAAAAAAAABQAAAAAAAAAwMD/AAAAAABkAAAAMgAAAAAAAABkAAAAAAAAAH9/fwAKAAAAHwAAAFQAAAAAAAAFAAAAAQAAAAAAAAAAAAAAAAAAAAAAAAAAAAAAAAAAAAAAAAAAAAAAAn9/fwAAAAADzMzMAMDA/wB/f38AAAAAAAAAAAAAAAAAAAAAAAAAAAAhAAAAGAAAABQAAABQKAAAGycAAHA1AABZKQAAEAAAACYAAAAIAAAAAAAAAAAAAAA="/>
+                <pr:smNativeData xmlns:pr="smNativeData" val="SMDATA_13_HSHgZRMAAAAlAAAAZAAAAA8BAAAAkAAAAEgAAACQAAAASAAAAAAAAAABAAAAAAAAAAEAAABQAAAAAAAAAAAA4D8AAAAAAADgPwAAAAAAAOA/AAAAAAAA4D8AAAAAAADgPwAAAAAAAOA/AAAAAAAA4D8AAAAAAADgPwAAAAAAAOA/AAAAAAAA4D8CAAAAjAAAAAAAAAAAAAAAu+DjDP///wgAAAAAAAAAAAAAAAAAAAAAAAAAAAAAAAAAAAAAZAAAAAEAAABAAAAAAAAAAAAAAAAAAAAAAAAAAAAAAAAAAAAAAAAAAAAAAAAAAAAAAAAAAAAAAAAAAAAAAAAAAAAAAAAAAAAAAAAAAAAAAAAAAAAAAAAAAAAAAAAAAAAAFAAAADwAAAAAAAAAAAAAAAAAAAkUAAAAAQAAABQAAAAUAAAAFAAAAAEAAAAAAAAAZAAAAGQAAAAAAAAAZAAAAGQAAAAVAAAAYAAAAAAAAAAAAAAADwAAACADAAAAAAAAAAAAAAEAAACgMgAAVgcAAKr4//8BAAAAf39/AAEAAABkAAAAAAAAABQAAABAHwAAAAAAACYAAAAAAAAAwOD//wAAAAAmAAAAZAAAABYAAABMAAAAAAAAAAAAAAAEAAAAAAAAAAEAAACAgIAKAAAAACgAAAAoAAAAZAAAAGQAAAAAAAAAzMzMAAAAAABQAAAAUAAAAGQAAABkAAAAAAAAABcAAAAUAAAAAAAAAAAAAAD/fwAA/38AAAAAAAAJAAAABAAAAAAAAAAMAAAAEAAAAAAAAAAAAAAAAAAAAAAAAAAeAAAAaAAAAAAAAAAAAAAAAAAAAAAAAAAAAAAAECcAABAnAAAAAAAAAAAAAAAAAAAAAAAAAAAAAAAAAAAAAAAAAAAAABQAAAAAAAAAwMD/AAAAAABkAAAAMgAAAAAAAABkAAAAAAAAAH9/fwAKAAAAHwAAAFQAAAAAAAAFAAAAAQAAAAAAAAAAAAAAAAAAAAAAAAAAAAAAAAAAAAAAAAAAAAAAAn9/fwAAAAADzMzMAMDA/wB/f38AAAAAAAAAAAAAAAAAAAAAAAAAAAAhAAAAGAAAABQAAABQKAAAGycAAHA1AABZKQAAEAAAACYAAAAIAAAAAAAAAAAAAAA="/>
               </a:ext>
             </a:extLst>
           </p:cNvSpPr>
@@ -2747,7 +2747,7 @@
           <a:lstStyle/>
           <a:p>
             <a:pPr/>
-            <a:fld id="{3E45E4CD-83D3-1012-9DFD-7547AAB36B20}" type="slidenum">
+            <a:fld id="{3E698A24-6AD3-3C7C-9DD1-9C29C49F6BC9}" type="slidenum">
               <a:t/>
             </a:fld>
           </a:p>
@@ -2793,7 +2793,7 @@
             <a:spLocks noGrp="1" noChangeArrowheads="1"/>
             <a:extLst>
               <a:ext uri="smNativeData">
-                <pr:smNativeData xmlns:pr="smNativeData" val="SMDATA_13_m5rdZRMAAAAlAAAAZAAAAA8BAAAAkAAAAEgAAACQAAAASAAAAAAAAAABAAAAAAAAAAEAAABQAAAAAAAAAAAA4D8AAAAAAADgPwAAAAAAAOA/AAAAAAAA4D8AAAAAAADgPwAAAAAAAOA/AAAAAAAA4D8AAAAAAADgPwAAAAAAAOA/AAAAAAAA4D8CAAAAjAAAAAAAAAAAAAAAu+DjDP///wgAAAAAAAAAAAAAAAAAAAAAAAAAAAAAAAAAAAAAZAAAAAEAAABAAAAAAAAAAAAAAAAAAAAAAAAAAAAAAAAAAAAAAAAAAAAAAAAAAAAAAAAAAAAAAAAAAAAAAAAAAAAAAAAAAAAAAAAAAAAAAAAAAAAAAAAAAAAAAAAAAAAAFAAAADwAAAAAAAAAAAAAAAAAAAkUAAAAAQAAABQAAAAUAAAAFAAAAAEAAAAAAAAAZAAAAGQAAAAAAAAAZAAAAGQAAAAVAAAAYAAAAAAAAAAAAAAADwAAACADAAAAAAAAAAAAAAEAAACgMgAAVgcAAKr4//8BAAAAf39/AAEAAABkAAAAAAAAABQAAABAHwAAAAAAACYAAAAAAAAAwOD//wAAAAAmAAAAZAAAABYAAABMAAAAAAAAAAAAAAAEAAAAAAAAAAEAAACAgIAKAAAAACgAAAAoAAAAZAAAAGQAAAAAAAAAzMzMAAAAAABQAAAAUAAAAGQAAABkAAAAAAAAABcAAAAUAAAAAAAAAAAAAAD/fwAA/38AAAAAAAAJAAAABAAAAAAAAAAMAAAAEAAAAAAAAAAAAAAAAAAAAAAAAAAeAAAAaAAAAAAAAAAAAAAAAAAAAAAAAAAAAAAAECcAABAnAAAAAAAAAAAAAAAAAAAAAAAAAAAAAAAAAAAAAAAAAAAAABQAAAAAAAAAwMD/AAAAAABkAAAAMgAAAAAAAABkAAAAAAAAAH9/fwAKAAAAHwAAAFQAAAAAAAAFAAAAAQAAAAAAAAAAAAAAAAAAAAAAAAAAAAAAAAAAAAAAAAAAAAAAAn9/fwAAAAADzMzMAMDA/wB/f38AAAAAAAAAAAAAAAAAAAAAAAAAAAAhAAAAGAAAABQAAADQAgAAsAEAAHA1AAC4CAAAEAAAACYAAAAIAAAA//////////8="/>
+                <pr:smNativeData xmlns:pr="smNativeData" val="SMDATA_13_HSHgZRMAAAAlAAAAZAAAAA8BAAAAkAAAAEgAAACQAAAASAAAAAAAAAABAAAAAAAAAAEAAABQAAAAAAAAAAAA4D8AAAAAAADgPwAAAAAAAOA/AAAAAAAA4D8AAAAAAADgPwAAAAAAAOA/AAAAAAAA4D8AAAAAAADgPwAAAAAAAOA/AAAAAAAA4D8CAAAAjAAAAAAAAAAAAAAAu+DjDP///wgAAAAAAAAAAAAAAAAAAAAAAAAAAAAAAAAAAAAAZAAAAAEAAABAAAAAAAAAAAAAAAAAAAAAAAAAAAAAAAAAAAAAAAAAAAAAAAAAAAAAAAAAAAAAAAAAAAAAAAAAAAAAAAAAAAAAAAAAAAAAAAAAAAAAAAAAAAAAAAAAAAAAFAAAADwAAAAAAAAAAAAAAAAAAAkUAAAAAQAAABQAAAAUAAAAFAAAAAEAAAAAAAAAZAAAAGQAAAAAAAAAZAAAAGQAAAAVAAAAYAAAAAAAAAAAAAAADwAAACADAAAAAAAAAAAAAAEAAACgMgAAVgcAAKr4//8BAAAAf39/AAEAAABkAAAAAAAAABQAAABAHwAAAAAAACYAAAAAAAAAwOD//wAAAAAmAAAAZAAAABYAAABMAAAAAAAAAAAAAAAEAAAAAAAAAAEAAACAgIAKAAAAACgAAAAoAAAAZAAAAGQAAAAAAAAAzMzMAAAAAABQAAAAUAAAAGQAAABkAAAAAAAAABcAAAAUAAAAAAAAAAAAAAD/fwAA/38AAAAAAAAJAAAABAAAAAAAAAAMAAAAEAAAAAAAAAAAAAAAAAAAAAAAAAAeAAAAaAAAAAAAAAAAAAAAAAAAAAAAAAAAAAAAECcAABAnAAAAAAAAAAAAAAAAAAAAAAAAAAAAAAAAAAAAAAAAAAAAABQAAAAAAAAAwMD/AAAAAABkAAAAMgAAAAAAAABkAAAAAAAAAH9/fwAKAAAAHwAAAFQAAAAAAAAFAAAAAQAAAAAAAAAAAAAAAAAAAAAAAAAAAAAAAAAAAAAAAAAAAAAAAn9/fwAAAAADzMzMAMDA/wB/f38AAAAAAAAAAAAAAAAAAAAAAAAAAAAhAAAAGAAAABQAAADQAgAAsAEAAHA1AAC4CAAAEAAAACYAAAAIAAAA//////////8="/>
               </a:ext>
             </a:extLst>
           </p:cNvSpPr>
@@ -2837,7 +2837,7 @@
             <a:spLocks noGrp="1" noChangeArrowheads="1"/>
             <a:extLst>
               <a:ext uri="smNativeData">
-                <pr:smNativeData xmlns:pr="smNativeData" val="SMDATA_13_m5rdZRMAAAAlAAAAZAAAAA8BAAAAkAAAAEgAAACQAAAASAAAAAAAAAAAAAAAAAAAAAEAAABQAAAAAAAAAAAA4D8AAAAAAADgPwAAAAAAAOA/AAAAAAAA4D8AAAAAAADgPwAAAAAAAOA/AAAAAAAA4D8AAAAAAADgPwAAAAAAAOA/AAAAAAAA4D8CAAAAjAAAAAAAAAAAAAAAu+DjDP///wgAAAAAAAAAAAAAAAAAAAAAAAAAAAAAAAAAAAAAZAAAAAEAAABAAAAAAAAAAAAAAAAAAAAAAAAAAAAAAAAAAAAAAAAAAAAAAAAAAAAAAAAAAAAAAAAAAAAAAAAAAAAAAAAAAAAAAAAAAAAAAAAAAAAAAAAAAAAAAAAAAAAAFAAAADwAAAAAAAAAAAAAAAAAAAkUAAAAAQAAABQAAAAUAAAAFAAAAAEAAAAAAAAAZAAAAGQAAAAAAAAAZAAAAGQAAAAVAAAAYAAAAAAAAAAAAAAADwAAACADAAAAAAAAAAAAAAEAAACgMgAAVgcAAKr4//8BAAAAf39/AAEAAABkAAAAAAAAABQAAABAHwAAAAAAACYAAAAAAAAAwOD//wAAAAAmAAAAZAAAABYAAABMAAAAAAAAAAAAAAAEAAAAAAAAAAEAAACAgIAKAAAAACgAAAAoAAAAZAAAAGQAAAAAAAAAzMzMAAAAAABQAAAAUAAAAGQAAABkAAAAAAAAABcAAAAUAAAAAAAAAAAAAAD/fwAA/38AAAAAAAAJAAAABAAAAAAAAAAMAAAAEAAAAAAAAAAAAAAAAAAAAAAAAAAeAAAAaAAAAAAAAAAAAAAAAAAAAAAAAAAAAAAAECcAABAnAAAAAAAAAAAAAAAAAAAAAAAAAAAAAAAAAAAAAAAAAAAAABQAAAAAAAAAwMD/AAAAAABkAAAAMgAAAAAAAABkAAAAAAAAAH9/fwAKAAAAHwAAAFQAAAAAAAAFAAAAAQAAAAAAAAAAAAAAAAAAAAAAAAAAAAAAAAAAAAAAAAAAAAAAAn9/fwAAAAADzMzMAMDA/wB/f38AAAAAAAAAAAAAAAAAAAAAAAAAAAAhAAAAGAAAABQAAADQAgAA2AkAAHA1AACwJQAAEAAAACYAAAAIAAAA//////////8="/>
+                <pr:smNativeData xmlns:pr="smNativeData" val="SMDATA_13_HSHgZRMAAAAlAAAAZAAAAA8BAAAAkAAAAEgAAACQAAAASAAAAAAAAAAAAAAAAAAAAAEAAABQAAAAAAAAAAAA4D8AAAAAAADgPwAAAAAAAOA/AAAAAAAA4D8AAAAAAADgPwAAAAAAAOA/AAAAAAAA4D8AAAAAAADgPwAAAAAAAOA/AAAAAAAA4D8CAAAAjAAAAAAAAAAAAAAAu+DjDP///wgAAAAAAAAAAAAAAAAAAAAAAAAAAAAAAAAAAAAAZAAAAAEAAABAAAAAAAAAAAAAAAAAAAAAAAAAAAAAAAAAAAAAAAAAAAAAAAAAAAAAAAAAAAAAAAAAAAAAAAAAAAAAAAAAAAAAAAAAAAAAAAAAAAAAAAAAAAAAAAAAAAAAFAAAADwAAAAAAAAAAAAAAAAAAAkUAAAAAQAAABQAAAAUAAAAFAAAAAEAAAAAAAAAZAAAAGQAAAAAAAAAZAAAAGQAAAAVAAAAYAAAAAAAAAAAAAAADwAAACADAAAAAAAAAAAAAAEAAACgMgAAVgcAAKr4//8BAAAAf39/AAEAAABkAAAAAAAAABQAAABAHwAAAAAAACYAAAAAAAAAwOD//wAAAAAmAAAAZAAAABYAAABMAAAAAAAAAAAAAAAEAAAAAAAAAAEAAACAgIAKAAAAACgAAAAoAAAAZAAAAGQAAAAAAAAAzMzMAAAAAABQAAAAUAAAAGQAAABkAAAAAAAAABcAAAAUAAAAAAAAAAAAAAD/fwAA/38AAAAAAAAJAAAABAAAAAAAAAAMAAAAEAAAAAAAAAAAAAAAAAAAAAAAAAAeAAAAaAAAAAAAAAAAAAAAAAAAAAAAAAAAAAAAECcAABAnAAAAAAAAAAAAAAAAAAAAAAAAAAAAAAAAAAAAAAAAAAAAABQAAAAAAAAAwMD/AAAAAABkAAAAMgAAAAAAAABkAAAAAAAAAH9/fwAKAAAAHwAAAFQAAAAAAAAFAAAAAQAAAAAAAAAAAAAAAAAAAAAAAAAAAAAAAAAAAAAAAAAAAAAAAn9/fwAAAAADzMzMAMDA/wB/f38AAAAAAAAAAAAAAAAAAAAAAAAAAAAhAAAAGAAAABQAAADQAgAA2AkAAHA1AACwJQAAEAAAACYAAAAIAAAA//////////8="/>
               </a:ext>
             </a:extLst>
           </p:cNvSpPr>
@@ -2905,7 +2905,7 @@
             <a:spLocks noGrp="1" noChangeArrowheads="1"/>
             <a:extLst>
               <a:ext uri="smNativeData">
-                <pr:smNativeData xmlns:pr="smNativeData" val="SMDATA_13_m5rdZRMAAAAlAAAAZAAAAA8BAAAAkAAAAEgAAACQAAAASAAAAAAAAAABAAAAAAAAAAEAAABQAAAAAAAAAAAA4D8AAAAAAADgPwAAAAAAAOA/AAAAAAAA4D8AAAAAAADgPwAAAAAAAOA/AAAAAAAA4D8AAAAAAADgPwAAAAAAAOA/AAAAAAAA4D8CAAAAjAAAAAAAAAAAAAAAu+DjDP///wgAAAAAAAAAAAAAAAAAAAAAAAAAAAAAAAAAAAAAZAAAAAEAAABAAAAAAAAAAAAAAAAAAAAAAAAAAAAAAAAAAAAAAAAAAAAAAAAAAAAAAAAAAAAAAAAAAAAAAAAAAAAAAAAAAAAAAAAAAAAAAAAAAAAAAAAAAAAAAAAAAAAAFAAAADwAAAAAAAAAAAAAAAAAAAkUAAAAAQAAABQAAAAUAAAAFAAAAAEAAAAAAAAAZAAAAGQAAAAAAAAAZAAAAGQAAAAVAAAAYAAAAAAAAAAAAAAADwAAACADAAAAAAAAAAAAAAEAAACgMgAAVgcAAKr4//8BAAAAf39/AAEAAABkAAAAAAAAABQAAABAHwAAAAAAACYAAAAAAAAAwOD//wAAAAAmAAAAZAAAABYAAABMAAAAAAAAAAAAAAAEAAAAAAAAAAEAAACAgIAKAAAAACgAAAAoAAAAZAAAAGQAAAAAAAAAzMzMAAAAAABQAAAAUAAAAGQAAABkAAAAAAAAABcAAAAUAAAAAAAAAAAAAAD/fwAA/38AAAAAAAAJAAAABAAAAAAAAAAMAAAAEAAAAAAAAAAAAAAAAAAAAAAAAAAeAAAAaAAAAAAAAAAAAAAAAAAAAAAAAAAAAAAAECcAABAnAAAAAAAAAAAAAAAAAAAAAAAAAAAAAAAAAAAAAAAAAAAAABQAAAAAAAAAwMD/AAAAAABkAAAAMgAAAAAAAABkAAAAAAAAAH9/fwAKAAAAHwAAAFQAAAAAAAAFAAAAAQAAAAAAAAAAAAAAAAAAAAAAAAAAAAAAAAAAAAAAAAAAAAAAAn9/fwAAAAADzMzMAMDA/wB/f38AAAAAAAAAAAAAAAAAAAAAAAAAAAAhAAAAGAAAABQAAADQAgAAGycAAPAPAABZKQAAEAAAACYAAAAIAAAA//////////8="/>
+                <pr:smNativeData xmlns:pr="smNativeData" val="SMDATA_13_HSHgZRMAAAAlAAAAZAAAAA8BAAAAkAAAAEgAAACQAAAASAAAAAAAAAABAAAAAAAAAAEAAABQAAAAAAAAAAAA4D8AAAAAAADgPwAAAAAAAOA/AAAAAAAA4D8AAAAAAADgPwAAAAAAAOA/AAAAAAAA4D8AAAAAAADgPwAAAAAAAOA/AAAAAAAA4D8CAAAAjAAAAAAAAAAAAAAAu+DjDP///wgAAAAAAAAAAAAAAAAAAAAAAAAAAAAAAAAAAAAAZAAAAAEAAABAAAAAAAAAAAAAAAAAAAAAAAAAAAAAAAAAAAAAAAAAAAAAAAAAAAAAAAAAAAAAAAAAAAAAAAAAAAAAAAAAAAAAAAAAAAAAAAAAAAAAAAAAAAAAAAAAAAAAFAAAADwAAAAAAAAAAAAAAAAAAAkUAAAAAQAAABQAAAAUAAAAFAAAAAEAAAAAAAAAZAAAAGQAAAAAAAAAZAAAAGQAAAAVAAAAYAAAAAAAAAAAAAAADwAAACADAAAAAAAAAAAAAAEAAACgMgAAVgcAAKr4//8BAAAAf39/AAEAAABkAAAAAAAAABQAAABAHwAAAAAAACYAAAAAAAAAwOD//wAAAAAmAAAAZAAAABYAAABMAAAAAAAAAAAAAAAEAAAAAAAAAAEAAACAgIAKAAAAACgAAAAoAAAAZAAAAGQAAAAAAAAAzMzMAAAAAABQAAAAUAAAAGQAAABkAAAAAAAAABcAAAAUAAAAAAAAAAAAAAD/fwAA/38AAAAAAAAJAAAABAAAAAAAAAAMAAAAEAAAAAAAAAAAAAAAAAAAAAAAAAAeAAAAaAAAAAAAAAAAAAAAAAAAAAAAAAAAAAAAECcAABAnAAAAAAAAAAAAAAAAAAAAAAAAAAAAAAAAAAAAAAAAAAAAABQAAAAAAAAAwMD/AAAAAABkAAAAMgAAAAAAAABkAAAAAAAAAH9/fwAKAAAAHwAAAFQAAAAAAAAFAAAAAQAAAAAAAAAAAAAAAAAAAAAAAAAAAAAAAAAAAAAAAAAAAAAAAn9/fwAAAAADzMzMAMDA/wB/f38AAAAAAAAAAAAAAAAAAAAAAAAAAAAhAAAAGAAAABQAAADQAgAAGycAAPAPAABZKQAAEAAAACYAAAAIAAAA//////////8="/>
               </a:ext>
             </a:extLst>
           </p:cNvSpPr>
@@ -2940,7 +2940,7 @@
           </a:lstStyle>
           <a:p>
             <a:pPr/>
-            <a:fld id="{3E45C61A-54D3-1030-9DFD-A26588B36BF7}" type="datetime1">
+            <a:fld id="{3E69D32A-64D3-3C25-9DD1-92709D9F6BC7}" type="datetime1">
               <a:t/>
             </a:fld>
           </a:p>
@@ -2953,7 +2953,7 @@
             <a:spLocks noGrp="1" noChangeArrowheads="1"/>
             <a:extLst>
               <a:ext uri="smNativeData">
-                <pr:smNativeData xmlns:pr="smNativeData" val="SMDATA_13_m5rdZRMAAAAlAAAAZAAAAA8BAAAAkAAAAEgAAACQAAAASAAAAAAAAAABAAAAAAAAAAEAAABQAAAAAAAAAAAA4D8AAAAAAADgPwAAAAAAAOA/AAAAAAAA4D8AAAAAAADgPwAAAAAAAOA/AAAAAAAA4D8AAAAAAADgPwAAAAAAAOA/AAAAAAAA4D8CAAAAjAAAAAAAAAAAAAAAu+DjDP///wgAAAAAAAAAAAAAAAAAAAAAAAAAAAAAAAAAAAAAZAAAAAEAAABAAAAAAAAAAAAAAAAAAAAAAAAAAAAAAAAAAAAAAAAAAAAAAAAAAAAAAAAAAAAAAAAAAAAAAAAAAAAAAAAAAAAAAAAAAAAAAAAAAAAAAAAAAAAAAAAAAAAAFAAAADwAAAAAAAAAAAAAAAAAAAkUAAAAAQAAABQAAAAUAAAAFAAAAAEAAAAAAAAAZAAAAGQAAAAAAAAAZAAAAGQAAAAVAAAAYAAAAAAAAAAAAAAADwAAACADAAAAAAAAAAAAAAEAAACgMgAAVgcAAKr4//8BAAAAf39/AAEAAABkAAAAAAAAABQAAABAHwAAAAAAACYAAAAAAAAAwOD//wAAAAAmAAAAZAAAABYAAABMAAAAAAAAAAAAAAAEAAAAAAAAAAEAAACAgIAKAAAAACgAAAAoAAAAZAAAAGQAAAAAAAAAzMzMAAAAAABQAAAAUAAAAGQAAABkAAAAAAAAABcAAAAUAAAAAAAAAAAAAAD/fwAA/38AAAAAAAAJAAAABAAAAAAAAAAMAAAAEAAAAAAAAAAAAAAAAAAAAAAAAAAeAAAAaAAAAAAAAAAAAAAAAAAAAAAAAAAAAAAAECcAABAnAAAAAAAAAAAAAAAAAAAAAAAAAAAAAAAAAAAAAAAAAAAAABQAAAAAAAAAwMD/AAAAAABkAAAAMgAAAAAAAABkAAAAAAAAAH9/fwAKAAAAHwAAAFQAAAAAAAAFAAAAAQAAAAAAAAAAAAAAAAAAAAAAAAAAAAAAAAAAAAAAAAAAAAAAAn9/fwAAAAADzMzMAMDA/wB/f38AAAAAAAAAAAAAAAAAAAAAAAAAAAAhAAAAGAAAABQAAAA4EwAAGycAAAglAABZKQAAEAAAACYAAAAIAAAA//////////8="/>
+                <pr:smNativeData xmlns:pr="smNativeData" val="SMDATA_13_HSHgZRMAAAAlAAAAZAAAAA8BAAAAkAAAAEgAAACQAAAASAAAAAAAAAABAAAAAAAAAAEAAABQAAAAAAAAAAAA4D8AAAAAAADgPwAAAAAAAOA/AAAAAAAA4D8AAAAAAADgPwAAAAAAAOA/AAAAAAAA4D8AAAAAAADgPwAAAAAAAOA/AAAAAAAA4D8CAAAAjAAAAAAAAAAAAAAAu+DjDP///wgAAAAAAAAAAAAAAAAAAAAAAAAAAAAAAAAAAAAAZAAAAAEAAABAAAAAAAAAAAAAAAAAAAAAAAAAAAAAAAAAAAAAAAAAAAAAAAAAAAAAAAAAAAAAAAAAAAAAAAAAAAAAAAAAAAAAAAAAAAAAAAAAAAAAAAAAAAAAAAAAAAAAFAAAADwAAAAAAAAAAAAAAAAAAAkUAAAAAQAAABQAAAAUAAAAFAAAAAEAAAAAAAAAZAAAAGQAAAAAAAAAZAAAAGQAAAAVAAAAYAAAAAAAAAAAAAAADwAAACADAAAAAAAAAAAAAAEAAACgMgAAVgcAAKr4//8BAAAAf39/AAEAAABkAAAAAAAAABQAAABAHwAAAAAAACYAAAAAAAAAwOD//wAAAAAmAAAAZAAAABYAAABMAAAAAAAAAAAAAAAEAAAAAAAAAAEAAACAgIAKAAAAACgAAAAoAAAAZAAAAGQAAAAAAAAAzMzMAAAAAABQAAAAUAAAAGQAAABkAAAAAAAAABcAAAAUAAAAAAAAAAAAAAD/fwAA/38AAAAAAAAJAAAABAAAAAAAAAAMAAAAEAAAAAAAAAAAAAAAAAAAAAAAAAAeAAAAaAAAAAAAAAAAAAAAAAAAAAAAAAAAAAAAECcAABAnAAAAAAAAAAAAAAAAAAAAAAAAAAAAAAAAAAAAAAAAAAAAABQAAAAAAAAAwMD/AAAAAABkAAAAMgAAAAAAAABkAAAAAAAAAH9/fwAKAAAAHwAAAFQAAAAAAAAFAAAAAQAAAAAAAAAAAAAAAAAAAAAAAAAAAAAAAAAAAAAAAAAAAAAAAn9/fwAAAAADzMzMAMDA/wB/f38AAAAAAAAAAAAAAAAAAAAAAAAAAAAhAAAAGAAAABQAAAA4EwAAGycAAAglAABZKQAAEAAAACYAAAAIAAAA//////////8="/>
               </a:ext>
             </a:extLst>
           </p:cNvSpPr>
@@ -2998,7 +2998,7 @@
             <a:spLocks noGrp="1" noChangeArrowheads="1"/>
             <a:extLst>
               <a:ext uri="smNativeData">
-                <pr:smNativeData xmlns:pr="smNativeData" val="SMDATA_13_m5rdZRMAAAAlAAAAZAAAAA8BAAAAkAAAAEgAAACQAAAASAAAAAAAAAABAAAAAAAAAAEAAABQAAAAAAAAAAAA4D8AAAAAAADgPwAAAAAAAOA/AAAAAAAA4D8AAAAAAADgPwAAAAAAAOA/AAAAAAAA4D8AAAAAAADgPwAAAAAAAOA/AAAAAAAA4D8CAAAAjAAAAAAAAAAAAAAAu+DjDP///wgAAAAAAAAAAAAAAAAAAAAAAAAAAAAAAAAAAAAAZAAAAAEAAABAAAAAAAAAAAAAAAAAAAAAAAAAAAAAAAAAAAAAAAAAAAAAAAAAAAAAAAAAAAAAAAAAAAAAAAAAAAAAAAAAAAAAAAAAAAAAAAAAAAAAAAAAAAAAAAAAAAAAFAAAADwAAAAAAAAAAAAAAAAAAAkUAAAAAQAAABQAAAAUAAAAFAAAAAEAAAAAAAAAZAAAAGQAAAAAAAAAZAAAAGQAAAAVAAAAYAAAAAAAAAAAAAAADwAAACADAAAAAAAAAAAAAAEAAACgMgAAVgcAAKr4//8BAAAAf39/AAEAAABkAAAAAAAAABQAAABAHwAAAAAAACYAAAAAAAAAwOD//wAAAAAmAAAAZAAAABYAAABMAAAAAAAAAAAAAAAEAAAAAAAAAAEAAACAgIAKAAAAACgAAAAoAAAAZAAAAGQAAAAAAAAAzMzMAAAAAABQAAAAUAAAAGQAAABkAAAAAAAAABcAAAAUAAAAAAAAAAAAAAD/fwAA/38AAAAAAAAJAAAABAAAAAAAAAAMAAAAEAAAAAAAAAAAAAAAAAAAAAAAAAAeAAAAaAAAAAAAAAAAAAAAAAAAAAAAAAAAAAAAECcAABAnAAAAAAAAAAAAAAAAAAAAAAAAAAAAAAAAAAAAAAAAAAAAABQAAAAAAAAAwMD/AAAAAABkAAAAMgAAAAAAAABkAAAAAAAAAH9/fwAKAAAAHwAAAFQAAAAAAAAFAAAAAQAAAAAAAAAAAAAAAAAAAAAAAAAAAAAAAAAAAAAAAAAAAAAAAn9/fwAAAAADzMzMAMDA/wB/f38AAAAAAAAAAAAAAAAAAAAAAAAAAAAhAAAAGAAAABQAAABQKAAAGycAAHA1AABZKQAAEAAAACYAAAAIAAAA//////////8="/>
+                <pr:smNativeData xmlns:pr="smNativeData" val="SMDATA_13_HSHgZRMAAAAlAAAAZAAAAA8BAAAAkAAAAEgAAACQAAAASAAAAAAAAAABAAAAAAAAAAEAAABQAAAAAAAAAAAA4D8AAAAAAADgPwAAAAAAAOA/AAAAAAAA4D8AAAAAAADgPwAAAAAAAOA/AAAAAAAA4D8AAAAAAADgPwAAAAAAAOA/AAAAAAAA4D8CAAAAjAAAAAAAAAAAAAAAu+DjDP///wgAAAAAAAAAAAAAAAAAAAAAAAAAAAAAAAAAAAAAZAAAAAEAAABAAAAAAAAAAAAAAAAAAAAAAAAAAAAAAAAAAAAAAAAAAAAAAAAAAAAAAAAAAAAAAAAAAAAAAAAAAAAAAAAAAAAAAAAAAAAAAAAAAAAAAAAAAAAAAAAAAAAAFAAAADwAAAAAAAAAAAAAAAAAAAkUAAAAAQAAABQAAAAUAAAAFAAAAAEAAAAAAAAAZAAAAGQAAAAAAAAAZAAAAGQAAAAVAAAAYAAAAAAAAAAAAAAADwAAACADAAAAAAAAAAAAAAEAAACgMgAAVgcAAKr4//8BAAAAf39/AAEAAABkAAAAAAAAABQAAABAHwAAAAAAACYAAAAAAAAAwOD//wAAAAAmAAAAZAAAABYAAABMAAAAAAAAAAAAAAAEAAAAAAAAAAEAAACAgIAKAAAAACgAAAAoAAAAZAAAAGQAAAAAAAAAzMzMAAAAAABQAAAAUAAAAGQAAABkAAAAAAAAABcAAAAUAAAAAAAAAAAAAAD/fwAA/38AAAAAAAAJAAAABAAAAAAAAAAMAAAAEAAAAAAAAAAAAAAAAAAAAAAAAAAeAAAAaAAAAAAAAAAAAAAAAAAAAAAAAAAAAAAAECcAABAnAAAAAAAAAAAAAAAAAAAAAAAAAAAAAAAAAAAAAAAAAAAAABQAAAAAAAAAwMD/AAAAAABkAAAAMgAAAAAAAABkAAAAAAAAAH9/fwAKAAAAHwAAAFQAAAAAAAAFAAAAAQAAAAAAAAAAAAAAAAAAAAAAAAAAAAAAAAAAAAAAAAAAAAAAAn9/fwAAAAADzMzMAMDA/wB/f38AAAAAAAAAAAAAAAAAAAAAAAAAAAAhAAAAGAAAABQAAABQKAAAGycAAHA1AABZKQAAEAAAACYAAAAIAAAA//////////8="/>
               </a:ext>
             </a:extLst>
           </p:cNvSpPr>
@@ -3033,7 +3033,7 @@
           </a:lstStyle>
           <a:p>
             <a:pPr/>
-            <a:fld id="{3E45892B-65D3-107F-9DFD-932AC7B36BC6}" type="slidenum">
+            <a:fld id="{3E69B372-3CD3-3C45-9DD1-CA10FD9F6B9F}" type="slidenum">
               <a:t/>
             </a:fld>
           </a:p>
@@ -3712,7 +3712,7 @@
             <a:spLocks noGrp="1" noChangeArrowheads="1"/>
             <a:extLst>
               <a:ext uri="smNativeData">
-                <pr:smNativeData xmlns:pr="smNativeData" val="SMDATA_13_m5rdZRMAAAAlAAAAZAAAAA8BAAAAkAAAAEgAAACQAAAASAAAAAAAAAABAAAAAAAAAAEAAABQAAAAAAAAAAAA4D8AAAAAAADgPwAAAAAAAOA/AAAAAAAA4D8AAAAAAADgPwAAAAAAAOA/AAAAAAAA4D8AAAAAAADgPwAAAAAAAOA/AAAAAAAA4D8CAAAAjAAAAAAAAAAAAAAAu+DjDP///wgAAAAAAAAAAAAAAAAAAAAAAAAAAAAAAAAAAAAAZAAAAAEAAABAAAAAAAAAAAAAAAAAAAAAAAAAAAAAAAAAAAAAAAAAAAAAAAAAAAAAAAAAAAAAAAAAAAAAAAAAAAAAAAAAAAAAAAAAAAAAAAAAAAAAAAAAAAAAAAAAAAAAFAAAADwAAAAAAAAAAAAAAAAAAAkUAAAAAQAAABQAAAAUAAAAFAAAAAEAAAAAAAAAZAAAAGQAAAAAAAAAZAAAAGQAAAAVAAAAYAAAAAAAAAAAAAAADwAAACADAAAAAAAAAAAAAAEAAACgMgAAVgcAAKr4//8BAAAAf39/AAEAAABkAAAAAAAAABQAAABAHwAAAAAAACYAAAAAAAAAwOD//wAAAAAmAAAAZAAAABYAAABMAAAAAAAAAAAAAAAEAAAAAAAAAAEAAACAgIAKAAAAACgAAAAoAAAAZAAAAGQAAAAAAAAAzMzMAAAAAABQAAAAUAAAAGQAAABkAAAAAAAAABcAAAAUAAAAAAAAAAAAAAD/fwAA/38AAAAAAAAJAAAABAAAAAAAAAAMAAAAEAAAAAAAAAAAAAAAAAAAAAAAAAAeAAAAaAAAAAAAAAAAAAAAAAAAAAAAAAAAAAAAECcAABAnAAAAAAAAAAAAAAAAAAAAAAAAAAAAAAAAAAAAAAAAAAAAABQAAAAAAAAAwMD/AAAAAABkAAAAMgAAAAAAAABkAAAAAAAAAH9/fwAKAAAAHwAAAFQAAAC74OMF////AQAAAAAAAAAAAAAAAAAAAAAAAAAAAAAAAAAAAAAAAAAAAAAAAn9/fwCAgIADzMzMAMDA/wB/f38AAAAAAAAAAAAAAAAAAAAAAAAAAAAhAAAAGAAAABQAAABqBAAA/QEAADo0AAAJCwAAAAAAACYAAAAIAAAAAQAAAAAAAAA="/>
+                <pr:smNativeData xmlns:pr="smNativeData" val="SMDATA_13_HSHgZRMAAAAlAAAAZAAAAA8BAAAAkAAAAEgAAACQAAAASAAAAAAAAAABAAAAAAAAAAEAAABQAAAAAAAAAAAA4D8AAAAAAADgPwAAAAAAAOA/AAAAAAAA4D8AAAAAAADgPwAAAAAAAOA/AAAAAAAA4D8AAAAAAADgPwAAAAAAAOA/AAAAAAAA4D8CAAAAjAAAAAAAAAAAAAAAu+DjDP///wgAAAAAAAAAAAAAAAAAAAAAAAAAAAAAAAAAAAAAZAAAAAEAAABAAAAAAAAAAAAAAAAAAAAAAAAAAAAAAAAAAAAAAAAAAAAAAAAAAAAAAAAAAAAAAAAAAAAAAAAAAAAAAAAAAAAAAAAAAAAAAAAAAAAAAAAAAAAAAAAAAAAAFAAAADwAAAAAAAAAAAAAAAAAAAkUAAAAAQAAABQAAAAUAAAAFAAAAAEAAAAAAAAAZAAAAGQAAAAAAAAAZAAAAGQAAAAVAAAAYAAAAAAAAAAAAAAADwAAACADAAAAAAAAAAAAAAEAAACgMgAAVgcAAKr4//8BAAAAf39/AAEAAABkAAAAAAAAABQAAABAHwAAAAAAACYAAAAAAAAAwOD//wAAAAAmAAAAZAAAABYAAABMAAAAAAAAAAAAAAAEAAAAAAAAAAEAAACAgIAKAAAAACgAAAAoAAAAZAAAAGQAAAAAAAAAzMzMAAAAAABQAAAAUAAAAGQAAABkAAAAAAAAABcAAAAUAAAAAAAAAAAAAAD/fwAA/38AAAAAAAAJAAAABAAAAAAAAAAMAAAAEAAAAAAAAAAAAAAAAAAAAAAAAAAeAAAAaAAAAAAAAAAAAAAAAAAAAAAAAAAAAAAAECcAABAnAAAAAAAAAAAAAAAAAAAAAAAAAAAAAAAAAAAAAAAAAAAAABQAAAAAAAAAwMD/AAAAAABkAAAAMgAAAAAAAABkAAAAAAAAAH9/fwAKAAAAHwAAAFQAAAC74OMF////AQAAAAAAAAAAAAAAAAAAAAAAAAAAAAAAAAAAAAAAAAAAAAAAAn9/fwCAgIADzMzMAMDA/wB/f38AAAAAAAAAAAAAAAAAAAAAAAAAAAAhAAAAGAAAABQAAABqBAAA/QEAADo0AAAJCwAAEAAAACYAAAAIAAAAAQAAAAAAAAA="/>
               </a:ext>
             </a:extLst>
           </p:cNvSpPr>
@@ -3750,7 +3750,7 @@
             <a:spLocks noGrp="1" noChangeArrowheads="1"/>
             <a:extLst>
               <a:ext uri="smNativeData">
-                <pr:smNativeData xmlns:pr="smNativeData" val="SMDATA_13_m5rdZRMAAAAlAAAAZAAAAA8BAAAAkAAAAEgAAACQAAAASAAAAAAAAAAAAAAAAAAAAAEAAABQAAAAAAAAAAAA4D8AAAAAAADgPwAAAAAAAOA/AAAAAAAA4D8AAAAAAADgPwAAAAAAAOA/AAAAAAAA4D8AAAAAAADgPwAAAAAAAOA/AAAAAAAA4D8CAAAAjAAAAAAAAAAAAAAAu+DjDP///wgAAAAAAAAAAAAAAAAAAAAAAAAAAAAAAAAAAAAAZAAAAAEAAABAAAAAAAAAAAAAAAAAAAAAAAAAAAAAAAAAAAAAAAAAAAAAAAAAAAAAAAAAAAAAAAAAAAAAAAAAAAAAAAAAAAAAAAAAAAAAAAAAAAAAAAAAAAAAAAAAAAAAFAAAADwAAAAAAAAAAAAAAAAAAAkUAAAAAQAAABQAAAAUAAAAFAAAAAEAAAAAAAAAZAAAAGQAAAAAAAAAZAAAAGQAAAAVAAAAYAAAAAAAAAAAAAAADwAAACADAAAAAAAAAAAAAAEAAACgMgAAVgcAAKr4//8BAAAAf39/AAEAAABkAAAAAAAAABQAAABAHwAAAAAAACYAAAAAAAAAwOD//wAAAAAmAAAAZAAAABYAAABMAAAAAAAAAAAAAAAEAAAAAAAAAAEAAACAgIAKAAAAACgAAAAoAAAAZAAAAGQAAAAAAAAAzMzMAAAAAABQAAAAUAAAAGQAAABkAAAAAAAAABcAAAAUAAAAAAAAAAAAAAD/fwAA/38AAAAAAAAJAAAABAAAAGYAYwAMAAAAEAAAAAAAAAAAAAAAAAAAAAAAAAAeAAAAaAAAAAAAAAAAAAAAAAAAAAAAAAAAAAAAECcAABAnAAAAAAAAAAAAAAAAAAAAAAAAAAAAAAAAAAAAAAAAAAAAABQAAAAAAAAAwMD/AAAAAABkAAAAMgAAAAAAAABkAAAAAAAAAH9/fwAKAAAAHwAAAFQAAAC74OMF////AQAAAAAAAAAAAAAAAAAAAAAAAAAAAAAAAAAAAAAAAAAAAAAAAn9/fwCAgIADzMzMAMDA/wB/f38AAAAAAAAAAAAAAAAAAAAAAAAAAAAhAAAAGAAAABQAAABwCAAA6wsAANAvAACwIgAAAAAAACYAAAAIAAAAAQAAAAAAAAA="/>
+                <pr:smNativeData xmlns:pr="smNativeData" val="SMDATA_13_HSHgZRMAAAAlAAAAZAAAAA8BAAAAkAAAAEgAAACQAAAASAAAAAAAAAAAAAAAAAAAAAEAAABQAAAAAAAAAAAA4D8AAAAAAADgPwAAAAAAAOA/AAAAAAAA4D8AAAAAAADgPwAAAAAAAOA/AAAAAAAA4D8AAAAAAADgPwAAAAAAAOA/AAAAAAAA4D8CAAAAjAAAAAAAAAAAAAAAu+DjDP///wgAAAAAAAAAAAAAAAAAAAAAAAAAAAAAAAAAAAAAZAAAAAEAAABAAAAAAAAAAAAAAAAAAAAAAAAAAAAAAAAAAAAAAAAAAAAAAAAAAAAAAAAAAAAAAAAAAAAAAAAAAAAAAAAAAAAAAAAAAAAAAAAAAAAAAAAAAAAAAAAAAAAAFAAAADwAAAAAAAAAAAAAAAAAAAkUAAAAAQAAABQAAAAUAAAAFAAAAAEAAAAAAAAAZAAAAGQAAAAAAAAAZAAAAGQAAAAVAAAAYAAAAAAAAAAAAAAADwAAACADAAAAAAAAAAAAAAEAAACgMgAAVgcAAKr4//8BAAAAf39/AAEAAABkAAAAAAAAABQAAABAHwAAAAAAACYAAAAAAAAAwOD//wAAAAAmAAAAZAAAABYAAABMAAAAAAAAAAAAAAAEAAAAAAAAAAEAAACAgIAKAAAAACgAAAAoAAAAZAAAAGQAAAAAAAAAzMzMAAAAAABQAAAAUAAAAGQAAABkAAAAAAAAABcAAAAUAAAAAAAAAAAAAAD/fwAA/38AAAAAAAAJAAAABAAAAGYAYwAMAAAAEAAAAAAAAAAAAAAAAAAAAAAAAAAeAAAAaAAAAAAAAAAAAAAAAAAAAAAAAAAAAAAAECcAABAnAAAAAAAAAAAAAAAAAAAAAAAAAAAAAAAAAAAAAAAAAAAAABQAAAAAAAAAwMD/AAAAAABkAAAAMgAAAAAAAABkAAAAAAAAAH9/fwAKAAAAHwAAAFQAAAC74OMF////AQAAAAAAAAAAAAAAAAAAAAAAAAAAAAAAAAAAAAAAAAAAAAAAAn9/fwCAgIADzMzMAMDA/wB/f38AAAAAAAAAAAAAAAAAAAAAAAAAAAAhAAAAGAAAABQAAABwCAAA6wsAANAvAACwIgAAEAAAACYAAAAIAAAAAQAAAAAAAAA="/>
               </a:ext>
             </a:extLst>
           </p:cNvSpPr>
@@ -3860,7 +3860,7 @@
             <a:spLocks noGrp="1" noChangeArrowheads="1"/>
             <a:extLst>
               <a:ext uri="smNativeData">
-                <pr:smNativeData xmlns:pr="smNativeData" val="SMDATA_13_m5rdZRMAAAAlAAAAZAAAAA8BAAAAkAAAAEgAAACQAAAASAAAAAAAAAAAAAAAAAAAAAEAAABQAAAAAAAAAAAA4D8AAAAAAADgPwAAAAAAAOA/AAAAAAAA4D8AAAAAAADgPwAAAAAAAOA/AAAAAAAA4D8AAAAAAADgPwAAAAAAAOA/AAAAAAAA4D8CAAAAjAAAAAAAAAAAAAAAu+DjDP///wgAAAAAAAAAAAAAAAAAAAAAAAAAAAAAAAAAAAAAZAAAAAEAAABAAAAAAAAAAAAAAAAAAAAAAAAAAAAAAAAAAAAAAAAAAAAAAAAAAAAAAAAAAAAAAAAAAAAAAAAAAAAAAAAAAAAAAAAAAAAAAAAAAAAAAAAAAAAAAAAAAAAAFAAAADwAAAAAAAAAAAAAAAAAAAkUAAAAAQAAABQAAAAUAAAAFAAAAAEAAAAAAAAAZAAAAGQAAAAAAAAAZAAAAGQAAAAVAAAAYAAAAAAAAAAAAAAADwAAACADAAAAAAAAAAAAAAEAAACgMgAAVgcAAKr4//8BAAAAf39/AAEAAABkAAAAAAAAABQAAABAHwAAAAAAACYAAAAAAAAAwOD//wAAAAAmAAAAZAAAABYAAABMAAAAAAAAAAAAAAAEAAAAAAAAAAEAAACAgIAKAAAAACgAAAAoAAAAZAAAAGQAAAAAAAAAzMzMAAAAAABQAAAAUAAAAGQAAABkAAAAAAAAABcAAAAUAAAAAAAAAAAAAAD/fwAA/38AAAAAAAAJAAAABAAAAO3///8MAAAAEAAAAAAAAAAAAAAAAAAAAAAAAAAeAAAAaAAAAAAAAAAAAAAAAAAAAAAAAAAAAAAAECcAABAnAAAAAAAAAAAAAAAAAAAAAAAAAAAAAAAAAAAAAAAAAAAAABQAAAAAAAAAwMD/AAAAAABkAAAAMgAAAAAAAABkAAAAAAAAAH9/fwAKAAAAHwAAAFQAAAC74OMF////AQAAAAAAAAAAAAAAAAAAAAAAAAAAAAAAAAAAAAAAAAAAAAAAAn9/fwCAgIADzMzMAMDA/wB/f38AAAAAAAAAAAAAAAAAAAAAAAAAAAAhAAAAGAAAABQAAABwCAAApQIAANAvAABnJgAAAAAAACYAAAAIAAAAAQAAAAAAAAA="/>
+                <pr:smNativeData xmlns:pr="smNativeData" val="SMDATA_13_HSHgZRMAAAAlAAAAZAAAAA8BAAAAkAAAAEgAAACQAAAASAAAAAAAAAAAAAAAAAAAAAEAAABQAAAAAAAAAAAA4D8AAAAAAADgPwAAAAAAAOA/AAAAAAAA4D8AAAAAAADgPwAAAAAAAOA/AAAAAAAA4D8AAAAAAADgPwAAAAAAAOA/AAAAAAAA4D8CAAAAjAAAAAAAAAAAAAAAu+DjDP///wgAAAAAAAAAAAAAAAAAAAAAAAAAAAAAAAAAAAAAZAAAAAEAAABAAAAAAAAAAAAAAAAAAAAAAAAAAAAAAAAAAAAAAAAAAAAAAAAAAAAAAAAAAAAAAAAAAAAAAAAAAAAAAAAAAAAAAAAAAAAAAAAAAAAAAAAAAAAAAAAAAAAAFAAAADwAAAAAAAAAAAAAAAAAAAkUAAAAAQAAABQAAAAUAAAAFAAAAAEAAAAAAAAAZAAAAGQAAAAAAAAAZAAAAGQAAAAVAAAAYAAAAAAAAAAAAAAADwAAACADAAAAAAAAAAAAAAEAAACgMgAAVgcAAKr4//8BAAAAf39/AAEAAABkAAAAAAAAABQAAABAHwAAAAAAACYAAAAAAAAAwOD//wAAAAAmAAAAZAAAABYAAABMAAAAAAAAAAAAAAAEAAAAAAAAAAEAAACAgIAKAAAAACgAAAAoAAAAZAAAAGQAAAAAAAAAzMzMAAAAAABQAAAAUAAAAGQAAABkAAAAAAAAABcAAAAUAAAAAAAAAAAAAAD/fwAA/38AAAAAAAAJAAAABAAAAO3///8MAAAAEAAAAAAAAAAAAAAAAAAAAAAAAAAeAAAAaAAAAAAAAAAAAAAAAAAAAAAAAAAAAAAAECcAABAnAAAAAAAAAAAAAAAAAAAAAAAAAAAAAAAAAAAAAAAAAAAAABQAAAAAAAAAwMD/AAAAAABkAAAAMgAAAAAAAABkAAAAAAAAAH9/fwAKAAAAHwAAAFQAAAC74OMF////AQAAAAAAAAAAAAAAAAAAAAAAAAAAAAAAAAAAAAAAAAAAAAAAAn9/fwCAgIADzMzMAMDA/wB/f38AAAAAAAAAAAAAAAAAAAAAAAAAAAAhAAAAGAAAABQAAABwCAAApQIAANAvAABnJgAAAAAAACYAAAAIAAAAAQAAAAAAAAA="/>
               </a:ext>
             </a:extLst>
           </p:cNvSpPr>
@@ -3883,7 +3883,7 @@
               <a:buChar char=""/>
             </a:pPr>
             <a:r>
-              <a:t>Those young people are very professional</a:t>
+              <a:t>Those young people are very professional.</a:t>
             </a:r>
           </a:p>
           <a:p>
@@ -4370,7 +4370,7 @@
     </p:bldLst>
     <p:extLst>
       <p:ext uri="smNativeData">
-        <pr:smNativeData xmlns:pr="smNativeData" val="m5rdZQgAAAAFAAAAAAAAAAEAAAABAAAAAAAAAAAAAAAAAAAAAAAAAAkAAAABAAAAAQAAAAEAAAAAAAAAAAAAAAAAAAAAAAAADQAAAAIAAAABAAAAAQAAAAAAAAAAAAAAAAAAAAAAAAARAAAAAwAAAAEAAAABAAAAAAAAAAAAAAAAAAAAAAAAABUAAAAEAAAAAQAAAAEAAAAAAAAAAAAAAAAAAAAAAAAAGQAAAAUAAAABAAAAAQAAAAAAAAAAAAAAAAAAAAAAAAAdAAAABgAAAAEAAAABAAAAAAAAAAAAAAAAAAAAAAAAACEAAAAHAAAAAQAAAAEAAAAAAAAAAAAAAAAAAAAAAAAA"/>
+        <pr:smNativeData xmlns:pr="smNativeData" val="HSHgZQgAAAAFAAAAAAAAAAEAAAABAAAAAAAAAAAAAAAAAAAAAAAAAAkAAAABAAAAAQAAAAEAAAAAAAAAAAAAAAAAAAAAAAAADQAAAAIAAAABAAAAAQAAAAAAAAAAAAAAAAAAAAAAAAARAAAAAwAAAAEAAAABAAAAAAAAAAAAAAAAAAAAAAAAABUAAAAEAAAAAQAAAAEAAAAAAAAAAAAAAAAAAAAAAAAAGQAAAAUAAAABAAAAAQAAAAAAAAAAAAAAAAAAAAAAAAAdAAAABgAAAAEAAAABAAAAAAAAAAAAAAAAAAAAAAAAACEAAAAHAAAAAQAAAAEAAAAAAAAAAAAAAAAAAAAAAAAA"/>
       </p:ext>
     </p:extLst>
   </p:timing>
@@ -4401,7 +4401,7 @@
             <a:spLocks noGrp="1" noChangeArrowheads="1"/>
             <a:extLst>
               <a:ext uri="smNativeData">
-                <pr:smNativeData xmlns:pr="smNativeData" val="SMDATA_13_m5rdZRMAAAAlAAAAZAAAAA8BAAAAkAAAAEgAAACQAAAASAAAAAAAAAABAAAAAAAAAAEAAABQAAAAAAAAAAAA4D8AAAAAAADgPwAAAAAAAOA/AAAAAAAA4D8AAAAAAADgPwAAAAAAAOA/AAAAAAAA4D8AAAAAAADgPwAAAAAAAOA/AAAAAAAA4D8CAAAAjAAAAAAAAAAAAAAAu+DjDP///wgAAAAAAAAAAAAAAAAAAAAAAAAAAAAAAAAAAAAAZAAAAAEAAABAAAAAAAAAAAAAAAAAAAAAAAAAAAAAAAAAAAAAAAAAAAAAAAAAAAAAAAAAAAAAAAAAAAAAAAAAAAAAAAAAAAAAAAAAAAAAAAAAAAAAAAAAAAAAAAAAAAAAFAAAADwAAAAAAAAAAAAAAAAAAAkUAAAAAQAAABQAAAAUAAAAFAAAAAEAAAAAAAAAZAAAAGQAAAAAAAAAZAAAAGQAAAAVAAAAYAAAAAAAAAAAAAAADwAAACADAAAAAAAAAAAAAAEAAACgMgAAVgcAAKr4//8BAAAAf39/AAEAAABkAAAAAAAAABQAAABAHwAAAAAAACYAAAAAAAAAwOD//wAAAAAmAAAAZAAAABYAAABMAAAAAAAAAAAAAAAEAAAAAAAAAAEAAACAgIAKAAAAACgAAAAoAAAAZAAAAGQAAAAAAAAAzMzMAAAAAABQAAAAUAAAAGQAAABkAAAAAAAAABcAAAAUAAAAAAAAAAAAAAD/fwAA/38AAAAAAAAJAAAABAAAAAAAAAAMAAAAEAAAAAAAAAAAAAAAAAAAAAAAAAAeAAAAaAAAAAAAAAAAAAAAAAAAAAAAAAAAAAAAECcAABAnAAAAAAAAAAAAAAAAAAAAAAAAAAAAAAAAAAAAAAAAAAAAABQAAAAAAAAAwMD/AAAAAABkAAAAMgAAAAAAAABkAAAAAAAAAH9/fwAKAAAAHwAAAFQAAAC74OMF////AQAAAAAAAAAAAAAAAAAAAAAAAAAAAAAAAAAAAAAAAAAAAAAAAn9/fwCAgIADzMzMAMDA/wB/f38AAAAAAAAAAAAAAAAAAAAAAAAAAAAhAAAAGAAAABQAAABqBAAA3wIAADo0AADrCwAAAAAAACYAAAAIAAAAAQAAAAAAAAA="/>
+                <pr:smNativeData xmlns:pr="smNativeData" val="SMDATA_13_HSHgZRMAAAAlAAAAZAAAAA8BAAAAkAAAAEgAAACQAAAASAAAAAAAAAABAAAAAAAAAAEAAABQAAAAAAAAAAAA4D8AAAAAAADgPwAAAAAAAOA/AAAAAAAA4D8AAAAAAADgPwAAAAAAAOA/AAAAAAAA4D8AAAAAAADgPwAAAAAAAOA/AAAAAAAA4D8CAAAAjAAAAAAAAAAAAAAAu+DjDP///wgAAAAAAAAAAAAAAAAAAAAAAAAAAAAAAAAAAAAAZAAAAAEAAABAAAAAAAAAAAAAAAAAAAAAAAAAAAAAAAAAAAAAAAAAAAAAAAAAAAAAAAAAAAAAAAAAAAAAAAAAAAAAAAAAAAAAAAAAAAAAAAAAAAAAAAAAAAAAAAAAAAAAFAAAADwAAAAAAAAAAAAAAAAAAAkUAAAAAQAAABQAAAAUAAAAFAAAAAEAAAAAAAAAZAAAAGQAAAAAAAAAZAAAAGQAAAAVAAAAYAAAAAAAAAAAAAAADwAAACADAAAAAAAAAAAAAAEAAACgMgAAVgcAAKr4//8BAAAAf39/AAEAAABkAAAAAAAAABQAAABAHwAAAAAAACYAAAAAAAAAwOD//wAAAAAmAAAAZAAAABYAAABMAAAAAAAAAAAAAAAEAAAAAAAAAAEAAACAgIAKAAAAACgAAAAoAAAAZAAAAGQAAAAAAAAAzMzMAAAAAABQAAAAUAAAAGQAAABkAAAAAAAAABcAAAAUAAAAAAAAAAAAAAD/fwAA/38AAAAAAAAJAAAABAAAAAAAAAAMAAAAEAAAAAAAAAAAAAAAAAAAAAAAAAAeAAAAaAAAAAAAAAAAAAAAAAAAAAAAAAAAAAAAECcAABAnAAAAAAAAAAAAAAAAAAAAAAAAAAAAAAAAAAAAAAAAAAAAABQAAAAAAAAAwMD/AAAAAABkAAAAMgAAAAAAAABkAAAAAAAAAH9/fwAKAAAAHwAAAFQAAAC74OMF////AQAAAAAAAAAAAAAAAAAAAAAAAAAAAAAAAAAAAAAAAAAAAAAAAn9/fwCAgIADzMzMAMDA/wB/f38AAAAAAAAAAAAAAAAAAAAAAAAAAAAhAAAAGAAAABQAAABqBAAA3wIAADo0AADrCwAAEAAAACYAAAAIAAAAAQAAAAAAAAA="/>
               </a:ext>
             </a:extLst>
           </p:cNvSpPr>
@@ -4439,7 +4439,7 @@
             <a:spLocks noGrp="1" noChangeArrowheads="1"/>
             <a:extLst>
               <a:ext uri="smNativeData">
-                <pr:smNativeData xmlns:pr="smNativeData" val="SMDATA_13_m5rdZRMAAAAlAAAAZAAAAA8BAAAAkAAAAEgAAACQAAAASAAAAAAAAAAAAAAAAAAAAAEAAABQAAAAAAAAAAAA4D8AAAAAAADgPwAAAAAAAOA/AAAAAAAA4D8AAAAAAADgPwAAAAAAAOA/AAAAAAAA4D8AAAAAAADgPwAAAAAAAOA/AAAAAAAA4D8CAAAAjAAAAAAAAAAAAAAAu+DjDP///wgAAAAAAAAAAAAAAAAAAAAAAAAAAAAAAAAAAAAAZAAAAAEAAABAAAAAAAAAAAAAAAAAAAAAAAAAAAAAAAAAAAAAAAAAAAAAAAAAAAAAAAAAAAAAAAAAAAAAAAAAAAAAAAAAAAAAAAAAAAAAAAAAAAAAAAAAAAAAAAAAAAAAFAAAADwAAAAAAAAAAAAAAAAAAAkUAAAAAQAAABQAAAAUAAAAFAAAAAEAAAAAAAAAZAAAAGQAAAAAAAAAZAAAAGQAAAAVAAAAYAAAAAAAAAAAAAAADwAAACADAAAAAAAAAAAAAAEAAACgMgAAVgcAAKr4//8BAAAAf39/AAEAAABkAAAAAAAAABQAAABAHwAAAAAAACYAAAAAAAAAwOD//wAAAAAmAAAAZAAAABYAAABMAAAAAAAAAAAAAAAEAAAAAAAAAAEAAACAgIAKAAAAACgAAAAoAAAAZAAAAGQAAAAAAAAAzMzMAAAAAABQAAAAUAAAAGQAAABkAAAAAAAAABcAAAAUAAAAAAAAAAAAAAD/fwAA/38AAAAAAAAJAAAABAAAAPL///8MAAAAEAAAAAAAAAAAAAAAAAAAAAAAAAAeAAAAaAAAAAAAAAAAAAAAAAAAAAAAAAAAAAAAECcAABAnAAAAAAAAAAAAAAAAAAAAAAAAAAAAAAAAAAAAAAAAAAAAABQAAAAAAAAAwMD/AAAAAABkAAAAMgAAAAAAAABkAAAAAAAAAH9/fwAKAAAAHwAAAFQAAAC74OMF////AQAAAAAAAAAAAAAAAAAAAAAAAAAAAAAAAAAAAAAAAAAAAAAAAn9/fwCAgIADzMzMAMDA/wB/f38AAAAAAAAAAAAAAAAAAAAAAAAAAAAhAAAAGAAAABQAAADUCAAAPg0AADQwAACcKAAAAAAAACYAAAAIAAAAAQAAAAAAAAA="/>
+                <pr:smNativeData xmlns:pr="smNativeData" val="SMDATA_13_HSHgZRMAAAAlAAAAZAAAAA8BAAAAkAAAAEgAAACQAAAASAAAAAAAAAAAAAAAAAAAAAEAAABQAAAAAAAAAAAA4D8AAAAAAADgPwAAAAAAAOA/AAAAAAAA4D8AAAAAAADgPwAAAAAAAOA/AAAAAAAA4D8AAAAAAADgPwAAAAAAAOA/AAAAAAAA4D8CAAAAjAAAAAAAAAAAAAAAu+DjDP///wgAAAAAAAAAAAAAAAAAAAAAAAAAAAAAAAAAAAAAZAAAAAEAAABAAAAAAAAAAAAAAAAAAAAAAAAAAAAAAAAAAAAAAAAAAAAAAAAAAAAAAAAAAAAAAAAAAAAAAAAAAAAAAAAAAAAAAAAAAAAAAAAAAAAAAAAAAAAAAAAAAAAAFAAAADwAAAAAAAAAAAAAAAAAAAkUAAAAAQAAABQAAAAUAAAAFAAAAAEAAAAAAAAAZAAAAGQAAAAAAAAAZAAAAGQAAAAVAAAAYAAAAAAAAAAAAAAADwAAACADAAAAAAAAAAAAAAEAAACgMgAAVgcAAKr4//8BAAAAf39/AAEAAABkAAAAAAAAABQAAABAHwAAAAAAACYAAAAAAAAAwOD//wAAAAAmAAAAZAAAABYAAABMAAAAAAAAAAAAAAAEAAAAAAAAAAEAAACAgIAKAAAAACgAAAAoAAAAZAAAAGQAAAAAAAAAzMzMAAAAAABQAAAAUAAAAGQAAABkAAAAAAAAABcAAAAUAAAAAAAAAAAAAAD/fwAA/38AAAAAAAAJAAAABAAAAPL///8MAAAAEAAAAAAAAAAAAAAAAAAAAAAAAAAeAAAAaAAAAAAAAAAAAAAAAAAAAAAAAAAAAAAAECcAABAnAAAAAAAAAAAAAAAAAAAAAAAAAAAAAAAAAAAAAAAAAAAAABQAAAAAAAAAwMD/AAAAAABkAAAAMgAAAAAAAABkAAAAAAAAAH9/fwAKAAAAHwAAAFQAAAC74OMF////AQAAAAAAAAAAAAAAAAAAAAAAAAAAAAAAAAAAAAAAAAAAAAAAAn9/fwCAgIADzMzMAMDA/wB/f38AAAAAAAAAAAAAAAAAAAAAAAAAAAAhAAAAGAAAABQAAADUCAAAPg0AADQwAACcKAAAEAAAACYAAAAIAAAAAQAAAAAAAAA="/>
               </a:ext>
             </a:extLst>
           </p:cNvSpPr>
@@ -4538,7 +4538,7 @@
             <a:spLocks noGrp="1" noChangeArrowheads="1"/>
             <a:extLst>
               <a:ext uri="smNativeData">
-                <pr:smNativeData xmlns:pr="smNativeData" val="SMDATA_13_m5rdZRMAAAAlAAAAZAAAAA8BAAAAkAAAAEgAAACQAAAASAAAAAAAAAAAAAAAAAAAAAEAAABQAAAAAAAAAAAA4D8AAAAAAADgPwAAAAAAAOA/AAAAAAAA4D8AAAAAAADgPwAAAAAAAOA/AAAAAAAA4D8AAAAAAADgPwAAAAAAAOA/AAAAAAAA4D8CAAAAjAAAAAAAAAAAAAAAu+DjDP///wgAAAAAAAAAAAAAAAAAAAAAAAAAAAAAAAAAAAAAZAAAAAEAAABAAAAAAAAAAAAAAAAAAAAAAAAAAAAAAAAAAAAAAAAAAAAAAAAAAAAAAAAAAAAAAAAAAAAAAAAAAAAAAAAAAAAAAAAAAAAAAAAAAAAAAAAAAAAAAAAAAAAAFAAAADwAAAAAAAAAAAAAAAAAAAkUAAAAAQAAABQAAAAUAAAAFAAAAAEAAAAAAAAAZAAAAGQAAAAAAAAAZAAAAGQAAAAVAAAAYAAAAAAAAAAAAAAADwAAACADAAAAAAAAAAAAAAEAAACgMgAAVgcAAKr4//8BAAAAf39/AAEAAABkAAAAAAAAABQAAABAHwAAAAAAACYAAAAAAAAAwOD//wAAAAAmAAAAZAAAABYAAABMAAAAAAAAAAAAAAAEAAAAAAAAAAEAAACAgIAKAAAAACgAAAAoAAAAZAAAAGQAAAAAAAAAzMzMAAAAAABQAAAAUAAAAGQAAABkAAAAAAAAABcAAAAUAAAAAAAAAAAAAAD/fwAA/38AAAAAAAAJAAAABAAAAAoAAAAMAAAAEAAAAAAAAAAAAAAAAAAAAAAAAAAeAAAAaAAAAAAAAAAAAAAAAAAAAAAAAAAAAAAAECcAABAnAAAAAAAAAAAAAAAAAAAAAAAAAAAAAAAAAAAAAAAAAAAAABQAAAAAAAAAwMD/AAAAAABkAAAAMgAAAAAAAABkAAAAAAAAAH9/fwAKAAAAHwAAAFQAAAC74OMF////AQAAAAAAAAAAAAAAAAAAAAAAAAAAAAAAAAAAAAAAAAAAAAAAAn9/fwCAgIADzMzMAMDA/wB/f38AAAAAAAAAAAAAAAAAAAAAAAAAAAAhAAAAGAAAABQAAABwCAAANQIAANAvAAAyJAAAAAAAACYAAAAIAAAAAQAAAAAAAAA="/>
+                <pr:smNativeData xmlns:pr="smNativeData" val="SMDATA_13_HSHgZRMAAAAlAAAAZAAAAA8BAAAAkAAAAEgAAACQAAAASAAAAAAAAAAAAAAAAAAAAAEAAABQAAAAAAAAAAAA4D8AAAAAAADgPwAAAAAAAOA/AAAAAAAA4D8AAAAAAADgPwAAAAAAAOA/AAAAAAAA4D8AAAAAAADgPwAAAAAAAOA/AAAAAAAA4D8CAAAAjAAAAAAAAAAAAAAAu+DjDP///wgAAAAAAAAAAAAAAAAAAAAAAAAAAAAAAAAAAAAAZAAAAAEAAABAAAAAAAAAAAAAAAAAAAAAAAAAAAAAAAAAAAAAAAAAAAAAAAAAAAAAAAAAAAAAAAAAAAAAAAAAAAAAAAAAAAAAAAAAAAAAAAAAAAAAAAAAAAAAAAAAAAAAFAAAADwAAAAAAAAAAAAAAAAAAAkUAAAAAQAAABQAAAAUAAAAFAAAAAEAAAAAAAAAZAAAAGQAAAAAAAAAZAAAAGQAAAAVAAAAYAAAAAAAAAAAAAAADwAAACADAAAAAAAAAAAAAAEAAACgMgAAVgcAAKr4//8BAAAAf39/AAEAAABkAAAAAAAAABQAAABAHwAAAAAAACYAAAAAAAAAwOD//wAAAAAmAAAAZAAAABYAAABMAAAAAAAAAAAAAAAEAAAAAAAAAAEAAACAgIAKAAAAACgAAAAoAAAAZAAAAGQAAAAAAAAAzMzMAAAAAABQAAAAUAAAAGQAAABkAAAAAAAAABcAAAAUAAAAAAAAAAAAAAD/fwAA/38AAAAAAAAJAAAABAAAAAoAAAAMAAAAEAAAAAAAAAAAAAAAAAAAAAAAAAAeAAAAaAAAAAAAAAAAAAAAAAAAAAAAAAAAAAAAECcAABAnAAAAAAAAAAAAAAAAAAAAAAAAAAAAAAAAAAAAAAAAAAAAABQAAAAAAAAAwMD/AAAAAABkAAAAMgAAAAAAAABkAAAAAAAAAH9/fwAKAAAAHwAAAFQAAAC74OMF////AQAAAAAAAAAAAAAAAAAAAAAAAAAAAAAAAAAAAAAAAAAAAAAAAn9/fwCAgIADzMzMAMDA/wB/f38AAAAAAAAAAAAAAAAAAAAAAAAAAAAhAAAAGAAAABQAAABwCAAANQIAANAvAAAyJAAAEAAAACYAAAAIAAAAAQAAAAAAAAA="/>
               </a:ext>
             </a:extLst>
           </p:cNvSpPr>
@@ -5158,7 +5158,7 @@
     </p:bldLst>
     <p:extLst>
       <p:ext uri="smNativeData">
-        <pr:smNativeData xmlns:pr="smNativeData" val="m5rdZQoAAAAFAAAAAAAAAAEAAAABAAAAAAAAAAAAAAAAAAAAAAAAAAkAAAABAAAAAQAAAAEAAAAAAAAAAAAAAAAAAAAAAAAADQAAAAIAAAABAAAAAQAAAAAAAAAAAAAAAAAAAAAAAAARAAAAAwAAAAEAAAABAAAAAAAAAAAAAAAAAAAAAAAAABUAAAAEAAAAAQAAAAEAAAAAAAAAAAAAAAAAAAAAAAAAGQAAAAUAAAABAAAAAQAAAAAAAAAAAAAAAAAAAAAAAAAdAAAABgAAAAEAAAABAAAAAAAAAAAAAAAAAAAAAAAAACEAAAAHAAAAAQAAAAEAAAAAAAAAAAAAAAAAAAAAAAAAJQAAAAgAAAABAAAAAQAAAAAAAAAAAAAAAAAAAAAAAAApAAAACQAAAAEAAAABAAAAAAAAAAAAAAAAAAAAAAAAAA=="/>
+        <pr:smNativeData xmlns:pr="smNativeData" val="HSHgZQoAAAAFAAAAAAAAAAEAAAABAAAAAAAAAAAAAAAAAAAAAAAAAAkAAAABAAAAAQAAAAEAAAAAAAAAAAAAAAAAAAAAAAAADQAAAAIAAAABAAAAAQAAAAAAAAAAAAAAAAAAAAAAAAARAAAAAwAAAAEAAAABAAAAAAAAAAAAAAAAAAAAAAAAABUAAAAEAAAAAQAAAAEAAAAAAAAAAAAAAAAAAAAAAAAAGQAAAAUAAAABAAAAAQAAAAAAAAAAAAAAAAAAAAAAAAAdAAAABgAAAAEAAAABAAAAAAAAAAAAAAAAAAAAAAAAACEAAAAHAAAAAQAAAAEAAAAAAAAAAAAAAAAAAAAAAAAAJQAAAAgAAAABAAAAAQAAAAAAAAAAAAAAAAAAAAAAAAApAAAACQAAAAEAAAABAAAAAAAAAAAAAAAAAAAAAAAAAA=="/>
       </p:ext>
     </p:extLst>
   </p:timing>
@@ -5189,7 +5189,7 @@
             <a:spLocks noGrp="1" noChangeArrowheads="1"/>
             <a:extLst>
               <a:ext uri="smNativeData">
-                <pr:smNativeData xmlns:pr="smNativeData" val="SMDATA_13_m5rdZRMAAAAlAAAAZAAAAA8BAAAAkAAAAEgAAACQAAAASAAAAAAAAAABAAAAAAAAAAEAAABQAAAAAAAAAAAA4D8AAAAAAADgPwAAAAAAAOA/AAAAAAAA4D8AAAAAAADgPwAAAAAAAOA/AAAAAAAA4D8AAAAAAADgPwAAAAAAAOA/AAAAAAAA4D8CAAAAjAAAAAAAAAAAAAAAu+DjDP///wgAAAAAAAAAAAAAAAAAAAAAAAAAAAAAAAAAAAAAZAAAAAEAAABAAAAAAAAAAAAAAAAAAAAAAAAAAAAAAAAAAAAAAAAAAAAAAAAAAAAAAAAAAAAAAAAAAAAAAAAAAAAAAAAAAAAAAAAAAAAAAAAAAAAAAAAAAAAAAAAAAAAAFAAAADwAAAAAAAAAAAAAAAAAAAkUAAAAAQAAABQAAAAUAAAAFAAAAAEAAAAAAAAAZAAAAGQAAAAAAAAAZAAAAGQAAAAVAAAAYAAAAAAAAAAAAAAADwAAACADAAAAAAAAAAAAAAEAAACgMgAAVgcAAKr4//8BAAAAf39/AAEAAABkAAAAAAAAABQAAABAHwAAAAAAACYAAAAAAAAAwOD//wAAAAAmAAAAZAAAABYAAABMAAAAAAAAAAAAAAAEAAAAAAAAAAEAAACAgIAKAAAAACgAAAAoAAAAZAAAAGQAAAAAAAAAzMzMAAAAAABQAAAAUAAAAGQAAABkAAAAAAAAABcAAAAUAAAAAAAAAAAAAAD/fwAA/38AAAAAAAAJAAAABAAAAAAAAAAMAAAAEAAAAAAAAAAAAAAAAAAAAAAAAAAeAAAAaAAAAAAAAAAAAAAAAAAAAAAAAAAAAAAAECcAABAnAAAAAAAAAAAAAAAAAAAAAAAAAAAAAAAAAAAAAAAAAAAAABQAAAAAAAAAwMD/AAAAAABkAAAAMgAAAAAAAABkAAAAAAAAAH9/fwAKAAAAHwAAAFQAAAC74OMF////AQAAAAAAAAAAAAAAAAAAAAAAAAAAAAAAAAAAAAAAAAAAAAAAAn9/fwCAgIADzMzMAMDA/wB/f38AAAAAAAAAAAAAAAAAAAAAAAAAAAAhAAAAGAAAABQAAADVAwAAUwEAAKUzAABfCgAAAAAAACYAAAAIAAAAAQAAAAAAAAA="/>
+                <pr:smNativeData xmlns:pr="smNativeData" val="SMDATA_13_HSHgZRMAAAAlAAAAZAAAAA8BAAAAkAAAAEgAAACQAAAASAAAAAAAAAABAAAAAAAAAAEAAABQAAAAAAAAAAAA4D8AAAAAAADgPwAAAAAAAOA/AAAAAAAA4D8AAAAAAADgPwAAAAAAAOA/AAAAAAAA4D8AAAAAAADgPwAAAAAAAOA/AAAAAAAA4D8CAAAAjAAAAAAAAAAAAAAAu+DjDP///wgAAAAAAAAAAAAAAAAAAAAAAAAAAAAAAAAAAAAAZAAAAAEAAABAAAAAAAAAAAAAAAAAAAAAAAAAAAAAAAAAAAAAAAAAAAAAAAAAAAAAAAAAAAAAAAAAAAAAAAAAAAAAAAAAAAAAAAAAAAAAAAAAAAAAAAAAAAAAAAAAAAAAFAAAADwAAAAAAAAAAAAAAAAAAAkUAAAAAQAAABQAAAAUAAAAFAAAAAEAAAAAAAAAZAAAAGQAAAAAAAAAZAAAAGQAAAAVAAAAYAAAAAAAAAAAAAAADwAAACADAAAAAAAAAAAAAAEAAACgMgAAVgcAAKr4//8BAAAAf39/AAEAAABkAAAAAAAAABQAAABAHwAAAAAAACYAAAAAAAAAwOD//wAAAAAmAAAAZAAAABYAAABMAAAAAAAAAAAAAAAEAAAAAAAAAAEAAACAgIAKAAAAACgAAAAoAAAAZAAAAGQAAAAAAAAAzMzMAAAAAABQAAAAUAAAAGQAAABkAAAAAAAAABcAAAAUAAAAAAAAAAAAAAD/fwAA/38AAAAAAAAJAAAABAAAAAAAAAAMAAAAEAAAAAAAAAAAAAAAAAAAAAAAAAAeAAAAaAAAAAAAAAAAAAAAAAAAAAAAAAAAAAAAECcAABAnAAAAAAAAAAAAAAAAAAAAAAAAAAAAAAAAAAAAAAAAAAAAABQAAAAAAAAAwMD/AAAAAABkAAAAMgAAAAAAAABkAAAAAAAAAH9/fwAKAAAAHwAAAFQAAAC74OMF////AQAAAAAAAAAAAAAAAAAAAAAAAAAAAAAAAAAAAAAAAAAAAAAAAn9/fwCAgIADzMzMAMDA/wB/f38AAAAAAAAAAAAAAAAAAAAAAAAAAAAhAAAAGAAAABQAAADVAwAAUwEAAKUzAABfCgAAEAAAACYAAAAIAAAAAQAAAAAAAAA="/>
               </a:ext>
             </a:extLst>
           </p:cNvSpPr>
@@ -5227,7 +5227,7 @@
             <a:spLocks noGrp="1" noChangeArrowheads="1"/>
             <a:extLst>
               <a:ext uri="smNativeData">
-                <pr:smNativeData xmlns:pr="smNativeData" val="SMDATA_13_m5rdZRMAAAAlAAAAZAAAAA8BAAAAkAAAAEgAAACQAAAASAAAAAAAAAAAAAAAAAAAAAEAAABQAAAAAAAAAAAA4D8AAAAAAADgPwAAAAAAAOA/AAAAAAAA4D8AAAAAAADgPwAAAAAAAOA/AAAAAAAA4D8AAAAAAADgPwAAAAAAAOA/AAAAAAAA4D8CAAAAjAAAAAAAAAAAAAAAu+DjDP///wgAAAAAAAAAAAAAAAAAAAAAAAAAAAAAAAAAAAAAZAAAAAEAAABAAAAAAAAAAAAAAAAAAAAAAAAAAAAAAAAAAAAAAAAAAAAAAAAAAAAAAAAAAAAAAAAAAAAAAAAAAAAAAAAAAAAAAAAAAAAAAAAAAAAAAAAAAAAAAAAAAAAAFAAAADwAAAAAAAAAAAAAAAAAAAkUAAAAAQAAABQAAAAUAAAAFAAAAAEAAAAAAAAAZAAAAGQAAAAAAAAAZAAAAGQAAAAVAAAAYAAAAAAAAAAAAAAADwAAACADAAAAAAAAAAAAAAEAAACgMgAAVgcAAKr4//8BAAAAf39/AAEAAABkAAAAAAAAABQAAABAHwAAAAAAACYAAAAAAAAAwOD//wAAAAAmAAAAZAAAABYAAABMAAAAAAAAAAAAAAAEAAAAAAAAAAEAAACAgIAKAAAAACgAAAAoAAAAZAAAAGQAAAAAAAAAzMzMAAAAAABQAAAAUAAAAGQAAABkAAAAAAAAABcAAAAUAAAAAAAAAAAAAAD/fwAA/38AAAAAAAAJAAAABAAAAPr///8MAAAAEAAAAAAAAAAAAAAAAAAAAAAAAAAeAAAAaAAAAAAAAAAAAAAAAAAAAAAAAAAAAAAAECcAABAnAAAAAAAAAAAAAAAAAAAAAAAAAAAAAAAAAAAAAAAAAAAAABQAAAAAAAAAwMD/AAAAAABkAAAAMgAAAAAAAABkAAAAAAAAAH9/fwAKAAAAHwAAAFQAAAC74OMF////AQAAAAAAAAAAAAAAAAAAAAAAAAAAAAAAAAAAAAAAAAAAAAAAAn9/fwCAgIADzMzMAMDA/wB/f38AAAAAAAAAAAAAAAAAAAAAAAAAAAAhAAAAGAAAABQAAABwCAAAmAoAANAvAABJJwAAAAAAACYAAAAIAAAAAQAAAAAAAAA="/>
+                <pr:smNativeData xmlns:pr="smNativeData" val="SMDATA_13_HSHgZRMAAAAlAAAAZAAAAA8BAAAAkAAAAEgAAACQAAAASAAAAAAAAAAAAAAAAAAAAAEAAABQAAAAAAAAAAAA4D8AAAAAAADgPwAAAAAAAOA/AAAAAAAA4D8AAAAAAADgPwAAAAAAAOA/AAAAAAAA4D8AAAAAAADgPwAAAAAAAOA/AAAAAAAA4D8CAAAAjAAAAAAAAAAAAAAAu+DjDP///wgAAAAAAAAAAAAAAAAAAAAAAAAAAAAAAAAAAAAAZAAAAAEAAABAAAAAAAAAAAAAAAAAAAAAAAAAAAAAAAAAAAAAAAAAAAAAAAAAAAAAAAAAAAAAAAAAAAAAAAAAAAAAAAAAAAAAAAAAAAAAAAAAAAAAAAAAAAAAAAAAAAAAFAAAADwAAAAAAAAAAAAAAAAAAAkUAAAAAQAAABQAAAAUAAAAFAAAAAEAAAAAAAAAZAAAAGQAAAAAAAAAZAAAAGQAAAAVAAAAYAAAAAAAAAAAAAAADwAAACADAAAAAAAAAAAAAAEAAACgMgAAVgcAAKr4//8BAAAAf39/AAEAAABkAAAAAAAAABQAAABAHwAAAAAAACYAAAAAAAAAwOD//wAAAAAmAAAAZAAAABYAAABMAAAAAAAAAAAAAAAEAAAAAAAAAAEAAACAgIAKAAAAACgAAAAoAAAAZAAAAGQAAAAAAAAAzMzMAAAAAABQAAAAUAAAAGQAAABkAAAAAAAAABcAAAAUAAAAAAAAAAAAAAD/fwAA/38AAAAAAAAJAAAABAAAAPr///8MAAAAEAAAAAAAAAAAAAAAAAAAAAAAAAAeAAAAaAAAAAAAAAAAAAAAAAAAAAAAAAAAAAAAECcAABAnAAAAAAAAAAAAAAAAAAAAAAAAAAAAAAAAAAAAAAAAAAAAABQAAAAAAAAAwMD/AAAAAABkAAAAMgAAAAAAAABkAAAAAAAAAH9/fwAKAAAAHwAAAFQAAAC74OMF////AQAAAAAAAAAAAAAAAAAAAAAAAAAAAAAAAAAAAAAAAAAAAAAAAn9/fwCAgIADzMzMAMDA/wB/f38AAAAAAAAAAAAAAAAAAAAAAAAAAAAhAAAAGAAAABQAAABwCAAAmAoAANAvAABJJwAAEAAAACYAAAAIAAAAAQAAAAAAAAA="/>
               </a:ext>
             </a:extLst>
           </p:cNvSpPr>
@@ -5332,7 +5332,7 @@
             <a:spLocks noGrp="1" noChangeArrowheads="1"/>
             <a:extLst>
               <a:ext uri="smNativeData">
-                <pr:smNativeData xmlns:pr="smNativeData" val="SMDATA_13_m5rdZRMAAAAlAAAAZAAAAA8BAAAAkAAAAEgAAACQAAAASAAAAAAAAAAAAAAAAAAAAAEAAABQAAAAAAAAAAAA4D8AAAAAAADgPwAAAAAAAOA/AAAAAAAA4D8AAAAAAADgPwAAAAAAAOA/AAAAAAAA4D8AAAAAAADgPwAAAAAAAOA/AAAAAAAA4D8CAAAAjAAAAAAAAAAAAAAAu+DjDP///wgAAAAAAAAAAAAAAAAAAAAAAAAAAAAAAAAAAAAAZAAAAAEAAABAAAAAAAAAAAAAAAAAAAAAAAAAAAAAAAAAAAAAAAAAAAAAAAAAAAAAAAAAAAAAAAAAAAAAAAAAAAAAAAAAAAAAAAAAAAAAAAAAAAAAAAAAAAAAAAAAAAAAFAAAADwAAAAAAAAAAAAAAAAAAAkUAAAAAQAAABQAAAAUAAAAFAAAAAEAAAAAAAAAZAAAAGQAAAAAAAAAZAAAAGQAAAAVAAAAYAAAAAAAAAAAAAAADwAAACADAAAAAAAAAAAAAAEAAACgMgAAVgcAAKr4//8BAAAAf39/AAEAAABkAAAAAAAAABQAAABAHwAAAAAAACYAAAAAAAAAwOD//wAAAAAmAAAAZAAAABYAAABMAAAAAAAAAAAAAAAEAAAAAAAAAAEAAACAgIAKAAAAACgAAAAoAAAAZAAAAGQAAAAAAAAAzMzMAAAAAABQAAAAUAAAAGQAAABkAAAAAAAAABcAAAAUAAAAAAAAAAAAAAD/fwAA/38AAAAAAAAJAAAABAAAAPz///8MAAAAEAAAAAAAAAAAAAAAAAAAAAAAAAAeAAAAaAAAAAAAAAAAAAAAAAAAAAAAAAAAAAAAECcAABAnAAAAAAAAAAAAAAAAAAAAAAAAAAAAAAAAAAAAAAAAAAAAABQAAAAAAAAAwMD/AAAAAABkAAAAMgAAAAAAAABkAAAAAAAAAH9/fwAKAAAAHwAAAFQAAAC74OMF////AQAAAAAAAAAAAAAAAAAAAAAAAAAAAAAAAAAAAAAAAAAAAAAAAn9/fwCAgIADzMzMAMDA/wB/f38AAAAAAAAAAAAAAAAAAAAAAAAAAAAhAAAAGAAAABQAAABwCAAAFwMAANAvAACwIgAAAAAAACYAAAAIAAAAAQAAAAAAAAA="/>
+                <pr:smNativeData xmlns:pr="smNativeData" val="SMDATA_13_HSHgZRMAAAAlAAAAZAAAAA8BAAAAkAAAAEgAAACQAAAASAAAAAAAAAAAAAAAAAAAAAEAAABQAAAAAAAAAAAA4D8AAAAAAADgPwAAAAAAAOA/AAAAAAAA4D8AAAAAAADgPwAAAAAAAOA/AAAAAAAA4D8AAAAAAADgPwAAAAAAAOA/AAAAAAAA4D8CAAAAjAAAAAAAAAAAAAAAu+DjDP///wgAAAAAAAAAAAAAAAAAAAAAAAAAAAAAAAAAAAAAZAAAAAEAAABAAAAAAAAAAAAAAAAAAAAAAAAAAAAAAAAAAAAAAAAAAAAAAAAAAAAAAAAAAAAAAAAAAAAAAAAAAAAAAAAAAAAAAAAAAAAAAAAAAAAAAAAAAAAAAAAAAAAAFAAAADwAAAAAAAAAAAAAAAAAAAkUAAAAAQAAABQAAAAUAAAAFAAAAAEAAAAAAAAAZAAAAGQAAAAAAAAAZAAAAGQAAAAVAAAAYAAAAAAAAAAAAAAADwAAACADAAAAAAAAAAAAAAEAAACgMgAAVgcAAKr4//8BAAAAf39/AAEAAABkAAAAAAAAABQAAABAHwAAAAAAACYAAAAAAAAAwOD//wAAAAAmAAAAZAAAABYAAABMAAAAAAAAAAAAAAAEAAAAAAAAAAEAAACAgIAKAAAAACgAAAAoAAAAZAAAAGQAAAAAAAAAzMzMAAAAAABQAAAAUAAAAGQAAABkAAAAAAAAABcAAAAUAAAAAAAAAAAAAAD/fwAA/38AAAAAAAAJAAAABAAAAPz///8MAAAAEAAAAAAAAAAAAAAAAAAAAAAAAAAeAAAAaAAAAAAAAAAAAAAAAAAAAAAAAAAAAAAAECcAABAnAAAAAAAAAAAAAAAAAAAAAAAAAAAAAAAAAAAAAAAAAAAAABQAAAAAAAAAwMD/AAAAAABkAAAAMgAAAAAAAABkAAAAAAAAAH9/fwAKAAAAHwAAAFQAAAC74OMF////AQAAAAAAAAAAAAAAAAAAAAAAAAAAAAAAAAAAAAAAAAAAAAAAAn9/fwCAgIADzMzMAMDA/wB/f38AAAAAAAAAAAAAAAAAAAAAAAAAAAAhAAAAGAAAABQAAABwCAAAFwMAANAvAACwIgAAEAAAACYAAAAIAAAAAQAAAAAAAAA="/>
               </a:ext>
             </a:extLst>
           </p:cNvSpPr>
@@ -5784,7 +5784,7 @@
     </p:bldLst>
     <p:extLst>
       <p:ext uri="smNativeData">
-        <pr:smNativeData xmlns:pr="smNativeData" val="m5rdZQcAAAAFAAAAAAAAAAEAAAABAAAAAAAAAAAAAAAAAAAAAAAAAAkAAAABAAAAAQAAAAEAAAAAAAAAAAAAAAAAAAAAAAAADQAAAAIAAAABAAAAAQAAAAAAAAAAAAAAAAAAAAAAAAARAAAAAwAAAAEAAAABAAAAAAAAAAAAAAAAAAAAAAAAABUAAAAEAAAAAQAAAAEAAAAAAAAAAAAAAAAAAAAAAAAAGQAAAAUAAAABAAAAAQAAAAAAAAAAAAAAAAAAAAAAAAAdAAAABgAAAAEAAAABAAAAAAAAAAAAAAAAAAAAAAAAAA=="/>
+        <pr:smNativeData xmlns:pr="smNativeData" val="HSHgZQcAAAAFAAAAAAAAAAEAAAABAAAAAAAAAAAAAAAAAAAAAAAAAAkAAAABAAAAAQAAAAEAAAAAAAAAAAAAAAAAAAAAAAAADQAAAAIAAAABAAAAAQAAAAAAAAAAAAAAAAAAAAAAAAARAAAAAwAAAAEAAAABAAAAAAAAAAAAAAAAAAAAAAAAABUAAAAEAAAAAQAAAAEAAAAAAAAAAAAAAAAAAAAAAAAAGQAAAAUAAAABAAAAAQAAAAAAAAAAAAAAAAAAAAAAAAAdAAAABgAAAAEAAAABAAAAAAAAAAAAAAAAAAAAAAAAAA=="/>
       </p:ext>
     </p:extLst>
   </p:timing>
@@ -5815,7 +5815,7 @@
             <a:spLocks noGrp="1" noChangeArrowheads="1"/>
             <a:extLst>
               <a:ext uri="smNativeData">
-                <pr:smNativeData xmlns:pr="smNativeData" val="SMDATA_13_m5rdZRMAAAAlAAAAZAAAAA8BAAAAkAAAAEgAAACQAAAASAAAAAAAAAABAAAAAAAAAAEAAABQAAAAAAAAAAAA4D8AAAAAAADgPwAAAAAAAOA/AAAAAAAA4D8AAAAAAADgPwAAAAAAAOA/AAAAAAAA4D8AAAAAAADgPwAAAAAAAOA/AAAAAAAA4D8CAAAAjAAAAAAAAAAAAAAAu+DjDP///wgAAAAAAAAAAAAAAAAAAAAAAAAAAAAAAAAAAAAAZAAAAAEAAABAAAAAAAAAAAAAAAAAAAAAAAAAAAAAAAAAAAAAAAAAAAAAAAAAAAAAAAAAAAAAAAAAAAAAAAAAAAAAAAAAAAAAAAAAAAAAAAAAAAAAAAAAAAAAAAAAAAAAFAAAADwAAAAAAAAAAAAAAAAAAAkUAAAAAQAAABQAAAAUAAAAFAAAAAEAAAAAAAAAZAAAAGQAAAAAAAAAZAAAAGQAAAAVAAAAYAAAAAAAAAAAAAAADwAAACADAAAAAAAAAAAAAAEAAACgMgAAVgcAAKr4//8BAAAAf39/AAEAAABkAAAAAAAAABQAAABAHwAAAAAAACYAAAAAAAAAwOD//wAAAAAmAAAAZAAAABYAAABMAAAAAAAAAAAAAAAEAAAAAAAAAAEAAACAgIAKAAAAACgAAAAoAAAAZAAAAGQAAAAAAAAAzMzMAAAAAABQAAAAUAAAAGQAAABkAAAAAAAAABcAAAAUAAAAAAAAAAAAAAD/fwAA/38AAAAAAAAJAAAABAAAAPT///8MAAAAEAAAAAAAAAAAAAAAAAAAAAAAAAAeAAAAaAAAAAAAAAAAAAAAAAAAAAAAAAAAAAAAECcAABAnAAAAAAAAAAAAAAAAAAAAAAAAAAAAAAAAAAAAAAAAAAAAABQAAAAAAAAAwMD/AAAAAABkAAAAMgAAAAAAAABkAAAAAAAAAH9/fwAKAAAAHwAAAFQAAAC74OMF////AQAAAAAAAAAAAAAAAAAAAAAAAAAAAAAAAAAAAAAAAAAAAAAAAn9/fwCAgIADzMzMAMDA/wB/f38AAAAAAAAAAAAAAAAAAAAAAAAAAAAhAAAAGAAAABQAAACIAwAANQIAAFgzAABBCwAAAAAAACYAAAAIAAAAAQAAAAAAAAA="/>
+                <pr:smNativeData xmlns:pr="smNativeData" val="SMDATA_13_HSHgZRMAAAAlAAAAZAAAAA8BAAAAkAAAAEgAAACQAAAASAAAAAAAAAABAAAAAAAAAAEAAABQAAAAAAAAAAAA4D8AAAAAAADgPwAAAAAAAOA/AAAAAAAA4D8AAAAAAADgPwAAAAAAAOA/AAAAAAAA4D8AAAAAAADgPwAAAAAAAOA/AAAAAAAA4D8CAAAAjAAAAAAAAAAAAAAAu+DjDP///wgAAAAAAAAAAAAAAAAAAAAAAAAAAAAAAAAAAAAAZAAAAAEAAABAAAAAAAAAAAAAAAAAAAAAAAAAAAAAAAAAAAAAAAAAAAAAAAAAAAAAAAAAAAAAAAAAAAAAAAAAAAAAAAAAAAAAAAAAAAAAAAAAAAAAAAAAAAAAAAAAAAAAFAAAADwAAAAAAAAAAAAAAAAAAAkUAAAAAQAAABQAAAAUAAAAFAAAAAEAAAAAAAAAZAAAAGQAAAAAAAAAZAAAAGQAAAAVAAAAYAAAAAAAAAAAAAAADwAAACADAAAAAAAAAAAAAAEAAACgMgAAVgcAAKr4//8BAAAAf39/AAEAAABkAAAAAAAAABQAAABAHwAAAAAAACYAAAAAAAAAwOD//wAAAAAmAAAAZAAAABYAAABMAAAAAAAAAAAAAAAEAAAAAAAAAAEAAACAgIAKAAAAACgAAAAoAAAAZAAAAGQAAAAAAAAAzMzMAAAAAABQAAAAUAAAAGQAAABkAAAAAAAAABcAAAAUAAAAAAAAAAAAAAD/fwAA/38AAAAAAAAJAAAABAAAAPT///8MAAAAEAAAAAAAAAAAAAAAAAAAAAAAAAAeAAAAaAAAAAAAAAAAAAAAAAAAAAAAAAAAAAAAECcAABAnAAAAAAAAAAAAAAAAAAAAAAAAAAAAAAAAAAAAAAAAAAAAABQAAAAAAAAAwMD/AAAAAABkAAAAMgAAAAAAAABkAAAAAAAAAH9/fwAKAAAAHwAAAFQAAAC74OMF////AQAAAAAAAAAAAAAAAAAAAAAAAAAAAAAAAAAAAAAAAAAAAAAAAn9/fwCAgIADzMzMAMDA/wB/f38AAAAAAAAAAAAAAAAAAAAAAAAAAAAhAAAAGAAAABQAAACIAwAANQIAAFgzAABBCwAAEAAAACYAAAAIAAAAAQAAAAAAAAA="/>
               </a:ext>
             </a:extLst>
           </p:cNvSpPr>
@@ -5853,7 +5853,7 @@
             <a:spLocks noGrp="1" noChangeArrowheads="1"/>
             <a:extLst>
               <a:ext uri="smNativeData">
-                <pr:smNativeData xmlns:pr="smNativeData" val="SMDATA_13_m5rdZRMAAAAlAAAAZAAAAA8BAAAAkAAAAEgAAACQAAAASAAAAAAAAAAAAAAAAAAAAAEAAABQAAAAAAAAAAAA4D8AAAAAAADgPwAAAAAAAOA/AAAAAAAA4D8AAAAAAADgPwAAAAAAAOA/AAAAAAAA4D8AAAAAAADgPwAAAAAAAOA/AAAAAAAA4D8CAAAAjAAAAAAAAAAAAAAAu+DjDP///wgAAAAAAAAAAAAAAAAAAAAAAAAAAAAAAAAAAAAAZAAAAAEAAABAAAAAAAAAAAAAAAAAAAAAAAAAAAAAAAAAAAAAAAAAAAAAAAAAAAAAAAAAAAAAAAAAAAAAAAAAAAAAAAAAAAAAAAAAAAAAAAAAAAAAAAAAAAAAAAAAAAAAFAAAADwAAAAAAAAAAAAAAAAAAAkUAAAAAQAAABQAAAAUAAAAFAAAAAEAAAAAAAAAZAAAAGQAAAAAAAAAZAAAAGQAAAAVAAAAYAAAAAAAAAAAAAAADwAAACADAAAAAAAAAAAAAAEAAACgMgAAVgcAAKr4//8BAAAAf39/AAEAAABkAAAAAAAAABQAAABAHwAAAAAAACYAAAAAAAAAwOD//wAAAAAmAAAAZAAAABYAAABMAAAAAAAAAAAAAAAEAAAAAAAAAAEAAACAgIAKAAAAACgAAAAoAAAAZAAAAGQAAAAAAAAAzMzMAAAAAABQAAAAUAAAAGQAAABkAAAAAAAAABcAAAAUAAAAAAAAAAAAAAD/fwAA/38AAAAAAAAJAAAABAAAAAAAAAAMAAAAEAAAAAAAAAAAAAAAAAAAAAAAAAAeAAAAaAAAAAAAAAAAAAAAAAAAAAAAAAAAAAAAECcAABAnAAAAAAAAAAAAAAAAAAAAAAAAAAAAAAAAAAAAAAAAAAAAABQAAAAAAAAAwMD/AAAAAABkAAAAMgAAAAAAAABkAAAAAAAAAH9/fwAKAAAAHwAAAFQAAAC74OMF////AQAAAAAAAAAAAAAAAAAAAAAAAAAAAAAAAAAAAAAAAAAAAAAAAn9/fwCAgIADzMzMAMDA/wB/f38AAAAAAAAAAAAAAAAAAAAAAAAAAAAhAAAAGAAAABQAAABwCAAAzAwAANAvAAArKAAAAAAAACYAAAAIAAAAAQAAAAAAAAA="/>
+                <pr:smNativeData xmlns:pr="smNativeData" val="SMDATA_13_HSHgZRMAAAAlAAAAZAAAAA8BAAAAkAAAAEgAAACQAAAASAAAAAAAAAAAAAAAAAAAAAEAAABQAAAAAAAAAAAA4D8AAAAAAADgPwAAAAAAAOA/AAAAAAAA4D8AAAAAAADgPwAAAAAAAOA/AAAAAAAA4D8AAAAAAADgPwAAAAAAAOA/AAAAAAAA4D8CAAAAjAAAAAAAAAAAAAAAu+DjDP///wgAAAAAAAAAAAAAAAAAAAAAAAAAAAAAAAAAAAAAZAAAAAEAAABAAAAAAAAAAAAAAAAAAAAAAAAAAAAAAAAAAAAAAAAAAAAAAAAAAAAAAAAAAAAAAAAAAAAAAAAAAAAAAAAAAAAAAAAAAAAAAAAAAAAAAAAAAAAAAAAAAAAAFAAAADwAAAAAAAAAAAAAAAAAAAkUAAAAAQAAABQAAAAUAAAAFAAAAAEAAAAAAAAAZAAAAGQAAAAAAAAAZAAAAGQAAAAVAAAAYAAAAAAAAAAAAAAADwAAACADAAAAAAAAAAAAAAEAAACgMgAAVgcAAKr4//8BAAAAf39/AAEAAABkAAAAAAAAABQAAABAHwAAAAAAACYAAAAAAAAAwOD//wAAAAAmAAAAZAAAABYAAABMAAAAAAAAAAAAAAAEAAAAAAAAAAEAAACAgIAKAAAAACgAAAAoAAAAZAAAAGQAAAAAAAAAzMzMAAAAAABQAAAAUAAAAGQAAABkAAAAAAAAABcAAAAUAAAAAAAAAAAAAAD/fwAA/38AAAAAAAAJAAAABAAAAAAAAAAMAAAAEAAAAAAAAAAAAAAAAAAAAAAAAAAeAAAAaAAAAAAAAAAAAAAAAAAAAAAAAAAAAAAAECcAABAnAAAAAAAAAAAAAAAAAAAAAAAAAAAAAAAAAAAAAAAAAAAAABQAAAAAAAAAwMD/AAAAAABkAAAAMgAAAAAAAABkAAAAAAAAAH9/fwAKAAAAHwAAAFQAAAC74OMF////AQAAAAAAAAAAAAAAAAAAAAAAAAAAAAAAAAAAAAAAAAAAAAAAAn9/fwCAgIADzMzMAMDA/wB/f38AAAAAAAAAAAAAAAAAAAAAAAAAAAAhAAAAGAAAABQAAABwCAAAzAwAANAvAAArKAAAEAAAACYAAAAIAAAAAQAAAAAAAAA="/>
               </a:ext>
             </a:extLst>
           </p:cNvSpPr>
@@ -5955,7 +5955,7 @@
             <a:spLocks noGrp="1" noChangeArrowheads="1"/>
             <a:extLst>
               <a:ext uri="smNativeData">
-                <pr:smNativeData xmlns:pr="smNativeData" val="SMDATA_13_m5rdZRMAAAAlAAAAZAAAAA8BAAAAkAAAAEgAAACQAAAASAAAAAAAAAAAAAAAAAAAAAEAAABQAAAAAAAAAAAA4D8AAAAAAADgPwAAAAAAAOA/AAAAAAAA4D8AAAAAAADgPwAAAAAAAOA/AAAAAAAA4D8AAAAAAADgPwAAAAAAAOA/AAAAAAAA4D8CAAAAjAAAAAAAAAAAAAAAu+DjDP///wgAAAAAAAAAAAAAAAAAAAAAAAAAAAAAAAAAAAAAZAAAAAEAAABAAAAAAAAAAAAAAAAAAAAAAAAAAAAAAAAAAAAAAAAAAAAAAAAAAAAAAAAAAAAAAAAAAAAAAAAAAAAAAAAAAAAAAAAAAAAAAAAAAAAAAAAAAAAAAAAAAAAAFAAAADwAAAAAAAAAAAAAAAAAAAkUAAAAAQAAABQAAAAUAAAAFAAAAAEAAAAAAAAAZAAAAGQAAAAAAAAAZAAAAGQAAAAVAAAAYAAAAAAAAAAAAAAADwAAACADAAAAAAAAAAAAAAEAAACgMgAAVgcAAKr4//8BAAAAf39/AAEAAABkAAAAAAAAABQAAABAHwAAAAAAACYAAAAAAAAAwOD//wAAAAAmAAAAZAAAABYAAABMAAAAAAAAAAAAAAAEAAAAAAAAAAEAAACAgIAKAAAAACgAAAAoAAAAZAAAAGQAAAAAAAAAzMzMAAAAAABQAAAAUAAAAGQAAABkAAAAAAAAABcAAAAUAAAAAAAAAAAAAAD/fwAA/38AAAAAAAAJAAAABAAAAOv///8MAAAAEAAAAAAAAAAAAAAAAAAAAAAAAAAeAAAAaAAAAAAAAAAAAAAAAAAAAAAAAAAAAAAAECcAABAnAAAAAAAAAAAAAAAAAAAAAAAAAAAAAAAAAAAAAAAAAAAAABQAAAAAAAAAwMD/AAAAAABkAAAAMgAAAAAAAABkAAAAAAAAAH9/fwAKAAAAHwAAAFQAAAC74OMF////AQAAAAAAAAAAAAAAAAAAAAAAAAAAAAAAAAAAAAAAAAAAAAAAAn9/fwCAgIADzMzMAMDA/wB/f38AAAAAAAAAAAAAAAAAAAAAAAAAAAAhAAAAGAAAABQAAABwCAAA+QMAANAvAACwIgAAAAAAACYAAAAIAAAAAQAAAAAAAAA="/>
+                <pr:smNativeData xmlns:pr="smNativeData" val="SMDATA_13_HSHgZRMAAAAlAAAAZAAAAA8BAAAAkAAAAEgAAACQAAAASAAAAAAAAAAAAAAAAAAAAAEAAABQAAAAAAAAAAAA4D8AAAAAAADgPwAAAAAAAOA/AAAAAAAA4D8AAAAAAADgPwAAAAAAAOA/AAAAAAAA4D8AAAAAAADgPwAAAAAAAOA/AAAAAAAA4D8CAAAAjAAAAAAAAAAAAAAAu+DjDP///wgAAAAAAAAAAAAAAAAAAAAAAAAAAAAAAAAAAAAAZAAAAAEAAABAAAAAAAAAAAAAAAAAAAAAAAAAAAAAAAAAAAAAAAAAAAAAAAAAAAAAAAAAAAAAAAAAAAAAAAAAAAAAAAAAAAAAAAAAAAAAAAAAAAAAAAAAAAAAAAAAAAAAFAAAADwAAAAAAAAAAAAAAAAAAAkUAAAAAQAAABQAAAAUAAAAFAAAAAEAAAAAAAAAZAAAAGQAAAAAAAAAZAAAAGQAAAAVAAAAYAAAAAAAAAAAAAAADwAAACADAAAAAAAAAAAAAAEAAACgMgAAVgcAAKr4//8BAAAAf39/AAEAAABkAAAAAAAAABQAAABAHwAAAAAAACYAAAAAAAAAwOD//wAAAAAmAAAAZAAAABYAAABMAAAAAAAAAAAAAAAEAAAAAAAAAAEAAACAgIAKAAAAACgAAAAoAAAAZAAAAGQAAAAAAAAAzMzMAAAAAABQAAAAUAAAAGQAAABkAAAAAAAAABcAAAAUAAAAAAAAAAAAAAD/fwAA/38AAAAAAAAJAAAABAAAAOv///8MAAAAEAAAAAAAAAAAAAAAAAAAAAAAAAAeAAAAaAAAAAAAAAAAAAAAAAAAAAAAAAAAAAAAECcAABAnAAAAAAAAAAAAAAAAAAAAAAAAAAAAAAAAAAAAAAAAAAAAABQAAAAAAAAAwMD/AAAAAABkAAAAMgAAAAAAAABkAAAAAAAAAH9/fwAKAAAAHwAAAFQAAAC74OMF////AQAAAAAAAAAAAAAAAAAAAAAAAAAAAAAAAAAAAAAAAAAAAAAAAn9/fwCAgIADzMzMAMDA/wB/f38AAAAAAAAAAAAAAAAAAAAAAAAAAAAhAAAAGAAAABQAAABwCAAA+QMAANAvAACwIgAAEAAAACYAAAAIAAAAAQAAAAAAAAA="/>
               </a:ext>
             </a:extLst>
           </p:cNvSpPr>
@@ -6407,7 +6407,7 @@
     </p:bldLst>
     <p:extLst>
       <p:ext uri="smNativeData">
-        <pr:smNativeData xmlns:pr="smNativeData" val="m5rdZQcAAAAFAAAAAAAAAAEAAAABAAAAAAAAAAAAAAAAAAAAAAAAAAkAAAABAAAAAQAAAAEAAAAAAAAAAAAAAAAAAAAAAAAADQAAAAIAAAABAAAAAQAAAAAAAAAAAAAAAAAAAAAAAAARAAAAAwAAAAEAAAABAAAAAAAAAAAAAAAAAAAAAAAAABUAAAAEAAAAAQAAAAEAAAAAAAAAAAAAAAAAAAAAAAAAGQAAAAUAAAABAAAAAQAAAAAAAAAAAAAAAAAAAAAAAAAdAAAABgAAAAEAAAABAAAAAAAAAAAAAAAAAAAAAAAAAA=="/>
+        <pr:smNativeData xmlns:pr="smNativeData" val="HSHgZQcAAAAFAAAAAAAAAAEAAAABAAAAAAAAAAAAAAAAAAAAAAAAAAkAAAABAAAAAQAAAAEAAAAAAAAAAAAAAAAAAAAAAAAADQAAAAIAAAABAAAAAQAAAAAAAAAAAAAAAAAAAAAAAAARAAAAAwAAAAEAAAABAAAAAAAAAAAAAAAAAAAAAAAAABUAAAAEAAAAAQAAAAEAAAAAAAAAAAAAAAAAAAAAAAAAGQAAAAUAAAABAAAAAQAAAAAAAAAAAAAAAAAAAAAAAAAdAAAABgAAAAEAAAABAAAAAAAAAAAAAAAAAAAAAAAAAA=="/>
       </p:ext>
     </p:extLst>
   </p:timing>
@@ -6438,7 +6438,7 @@
             <a:spLocks noGrp="1" noChangeArrowheads="1"/>
             <a:extLst>
               <a:ext uri="smNativeData">
-                <pr:smNativeData xmlns:pr="smNativeData" val="SMDATA_13_m5rdZRMAAAAlAAAAZAAAAA8BAAAAkAAAAEgAAACQAAAASAAAAAAAAAABAAAAAAAAAAEAAABQAAAAAAAAAAAA4D8AAAAAAADgPwAAAAAAAOA/AAAAAAAA4D8AAAAAAADgPwAAAAAAAOA/AAAAAAAA4D8AAAAAAADgPwAAAAAAAOA/AAAAAAAA4D8CAAAAjAAAAAAAAAAAAAAAu+DjDP///wgAAAAAAAAAAAAAAAAAAAAAAAAAAAAAAAAAAAAAZAAAAAEAAABAAAAAAAAAAAAAAAAAAAAAAAAAAAAAAAAAAAAAAAAAAAAAAAAAAAAAAAAAAAAAAAAAAAAAAAAAAAAAAAAAAAAAAAAAAAAAAAAAAAAAAAAAAAAAAAAAAAAAFAAAADwAAAAAAAAAAAAAAAAAAAkUAAAAAQAAABQAAAAUAAAAFAAAAAEAAAAAAAAAZAAAAGQAAAAAAAAAZAAAAGQAAAAVAAAAYAAAAAAAAAAAAAAADwAAACADAAAAAAAAAAAAAAEAAACgMgAAVgcAAKr4//8BAAAAf39/AAEAAABkAAAAAAAAABQAAABAHwAAAAAAACYAAAAAAAAAwOD//wAAAAAmAAAAZAAAABYAAABMAAAAAAAAAAAAAAAEAAAAAAAAAAEAAACAgIAKAAAAACgAAAAoAAAAZAAAAGQAAAAAAAAAzMzMAAAAAABQAAAAUAAAAGQAAABkAAAAAAAAABcAAAAUAAAAAAAAAAAAAAD/fwAA/38AAAAAAAAJAAAABAAAAAAAAAAMAAAAEAAAAAAAAAAAAAAAAAAAAAAAAAAeAAAAaAAAAAAAAAAAAAAAAAAAAAAAAAAAAAAAECcAABAnAAAAAAAAAAAAAAAAAAAAAAAAAAAAAAAAAAAAAAAAAAAAABQAAAAAAAAAwMD/AAAAAABkAAAAMgAAAAAAAABkAAAAAAAAAH9/fwAKAAAAHwAAAFQAAAC74OMF////AQAAAAAAAAAAAAAAAAAAAAAAAAAAAAAAAAAAAAAAAAAAAAAAAn9/fwCAgIADzMzMAMDA/wB/f38AAAAAAAAAAAAAAAAAAAAAAAAAAAAhAAAAGAAAABQAAADVAwAAxAEAAKUzAADQCgAAAAAAACYAAAAIAAAAAQAAAAAAAAA="/>
+                <pr:smNativeData xmlns:pr="smNativeData" val="SMDATA_13_HSHgZRMAAAAlAAAAZAAAAA8BAAAAkAAAAEgAAACQAAAASAAAAAAAAAABAAAAAAAAAAEAAABQAAAAAAAAAAAA4D8AAAAAAADgPwAAAAAAAOA/AAAAAAAA4D8AAAAAAADgPwAAAAAAAOA/AAAAAAAA4D8AAAAAAADgPwAAAAAAAOA/AAAAAAAA4D8CAAAAjAAAAAAAAAAAAAAAu+DjDP///wgAAAAAAAAAAAAAAAAAAAAAAAAAAAAAAAAAAAAAZAAAAAEAAABAAAAAAAAAAAAAAAAAAAAAAAAAAAAAAAAAAAAAAAAAAAAAAAAAAAAAAAAAAAAAAAAAAAAAAAAAAAAAAAAAAAAAAAAAAAAAAAAAAAAAAAAAAAAAAAAAAAAAFAAAADwAAAAAAAAAAAAAAAAAAAkUAAAAAQAAABQAAAAUAAAAFAAAAAEAAAAAAAAAZAAAAGQAAAAAAAAAZAAAAGQAAAAVAAAAYAAAAAAAAAAAAAAADwAAACADAAAAAAAAAAAAAAEAAACgMgAAVgcAAKr4//8BAAAAf39/AAEAAABkAAAAAAAAABQAAABAHwAAAAAAACYAAAAAAAAAwOD//wAAAAAmAAAAZAAAABYAAABMAAAAAAAAAAAAAAAEAAAAAAAAAAEAAACAgIAKAAAAACgAAAAoAAAAZAAAAGQAAAAAAAAAzMzMAAAAAABQAAAAUAAAAGQAAABkAAAAAAAAABcAAAAUAAAAAAAAAAAAAAD/fwAA/38AAAAAAAAJAAAABAAAAAAAAAAMAAAAEAAAAAAAAAAAAAAAAAAAAAAAAAAeAAAAaAAAAAAAAAAAAAAAAAAAAAAAAAAAAAAAECcAABAnAAAAAAAAAAAAAAAAAAAAAAAAAAAAAAAAAAAAAAAAAAAAABQAAAAAAAAAwMD/AAAAAABkAAAAMgAAAAAAAABkAAAAAAAAAH9/fwAKAAAAHwAAAFQAAAC74OMF////AQAAAAAAAAAAAAAAAAAAAAAAAAAAAAAAAAAAAAAAAAAAAAAAAn9/fwCAgIADzMzMAMDA/wB/f38AAAAAAAAAAAAAAAAAAAAAAAAAAAAhAAAAGAAAABQAAADVAwAAxAEAAKUzAADQCgAAEAAAACYAAAAIAAAAAQAAAAAAAAA="/>
               </a:ext>
             </a:extLst>
           </p:cNvSpPr>
@@ -6476,7 +6476,7 @@
             <a:spLocks noGrp="1" noChangeArrowheads="1"/>
             <a:extLst>
               <a:ext uri="smNativeData">
-                <pr:smNativeData xmlns:pr="smNativeData" val="SMDATA_13_m5rdZRMAAAAlAAAAZAAAAA8BAAAAkAAAAEgAAACQAAAASAAAAAAAAAAAAAAAAAAAAAEAAABQAAAAAAAAAAAA4D8AAAAAAADgPwAAAAAAAOA/AAAAAAAA4D8AAAAAAADgPwAAAAAAAOA/AAAAAAAA4D8AAAAAAADgPwAAAAAAAOA/AAAAAAAA4D8CAAAAjAAAAAAAAAAAAAAAu+DjDP///wgAAAAAAAAAAAAAAAAAAAAAAAAAAAAAAAAAAAAAZAAAAAEAAABAAAAAAAAAAAAAAAAAAAAAAAAAAAAAAAAAAAAAAAAAAAAAAAAAAAAAAAAAAAAAAAAAAAAAAAAAAAAAAAAAAAAAAAAAAAAAAAAAAAAAAAAAAAAAAAAAAAAAFAAAADwAAAAAAAAAAAAAAAAAAAkUAAAAAQAAABQAAAAUAAAAFAAAAAEAAAAAAAAAZAAAAGQAAAAAAAAAZAAAAGQAAAAVAAAAYAAAAAAAAAAAAAAADwAAACADAAAAAAAAAAAAAAEAAACgMgAAVgcAAKr4//8BAAAAf39/AAEAAABkAAAAAAAAABQAAABAHwAAAAAAACYAAAAAAAAAwOD//wAAAAAmAAAAZAAAABYAAABMAAAAAAAAAAAAAAAEAAAAAAAAAAEAAACAgIAKAAAAACgAAAAoAAAAZAAAAGQAAAAAAAAAzMzMAAAAAABQAAAAUAAAAGQAAABkAAAAAAAAABcAAAAUAAAAAAAAAAAAAAD/fwAA/38AAAAAAAAJAAAABAAAAAAAAAAMAAAAEAAAAAAAAAAAAAAAAAAAAAAAAAAeAAAAaAAAAAAAAAAAAAAAAAAAAAAAAAAAAAAAECcAABAnAAAAAAAAAAAAAAAAAAAAAAAAAAAAAAAAAAAAAAAAAAAAABQAAAAAAAAAwMD/AAAAAABkAAAAMgAAAAAAAABkAAAAAAAAAH9/fwAKAAAAHwAAAFQAAAC74OMF////AQAAAAAAAAAAAAAAAAAAAAAAAAAAAAAAAAAAAAAAAAAAAAAAAn9/fwCAgIADzMzMAMDA/wB/f38AAAAAAAAAAAAAAAAAAAAAAAAAAAAhAAAAGAAAABQAAABwCAAA6wsAANAvAADYJgAAAAAAACYAAAAIAAAAAQAAAAAAAAA="/>
+                <pr:smNativeData xmlns:pr="smNativeData" val="SMDATA_13_HSHgZRMAAAAlAAAAZAAAAA8BAAAAkAAAAEgAAACQAAAASAAAAAAAAAAAAAAAAAAAAAEAAABQAAAAAAAAAAAA4D8AAAAAAADgPwAAAAAAAOA/AAAAAAAA4D8AAAAAAADgPwAAAAAAAOA/AAAAAAAA4D8AAAAAAADgPwAAAAAAAOA/AAAAAAAA4D8CAAAAjAAAAAAAAAAAAAAAu+DjDP///wgAAAAAAAAAAAAAAAAAAAAAAAAAAAAAAAAAAAAAZAAAAAEAAABAAAAAAAAAAAAAAAAAAAAAAAAAAAAAAAAAAAAAAAAAAAAAAAAAAAAAAAAAAAAAAAAAAAAAAAAAAAAAAAAAAAAAAAAAAAAAAAAAAAAAAAAAAAAAAAAAAAAAFAAAADwAAAAAAAAAAAAAAAAAAAkUAAAAAQAAABQAAAAUAAAAFAAAAAEAAAAAAAAAZAAAAGQAAAAAAAAAZAAAAGQAAAAVAAAAYAAAAAAAAAAAAAAADwAAACADAAAAAAAAAAAAAAEAAACgMgAAVgcAAKr4//8BAAAAf39/AAEAAABkAAAAAAAAABQAAABAHwAAAAAAACYAAAAAAAAAwOD//wAAAAAmAAAAZAAAABYAAABMAAAAAAAAAAAAAAAEAAAAAAAAAAEAAACAgIAKAAAAACgAAAAoAAAAZAAAAGQAAAAAAAAAzMzMAAAAAABQAAAAUAAAAGQAAABkAAAAAAAAABcAAAAUAAAAAAAAAAAAAAD/fwAA/38AAAAAAAAJAAAABAAAAAAAAAAMAAAAEAAAAAAAAAAAAAAAAAAAAAAAAAAeAAAAaAAAAAAAAAAAAAAAAAAAAAAAAAAAAAAAECcAABAnAAAAAAAAAAAAAAAAAAAAAAAAAAAAAAAAAAAAAAAAAAAAABQAAAAAAAAAwMD/AAAAAABkAAAAMgAAAAAAAABkAAAAAAAAAH9/fwAKAAAAHwAAAFQAAAC74OMF////AQAAAAAAAAAAAAAAAAAAAAAAAAAAAAAAAAAAAAAAAAAAAAAAAn9/fwCAgIADzMzMAMDA/wB/f38AAAAAAAAAAAAAAAAAAAAAAAAAAAAhAAAAGAAAABQAAABwCAAA6wsAANAvAADYJgAAEAAAACYAAAAIAAAAAQAAAAAAAAA="/>
               </a:ext>
             </a:extLst>
           </p:cNvSpPr>
@@ -6587,7 +6587,7 @@
             <a:spLocks noGrp="1" noChangeArrowheads="1"/>
             <a:extLst>
               <a:ext uri="smNativeData">
-                <pr:smNativeData xmlns:pr="smNativeData" val="SMDATA_13_m5rdZRMAAAAlAAAAZAAAAA8BAAAAkAAAAEgAAACQAAAASAAAAAAAAAAAAAAAAAAAAAEAAABQAAAAAAAAAAAA4D8AAAAAAADgPwAAAAAAAOA/AAAAAAAA4D8AAAAAAADgPwAAAAAAAOA/AAAAAAAA4D8AAAAAAADgPwAAAAAAAOA/AAAAAAAA4D8CAAAAjAAAAAAAAAAAAAAAu+DjDP///wgAAAAAAAAAAAAAAAAAAAAAAAAAAAAAAAAAAAAAZAAAAAEAAABAAAAAAAAAAAAAAAAAAAAAAAAAAAAAAAAAAAAAAAAAAAAAAAAAAAAAAAAAAAAAAAAAAAAAAAAAAAAAAAAAAAAAAAAAAAAAAAAAAAAAAAAAAAAAAAAAAAAAFAAAADwAAAAAAAAAAAAAAAAAAAkUAAAAAQAAABQAAAAUAAAAFAAAAAEAAAAAAAAAZAAAAGQAAAAAAAAAZAAAAGQAAAAVAAAAYAAAAAAAAAAAAAAADwAAACADAAAAAAAAAAAAAAEAAACgMgAAVgcAAKr4//8BAAAAf39/AAEAAABkAAAAAAAAABQAAABAHwAAAAAAACYAAAAAAAAAwOD//wAAAAAmAAAAZAAAABYAAABMAAAAAAAAAAAAAAAEAAAAAAAAAAEAAACAgIAKAAAAACgAAAAoAAAAZAAAAGQAAAAAAAAAzMzMAAAAAABQAAAAUAAAAGQAAABkAAAAAAAAABcAAAAUAAAAAAAAAAAAAAD/fwAA/38AAAAAAAAJAAAABAAAAAAAAAAMAAAAEAAAAAAAAAAAAAAAAAAAAAAAAAAeAAAAaAAAAAAAAAAAAAAAAAAAAAAAAAAAAAAAECcAABAnAAAAAAAAAAAAAAAAAAAAAAAAAAAAAAAAAAAAAAAAAAAAABQAAAAAAAAAwMD/AAAAAABkAAAAMgAAAAAAAABkAAAAAAAAAH9/fwAKAAAAHwAAAFQAAAC74OMF////AQAAAAAAAAAAAAAAAAAAAAAAAAAAAAAAAAAAAAAAAAAAAAAAAn9/fwCAgIADzMzMAMDA/wB/f38AAAAAAAAAAAAAAAAAAAAAAAAAAAAhAAAAGAAAABQAAABwCAAAFwMAANAvAAD2JQAAAAAAACYAAAAIAAAAAQAAAAAAAAA="/>
+                <pr:smNativeData xmlns:pr="smNativeData" val="SMDATA_13_HSHgZRMAAAAlAAAAZAAAAA8BAAAAkAAAAEgAAACQAAAASAAAAAAAAAAAAAAAAAAAAAEAAABQAAAAAAAAAAAA4D8AAAAAAADgPwAAAAAAAOA/AAAAAAAA4D8AAAAAAADgPwAAAAAAAOA/AAAAAAAA4D8AAAAAAADgPwAAAAAAAOA/AAAAAAAA4D8CAAAAjAAAAAAAAAAAAAAAu+DjDP///wgAAAAAAAAAAAAAAAAAAAAAAAAAAAAAAAAAAAAAZAAAAAEAAABAAAAAAAAAAAAAAAAAAAAAAAAAAAAAAAAAAAAAAAAAAAAAAAAAAAAAAAAAAAAAAAAAAAAAAAAAAAAAAAAAAAAAAAAAAAAAAAAAAAAAAAAAAAAAAAAAAAAAFAAAADwAAAAAAAAAAAAAAAAAAAkUAAAAAQAAABQAAAAUAAAAFAAAAAEAAAAAAAAAZAAAAGQAAAAAAAAAZAAAAGQAAAAVAAAAYAAAAAAAAAAAAAAADwAAACADAAAAAAAAAAAAAAEAAACgMgAAVgcAAKr4//8BAAAAf39/AAEAAABkAAAAAAAAABQAAABAHwAAAAAAACYAAAAAAAAAwOD//wAAAAAmAAAAZAAAABYAAABMAAAAAAAAAAAAAAAEAAAAAAAAAAEAAACAgIAKAAAAACgAAAAoAAAAZAAAAGQAAAAAAAAAzMzMAAAAAABQAAAAUAAAAGQAAABkAAAAAAAAABcAAAAUAAAAAAAAAAAAAAD/fwAA/38AAAAAAAAJAAAABAAAAAAAAAAMAAAAEAAAAAAAAAAAAAAAAAAAAAAAAAAeAAAAaAAAAAAAAAAAAAAAAAAAAAAAAAAAAAAAECcAABAnAAAAAAAAAAAAAAAAAAAAAAAAAAAAAAAAAAAAAAAAAAAAABQAAAAAAAAAwMD/AAAAAABkAAAAMgAAAAAAAABkAAAAAAAAAH9/fwAKAAAAHwAAAFQAAAC74OMF////AQAAAAAAAAAAAAAAAAAAAAAAAAAAAAAAAAAAAAAAAAAAAAAAAn9/fwCAgIADzMzMAMDA/wB/f38AAAAAAAAAAAAAAAAAAAAAAAAAAAAhAAAAGAAAABQAAABwCAAAFwMAANAvAAD2JQAAEAAAACYAAAAIAAAAAQAAAAAAAAA="/>
               </a:ext>
             </a:extLst>
           </p:cNvSpPr>
@@ -7152,7 +7152,7 @@
     </p:bldLst>
     <p:extLst>
       <p:ext uri="smNativeData">
-        <pr:smNativeData xmlns:pr="smNativeData" val="m5rdZQkAAAAFAAAAAAAAAAEAAAABAAAAAAAAAAAAAAAAAAAAAAAAAAkAAAABAAAAAQAAAAEAAAAAAAAAAAAAAAAAAAAAAAAADQAAAAIAAAABAAAAAQAAAAAAAAAAAAAAAAAAAAAAAAARAAAAAwAAAAEAAAABAAAAAAAAAAAAAAAAAAAAAAAAABUAAAAEAAAAAQAAAAEAAAAAAAAAAAAAAAAAAAAAAAAAGQAAAAUAAAABAAAAAQAAAAAAAAAAAAAAAAAAAAAAAAAdAAAABgAAAAEAAAABAAAAAAAAAAAAAAAAAAAAAAAAACEAAAAHAAAAAQAAAAEAAAAAAAAAAAAAAAAAAAAAAAAAJQAAAAgAAAABAAAAAQAAAAAAAAAAAAAAAAAAAAAAAAA="/>
+        <pr:smNativeData xmlns:pr="smNativeData" val="HSHgZQkAAAAFAAAAAAAAAAEAAAABAAAAAAAAAAAAAAAAAAAAAAAAAAkAAAABAAAAAQAAAAEAAAAAAAAAAAAAAAAAAAAAAAAADQAAAAIAAAABAAAAAQAAAAAAAAAAAAAAAAAAAAAAAAARAAAAAwAAAAEAAAABAAAAAAAAAAAAAAAAAAAAAAAAABUAAAAEAAAAAQAAAAEAAAAAAAAAAAAAAAAAAAAAAAAAGQAAAAUAAAABAAAAAQAAAAAAAAAAAAAAAAAAAAAAAAAdAAAABgAAAAEAAAABAAAAAAAAAAAAAAAAAAAAAAAAACEAAAAHAAAAAQAAAAEAAAAAAAAAAAAAAAAAAAAAAAAAJQAAAAgAAAABAAAAAQAAAAAAAAAAAAAAAAAAAAAAAAA="/>
       </p:ext>
     </p:extLst>
   </p:timing>
@@ -7183,7 +7183,7 @@
             <a:spLocks noGrp="1" noChangeArrowheads="1"/>
             <a:extLst>
               <a:ext uri="smNativeData">
-                <pr:smNativeData xmlns:pr="smNativeData" val="SMDATA_13_m5rdZRMAAAAlAAAAZAAAAA8BAAAAkAAAAEgAAACQAAAASAAAAAAAAAABAAAAAAAAAAEAAABQAAAAAAAAAAAA4D8AAAAAAADgPwAAAAAAAOA/AAAAAAAA4D8AAAAAAADgPwAAAAAAAOA/AAAAAAAA4D8AAAAAAADgPwAAAAAAAOA/AAAAAAAA4D8CAAAAjAAAAAAAAAAAAAAAu+DjDP///wgAAAAAAAAAAAAAAAAAAAAAAAAAAAAAAAAAAAAAZAAAAAEAAABAAAAAAAAAAAAAAAAAAAAAAAAAAAAAAAAAAAAAAAAAAAAAAAAAAAAAAAAAAAAAAAAAAAAAAAAAAAAAAAAAAAAAAAAAAAAAAAAAAAAAAAAAAAAAAAAAAAAAFAAAADwAAAAAAAAAAAAAAAAAAAkUAAAAAQAAABQAAAAUAAAAFAAAAAEAAAAAAAAAZAAAAGQAAAAAAAAAZAAAAGQAAAAVAAAAYAAAAAAAAAAAAAAADwAAACADAAAAAAAAAAAAAAEAAACgMgAAVgcAAKr4//8BAAAAf39/AAEAAABkAAAAAAAAABQAAABAHwAAAAAAACYAAAAAAAAAwOD//wAAAAAmAAAAZAAAABYAAABMAAAAAAAAAAAAAAAEAAAAAAAAAAEAAACAgIAKAAAAACgAAAAoAAAAZAAAAGQAAAAAAAAAzMzMAAAAAABQAAAAUAAAAGQAAABkAAAAAAAAABcAAAAUAAAAAAAAAAAAAAD/fwAA/38AAAAAAAAJAAAABAAAAAAAAAAMAAAAEAAAAAAAAAAAAAAAAAAAAAAAAAAeAAAAaAAAAAAAAAAAAAAAAAAAAAAAAAAAAAAAECcAABAnAAAAAAAAAAAAAAAAAAAAAAAAAAAAAAAAAAAAAAAAAAAAABQAAAAAAAAAwMD/AAAAAABkAAAAMgAAAAAAAABkAAAAAAAAAH9/fwAKAAAAHwAAAFQAAAC74OMF////AQAAAAAAAAAAAAAAAAAAAAAAAAAAAAAAAAAAAAAAAAAAAAAAAn9/fwCAgIADzMzMAMDA/wB/f38AAAAAAAAAAAAAAAAAAAAAAAAAAAAhAAAAGAAAABQAAADVAwAAbgIAAKUzAAB6CwAAAAAAACYAAAAIAAAAAQAAAAAAAAA="/>
+                <pr:smNativeData xmlns:pr="smNativeData" val="SMDATA_13_HSHgZRMAAAAlAAAAZAAAAA8BAAAAkAAAAEgAAACQAAAASAAAAAAAAAABAAAAAAAAAAEAAABQAAAAAAAAAAAA4D8AAAAAAADgPwAAAAAAAOA/AAAAAAAA4D8AAAAAAADgPwAAAAAAAOA/AAAAAAAA4D8AAAAAAADgPwAAAAAAAOA/AAAAAAAA4D8CAAAAjAAAAAAAAAAAAAAAu+DjDP///wgAAAAAAAAAAAAAAAAAAAAAAAAAAAAAAAAAAAAAZAAAAAEAAABAAAAAAAAAAAAAAAAAAAAAAAAAAAAAAAAAAAAAAAAAAAAAAAAAAAAAAAAAAAAAAAAAAAAAAAAAAAAAAAAAAAAAAAAAAAAAAAAAAAAAAAAAAAAAAAAAAAAAFAAAADwAAAAAAAAAAAAAAAAAAAkUAAAAAQAAABQAAAAUAAAAFAAAAAEAAAAAAAAAZAAAAGQAAAAAAAAAZAAAAGQAAAAVAAAAYAAAAAAAAAAAAAAADwAAACADAAAAAAAAAAAAAAEAAACgMgAAVgcAAKr4//8BAAAAf39/AAEAAABkAAAAAAAAABQAAABAHwAAAAAAACYAAAAAAAAAwOD//wAAAAAmAAAAZAAAABYAAABMAAAAAAAAAAAAAAAEAAAAAAAAAAEAAACAgIAKAAAAACgAAAAoAAAAZAAAAGQAAAAAAAAAzMzMAAAAAABQAAAAUAAAAGQAAABkAAAAAAAAABcAAAAUAAAAAAAAAAAAAAD/fwAA/38AAAAAAAAJAAAABAAAAAAAAAAMAAAAEAAAAAAAAAAAAAAAAAAAAAAAAAAeAAAAaAAAAAAAAAAAAAAAAAAAAAAAAAAAAAAAECcAABAnAAAAAAAAAAAAAAAAAAAAAAAAAAAAAAAAAAAAAAAAAAAAABQAAAAAAAAAwMD/AAAAAABkAAAAMgAAAAAAAABkAAAAAAAAAH9/fwAKAAAAHwAAAFQAAAC74OMF////AQAAAAAAAAAAAAAAAAAAAAAAAAAAAAAAAAAAAAAAAAAAAAAAAn9/fwCAgIADzMzMAMDA/wB/f38AAAAAAAAAAAAAAAAAAAAAAAAAAAAhAAAAGAAAABQAAADVAwAAbgIAAKUzAAB6CwAAEAAAACYAAAAIAAAAAQAAAAAAAAA="/>
               </a:ext>
             </a:extLst>
           </p:cNvSpPr>
@@ -7221,7 +7221,7 @@
             <a:spLocks noGrp="1" noChangeArrowheads="1"/>
             <a:extLst>
               <a:ext uri="smNativeData">
-                <pr:smNativeData xmlns:pr="smNativeData" val="SMDATA_13_m5rdZRMAAAAlAAAAZAAAAA8BAAAAkAAAAEgAAACQAAAASAAAAAAAAAAAAAAAAAAAAAEAAABQAAAAAAAAAAAA4D8AAAAAAADgPwAAAAAAAOA/AAAAAAAA4D8AAAAAAADgPwAAAAAAAOA/AAAAAAAA4D8AAAAAAADgPwAAAAAAAOA/AAAAAAAA4D8CAAAAjAAAAAAAAAAAAAAAu+DjDP///wgAAAAAAAAAAAAAAAAAAAAAAAAAAAAAAAAAAAAAZAAAAAEAAABAAAAAAAAAAAAAAAAAAAAAAAAAAAAAAAAAAAAAAAAAAAAAAAAAAAAAAAAAAAAAAAAAAAAAAAAAAAAAAAAAAAAAAAAAAAAAAAAAAAAAAAAAAAAAAAAAAAAAFAAAADwAAAAAAAAAAAAAAAAAAAkUAAAAAQAAABQAAAAUAAAAFAAAAAEAAAAAAAAAZAAAAGQAAAAAAAAAZAAAAGQAAAAVAAAAYAAAAAAAAAAAAAAADwAAACADAAAAAAAAAAAAAAEAAACgMgAAVgcAAKr4//8BAAAAf39/AAEAAABkAAAAAAAAABQAAABAHwAAAAAAACYAAAAAAAAAwOD//wAAAAAmAAAAZAAAABYAAABMAAAAAAAAAAAAAAAEAAAAAAAAAAEAAACAgIAKAAAAACgAAAAoAAAAZAAAAGQAAAAAAAAAzMzMAAAAAABQAAAAUAAAAGQAAABkAAAAAAAAABcAAAAUAAAAAAAAAAAAAAD/fwAA/38AAAAAAAAJAAAABAAAAAAAAAAMAAAAEAAAAAAAAAAAAAAAAAAAAAAAAAAeAAAAaAAAAAAAAAAAAAAAAAAAAAAAAAAAAAAAECcAABAnAAAAAAAAAAAAAAAAAAAAAAAAAAAAAAAAAAAAAAAAAAAAABQAAAAAAAAAwMD/AAAAAABkAAAAMgAAAAAAAABkAAAAAAAAAH9/fwAKAAAAHwAAAFQAAAC74OMF////AQAAAAAAAAAAAAAAAAAAAAAAAAAAAAAAAAAAAAAAAAAAAAAAAn9/fwCAgIADzMzMAMDA/wB/f38AAAAAAAAAAAAAAAAAAAAAAAAAAAAhAAAAGAAAABQAAABwCAAAXAwAANAvAACFJQAAAAAAACYAAAAIAAAAAQAAAAAAAAA="/>
+                <pr:smNativeData xmlns:pr="smNativeData" val="SMDATA_13_HSHgZRMAAAAlAAAAZAAAAA8BAAAAkAAAAEgAAACQAAAASAAAAAAAAAAAAAAAAAAAAAEAAABQAAAAAAAAAAAA4D8AAAAAAADgPwAAAAAAAOA/AAAAAAAA4D8AAAAAAADgPwAAAAAAAOA/AAAAAAAA4D8AAAAAAADgPwAAAAAAAOA/AAAAAAAA4D8CAAAAjAAAAAAAAAAAAAAAu+DjDP///wgAAAAAAAAAAAAAAAAAAAAAAAAAAAAAAAAAAAAAZAAAAAEAAABAAAAAAAAAAAAAAAAAAAAAAAAAAAAAAAAAAAAAAAAAAAAAAAAAAAAAAAAAAAAAAAAAAAAAAAAAAAAAAAAAAAAAAAAAAAAAAAAAAAAAAAAAAAAAAAAAAAAAFAAAADwAAAAAAAAAAAAAAAAAAAkUAAAAAQAAABQAAAAUAAAAFAAAAAEAAAAAAAAAZAAAAGQAAAAAAAAAZAAAAGQAAAAVAAAAYAAAAAAAAAAAAAAADwAAACADAAAAAAAAAAAAAAEAAACgMgAAVgcAAKr4//8BAAAAf39/AAEAAABkAAAAAAAAABQAAABAHwAAAAAAACYAAAAAAAAAwOD//wAAAAAmAAAAZAAAABYAAABMAAAAAAAAAAAAAAAEAAAAAAAAAAEAAACAgIAKAAAAACgAAAAoAAAAZAAAAGQAAAAAAAAAzMzMAAAAAABQAAAAUAAAAGQAAABkAAAAAAAAABcAAAAUAAAAAAAAAAAAAAD/fwAA/38AAAAAAAAJAAAABAAAAAAAAAAMAAAAEAAAAAAAAAAAAAAAAAAAAAAAAAAeAAAAaAAAAAAAAAAAAAAAAAAAAAAAAAAAAAAAECcAABAnAAAAAAAAAAAAAAAAAAAAAAAAAAAAAAAAAAAAAAAAAAAAABQAAAAAAAAAwMD/AAAAAABkAAAAMgAAAAAAAABkAAAAAAAAAH9/fwAKAAAAHwAAAFQAAAC74OMF////AQAAAAAAAAAAAAAAAAAAAAAAAAAAAAAAAAAAAAAAAAAAAAAAAn9/fwCAgIADzMzMAMDA/wB/f38AAAAAAAAAAAAAAAAAAAAAAAAAAAAhAAAAGAAAABQAAABwCAAAXAwAANAvAACFJQAAEAAAACYAAAAIAAAAAQAAAAAAAAA="/>
               </a:ext>
             </a:extLst>
           </p:cNvSpPr>
@@ -7326,7 +7326,7 @@
             <a:spLocks noGrp="1" noChangeArrowheads="1"/>
             <a:extLst>
               <a:ext uri="smNativeData">
-                <pr:smNativeData xmlns:pr="smNativeData" val="SMDATA_13_m5rdZRMAAAAlAAAAZAAAAA8BAAAAkAAAAEgAAACQAAAASAAAAAAAAAAAAAAAAAAAAAEAAABQAAAAAAAAAAAA4D8AAAAAAADgPwAAAAAAAOA/AAAAAAAA4D8AAAAAAADgPwAAAAAAAOA/AAAAAAAA4D8AAAAAAADgPwAAAAAAAOA/AAAAAAAA4D8CAAAAjAAAAAAAAAAAAAAAu+DjDP///wgAAAAAAAAAAAAAAAAAAAAAAAAAAAAAAAAAAAAAZAAAAAEAAABAAAAAAAAAAAAAAAAAAAAAAAAAAAAAAAAAAAAAAAAAAAAAAAAAAAAAAAAAAAAAAAAAAAAAAAAAAAAAAAAAAAAAAAAAAAAAAAAAAAAAAAAAAAAAAAAAAAAAFAAAADwAAAAAAAAAAAAAAAAAAAkUAAAAAQAAABQAAAAUAAAAFAAAAAEAAAAAAAAAZAAAAGQAAAAAAAAAZAAAAGQAAAAVAAAAYAAAAAAAAAAAAAAADwAAACADAAAAAAAAAAAAAAEAAACgMgAAVgcAAKr4//8BAAAAf39/AAEAAABkAAAAAAAAABQAAABAHwAAAAAAACYAAAAAAAAAwOD//wAAAAAmAAAAZAAAABYAAABMAAAAAAAAAAAAAAAEAAAAAAAAAAEAAACAgIAKAAAAACgAAAAoAAAAZAAAAGQAAAAAAAAAzMzMAAAAAABQAAAAUAAAAGQAAABkAAAAAAAAABcAAAAUAAAAAAAAAAAAAAD/fwAA/38AAAAAAAAJAAAABAAAAAAAAAAMAAAAEAAAAAAAAAAAAAAAAAAAAAAAAAAeAAAAaAAAAAAAAAAAAAAAAAAAAAAAAAAAAAAAECcAABAnAAAAAAAAAAAAAAAAAAAAAAAAAAAAAAAAAAAAAAAAAAAAABQAAAAAAAAAwMD/AAAAAABkAAAAMgAAAAAAAABkAAAAAAAAAH9/fwAKAAAAHwAAAFQAAAC74OMF////AQAAAAAAAAAAAAAAAAAAAAAAAAAAAAAAAAAAAAAAAAAAAAAAAn9/fwCAgIADzMzMAMDA/wB/f38AAAAAAAAAAAAAAAAAAAAAAAAAAAAhAAAAGAAAABQAAABwCAAAiAMAANAvAACwIgAAAAAAACYAAAAIAAAAAQAAAAAAAAA="/>
+                <pr:smNativeData xmlns:pr="smNativeData" val="SMDATA_13_HSHgZRMAAAAlAAAAZAAAAA8BAAAAkAAAAEgAAACQAAAASAAAAAAAAAAAAAAAAAAAAAEAAABQAAAAAAAAAAAA4D8AAAAAAADgPwAAAAAAAOA/AAAAAAAA4D8AAAAAAADgPwAAAAAAAOA/AAAAAAAA4D8AAAAAAADgPwAAAAAAAOA/AAAAAAAA4D8CAAAAjAAAAAAAAAAAAAAAu+DjDP///wgAAAAAAAAAAAAAAAAAAAAAAAAAAAAAAAAAAAAAZAAAAAEAAABAAAAAAAAAAAAAAAAAAAAAAAAAAAAAAAAAAAAAAAAAAAAAAAAAAAAAAAAAAAAAAAAAAAAAAAAAAAAAAAAAAAAAAAAAAAAAAAAAAAAAAAAAAAAAAAAAAAAAFAAAADwAAAAAAAAAAAAAAAAAAAkUAAAAAQAAABQAAAAUAAAAFAAAAAEAAAAAAAAAZAAAAGQAAAAAAAAAZAAAAGQAAAAVAAAAYAAAAAAAAAAAAAAADwAAACADAAAAAAAAAAAAAAEAAACgMgAAVgcAAKr4//8BAAAAf39/AAEAAABkAAAAAAAAABQAAABAHwAAAAAAACYAAAAAAAAAwOD//wAAAAAmAAAAZAAAABYAAABMAAAAAAAAAAAAAAAEAAAAAAAAAAEAAACAgIAKAAAAACgAAAAoAAAAZAAAAGQAAAAAAAAAzMzMAAAAAABQAAAAUAAAAGQAAABkAAAAAAAAABcAAAAUAAAAAAAAAAAAAAD/fwAA/38AAAAAAAAJAAAABAAAAAAAAAAMAAAAEAAAAAAAAAAAAAAAAAAAAAAAAAAeAAAAaAAAAAAAAAAAAAAAAAAAAAAAAAAAAAAAECcAABAnAAAAAAAAAAAAAAAAAAAAAAAAAAAAAAAAAAAAAAAAAAAAABQAAAAAAAAAwMD/AAAAAABkAAAAMgAAAAAAAABkAAAAAAAAAH9/fwAKAAAAHwAAAFQAAAC74OMF////AQAAAAAAAAAAAAAAAAAAAAAAAAAAAAAAAAAAAAAAAAAAAAAAAn9/fwCAgIADzMzMAMDA/wB/f38AAAAAAAAAAAAAAAAAAAAAAAAAAAAhAAAAGAAAABQAAABwCAAAiAMAANAvAACwIgAAEAAAACYAAAAIAAAAAQAAAAAAAAA="/>
               </a:ext>
             </a:extLst>
           </p:cNvSpPr>
@@ -7781,7 +7781,7 @@
     </p:bldLst>
     <p:extLst>
       <p:ext uri="smNativeData">
-        <pr:smNativeData xmlns:pr="smNativeData" val="m5rdZQcAAAAFAAAAAAAAAAEAAAABAAAAAAAAAAAAAAAAAAAAAAAAAAkAAAABAAAAAQAAAAEAAAAAAAAAAAAAAAAAAAAAAAAADQAAAAIAAAABAAAAAQAAAAAAAAAAAAAAAAAAAAAAAAARAAAAAwAAAAEAAAABAAAAAAAAAAAAAAAAAAAAAAAAABUAAAAEAAAAAQAAAAEAAAAAAAAAAAAAAAAAAAAAAAAAGQAAAAUAAAABAAAAAQAAAAAAAAAAAAAAAAAAAAAAAAAdAAAABgAAAAEAAAABAAAAAAAAAAAAAAAAAAAAAAAAAA=="/>
+        <pr:smNativeData xmlns:pr="smNativeData" val="HSHgZQcAAAAFAAAAAAAAAAEAAAABAAAAAAAAAAAAAAAAAAAAAAAAAAkAAAABAAAAAQAAAAEAAAAAAAAAAAAAAAAAAAAAAAAADQAAAAIAAAABAAAAAQAAAAAAAAAAAAAAAAAAAAAAAAARAAAAAwAAAAEAAAABAAAAAAAAAAAAAAAAAAAAAAAAABUAAAAEAAAAAQAAAAEAAAAAAAAAAAAAAAAAAAAAAAAAGQAAAAUAAAABAAAAAQAAAAAAAAAAAAAAAAAAAAAAAAAdAAAABgAAAAEAAAABAAAAAAAAAAAAAAAAAAAAAAAAAA=="/>
       </p:ext>
     </p:extLst>
   </p:timing>
@@ -7812,7 +7812,7 @@
             <a:spLocks noGrp="1" noChangeArrowheads="1"/>
             <a:extLst>
               <a:ext uri="smNativeData">
-                <pr:smNativeData xmlns:pr="smNativeData" val="SMDATA_13_m5rdZRMAAAAlAAAAZAAAAA8BAAAAkAAAAEgAAACQAAAASAAAAAAAAAAAAAAAAAAAAAEAAABQAAAAAAAAAAAA4D8AAAAAAADgPwAAAAAAAOA/AAAAAAAA4D8AAAAAAADgPwAAAAAAAOA/AAAAAAAA4D8AAAAAAADgPwAAAAAAAOA/AAAAAAAA4D8CAAAAjAAAAAAAAAAAAAAAu+DjDP///wgAAAAAAAAAAAAAAAAAAAAAAAAAAAAAAAAAAAAAZAAAAAEAAABAAAAAAAAAAAAAAAAAAAAAAAAAAAAAAAAAAAAAAAAAAAAAAAAAAAAAAAAAAAAAAAAAAAAAAAAAAAAAAAAAAAAAAAAAAAAAAAAAAAAAAAAAAAAAAAAAAAAAFAAAADwAAAAAAAAAAAAAAAAAAAkUAAAAAQAAABQAAAAUAAAAFAAAAAEAAAAAAAAAZAAAAGQAAAAAAAAAZAAAAGQAAAAVAAAAYAAAAAAAAAAAAAAADwAAACADAAAAAAAAAAAAAAEAAACgMgAAVgcAAKr4//8BAAAAf39/AAEAAABkAAAAAAAAABQAAABAHwAAAAAAACYAAAAAAAAAwOD//wAAAAAmAAAAZAAAABYAAABMAAAAAAAAAAAAAAAEAAAAAAAAAAEAAACAgIAKAAAAACgAAAAoAAAAZAAAAGQAAAAAAAAAzMzMAAAAAABQAAAAUAAAAGQAAABkAAAAAAAAABcAAAAUAAAAAAAAAAAAAAD/fwAA/38AAAAAAAAJAAAABAAAAAAAAAAMAAAAEAAAAAAAAAAAAAAAAAAAAAAAAAAeAAAAaAAAAAAAAAAAAAAAAAAAAAAAAAAAAAAAECcAABAnAAAAAAAAAAAAAAAAAAAAAAAAAAAAAAAAAAAAAAAAAAAAABQAAAAAAAAAwMD/AAAAAABkAAAAMgAAAAAAAABkAAAAAAAAAH9/fwAKAAAAHwAAAFQAAAC74OMF////AQAAAAAAAAAAAAAAAAAAAAAAAAAAAAAAAAAAAAAAAAAAAAAAAn9/fwCAgIADzMzMAMDA/wB/f38AAAAAAAAAAAAAAAAAAAAAAAAAAAAhAAAAGAAAABQAAABwCAAApgIAANAvAABJJwAAAAAAACYAAAAIAAAAAQAAAAAAAAA="/>
+                <pr:smNativeData xmlns:pr="smNativeData" val="SMDATA_13_HSHgZRMAAAAlAAAAZAAAAA8BAAAAkAAAAEgAAACQAAAASAAAAAAAAAAAAAAAAAAAAAEAAABQAAAAAAAAAAAA4D8AAAAAAADgPwAAAAAAAOA/AAAAAAAA4D8AAAAAAADgPwAAAAAAAOA/AAAAAAAA4D8AAAAAAADgPwAAAAAAAOA/AAAAAAAA4D8CAAAAjAAAAAAAAAAAAAAAu+DjDP///wgAAAAAAAAAAAAAAAAAAAAAAAAAAAAAAAAAAAAAZAAAAAEAAABAAAAAAAAAAAAAAAAAAAAAAAAAAAAAAAAAAAAAAAAAAAAAAAAAAAAAAAAAAAAAAAAAAAAAAAAAAAAAAAAAAAAAAAAAAAAAAAAAAAAAAAAAAAAAAAAAAAAAFAAAADwAAAAAAAAAAAAAAAAAAAkUAAAAAQAAABQAAAAUAAAAFAAAAAEAAAAAAAAAZAAAAGQAAAAAAAAAZAAAAGQAAAAVAAAAYAAAAAAAAAAAAAAADwAAACADAAAAAAAAAAAAAAEAAACgMgAAVgcAAKr4//8BAAAAf39/AAEAAABkAAAAAAAAABQAAABAHwAAAAAAACYAAAAAAAAAwOD//wAAAAAmAAAAZAAAABYAAABMAAAAAAAAAAAAAAAEAAAAAAAAAAEAAACAgIAKAAAAACgAAAAoAAAAZAAAAGQAAAAAAAAAzMzMAAAAAABQAAAAUAAAAGQAAABkAAAAAAAAABcAAAAUAAAAAAAAAAAAAAD/fwAA/38AAAAAAAAJAAAABAAAAAAAAAAMAAAAEAAAAAAAAAAAAAAAAAAAAAAAAAAeAAAAaAAAAAAAAAAAAAAAAAAAAAAAAAAAAAAAECcAABAnAAAAAAAAAAAAAAAAAAAAAAAAAAAAAAAAAAAAAAAAAAAAABQAAAAAAAAAwMD/AAAAAABkAAAAMgAAAAAAAABkAAAAAAAAAH9/fwAKAAAAHwAAAFQAAAC74OMF////AQAAAAAAAAAAAAAAAAAAAAAAAAAAAAAAAAAAAAAAAAAAAAAAAn9/fwCAgIADzMzMAMDA/wB/f38AAAAAAAAAAAAAAAAAAAAAAAAAAAAhAAAAGAAAABQAAABwCAAApgIAANAvAABJJwAAAAAAACYAAAAIAAAAAQAAAAAAAAA="/>
               </a:ext>
             </a:extLst>
           </p:cNvSpPr>
@@ -7858,6 +7858,12 @@
             <a:r>
               <a:t>This handbag is genuine.</a:t>
             </a:r>
+          </a:p>
+          <a:p>
+            <a:pPr>
+              <a:buFont typeface="Wingdings" pitchFamily="2" charset="2"/>
+              <a:buChar char=""/>
+            </a:pPr>
           </a:p>
           <a:p>
             <a:pPr>
@@ -8351,6 +8357,55 @@
                       </p:childTnLst>
                     </p:cTn>
                   </p:par>
+                  <p:par>
+                    <p:cTn id="39" fill="hold">
+                      <p:stCondLst>
+                        <p:cond delay="indefinite"/>
+                      </p:stCondLst>
+                      <p:childTnLst>
+                        <p:par>
+                          <p:cTn id="40" fill="hold">
+                            <p:stCondLst>
+                              <p:cond delay="0"/>
+                            </p:stCondLst>
+                            <p:childTnLst>
+                              <p:par>
+                                <p:cTn id="41" presetID="1" presetClass="entr" presetSubtype="0" fill="hold" grpId="0" nodeType="clickEffect">
+                                  <p:stCondLst>
+                                    <p:cond delay="0"/>
+                                  </p:stCondLst>
+                                  <p:childTnLst>
+                                    <p:set>
+                                      <p:cBhvr>
+                                        <p:cTn id="42" dur="1" fill="hold">
+                                          <p:stCondLst>
+                                            <p:cond delay="0"/>
+                                          </p:stCondLst>
+                                        </p:cTn>
+                                        <p:tgtEl>
+                                          <p:spTgt spid="2">
+                                            <p:txEl>
+                                              <p:pRg st="9" end="9"/>
+                                            </p:txEl>
+                                          </p:spTgt>
+                                        </p:tgtEl>
+                                        <p:attrNameLst>
+                                          <p:attrName>style.visibility</p:attrName>
+                                        </p:attrNameLst>
+                                      </p:cBhvr>
+                                      <p:to>
+                                        <p:strVal val="visible"/>
+                                      </p:to>
+                                    </p:set>
+                                  </p:childTnLst>
+                                </p:cTn>
+                              </p:par>
+                            </p:childTnLst>
+                          </p:cTn>
+                        </p:par>
+                      </p:childTnLst>
+                    </p:cTn>
+                  </p:par>
                 </p:childTnLst>
               </p:cTn>
               <p:prevCondLst>
@@ -8377,7 +8432,7 @@
     </p:bldLst>
     <p:extLst>
       <p:ext uri="smNativeData">
-        <pr:smNativeData xmlns:pr="smNativeData" val="m5rdZQkAAAAFAAAAAAAAAAEAAAABAAAAAAAAAAAAAAAAAAAAAAAAAAkAAAABAAAAAQAAAAEAAAAAAAAAAAAAAAAAAAAAAAAADQAAAAIAAAABAAAAAQAAAAAAAAAAAAAAAAAAAAAAAAARAAAAAwAAAAEAAAABAAAAAAAAAAAAAAAAAAAAAAAAABUAAAAEAAAAAQAAAAEAAAAAAAAAAAAAAAAAAAAAAAAAGQAAAAUAAAABAAAAAQAAAAAAAAAAAAAAAAAAAAAAAAAdAAAABgAAAAEAAAABAAAAAAAAAAAAAAAAAAAAAAAAACEAAAAHAAAAAQAAAAEAAAAAAAAAAAAAAAAAAAAAAAAAJQAAAAgAAAABAAAAAQAAAAAAAAAAAAAAAAAAAAAAAAA="/>
+        <pr:smNativeData xmlns:pr="smNativeData" val="HSHgZQoAAAAFAAAAAAAAAAEAAAABAAAAAAAAAAAAAAAAAAAAAAAAAAkAAAABAAAAAQAAAAEAAAAAAAAAAAAAAAAAAAAAAAAADQAAAAIAAAABAAAAAQAAAAAAAAAAAAAAAAAAAAAAAAARAAAAAwAAAAEAAAABAAAAAAAAAAAAAAAAAAAAAAAAABUAAAAEAAAAAQAAAAEAAAAAAAAAAAAAAAAAAAAAAAAAGQAAAAUAAAABAAAAAQAAAAAAAAAAAAAAAAAAAAAAAAAdAAAABgAAAAEAAAABAAAAAAAAAAAAAAAAAAAAAAAAACEAAAAHAAAAAQAAAAEAAAAAAAAAAAAAAAAAAAAAAAAAJQAAAAgAAAABAAAAAQAAAAAAAAAAAAAAAAAAAAAAAAApAAAACQAAAAEAAAABAAAAAAAAAAAAAAAAAAAAAAAAAA=="/>
       </p:ext>
     </p:extLst>
   </p:timing>
@@ -8408,7 +8463,7 @@
             <a:spLocks noGrp="1" noChangeArrowheads="1"/>
             <a:extLst>
               <a:ext uri="smNativeData">
-                <pr:smNativeData xmlns:pr="smNativeData" val="SMDATA_13_m5rdZRMAAAAlAAAAZAAAAA8BAAAAkAAAAEgAAACQAAAASAAAAAAAAAABAAAAAAAAAAEAAABQAAAAAAAAAAAA4D8AAAAAAADgPwAAAAAAAOA/AAAAAAAA4D8AAAAAAADgPwAAAAAAAOA/AAAAAAAA4D8AAAAAAADgPwAAAAAAAOA/AAAAAAAA4D8CAAAAjAAAAAAAAAAAAAAAu+DjDP///wgAAAAAAAAAAAAAAAAAAAAAAAAAAAAAAAAAAAAAZAAAAAEAAABAAAAAAAAAAAAAAAAAAAAAAAAAAAAAAAAAAAAAAAAAAAAAAAAAAAAAAAAAAAAAAAAAAAAAAAAAAAAAAAAAAAAAAAAAAAAAAAAAAAAAAAAAAAAAAAAAAAAAFAAAADwAAAAAAAAAAAAAAAAAAAkUAAAAAQAAABQAAAAUAAAAFAAAAAEAAAAAAAAAZAAAAGQAAAAAAAAAZAAAAGQAAAAVAAAAYAAAAAAAAAAAAAAADwAAACADAAAAAAAAAAAAAAEAAACgMgAAVgcAAKr4//8BAAAAf39/AAEAAABkAAAAAAAAABQAAABAHwAAAAAAACYAAAAAAAAAwOD//wAAAAAmAAAAZAAAABYAAABMAAAAAAAAAAAAAAAEAAAAAAAAAAEAAACAgIAKAAAAACgAAAAoAAAAZAAAAGQAAAAAAAAAzMzMAAAAAABQAAAAUAAAAGQAAABkAAAAAAAAABcAAAAUAAAAAAAAAAAAAAD/fwAA/38AAAAAAAAJAAAABAAAAAAAAAAMAAAAEAAAAAAAAAAAAAAAAAAAAAAAAAAeAAAAaAAAAAAAAAAAAAAAAAAAAAAAAAAAAAAAECcAABAnAAAAAAAAAAAAAAAAAAAAAAAAAAAAAAAAAAAAAAAAAAAAABQAAAAAAAAAwMD/AAAAAABkAAAAMgAAAAAAAABkAAAAAAAAAH9/fwAKAAAAHwAAAFQAAAC74OMF////AQAAAAAAAAAAAAAAAAAAAAAAAAAAAAAAAAAAAAAAAAAAAAAAAn9/fwCAgIADzMzMAMDA/wB/f38AAAAAAAAAAAAAAAAAAAAAAAAAAAAhAAAAGAAAABQAAAD5AwAAbgIAAMkzAAB6CwAAAAAAACYAAAAIAAAAAQAAAAAAAAA="/>
+                <pr:smNativeData xmlns:pr="smNativeData" val="SMDATA_13_HSHgZRMAAAAlAAAAZAAAAA8BAAAAkAAAAEgAAACQAAAASAAAAAAAAAABAAAAAAAAAAEAAABQAAAAAAAAAAAA4D8AAAAAAADgPwAAAAAAAOA/AAAAAAAA4D8AAAAAAADgPwAAAAAAAOA/AAAAAAAA4D8AAAAAAADgPwAAAAAAAOA/AAAAAAAA4D8CAAAAjAAAAAAAAAAAAAAAu+DjDP///wgAAAAAAAAAAAAAAAAAAAAAAAAAAAAAAAAAAAAAZAAAAAEAAABAAAAAAAAAAAAAAAAAAAAAAAAAAAAAAAAAAAAAAAAAAAAAAAAAAAAAAAAAAAAAAAAAAAAAAAAAAAAAAAAAAAAAAAAAAAAAAAAAAAAAAAAAAAAAAAAAAAAAFAAAADwAAAAAAAAAAAAAAAAAAAkUAAAAAQAAABQAAAAUAAAAFAAAAAEAAAAAAAAAZAAAAGQAAAAAAAAAZAAAAGQAAAAVAAAAYAAAAAAAAAAAAAAADwAAACADAAAAAAAAAAAAAAEAAACgMgAAVgcAAKr4//8BAAAAf39/AAEAAABkAAAAAAAAABQAAABAHwAAAAAAACYAAAAAAAAAwOD//wAAAAAmAAAAZAAAABYAAABMAAAAAAAAAAAAAAAEAAAAAAAAAAEAAACAgIAKAAAAACgAAAAoAAAAZAAAAGQAAAAAAAAAzMzMAAAAAABQAAAAUAAAAGQAAABkAAAAAAAAABcAAAAUAAAAAAAAAAAAAAD/fwAA/38AAAAAAAAJAAAABAAAAAAAAAAMAAAAEAAAAAAAAAAAAAAAAAAAAAAAAAAeAAAAaAAAAAAAAAAAAAAAAAAAAAAAAAAAAAAAECcAABAnAAAAAAAAAAAAAAAAAAAAAAAAAAAAAAAAAAAAAAAAAAAAABQAAAAAAAAAwMD/AAAAAABkAAAAMgAAAAAAAABkAAAAAAAAAH9/fwAKAAAAHwAAAFQAAAC74OMF////AQAAAAAAAAAAAAAAAAAAAAAAAAAAAAAAAAAAAAAAAAAAAAAAAn9/fwCAgIADzMzMAMDA/wB/f38AAAAAAAAAAAAAAAAAAAAAAAAAAAAhAAAAGAAAABQAAAD5AwAAbgIAAMkzAAB6CwAAEAAAACYAAAAIAAAAAQAAAAAAAAA="/>
               </a:ext>
             </a:extLst>
           </p:cNvSpPr>
@@ -8446,7 +8501,7 @@
             <a:spLocks noGrp="1" noChangeArrowheads="1"/>
             <a:extLst>
               <a:ext uri="smNativeData">
-                <pr:smNativeData xmlns:pr="smNativeData" val="SMDATA_13_m5rdZRMAAAAlAAAAZAAAAA8BAAAAkAAAAEgAAACQAAAASAAAAAAAAAAAAAAAAAAAAAEAAABQAAAAAAAAAAAA4D8AAAAAAADgPwAAAAAAAOA/AAAAAAAA4D8AAAAAAADgPwAAAAAAAOA/AAAAAAAA4D8AAAAAAADgPwAAAAAAAOA/AAAAAAAA4D8CAAAAjAAAAAAAAAAAAAAAu+DjDP///wgAAAAAAAAAAAAAAAAAAAAAAAAAAAAAAAAAAAAAZAAAAAEAAABAAAAAAAAAAAAAAAAAAAAAAAAAAAAAAAAAAAAAAAAAAAAAAAAAAAAAAAAAAAAAAAAAAAAAAAAAAAAAAAAAAAAAAAAAAAAAAAAAAAAAAAAAAAAAAAAAAAAAFAAAADwAAAAAAAAAAAAAAAAAAAkUAAAAAQAAABQAAAAUAAAAFAAAAAEAAAAAAAAAZAAAAGQAAAAAAAAAZAAAAGQAAAAVAAAAYAAAAAAAAAAAAAAADwAAACADAAAAAAAAAAAAAAEAAACgMgAAVgcAAKr4//8BAAAAf39/AAEAAABkAAAAAAAAABQAAABAHwAAAAAAACYAAAAAAAAAwOD//wAAAAAmAAAAZAAAABYAAABMAAAAAAAAAAAAAAAEAAAAAAAAAAEAAACAgIAKAAAAACgAAAAoAAAAZAAAAGQAAAAAAAAAzMzMAAAAAABQAAAAUAAAAGQAAABkAAAAAAAAABcAAAAUAAAAAAAAAAAAAAD/fwAA/38AAAAAAAAJAAAABAAAAAAAAAAMAAAAEAAAAAAAAAAAAAAAAAAAAAAAAAAeAAAAaAAAAAAAAAAAAAAAAAAAAAAAAAAAAAAAECcAABAnAAAAAAAAAAAAAAAAAAAAAAAAAAAAAAAAAAAAAAAAAAAAABQAAAAAAAAAwMD/AAAAAABkAAAAMgAAAAAAAABkAAAAAAAAAH9/fwAKAAAAHwAAAFQAAAC74OMF////AQAAAAAAAAAAAAAAAAAAAAAAAAAAAAAAAAAAAAAAAAAAAAAAAn9/fwCAgIADzMzMAMDA/wB/f38AAAAAAAAAAAAAAAAAAAAAAAAAAAAhAAAAGAAAABQAAABjCAAAXAwAAMMvAABuIgAAAAAAACYAAAAIAAAAAQAAAAAAAAA="/>
+                <pr:smNativeData xmlns:pr="smNativeData" val="SMDATA_13_HSHgZRMAAAAlAAAAZAAAAA8BAAAAkAAAAEgAAACQAAAASAAAAAAAAAAAAAAAAAAAAAEAAABQAAAAAAAAAAAA4D8AAAAAAADgPwAAAAAAAOA/AAAAAAAA4D8AAAAAAADgPwAAAAAAAOA/AAAAAAAA4D8AAAAAAADgPwAAAAAAAOA/AAAAAAAA4D8CAAAAjAAAAAAAAAAAAAAAu+DjDP///wgAAAAAAAAAAAAAAAAAAAAAAAAAAAAAAAAAAAAAZAAAAAEAAABAAAAAAAAAAAAAAAAAAAAAAAAAAAAAAAAAAAAAAAAAAAAAAAAAAAAAAAAAAAAAAAAAAAAAAAAAAAAAAAAAAAAAAAAAAAAAAAAAAAAAAAAAAAAAAAAAAAAAFAAAADwAAAAAAAAAAAAAAAAAAAkUAAAAAQAAABQAAAAUAAAAFAAAAAEAAAAAAAAAZAAAAGQAAAAAAAAAZAAAAGQAAAAVAAAAYAAAAAAAAAAAAAAADwAAACADAAAAAAAAAAAAAAEAAACgMgAAVgcAAKr4//8BAAAAf39/AAEAAABkAAAAAAAAABQAAABAHwAAAAAAACYAAAAAAAAAwOD//wAAAAAmAAAAZAAAABYAAABMAAAAAAAAAAAAAAAEAAAAAAAAAAEAAACAgIAKAAAAACgAAAAoAAAAZAAAAGQAAAAAAAAAzMzMAAAAAABQAAAAUAAAAGQAAABkAAAAAAAAABcAAAAUAAAAAAAAAAAAAAD/fwAA/38AAAAAAAAJAAAABAAAAAAAAAAMAAAAEAAAAAAAAAAAAAAAAAAAAAAAAAAeAAAAaAAAAAAAAAAAAAAAAAAAAAAAAAAAAAAAECcAABAnAAAAAAAAAAAAAAAAAAAAAAAAAAAAAAAAAAAAAAAAAAAAABQAAAAAAAAAwMD/AAAAAABkAAAAMgAAAAAAAABkAAAAAAAAAH9/fwAKAAAAHwAAAFQAAAC74OMF////AQAAAAAAAAAAAAAAAAAAAAAAAAAAAAAAAAAAAAAAAAAAAAAAAn9/fwCAgIADzMzMAMDA/wB/f38AAAAAAAAAAAAAAAAAAAAAAAAAAAAhAAAAGAAAABQAAABjCAAAXAwAAMMvAABuIgAAEAAAACYAAAAIAAAAAQAAAAAAAAA="/>
               </a:ext>
             </a:extLst>
           </p:cNvSpPr>
@@ -8543,7 +8598,7 @@
             <a:spLocks noGrp="1" noChangeArrowheads="1"/>
             <a:extLst>
               <a:ext uri="smNativeData">
-                <pr:smNativeData xmlns:pr="smNativeData" val="SMDATA_13_m5rdZRMAAAAlAAAAZAAAAA8BAAAAkAAAAEgAAACQAAAASAAAAAAAAAAAAAAAAAAAAAEAAABQAAAAAAAAAAAA4D8AAAAAAADgPwAAAAAAAOA/AAAAAAAA4D8AAAAAAADgPwAAAAAAAOA/AAAAAAAA4D8AAAAAAADgPwAAAAAAAOA/AAAAAAAA4D8CAAAAjAAAAAAAAAAAAAAAu+DjDP///wgAAAAAAAAAAAAAAAAAAAAAAAAAAAAAAAAAAAAAZAAAAAEAAABAAAAAAAAAAAAAAAAAAAAAAAAAAAAAAAAAAAAAAAAAAAAAAAAAAAAAAAAAAAAAAAAAAAAAAAAAAAAAAAAAAAAAAAAAAAAAAAAAAAAAAAAAAAAAAAAAAAAAFAAAADwAAAAAAAAAAAAAAAAAAAkUAAAAAQAAABQAAAAUAAAAFAAAAAEAAAAAAAAAZAAAAGQAAAAAAAAAZAAAAGQAAAAVAAAAYAAAAAAAAAAAAAAADwAAACADAAAAAAAAAAAAAAEAAACgMgAAVgcAAKr4//8BAAAAf39/AAEAAABkAAAAAAAAABQAAABAHwAAAAAAACYAAAAAAAAAwOD//wAAAAAmAAAAZAAAABYAAABMAAAAAAAAAAAAAAAEAAAAAAAAAAEAAACAgIAKAAAAACgAAAAoAAAAZAAAAGQAAAAAAAAAzMzMAAAAAABQAAAAUAAAAGQAAABkAAAAAAAAABcAAAAUAAAAAAAAAAAAAAD/fwAA/38AAAAAAAAJAAAABAAAAGFsAAgMAAAAEAAAAAAAAAAAAAAAAAAAAAAAAAAeAAAAaAAAAAAAAAAAAAAAAAAAAAAAAAAAAAAAECcAABAnAAAAAAAAAAAAAAAAAAAAAAAAAAAAAAAAAAAAAAAAAAAAABQAAAAAAAAAwMD/AAAAAABkAAAAMgAAAAAAAABkAAAAAAAAAH9/fwAKAAAAHwAAAFQAAAC74OMF////AQAAAAAAAAAAAAAAAAAAAAAAAAAAAAAAAAAAAAAAAAAAAAAAAn9/fwCAgIADzMzMAMDA/wB/f38AAAAAAAAAAAAAAAAAAAAAAAAAAAAhAAAAGAAAABQAAAAQBwAAUwEAAHAuAACFJQAAAAAAACYAAAAIAAAAAQAAAAAAAAA="/>
+                <pr:smNativeData xmlns:pr="smNativeData" val="SMDATA_13_HSHgZRMAAAAlAAAAZAAAAA8BAAAAkAAAAEgAAACQAAAASAAAAAAAAAAAAAAAAAAAAAEAAABQAAAAAAAAAAAA4D8AAAAAAADgPwAAAAAAAOA/AAAAAAAA4D8AAAAAAADgPwAAAAAAAOA/AAAAAAAA4D8AAAAAAADgPwAAAAAAAOA/AAAAAAAA4D8CAAAAjAAAAAAAAAAAAAAAu+DjDP///wgAAAAAAAAAAAAAAAAAAAAAAAAAAAAAAAAAAAAAZAAAAAEAAABAAAAAAAAAAAAAAAAAAAAAAAAAAAAAAAAAAAAAAAAAAAAAAAAAAAAAAAAAAAAAAAAAAAAAAAAAAAAAAAAAAAAAAAAAAAAAAAAAAAAAAAAAAAAAAAAAAAAAFAAAADwAAAAAAAAAAAAAAAAAAAkUAAAAAQAAABQAAAAUAAAAFAAAAAEAAAAAAAAAZAAAAGQAAAAAAAAAZAAAAGQAAAAVAAAAYAAAAAAAAAAAAAAADwAAACADAAAAAAAAAAAAAAEAAACgMgAAVgcAAKr4//8BAAAAf39/AAEAAABkAAAAAAAAABQAAABAHwAAAAAAACYAAAAAAAAAwOD//wAAAAAmAAAAZAAAABYAAABMAAAAAAAAAAAAAAAEAAAAAAAAAAEAAACAgIAKAAAAACgAAAAoAAAAZAAAAGQAAAAAAAAAzMzMAAAAAABQAAAAUAAAAGQAAABkAAAAAAAAABcAAAAUAAAAAAAAAAAAAAD/fwAA/38AAAAAAAAJAAAABAAAAGFsAAgMAAAAEAAAAAAAAAAAAAAAAAAAAAAAAAAeAAAAaAAAAAAAAAAAAAAAAAAAAAAAAAAAAAAAECcAABAnAAAAAAAAAAAAAAAAAAAAAAAAAAAAAAAAAAAAAAAAAAAAABQAAAAAAAAAwMD/AAAAAABkAAAAMgAAAAAAAABkAAAAAAAAAH9/fwAKAAAAHwAAAFQAAAC74OMF////AQAAAAAAAAAAAAAAAAAAAAAAAAAAAAAAAAAAAAAAAAAAAAAAAn9/fwCAgIADzMzMAMDA/wB/f38AAAAAAAAAAAAAAAAAAAAAAAAAAAAhAAAAGAAAABQAAAAQBwAAUwEAAHAuAACFJQAAEAAAACYAAAAIAAAAAQAAAAAAAAA="/>
               </a:ext>
             </a:extLst>
           </p:cNvSpPr>
@@ -9053,7 +9108,7 @@
     </p:bldLst>
     <p:extLst>
       <p:ext uri="smNativeData">
-        <pr:smNativeData xmlns:pr="smNativeData" val="m5rdZQgAAAAFAAAAAAAAAAEAAAABAAAAAAAAAAAAAAAAAAAAAAAAAAkAAAABAAAAAQAAAAEAAAAAAAAAAAAAAAAAAAAAAAAADQAAAAIAAAABAAAAAQAAAAAAAAAAAAAAAAAAAAAAAAARAAAAAwAAAAEAAAABAAAAAAAAAAAAAAAAAAAAAAAAABUAAAAEAAAAAQAAAAEAAAAAAAAAAAAAAAAAAAAAAAAAGQAAAAUAAAABAAAAAQAAAAAAAAAAAAAAAAAAAAAAAAAdAAAABgAAAAEAAAABAAAAAAAAAAAAAAAAAAAAAAAAACEAAAAHAAAAAQAAAAEAAAAAAAAAAAAAAAAAAAAAAAAA"/>
+        <pr:smNativeData xmlns:pr="smNativeData" val="HSHgZQgAAAAFAAAAAAAAAAEAAAABAAAAAAAAAAAAAAAAAAAAAAAAAAkAAAABAAAAAQAAAAEAAAAAAAAAAAAAAAAAAAAAAAAADQAAAAIAAAABAAAAAQAAAAAAAAAAAAAAAAAAAAAAAAARAAAAAwAAAAEAAAABAAAAAAAAAAAAAAAAAAAAAAAAABUAAAAEAAAAAQAAAAEAAAAAAAAAAAAAAAAAAAAAAAAAGQAAAAUAAAABAAAAAQAAAAAAAAAAAAAAAAAAAAAAAAAdAAAABgAAAAEAAAABAAAAAAAAAAAAAAAAAAAAAAAAACEAAAAHAAAAAQAAAAEAAAAAAAAAAAAAAAAAAAAAAAAA"/>
       </p:ext>
     </p:extLst>
   </p:timing>
@@ -9084,7 +9139,7 @@
             <a:spLocks noGrp="1" noChangeArrowheads="1"/>
             <a:extLst>
               <a:ext uri="smNativeData">
-                <pr:smNativeData xmlns:pr="smNativeData" val="SMDATA_13_m5rdZRMAAAAlAAAAZAAAAA8BAAAAkAAAAEgAAACQAAAASAAAAAAAAAABAAAAAAAAAAEAAABQAAAAAAAAAAAA4D8AAAAAAADgPwAAAAAAAOA/AAAAAAAA4D8AAAAAAADgPwAAAAAAAOA/AAAAAAAA4D8AAAAAAADgPwAAAAAAAOA/AAAAAAAA4D8CAAAAjAAAAAAAAAAAAAAAu+DjDP///wgAAAAAAAAAAAAAAAAAAAAAAAAAAAAAAAAAAAAAZAAAAAEAAABAAAAAAAAAAAAAAAAAAAAAAAAAAAAAAAAAAAAAAAAAAAAAAAAAAAAAAAAAAAAAAAAAAAAAAAAAAAAAAAAAAAAAAAAAAAAAAAAAAAAAAAAAAAAAAAAAAAAAFAAAADwAAAAAAAAAAAAAAAAAAAkUAAAAAQAAABQAAAAUAAAAFAAAAAEAAAAAAAAAZAAAAGQAAAAAAAAAZAAAAGQAAAAVAAAAYAAAAAAAAAAAAAAADwAAACADAAAAAAAAAAAAAAEAAACgMgAAVgcAAKr4//8BAAAAf39/AAEAAABkAAAAAAAAABQAAABAHwAAAAAAACYAAAAAAAAAwOD//wAAAAAmAAAAZAAAABYAAABMAAAAAAAAAAAAAAAEAAAAAAAAAAEAAACAgIAKAAAAACgAAAAoAAAAZAAAAGQAAAAAAAAAzMzMAAAAAABQAAAAUAAAAGQAAABkAAAAAAAAABcAAAAUAAAAAAAAAAAAAAD/fwAA/38AAAAAAAAJAAAABAAAAGgBAAAMAAAAEAAAAAAAAAAAAAAAAAAAAAAAAAAeAAAAaAAAAAAAAAAAAAAAAAAAAAAAAAAAAAAAECcAABAnAAAAAAAAAAAAAAAAAAAAAAAAAAAAAAAAAAAAAAAAAAAAABQAAAAAAAAAwMD/AAAAAABkAAAAMgAAAAAAAABkAAAAAAAAAH9/fwAKAAAAHwAAAFQAAAC74OMF////AQAAAAAAAAAAAAAAAAAAAAAAAAAAAAAAAAAAAAAAAAAAAAAAAn9/fwCAgIADzMzMAMDA/wB/f38AAAAAAAAAAAAAAAAAAAAAAAAAAAAhAAAAGAAAABQAAACIAwAAxAEAAFgzAADQCgAAAAAAACYAAAAIAAAAAQAAAAAAAAA="/>
+                <pr:smNativeData xmlns:pr="smNativeData" val="SMDATA_13_HSHgZRMAAAAlAAAAZAAAAA8BAAAAkAAAAEgAAACQAAAASAAAAAAAAAABAAAAAAAAAAEAAABQAAAAAAAAAAAA4D8AAAAAAADgPwAAAAAAAOA/AAAAAAAA4D8AAAAAAADgPwAAAAAAAOA/AAAAAAAA4D8AAAAAAADgPwAAAAAAAOA/AAAAAAAA4D8CAAAAjAAAAAAAAAAAAAAAu+DjDP///wgAAAAAAAAAAAAAAAAAAAAAAAAAAAAAAAAAAAAAZAAAAAEAAABAAAAAAAAAAAAAAAAAAAAAAAAAAAAAAAAAAAAAAAAAAAAAAAAAAAAAAAAAAAAAAAAAAAAAAAAAAAAAAAAAAAAAAAAAAAAAAAAAAAAAAAAAAAAAAAAAAAAAFAAAADwAAAAAAAAAAAAAAAAAAAkUAAAAAQAAABQAAAAUAAAAFAAAAAEAAAAAAAAAZAAAAGQAAAAAAAAAZAAAAGQAAAAVAAAAYAAAAAAAAAAAAAAADwAAACADAAAAAAAAAAAAAAEAAACgMgAAVgcAAKr4//8BAAAAf39/AAEAAABkAAAAAAAAABQAAABAHwAAAAAAACYAAAAAAAAAwOD//wAAAAAmAAAAZAAAABYAAABMAAAAAAAAAAAAAAAEAAAAAAAAAAEAAACAgIAKAAAAACgAAAAoAAAAZAAAAGQAAAAAAAAAzMzMAAAAAABQAAAAUAAAAGQAAABkAAAAAAAAABcAAAAUAAAAAAAAAAAAAAD/fwAA/38AAAAAAAAJAAAABAAAAGgBAAAMAAAAEAAAAAAAAAAAAAAAAAAAAAAAAAAeAAAAaAAAAAAAAAAAAAAAAAAAAAAAAAAAAAAAECcAABAnAAAAAAAAAAAAAAAAAAAAAAAAAAAAAAAAAAAAAAAAAAAAABQAAAAAAAAAwMD/AAAAAABkAAAAMgAAAAAAAABkAAAAAAAAAH9/fwAKAAAAHwAAAFQAAAC74OMF////AQAAAAAAAAAAAAAAAAAAAAAAAAAAAAAAAAAAAAAAAAAAAAAAAn9/fwCAgIADzMzMAMDA/wB/f38AAAAAAAAAAAAAAAAAAAAAAAAAAAAhAAAAGAAAABQAAACIAwAAxAEAAFgzAADQCgAAEAAAACYAAAAIAAAAAQAAAAAAAAA="/>
               </a:ext>
             </a:extLst>
           </p:cNvSpPr>
@@ -9122,7 +9177,7 @@
             <a:spLocks noGrp="1" noChangeArrowheads="1"/>
             <a:extLst>
               <a:ext uri="smNativeData">
-                <pr:smNativeData xmlns:pr="smNativeData" val="SMDATA_13_m5rdZRMAAAAlAAAAZAAAAA8BAAAAkAAAAEgAAACQAAAASAAAAAAAAAAAAAAAAAAAAAEAAABQAAAAAAAAAAAA4D8AAAAAAADgPwAAAAAAAOA/AAAAAAAA4D8AAAAAAADgPwAAAAAAAOA/AAAAAAAA4D8AAAAAAADgPwAAAAAAAOA/AAAAAAAA4D8CAAAAjAAAAAAAAAAAAAAAu+DjDP///wgAAAAAAAAAAAAAAAAAAAAAAAAAAAAAAAAAAAAAZAAAAAEAAABAAAAAAAAAAAAAAAAAAAAAAAAAAAAAAAAAAAAAAAAAAAAAAAAAAAAAAAAAAAAAAAAAAAAAAAAAAAAAAAAAAAAAAAAAAAAAAAAAAAAAAAAAAAAAAAAAAAAAFAAAADwAAAAAAAAAAAAAAAAAAAkUAAAAAQAAABQAAAAUAAAAFAAAAAEAAAAAAAAAZAAAAGQAAAAAAAAAZAAAAGQAAAAVAAAAYAAAAAAAAAAAAAAADwAAACADAAAAAAAAAAAAAAEAAACgMgAAVgcAAKr4//8BAAAAf39/AAEAAABkAAAAAAAAABQAAABAHwAAAAAAACYAAAAAAAAAwOD//wAAAAAmAAAAZAAAABYAAABMAAAAAAAAAAAAAAAEAAAAAAAAAAEAAACAgIAKAAAAACgAAAAoAAAAZAAAAGQAAAAAAAAAzMzMAAAAAABQAAAAUAAAAGQAAABkAAAAAAAAABcAAAAUAAAAAAAAAAAAAAD/fwAA/38AAAAAAAAJAAAABAAAAEsEAAAMAAAAEAAAAAAAAAAAAAAAAAAAAAAAAAAeAAAAaAAAAAAAAAAAAAAAAAAAAAAAAAAAAAAAECcAABAnAAAAAAAAAAAAAAAAAAAAAAAAAAAAAAAAAAAAAAAAAAAAABQAAAAAAAAAwMD/AAAAAABkAAAAMgAAAAAAAABkAAAAAAAAAH9/fwAKAAAAHwAAAFQAAAC74OMF////AQAAAAAAAAAAAAAAAAAAAAAAAAAAAAAAAAAAAAAAAAAAAAAAAn9/fwCAgIADzMzMAMDA/wB/f38AAAAAAAAAAAAAAAAAAAAAAAAAAAAhAAAAGAAAABQAAABwCAAA6wsAANAvAAC6JwAAAAAAACYAAAAIAAAAAQAAAAAAAAA="/>
+                <pr:smNativeData xmlns:pr="smNativeData" val="SMDATA_13_HSHgZRMAAAAlAAAAZAAAAA8BAAAAkAAAAEgAAACQAAAASAAAAAAAAAAAAAAAAAAAAAEAAABQAAAAAAAAAAAA4D8AAAAAAADgPwAAAAAAAOA/AAAAAAAA4D8AAAAAAADgPwAAAAAAAOA/AAAAAAAA4D8AAAAAAADgPwAAAAAAAOA/AAAAAAAA4D8CAAAAjAAAAAAAAAAAAAAAu+DjDP///wgAAAAAAAAAAAAAAAAAAAAAAAAAAAAAAAAAAAAAZAAAAAEAAABAAAAAAAAAAAAAAAAAAAAAAAAAAAAAAAAAAAAAAAAAAAAAAAAAAAAAAAAAAAAAAAAAAAAAAAAAAAAAAAAAAAAAAAAAAAAAAAAAAAAAAAAAAAAAAAAAAAAAFAAAADwAAAAAAAAAAAAAAAAAAAkUAAAAAQAAABQAAAAUAAAAFAAAAAEAAAAAAAAAZAAAAGQAAAAAAAAAZAAAAGQAAAAVAAAAYAAAAAAAAAAAAAAADwAAACADAAAAAAAAAAAAAAEAAACgMgAAVgcAAKr4//8BAAAAf39/AAEAAABkAAAAAAAAABQAAABAHwAAAAAAACYAAAAAAAAAwOD//wAAAAAmAAAAZAAAABYAAABMAAAAAAAAAAAAAAAEAAAAAAAAAAEAAACAgIAKAAAAACgAAAAoAAAAZAAAAGQAAAAAAAAAzMzMAAAAAABQAAAAUAAAAGQAAABkAAAAAAAAABcAAAAUAAAAAAAAAAAAAAD/fwAA/38AAAAAAAAJAAAABAAAAEsEAAAMAAAAEAAAAAAAAAAAAAAAAAAAAAAAAAAeAAAAaAAAAAAAAAAAAAAAAAAAAAAAAAAAAAAAECcAABAnAAAAAAAAAAAAAAAAAAAAAAAAAAAAAAAAAAAAAAAAAAAAABQAAAAAAAAAwMD/AAAAAABkAAAAMgAAAAAAAABkAAAAAAAAAH9/fwAKAAAAHwAAAFQAAAC74OMF////AQAAAAAAAAAAAAAAAAAAAAAAAAAAAAAAAAAAAAAAAAAAAAAAAn9/fwCAgIADzMzMAMDA/wB/f38AAAAAAAAAAAAAAAAAAAAAAAAAAAAhAAAAGAAAABQAAABwCAAA6wsAANAvAAC6JwAAAAAAACYAAAAIAAAAAQAAAAAAAAA="/>
               </a:ext>
             </a:extLst>
           </p:cNvSpPr>
@@ -9142,7 +9197,7 @@
           <a:p>
             <a:pPr/>
             <a:r>
-              <a:t>Advanced</a:t>
+              <a:t>Adjective</a:t>
             </a:r>
           </a:p>
           <a:p>
@@ -9224,7 +9279,7 @@
             <a:spLocks noGrp="1" noChangeArrowheads="1"/>
             <a:extLst>
               <a:ext uri="smNativeData">
-                <pr:smNativeData xmlns:pr="smNativeData" val="SMDATA_13_m5rdZRMAAAAlAAAAZAAAAA8BAAAAkAAAAEgAAACQAAAASAAAAAAAAAAAAAAAAAAAAAEAAABQAAAAAAAAAAAA4D8AAAAAAADgPwAAAAAAAOA/AAAAAAAA4D8AAAAAAADgPwAAAAAAAOA/AAAAAAAA4D8AAAAAAADgPwAAAAAAAOA/AAAAAAAA4D8CAAAAjAAAAAAAAAAAAAAAu+DjDP///wgAAAAAAAAAAAAAAAAAAAAAAAAAAAAAAAAAAAAAZAAAAAEAAABAAAAAAAAAAAAAAAAAAAAAAAAAAAAAAAAAAAAAAAAAAAAAAAAAAAAAAAAAAAAAAAAAAAAAAAAAAAAAAAAAAAAAAAAAAAAAAAAAAAAAAAAAAAAAAAAAAAAAFAAAADwAAAAAAAAAAAAAAAAAAAkUAAAAAQAAABQAAAAUAAAAFAAAAAEAAAAAAAAAZAAAAGQAAAAAAAAAZAAAAGQAAAAVAAAAYAAAAAAAAAAAAAAADwAAACADAAAAAAAAAAAAAAEAAACgMgAAVgcAAKr4//8BAAAAf39/AAEAAABkAAAAAAAAABQAAABAHwAAAAAAACYAAAAAAAAAwOD//wAAAAAmAAAAZAAAABYAAABMAAAAAAAAAAAAAAAEAAAAAAAAAAEAAACAgIAKAAAAACgAAAAoAAAAZAAAAGQAAAAAAAAAzMzMAAAAAABQAAAAUAAAAGQAAABkAAAAAAAAABcAAAAUAAAAAAAAAAAAAAD/fwAA/38AAAAAAAAJAAAABAAAALwCAAAMAAAAEAAAAAAAAAAAAAAAAAAAAAAAAAAeAAAAaAAAAAAAAAAAAAAAAAAAAAAAAAAAAAAAECcAABAnAAAAAAAAAAAAAAAAAAAAAAAAAAAAAAAAAAAAAAAAAAAAABQAAAAAAAAAwMD/AAAAAABkAAAAMgAAAAAAAABkAAAAAAAAAH9/fwAKAAAAHwAAAFQAAAC74OMF////AQAAAAAAAAAAAAAAAAAAAAAAAAAAAAAAAAAAAAAAAAAAAAAAAn9/fwCAgIADzMzMAMDA/wB/f38AAAAAAAAAAAAAAAAAAAAAAAAAAAAhAAAAGAAAABQAAABwCAAANQIAANAvAACwIgAAAAAAACYAAAAIAAAAAQAAAAAAAAA="/>
+                <pr:smNativeData xmlns:pr="smNativeData" val="SMDATA_13_HSHgZRMAAAAlAAAAZAAAAA8BAAAAkAAAAEgAAACQAAAASAAAAAAAAAAAAAAAAAAAAAEAAABQAAAAAAAAAAAA4D8AAAAAAADgPwAAAAAAAOA/AAAAAAAA4D8AAAAAAADgPwAAAAAAAOA/AAAAAAAA4D8AAAAAAADgPwAAAAAAAOA/AAAAAAAA4D8CAAAAjAAAAAAAAAAAAAAAu+DjDP///wgAAAAAAAAAAAAAAAAAAAAAAAAAAAAAAAAAAAAAZAAAAAEAAABAAAAAAAAAAAAAAAAAAAAAAAAAAAAAAAAAAAAAAAAAAAAAAAAAAAAAAAAAAAAAAAAAAAAAAAAAAAAAAAAAAAAAAAAAAAAAAAAAAAAAAAAAAAAAAAAAAAAAFAAAADwAAAAAAAAAAAAAAAAAAAkUAAAAAQAAABQAAAAUAAAAFAAAAAEAAAAAAAAAZAAAAGQAAAAAAAAAZAAAAGQAAAAVAAAAYAAAAAAAAAAAAAAADwAAACADAAAAAAAAAAAAAAEAAACgMgAAVgcAAKr4//8BAAAAf39/AAEAAABkAAAAAAAAABQAAABAHwAAAAAAACYAAAAAAAAAwOD//wAAAAAmAAAAZAAAABYAAABMAAAAAAAAAAAAAAAEAAAAAAAAAAEAAACAgIAKAAAAACgAAAAoAAAAZAAAAGQAAAAAAAAAzMzMAAAAAABQAAAAUAAAAGQAAABkAAAAAAAAABcAAAAUAAAAAAAAAAAAAAD/fwAA/38AAAAAAAAJAAAABAAAALwCAAAMAAAAEAAAAAAAAAAAAAAAAAAAAAAAAAAeAAAAaAAAAAAAAAAAAAAAAAAAAAAAAAAAAAAAECcAABAnAAAAAAAAAAAAAAAAAAAAAAAAAAAAAAAAAAAAAAAAAAAAABQAAAAAAAAAwMD/AAAAAABkAAAAMgAAAAAAAABkAAAAAAAAAH9/fwAKAAAAHwAAAFQAAAC74OMF////AQAAAAAAAAAAAAAAAAAAAAAAAAAAAAAAAAAAAAAAAAAAAAAAAn9/fwCAgIADzMzMAMDA/wB/f38AAAAAAAAAAAAAAAAAAAAAAAAAAAAhAAAAGAAAABQAAABwCAAANQIAANAvAACwIgAAAAAAACYAAAAIAAAAAQAAAAAAAAA="/>
               </a:ext>
             </a:extLst>
           </p:cNvSpPr>
@@ -9292,7 +9347,7 @@
               <a:buChar char=""/>
             </a:pPr>
             <a:r>
-              <a:t>IT is necessary to sell more products if we want to survive as a business.</a:t>
+              <a:t>It is necessary to sell more products if we want to survive as a business.</a:t>
             </a:r>
           </a:p>
         </p:txBody>
@@ -9679,7 +9734,7 @@
     </p:bldLst>
     <p:extLst>
       <p:ext uri="smNativeData">
-        <pr:smNativeData xmlns:pr="smNativeData" val="m5rdZQcAAAAFAAAAAAAAAAEAAAABAAAAAAAAAAAAAAAAAAAAAAAAAAkAAAABAAAAAQAAAAEAAAAAAAAAAAAAAAAAAAAAAAAADQAAAAIAAAABAAAAAQAAAAAAAAAAAAAAAAAAAAAAAAARAAAAAwAAAAEAAAABAAAAAAAAAAAAAAAAAAAAAAAAABUAAAAEAAAAAQAAAAEAAAAAAAAAAAAAAAAAAAAAAAAAGQAAAAUAAAABAAAAAQAAAAAAAAAAAAAAAAAAAAAAAAAdAAAABgAAAAEAAAABAAAAAAAAAAAAAAAAAAAAAAAAAA=="/>
+        <pr:smNativeData xmlns:pr="smNativeData" val="HSHgZQcAAAAFAAAAAAAAAAEAAAABAAAAAAAAAAAAAAAAAAAAAAAAAAkAAAABAAAAAQAAAAEAAAAAAAAAAAAAAAAAAAAAAAAADQAAAAIAAAABAAAAAQAAAAAAAAAAAAAAAAAAAAAAAAARAAAAAwAAAAEAAAABAAAAAAAAAAAAAAAAAAAAAAAAABUAAAAEAAAAAQAAAAEAAAAAAAAAAAAAAAAAAAAAAAAAGQAAAAUAAAABAAAAAQAAAAAAAAAAAAAAAAAAAAAAAAAdAAAABgAAAAEAAAABAAAAAAAAAAAAAAAAAAAAAAAAAA=="/>
       </p:ext>
     </p:extLst>
   </p:timing>
@@ -9710,7 +9765,7 @@
             <a:spLocks noGrp="1" noChangeArrowheads="1"/>
             <a:extLst>
               <a:ext uri="smNativeData">
-                <pr:smNativeData xmlns:pr="smNativeData" val="SMDATA_13_m5rdZRMAAAAlAAAAZAAAAA8BAAAAkAAAAEgAAACQAAAASAAAAAAAAAABAAAAAAAAAAEAAABQAAAAAAAAAAAA4D8AAAAAAADgPwAAAAAAAOA/AAAAAAAA4D8AAAAAAADgPwAAAAAAAOA/AAAAAAAA4D8AAAAAAADgPwAAAAAAAOA/AAAAAAAA4D8CAAAAjAAAAAAAAAAAAAAAu+DjDP///wgAAAAAAAAAAAAAAAAAAAAAAAAAAAAAAAAAAAAAZAAAAAEAAABAAAAAAAAAAAAAAAAAAAAAAAAAAAAAAAAAAAAAAAAAAAAAAAAAAAAAAAAAAAAAAAAAAAAAAAAAAAAAAAAAAAAAAAAAAAAAAAAAAAAAAAAAAAAAAAAAAAAAFAAAADwAAAAAAAAAAAAAAAAAAAkUAAAAAQAAABQAAAAUAAAAFAAAAAEAAAAAAAAAZAAAAGQAAAAAAAAAZAAAAGQAAAAVAAAAYAAAAAAAAAAAAAAADwAAACADAAAAAAAAAAAAAAEAAACgMgAAVgcAAKr4//8BAAAAf39/AAEAAABkAAAAAAAAABQAAABAHwAAAAAAACYAAAAAAAAAwOD//wAAAAAmAAAAZAAAABYAAABMAAAAAAAAAAAAAAAEAAAAAAAAAAEAAACAgIAKAAAAACgAAAAoAAAAZAAAAGQAAAAAAAAAzMzMAAAAAABQAAAAUAAAAGQAAABkAAAAAAAAABcAAAAUAAAAAAAAAAAAAAD/fwAA/38AAAAAAAAJAAAABAAAACIi0j8MAAAAEAAAAAAAAAAAAAAAAAAAAAAAAAAeAAAAaAAAAAAAAAAAAAAAAAAAAAAAAAAAAAAAECcAABAnAAAAAAAAAAAAAAAAAAAAAAAAAAAAAAAAAAAAAAAAAAAAABQAAAAAAAAAwMD/AAAAAABkAAAAMgAAAAAAAABkAAAAAAAAAH9/fwAKAAAAHwAAAFQAAAC74OMF////AQAAAAAAAAAAAAAAAAAAAAAAAAAAAAAAAAAAAAAAAAAAAAAAAn9/fwCAgIADzMzMAMDA/wB/f38AAAAAAAAAAAAAAAAAAAAAAAAAAAAhAAAAGAAAABQAAABGBAAANQIAABY0AABBCwAAAAAAACYAAAAIAAAAAQAAAAAAAAA="/>
+                <pr:smNativeData xmlns:pr="smNativeData" val="SMDATA_13_HSHgZRMAAAAlAAAAZAAAAA8BAAAAkAAAAEgAAACQAAAASAAAAAAAAAABAAAAAAAAAAEAAABQAAAAAAAAAAAA4D8AAAAAAADgPwAAAAAAAOA/AAAAAAAA4D8AAAAAAADgPwAAAAAAAOA/AAAAAAAA4D8AAAAAAADgPwAAAAAAAOA/AAAAAAAA4D8CAAAAjAAAAAAAAAAAAAAAu+DjDP///wgAAAAAAAAAAAAAAAAAAAAAAAAAAAAAAAAAAAAAZAAAAAEAAABAAAAAAAAAAAAAAAAAAAAAAAAAAAAAAAAAAAAAAAAAAAAAAAAAAAAAAAAAAAAAAAAAAAAAAAAAAAAAAAAAAAAAAAAAAAAAAAAAAAAAAAAAAAAAAAAAAAAAFAAAADwAAAAAAAAAAAAAAAAAAAkUAAAAAQAAABQAAAAUAAAAFAAAAAEAAAAAAAAAZAAAAGQAAAAAAAAAZAAAAGQAAAAVAAAAYAAAAAAAAAAAAAAADwAAACADAAAAAAAAAAAAAAEAAACgMgAAVgcAAKr4//8BAAAAf39/AAEAAABkAAAAAAAAABQAAABAHwAAAAAAACYAAAAAAAAAwOD//wAAAAAmAAAAZAAAABYAAABMAAAAAAAAAAAAAAAEAAAAAAAAAAEAAACAgIAKAAAAACgAAAAoAAAAZAAAAGQAAAAAAAAAzMzMAAAAAABQAAAAUAAAAGQAAABkAAAAAAAAABcAAAAUAAAAAAAAAAAAAAD/fwAA/38AAAAAAAAJAAAABAAAACIi0j8MAAAAEAAAAAAAAAAAAAAAAAAAAAAAAAAeAAAAaAAAAAAAAAAAAAAAAAAAAAAAAAAAAAAAECcAABAnAAAAAAAAAAAAAAAAAAAAAAAAAAAAAAAAAAAAAAAAAAAAABQAAAAAAAAAwMD/AAAAAABkAAAAMgAAAAAAAABkAAAAAAAAAH9/fwAKAAAAHwAAAFQAAAC74OMF////AQAAAAAAAAAAAAAAAAAAAAAAAAAAAAAAAAAAAAAAAAAAAAAAAn9/fwCAgIADzMzMAMDA/wB/f38AAAAAAAAAAAAAAAAAAAAAAAAAAAAhAAAAGAAAABQAAABGBAAANQIAABY0AABBCwAAEAAAACYAAAAIAAAAAQAAAAAAAAA="/>
               </a:ext>
             </a:extLst>
           </p:cNvSpPr>
@@ -9748,7 +9803,7 @@
             <a:spLocks noGrp="1" noChangeArrowheads="1"/>
             <a:extLst>
               <a:ext uri="smNativeData">
-                <pr:smNativeData xmlns:pr="smNativeData" val="SMDATA_13_m5rdZRMAAAAlAAAAZAAAAA8BAAAAkAAAAEgAAACQAAAASAAAAAAAAAAAAAAAAAAAAAEAAABQAAAAAAAAAAAA4D8AAAAAAADgPwAAAAAAAOA/AAAAAAAA4D8AAAAAAADgPwAAAAAAAOA/AAAAAAAA4D8AAAAAAADgPwAAAAAAAOA/AAAAAAAA4D8CAAAAjAAAAAAAAAAAAAAAu+DjDP///wgAAAAAAAAAAAAAAAAAAAAAAAAAAAAAAAAAAAAAZAAAAAEAAABAAAAAAAAAAAAAAAAAAAAAAAAAAAAAAAAAAAAAAAAAAAAAAAAAAAAAAAAAAAAAAAAAAAAAAAAAAAAAAAAAAAAAAAAAAAAAAAAAAAAAAAAAAAAAAAAAAAAAFAAAADwAAAAAAAAAAAAAAAAAAAkUAAAAAQAAABQAAAAUAAAAFAAAAAEAAAAAAAAAZAAAAGQAAAAAAAAAZAAAAGQAAAAVAAAAYAAAAAAAAAAAAAAADwAAACADAAAAAAAAAAAAAAEAAACgMgAAVgcAAKr4//8BAAAAf39/AAEAAABkAAAAAAAAABQAAABAHwAAAAAAACYAAAAAAAAAwOD//wAAAAAmAAAAZAAAABYAAABMAAAAAAAAAAAAAAAEAAAAAAAAAAEAAACAgIAKAAAAACgAAAAoAAAAZAAAAGQAAAAAAAAAzMzMAAAAAABQAAAAUAAAAGQAAABkAAAAAAAAABcAAAAUAAAAAAAAAAAAAAD/fwAA/38AAAAAAAAJAAAABAAAAAAAAAAMAAAAEAAAAAAAAAAAAAAAAAAAAAAAAAAeAAAAaAAAAAAAAAAAAAAAAAAAAAAAAAAAAAAAECcAABAnAAAAAAAAAAAAAAAAAAAAAAAAAAAAAAAAAAAAAAAAAAAAABQAAAAAAAAAwMD/AAAAAABkAAAAMgAAAAAAAABkAAAAAAAAAH9/fwAKAAAAHwAAAFQAAAC74OMF////AQAAAAAAAAAAAAAAAAAAAAAAAAAAAAAAAAAAAAAAAAAAAAAAAn9/fwCAgIADzMzMAMDA/wB/f38AAAAAAAAAAAAAAAAAAAAAAAAAAAAhAAAAGAAAABQAAABMCAAA6wsAAKwvAABJJwAAAAAAACYAAAAIAAAAAQAAAAAAAAA="/>
+                <pr:smNativeData xmlns:pr="smNativeData" val="SMDATA_13_HSHgZRMAAAAlAAAAZAAAAA8BAAAAkAAAAEgAAACQAAAASAAAAAAAAAAAAAAAAAAAAAEAAABQAAAAAAAAAAAA4D8AAAAAAADgPwAAAAAAAOA/AAAAAAAA4D8AAAAAAADgPwAAAAAAAOA/AAAAAAAA4D8AAAAAAADgPwAAAAAAAOA/AAAAAAAA4D8CAAAAjAAAAAAAAAAAAAAAu+DjDP///wgAAAAAAAAAAAAAAAAAAAAAAAAAAAAAAAAAAAAAZAAAAAEAAABAAAAAAAAAAAAAAAAAAAAAAAAAAAAAAAAAAAAAAAAAAAAAAAAAAAAAAAAAAAAAAAAAAAAAAAAAAAAAAAAAAAAAAAAAAAAAAAAAAAAAAAAAAAAAAAAAAAAAFAAAADwAAAAAAAAAAAAAAAAAAAkUAAAAAQAAABQAAAAUAAAAFAAAAAEAAAAAAAAAZAAAAGQAAAAAAAAAZAAAAGQAAAAVAAAAYAAAAAAAAAAAAAAADwAAACADAAAAAAAAAAAAAAEAAACgMgAAVgcAAKr4//8BAAAAf39/AAEAAABkAAAAAAAAABQAAABAHwAAAAAAACYAAAAAAAAAwOD//wAAAAAmAAAAZAAAABYAAABMAAAAAAAAAAAAAAAEAAAAAAAAAAEAAACAgIAKAAAAACgAAAAoAAAAZAAAAGQAAAAAAAAAzMzMAAAAAABQAAAAUAAAAGQAAABkAAAAAAAAABcAAAAUAAAAAAAAAAAAAAD/fwAA/38AAAAAAAAJAAAABAAAAAAAAAAMAAAAEAAAAAAAAAAAAAAAAAAAAAAAAAAeAAAAaAAAAAAAAAAAAAAAAAAAAAAAAAAAAAAAECcAABAnAAAAAAAAAAAAAAAAAAAAAAAAAAAAAAAAAAAAAAAAAAAAABQAAAAAAAAAwMD/AAAAAABkAAAAMgAAAAAAAABkAAAAAAAAAH9/fwAKAAAAHwAAAFQAAAC74OMF////AQAAAAAAAAAAAAAAAAAAAAAAAAAAAAAAAAAAAAAAAAAAAAAAAn9/fwCAgIADzMzMAMDA/wB/f38AAAAAAAAAAAAAAAAAAAAAAAAAAAAhAAAAGAAAABQAAABMCAAA6wsAAKwvAABJJwAAEAAAACYAAAAIAAAAAQAAAAAAAAA="/>
               </a:ext>
             </a:extLst>
           </p:cNvSpPr>
@@ -9850,7 +9905,7 @@
             <a:spLocks noGrp="1" noChangeArrowheads="1"/>
             <a:extLst>
               <a:ext uri="smNativeData">
-                <pr:smNativeData xmlns:pr="smNativeData" val="SMDATA_13_m5rdZRMAAAAlAAAAZAAAAA8BAAAAkAAAAEgAAACQAAAASAAAAAAAAAAAAAAAAAAAAAEAAABQAAAAAAAAAAAA4D8AAAAAAADgPwAAAAAAAOA/AAAAAAAA4D8AAAAAAADgPwAAAAAAAOA/AAAAAAAA4D8AAAAAAADgPwAAAAAAAOA/AAAAAAAA4D8CAAAAjAAAAAAAAAAAAAAAu+DjDP///wgAAAAAAAAAAAAAAAAAAAAAAAAAAAAAAAAAAAAAZAAAAAEAAABAAAAAAAAAAAAAAAAAAAAAAAAAAAAAAAAAAAAAAAAAAAAAAAAAAAAAAAAAAAAAAAAAAAAAAAAAAAAAAAAAAAAAAAAAAAAAAAAAAAAAAAAAAAAAAAAAAAAAFAAAADwAAAAAAAAAAAAAAAAAAAkUAAAAAQAAABQAAAAUAAAAFAAAAAEAAAAAAAAAZAAAAGQAAAAAAAAAZAAAAGQAAAAVAAAAYAAAAAAAAAAAAAAADwAAACADAAAAAAAAAAAAAAEAAACgMgAAVgcAAKr4//8BAAAAf39/AAEAAABkAAAAAAAAABQAAABAHwAAAAAAACYAAAAAAAAAwOD//wAAAAAmAAAAZAAAABYAAABMAAAAAAAAAAAAAAAEAAAAAAAAAAEAAACAgIAKAAAAACgAAAAoAAAAZAAAAGQAAAAAAAAAzMzMAAAAAABQAAAAUAAAAGQAAABkAAAAAAAAABcAAAAUAAAAAAAAAAAAAAD/fwAA/38AAAAAAAAJAAAABAAAAPf///8MAAAAEAAAAAAAAAAAAAAAAAAAAAAAAAAeAAAAaAAAAAAAAAAAAAAAAAAAAAAAAAAAAAAAECcAABAnAAAAAAAAAAAAAAAAAAAAAAAAAAAAAAAAAAAAAAAAAAAAABQAAAAAAAAAwMD/AAAAAABkAAAAMgAAAAAAAABkAAAAAAAAAH9/fwAKAAAAHwAAAFQAAAC74OMF////AQAAAAAAAAAAAAAAAAAAAAAAAAAAAAAAAAAAAAAAAAAAAAAAAn9/fwCAgIADzMzMAMDA/wB/f38AAAAAAAAAAAAAAAAAAAAAAAAAAAAhAAAAGAAAABQAAABwCAAANQIAANAvAACwIgAAAAAAACYAAAAIAAAAAQAAAAAAAAA="/>
+                <pr:smNativeData xmlns:pr="smNativeData" val="SMDATA_13_HSHgZRMAAAAlAAAAZAAAAA8BAAAAkAAAAEgAAACQAAAASAAAAAAAAAAAAAAAAAAAAAEAAABQAAAAAAAAAAAA4D8AAAAAAADgPwAAAAAAAOA/AAAAAAAA4D8AAAAAAADgPwAAAAAAAOA/AAAAAAAA4D8AAAAAAADgPwAAAAAAAOA/AAAAAAAA4D8CAAAAjAAAAAAAAAAAAAAAu+DjDP///wgAAAAAAAAAAAAAAAAAAAAAAAAAAAAAAAAAAAAAZAAAAAEAAABAAAAAAAAAAAAAAAAAAAAAAAAAAAAAAAAAAAAAAAAAAAAAAAAAAAAAAAAAAAAAAAAAAAAAAAAAAAAAAAAAAAAAAAAAAAAAAAAAAAAAAAAAAAAAAAAAAAAAFAAAADwAAAAAAAAAAAAAAAAAAAkUAAAAAQAAABQAAAAUAAAAFAAAAAEAAAAAAAAAZAAAAGQAAAAAAAAAZAAAAGQAAAAVAAAAYAAAAAAAAAAAAAAADwAAACADAAAAAAAAAAAAAAEAAACgMgAAVgcAAKr4//8BAAAAf39/AAEAAABkAAAAAAAAABQAAABAHwAAAAAAACYAAAAAAAAAwOD//wAAAAAmAAAAZAAAABYAAABMAAAAAAAAAAAAAAAEAAAAAAAAAAEAAACAgIAKAAAAACgAAAAoAAAAZAAAAGQAAAAAAAAAzMzMAAAAAABQAAAAUAAAAGQAAABkAAAAAAAAABcAAAAUAAAAAAAAAAAAAAD/fwAA/38AAAAAAAAJAAAABAAAAPf///8MAAAAEAAAAAAAAAAAAAAAAAAAAAAAAAAeAAAAaAAAAAAAAAAAAAAAAAAAAAAAAAAAAAAAECcAABAnAAAAAAAAAAAAAAAAAAAAAAAAAAAAAAAAAAAAAAAAAAAAABQAAAAAAAAAwMD/AAAAAABkAAAAMgAAAAAAAABkAAAAAAAAAH9/fwAKAAAAHwAAAFQAAAC74OMF////AQAAAAAAAAAAAAAAAAAAAAAAAAAAAAAAAAAAAAAAAAAAAAAAAn9/fwCAgIADzMzMAMDA/wB/f38AAAAAAAAAAAAAAAAAAAAAAAAAAAAhAAAAGAAAABQAAABwCAAANQIAANAvAACwIgAAAAAAACYAAAAIAAAAAQAAAAAAAAA="/>
               </a:ext>
             </a:extLst>
           </p:cNvSpPr>
@@ -9903,7 +9958,7 @@
               <a:buChar char=""/>
             </a:pPr>
             <a:r>
-              <a:t>Both parties will give mutual aid to eachother in future endeavours.</a:t>
+              <a:t>Both parties will give mutual aid to each other in future endeavours.</a:t>
             </a:r>
           </a:p>
           <a:p>
@@ -10305,7 +10360,7 @@
     </p:bldLst>
     <p:extLst>
       <p:ext uri="smNativeData">
-        <pr:smNativeData xmlns:pr="smNativeData" val="m5rdZQcAAAAFAAAAAAAAAAEAAAABAAAAAAAAAAAAAAAAAAAAAAAAAAkAAAABAAAAAQAAAAEAAAAAAAAAAAAAAAAAAAAAAAAADQAAAAIAAAABAAAAAQAAAAAAAAAAAAAAAAAAAAAAAAARAAAAAwAAAAEAAAABAAAAAAAAAAAAAAAAAAAAAAAAABUAAAAEAAAAAQAAAAEAAAAAAAAAAAAAAAAAAAAAAAAAGQAAAAUAAAABAAAAAQAAAAAAAAAAAAAAAAAAAAAAAAAdAAAABgAAAAEAAAABAAAAAAAAAAAAAAAAAAAAAAAAAA=="/>
+        <pr:smNativeData xmlns:pr="smNativeData" val="HSHgZQcAAAAFAAAAAAAAAAEAAAABAAAAAAAAAAAAAAAAAAAAAAAAAAkAAAABAAAAAQAAAAEAAAAAAAAAAAAAAAAAAAAAAAAADQAAAAIAAAABAAAAAQAAAAAAAAAAAAAAAAAAAAAAAAARAAAAAwAAAAEAAAABAAAAAAAAAAAAAAAAAAAAAAAAABUAAAAEAAAAAQAAAAEAAAAAAAAAAAAAAAAAAAAAAAAAGQAAAAUAAAABAAAAAQAAAAAAAAAAAAAAAAAAAAAAAAAdAAAABgAAAAEAAAABAAAAAAAAAAAAAAAAAAAAAAAAAA=="/>
       </p:ext>
     </p:extLst>
   </p:timing>
@@ -10336,7 +10391,7 @@
             <a:spLocks noGrp="1" noChangeArrowheads="1"/>
             <a:extLst>
               <a:ext uri="smNativeData">
-                <pr:smNativeData xmlns:pr="smNativeData" val="SMDATA_13_m5rdZRMAAAAlAAAAZAAAAA8BAAAAkAAAAEgAAACQAAAASAAAAAAAAAABAAAAAAAAAAEAAABQAAAAAAAAAAAA4D8AAAAAAADgPwAAAAAAAOA/AAAAAAAA4D8AAAAAAADgPwAAAAAAAOA/AAAAAAAA4D8AAAAAAADgPwAAAAAAAOA/AAAAAAAA4D8CAAAAjAAAAAAAAAAAAAAAu+DjDP///wgAAAAAAAAAAAAAAAAAAAAAAAAAAAAAAAAAAAAAZAAAAAEAAABAAAAAAAAAAAAAAAAAAAAAAAAAAAAAAAAAAAAAAAAAAAAAAAAAAAAAAAAAAAAAAAAAAAAAAAAAAAAAAAAAAAAAAAAAAAAAAAAAAAAAAAAAAAAAAAAAAAAAFAAAADwAAAAAAAAAAAAAAAAAAAkUAAAAAQAAABQAAAAUAAAAFAAAAAEAAAAAAAAAZAAAAGQAAAAAAAAAZAAAAGQAAAAVAAAAYAAAAAAAAAAAAAAADwAAACADAAAAAAAAAAAAAAEAAACgMgAAVgcAAKr4//8BAAAAf39/AAEAAABkAAAAAAAAABQAAABAHwAAAAAAACYAAAAAAAAAwOD//wAAAAAmAAAAZAAAABYAAABMAAAAAAAAAAAAAAAEAAAAAAAAAAEAAACAgIAKAAAAACgAAAAoAAAAZAAAAGQAAAAAAAAAzMzMAAAAAABQAAAAUAAAAGQAAABkAAAAAAAAABcAAAAUAAAAAAAAAAAAAAD/fwAA/38AAAAAAAAJAAAABAAAALv///8MAAAAEAAAAAAAAAAAAAAAAAAAAAAAAAAeAAAAaAAAAAAAAAAAAAAAAAAAAAAAAAAAAAAAECcAABAnAAAAAAAAAAAAAAAAAAAAAAAAAAAAAAAAAAAAAAAAAAAAABQAAAAAAAAAwMD/AAAAAABkAAAAMgAAAAAAAABkAAAAAAAAAH9/fwAKAAAAHwAAAFQAAAC74OMF////AQAAAAAAAAAAAAAAAAAAAAAAAAAAAAAAAAAAAAAAAAAAAAAAAn9/fwCAgIADzMzMAMDA/wB/f38AAAAAAAAAAAAAAAAAAAAAAAAAAAAhAAAAGAAAABQAAABGBAAAGwEAABY0AAAnCgAAAAAAACYAAAAIAAAAAQAAAAAAAAA="/>
+                <pr:smNativeData xmlns:pr="smNativeData" val="SMDATA_13_HSHgZRMAAAAlAAAAZAAAAA8BAAAAkAAAAEgAAACQAAAASAAAAAAAAAABAAAAAAAAAAEAAABQAAAAAAAAAAAA4D8AAAAAAADgPwAAAAAAAOA/AAAAAAAA4D8AAAAAAADgPwAAAAAAAOA/AAAAAAAA4D8AAAAAAADgPwAAAAAAAOA/AAAAAAAA4D8CAAAAjAAAAAAAAAAAAAAAu+DjDP///wgAAAAAAAAAAAAAAAAAAAAAAAAAAAAAAAAAAAAAZAAAAAEAAABAAAAAAAAAAAAAAAAAAAAAAAAAAAAAAAAAAAAAAAAAAAAAAAAAAAAAAAAAAAAAAAAAAAAAAAAAAAAAAAAAAAAAAAAAAAAAAAAAAAAAAAAAAAAAAAAAAAAAFAAAADwAAAAAAAAAAAAAAAAAAAkUAAAAAQAAABQAAAAUAAAAFAAAAAEAAAAAAAAAZAAAAGQAAAAAAAAAZAAAAGQAAAAVAAAAYAAAAAAAAAAAAAAADwAAACADAAAAAAAAAAAAAAEAAACgMgAAVgcAAKr4//8BAAAAf39/AAEAAABkAAAAAAAAABQAAABAHwAAAAAAACYAAAAAAAAAwOD//wAAAAAmAAAAZAAAABYAAABMAAAAAAAAAAAAAAAEAAAAAAAAAAEAAACAgIAKAAAAACgAAAAoAAAAZAAAAGQAAAAAAAAAzMzMAAAAAABQAAAAUAAAAGQAAABkAAAAAAAAABcAAAAUAAAAAAAAAAAAAAD/fwAA/38AAAAAAAAJAAAABAAAALv///8MAAAAEAAAAAAAAAAAAAAAAAAAAAAAAAAeAAAAaAAAAAAAAAAAAAAAAAAAAAAAAAAAAAAAECcAABAnAAAAAAAAAAAAAAAAAAAAAAAAAAAAAAAAAAAAAAAAAAAAABQAAAAAAAAAwMD/AAAAAABkAAAAMgAAAAAAAABkAAAAAAAAAH9/fwAKAAAAHwAAAFQAAAC74OMF////AQAAAAAAAAAAAAAAAAAAAAAAAAAAAAAAAAAAAAAAAAAAAAAAAn9/fwCAgIADzMzMAMDA/wB/f38AAAAAAAAAAAAAAAAAAAAAAAAAAAAhAAAAGAAAABQAAABGBAAAGwEAABY0AAAnCgAAEAAAACYAAAAIAAAAAQAAAAAAAAA="/>
               </a:ext>
             </a:extLst>
           </p:cNvSpPr>
@@ -10374,7 +10429,7 @@
             <a:spLocks noGrp="1" noChangeArrowheads="1"/>
             <a:extLst>
               <a:ext uri="smNativeData">
-                <pr:smNativeData xmlns:pr="smNativeData" val="SMDATA_13_m5rdZRMAAAAlAAAAZAAAAA8BAAAAkAAAAEgAAACQAAAASAAAAAAAAAAAAAAAAAAAAAEAAABQAAAAAAAAAAAA4D8AAAAAAADgPwAAAAAAAOA/AAAAAAAA4D8AAAAAAADgPwAAAAAAAOA/AAAAAAAA4D8AAAAAAADgPwAAAAAAAOA/AAAAAAAA4D8CAAAAjAAAAAAAAAAAAAAAu+DjDP///wgAAAAAAAAAAAAAAAAAAAAAAAAAAAAAAAAAAAAAZAAAAAEAAABAAAAAAAAAAAAAAAAAAAAAAAAAAAAAAAAAAAAAAAAAAAAAAAAAAAAAAAAAAAAAAAAAAAAAAAAAAAAAAAAAAAAAAAAAAAAAAAAAAAAAAAAAAAAAAAAAAAAAFAAAADwAAAAAAAAAAAAAAAAAAAkUAAAAAQAAABQAAAAUAAAAFAAAAAEAAAAAAAAAZAAAAGQAAAAAAAAAZAAAAGQAAAAVAAAAYAAAAAAAAAAAAAAADwAAACADAAAAAAAAAAAAAAEAAACgMgAAVgcAAKr4//8BAAAAf39/AAEAAABkAAAAAAAAABQAAABAHwAAAAAAACYAAAAAAAAAwOD//wAAAAAmAAAAZAAAABYAAABMAAAAAAAAAAAAAAAEAAAAAAAAAAEAAACAgIAKAAAAACgAAAAoAAAAZAAAAGQAAAAAAAAAzMzMAAAAAABQAAAAUAAAAGQAAABkAAAAAAAAABcAAAAUAAAAAAAAAAAAAAD/fwAA/38AAAAAAAAJAAAABAAAAPD///8MAAAAEAAAAAAAAAAAAAAAAAAAAAAAAAAeAAAAaAAAAAAAAAAAAAAAAAAAAAAAAAAAAAAAECcAABAnAAAAAAAAAAAAAAAAAAAAAAAAAAAAAAAAAAAAAAAAAAAAABQAAAAAAAAAwMD/AAAAAABkAAAAMgAAAAAAAABkAAAAAAAAAH9/fwAKAAAAHwAAAFQAAAC74OMF////AQAAAAAAAAAAAAAAAAAAAAAAAAAAAAAAAAAAAAAAAAAAAAAAAn9/fwCAgIADzMzMAMDA/wB/f38AAAAAAAAAAAAAAAAAAAAAAAAAAAAhAAAAGAAAABQAAABwCAAACQsAANAvAADYJgAAAAAAACYAAAAIAAAAAQAAAAAAAAA="/>
+                <pr:smNativeData xmlns:pr="smNativeData" val="SMDATA_13_HSHgZRMAAAAlAAAAZAAAAA8BAAAAkAAAAEgAAACQAAAASAAAAAAAAAAAAAAAAAAAAAEAAABQAAAAAAAAAAAA4D8AAAAAAADgPwAAAAAAAOA/AAAAAAAA4D8AAAAAAADgPwAAAAAAAOA/AAAAAAAA4D8AAAAAAADgPwAAAAAAAOA/AAAAAAAA4D8CAAAAjAAAAAAAAAAAAAAAu+DjDP///wgAAAAAAAAAAAAAAAAAAAAAAAAAAAAAAAAAAAAAZAAAAAEAAABAAAAAAAAAAAAAAAAAAAAAAAAAAAAAAAAAAAAAAAAAAAAAAAAAAAAAAAAAAAAAAAAAAAAAAAAAAAAAAAAAAAAAAAAAAAAAAAAAAAAAAAAAAAAAAAAAAAAAFAAAADwAAAAAAAAAAAAAAAAAAAkUAAAAAQAAABQAAAAUAAAAFAAAAAEAAAAAAAAAZAAAAGQAAAAAAAAAZAAAAGQAAAAVAAAAYAAAAAAAAAAAAAAADwAAACADAAAAAAAAAAAAAAEAAACgMgAAVgcAAKr4//8BAAAAf39/AAEAAABkAAAAAAAAABQAAABAHwAAAAAAACYAAAAAAAAAwOD//wAAAAAmAAAAZAAAABYAAABMAAAAAAAAAAAAAAAEAAAAAAAAAAEAAACAgIAKAAAAACgAAAAoAAAAZAAAAGQAAAAAAAAAzMzMAAAAAABQAAAAUAAAAGQAAABkAAAAAAAAABcAAAAUAAAAAAAAAAAAAAD/fwAA/38AAAAAAAAJAAAABAAAAPD///8MAAAAEAAAAAAAAAAAAAAAAAAAAAAAAAAeAAAAaAAAAAAAAAAAAAAAAAAAAAAAAAAAAAAAECcAABAnAAAAAAAAAAAAAAAAAAAAAAAAAAAAAAAAAAAAAAAAAAAAABQAAAAAAAAAwMD/AAAAAABkAAAAMgAAAAAAAABkAAAAAAAAAH9/fwAKAAAAHwAAAFQAAAC74OMF////AQAAAAAAAAAAAAAAAAAAAAAAAAAAAAAAAAAAAAAAAAAAAAAAAn9/fwCAgIADzMzMAMDA/wB/f38AAAAAAAAAAAAAAAAAAAAAAAAAAAAhAAAAGAAAABQAAABwCAAACQsAANAvAADYJgAAEAAAACYAAAAIAAAAAQAAAAAAAAA="/>
               </a:ext>
             </a:extLst>
           </p:cNvSpPr>
@@ -11236,6 +11291,47 @@
       </a:clrScheme>
       <a:clrMap bg1="lt1" tx1="dk1" bg2="lt2" tx2="dk2" accent1="accent1" accent2="accent2" accent3="accent3" accent4="accent4" accent5="accent5" accent6="accent6" hlink="hlink" folHlink="folHlink"/>
     </a:extraClrScheme>
+    <a:extraClrScheme>
+      <a:clrScheme name="Presentation 14">
+        <a:dk1>
+          <a:srgbClr val="000000"/>
+        </a:dk1>
+        <a:lt1>
+          <a:srgbClr val="FFFFFF"/>
+        </a:lt1>
+        <a:dk2>
+          <a:srgbClr val="000000"/>
+        </a:dk2>
+        <a:lt2>
+          <a:srgbClr val="808080"/>
+        </a:lt2>
+        <a:accent1>
+          <a:srgbClr val="BBE0E3"/>
+        </a:accent1>
+        <a:accent2>
+          <a:srgbClr val="333399"/>
+        </a:accent2>
+        <a:accent3>
+          <a:srgbClr val="535379"/>
+        </a:accent3>
+        <a:accent4>
+          <a:srgbClr val="737359"/>
+        </a:accent4>
+        <a:accent5>
+          <a:srgbClr val="939339"/>
+        </a:accent5>
+        <a:accent6>
+          <a:srgbClr val="B3B319"/>
+        </a:accent6>
+        <a:hlink>
+          <a:srgbClr val="009999"/>
+        </a:hlink>
+        <a:folHlink>
+          <a:srgbClr val="99CC00"/>
+        </a:folHlink>
+      </a:clrScheme>
+      <a:clrMap bg1="lt1" tx1="dk1" bg2="lt2" tx2="dk2" accent1="accent1" accent2="accent2" accent3="accent3" accent4="accent4" accent5="accent5" accent6="accent6" hlink="hlink" folHlink="folHlink"/>
+    </a:extraClrScheme>
   </a:extraClrSchemeLst>
 </a:theme>
 </file>